--- a/モデリング/車両/03/03.pptx
+++ b/モデリング/車両/03/03.pptx
@@ -259,7 +259,7 @@
           <a:p>
             <a:fld id="{4452E1B7-8995-CD47-BA2C-CAD4F0B61F9F}" type="datetimeFigureOut">
               <a:rPr kumimoji="1" lang="ja-JP" altLang="en-US" smtClean="0"/>
-              <a:t>2024/9/24</a:t>
+              <a:t>2024/9/25</a:t>
             </a:fld>
             <a:endParaRPr kumimoji="1" lang="ja-JP" altLang="en-US"/>
           </a:p>
@@ -489,7 +489,7 @@
           <a:p>
             <a:fld id="{4452E1B7-8995-CD47-BA2C-CAD4F0B61F9F}" type="datetimeFigureOut">
               <a:rPr kumimoji="1" lang="ja-JP" altLang="en-US" smtClean="0"/>
-              <a:t>2024/9/24</a:t>
+              <a:t>2024/9/25</a:t>
             </a:fld>
             <a:endParaRPr kumimoji="1" lang="ja-JP" altLang="en-US"/>
           </a:p>
@@ -729,7 +729,7 @@
           <a:p>
             <a:fld id="{4452E1B7-8995-CD47-BA2C-CAD4F0B61F9F}" type="datetimeFigureOut">
               <a:rPr kumimoji="1" lang="ja-JP" altLang="en-US" smtClean="0"/>
-              <a:t>2024/9/24</a:t>
+              <a:t>2024/9/25</a:t>
             </a:fld>
             <a:endParaRPr kumimoji="1" lang="ja-JP" altLang="en-US"/>
           </a:p>
@@ -959,7 +959,7 @@
           <a:p>
             <a:fld id="{4452E1B7-8995-CD47-BA2C-CAD4F0B61F9F}" type="datetimeFigureOut">
               <a:rPr kumimoji="1" lang="ja-JP" altLang="en-US" smtClean="0"/>
-              <a:t>2024/9/24</a:t>
+              <a:t>2024/9/25</a:t>
             </a:fld>
             <a:endParaRPr kumimoji="1" lang="ja-JP" altLang="en-US"/>
           </a:p>
@@ -1234,7 +1234,7 @@
           <a:p>
             <a:fld id="{4452E1B7-8995-CD47-BA2C-CAD4F0B61F9F}" type="datetimeFigureOut">
               <a:rPr kumimoji="1" lang="ja-JP" altLang="en-US" smtClean="0"/>
-              <a:t>2024/9/24</a:t>
+              <a:t>2024/9/25</a:t>
             </a:fld>
             <a:endParaRPr kumimoji="1" lang="ja-JP" altLang="en-US"/>
           </a:p>
@@ -1563,7 +1563,7 @@
           <a:p>
             <a:fld id="{4452E1B7-8995-CD47-BA2C-CAD4F0B61F9F}" type="datetimeFigureOut">
               <a:rPr kumimoji="1" lang="ja-JP" altLang="en-US" smtClean="0"/>
-              <a:t>2024/9/24</a:t>
+              <a:t>2024/9/25</a:t>
             </a:fld>
             <a:endParaRPr kumimoji="1" lang="ja-JP" altLang="en-US"/>
           </a:p>
@@ -2039,7 +2039,7 @@
           <a:p>
             <a:fld id="{4452E1B7-8995-CD47-BA2C-CAD4F0B61F9F}" type="datetimeFigureOut">
               <a:rPr kumimoji="1" lang="ja-JP" altLang="en-US" smtClean="0"/>
-              <a:t>2024/9/24</a:t>
+              <a:t>2024/9/25</a:t>
             </a:fld>
             <a:endParaRPr kumimoji="1" lang="ja-JP" altLang="en-US"/>
           </a:p>
@@ -2180,7 +2180,7 @@
           <a:p>
             <a:fld id="{4452E1B7-8995-CD47-BA2C-CAD4F0B61F9F}" type="datetimeFigureOut">
               <a:rPr kumimoji="1" lang="ja-JP" altLang="en-US" smtClean="0"/>
-              <a:t>2024/9/24</a:t>
+              <a:t>2024/9/25</a:t>
             </a:fld>
             <a:endParaRPr kumimoji="1" lang="ja-JP" altLang="en-US"/>
           </a:p>
@@ -2293,7 +2293,7 @@
           <a:p>
             <a:fld id="{4452E1B7-8995-CD47-BA2C-CAD4F0B61F9F}" type="datetimeFigureOut">
               <a:rPr kumimoji="1" lang="ja-JP" altLang="en-US" smtClean="0"/>
-              <a:t>2024/9/24</a:t>
+              <a:t>2024/9/25</a:t>
             </a:fld>
             <a:endParaRPr kumimoji="1" lang="ja-JP" altLang="en-US"/>
           </a:p>
@@ -2636,7 +2636,7 @@
           <a:p>
             <a:fld id="{4452E1B7-8995-CD47-BA2C-CAD4F0B61F9F}" type="datetimeFigureOut">
               <a:rPr kumimoji="1" lang="ja-JP" altLang="en-US" smtClean="0"/>
-              <a:t>2024/9/24</a:t>
+              <a:t>2024/9/25</a:t>
             </a:fld>
             <a:endParaRPr kumimoji="1" lang="ja-JP" altLang="en-US"/>
           </a:p>
@@ -2924,7 +2924,7 @@
           <a:p>
             <a:fld id="{4452E1B7-8995-CD47-BA2C-CAD4F0B61F9F}" type="datetimeFigureOut">
               <a:rPr kumimoji="1" lang="ja-JP" altLang="en-US" smtClean="0"/>
-              <a:t>2024/9/24</a:t>
+              <a:t>2024/9/25</a:t>
             </a:fld>
             <a:endParaRPr kumimoji="1" lang="ja-JP" altLang="en-US"/>
           </a:p>
@@ -3197,7 +3197,7 @@
           <a:p>
             <a:fld id="{4452E1B7-8995-CD47-BA2C-CAD4F0B61F9F}" type="datetimeFigureOut">
               <a:rPr kumimoji="1" lang="ja-JP" altLang="en-US" smtClean="0"/>
-              <a:t>2024/9/24</a:t>
+              <a:t>2024/9/25</a:t>
             </a:fld>
             <a:endParaRPr kumimoji="1" lang="ja-JP" altLang="en-US"/>
           </a:p>
@@ -3696,7 +3696,7 @@
         </p:blipFill>
         <p:spPr>
           <a:xfrm>
-            <a:off x="465993" y="1406769"/>
+            <a:off x="249872" y="975799"/>
             <a:ext cx="4422530" cy="1295400"/>
           </a:xfrm>
           <a:prstGeom prst="rect">
@@ -3739,9 +3739,9 @@
                 <a:srgbClr val="93969A"/>
               </a:gs>
               <a:gs pos="96000">
-                <a:srgbClr val="7A776F"/>
+                <a:srgbClr val="868480"/>
               </a:gs>
-              <a:gs pos="93000">
+              <a:gs pos="91000">
                 <a:srgbClr val="B0ACA2"/>
               </a:gs>
             </a:gsLst>
@@ -3849,7 +3849,7 @@
         </p:nvSpPr>
         <p:spPr>
           <a:xfrm>
-            <a:off x="171719" y="1733061"/>
+            <a:off x="140457" y="1890057"/>
             <a:ext cx="109415" cy="969108"/>
           </a:xfrm>
           <a:prstGeom prst="roundRect">
@@ -3963,6 +3963,139 @@
           </a:p>
         </p:txBody>
       </p:sp>
+      <p:pic>
+        <p:nvPicPr>
+          <p:cNvPr id="3" name="図 2">
+            <a:extLst>
+              <a:ext uri="{FF2B5EF4-FFF2-40B4-BE49-F238E27FC236}">
+                <a16:creationId xmlns:a16="http://schemas.microsoft.com/office/drawing/2014/main" id="{B56BD623-6ED5-D1C1-BBC1-7202C83662EE}"/>
+              </a:ext>
+            </a:extLst>
+          </p:cNvPr>
+          <p:cNvPicPr>
+            <a:picLocks noChangeAspect="1"/>
+          </p:cNvPicPr>
+          <p:nvPr/>
+        </p:nvPicPr>
+        <p:blipFill>
+          <a:blip r:embed="rId7">
+            <a:alphaModFix/>
+            <a:extLst>
+              <a:ext uri="{BEBA8EAE-BF5A-486C-A8C5-ECC9F3942E4B}">
+                <a14:imgProps xmlns:a14="http://schemas.microsoft.com/office/drawing/2010/main">
+                  <a14:imgLayer r:embed="rId8">
+                    <a14:imgEffect>
+                      <a14:colorTemperature colorTemp="8594"/>
+                    </a14:imgEffect>
+                    <a14:imgEffect>
+                      <a14:saturation sat="0"/>
+                    </a14:imgEffect>
+                  </a14:imgLayer>
+                </a14:imgProps>
+              </a:ext>
+            </a:extLst>
+          </a:blip>
+          <a:stretch>
+            <a:fillRect/>
+          </a:stretch>
+        </p:blipFill>
+        <p:spPr>
+          <a:xfrm>
+            <a:off x="1068335" y="2963888"/>
+            <a:ext cx="335013" cy="1019710"/>
+          </a:xfrm>
+          <a:prstGeom prst="rect">
+            <a:avLst/>
+          </a:prstGeom>
+        </p:spPr>
+      </p:pic>
+      <p:pic>
+        <p:nvPicPr>
+          <p:cNvPr id="4" name="図 3">
+            <a:extLst>
+              <a:ext uri="{FF2B5EF4-FFF2-40B4-BE49-F238E27FC236}">
+                <a16:creationId xmlns:a16="http://schemas.microsoft.com/office/drawing/2014/main" id="{D6D51D46-A2D5-4574-F5CE-8C7A91EDAAB7}"/>
+              </a:ext>
+            </a:extLst>
+          </p:cNvPr>
+          <p:cNvPicPr>
+            <a:picLocks noChangeAspect="1"/>
+          </p:cNvPicPr>
+          <p:nvPr/>
+        </p:nvPicPr>
+        <p:blipFill>
+          <a:blip r:embed="rId4"/>
+          <a:srcRect l="7822" t="11920" r="88821" b="76804"/>
+          <a:stretch/>
+        </p:blipFill>
+        <p:spPr>
+          <a:xfrm>
+            <a:off x="816550" y="2908351"/>
+            <a:ext cx="148464" cy="146051"/>
+          </a:xfrm>
+          <a:prstGeom prst="rect">
+            <a:avLst/>
+          </a:prstGeom>
+        </p:spPr>
+      </p:pic>
+      <p:pic>
+        <p:nvPicPr>
+          <p:cNvPr id="6" name="図 5">
+            <a:extLst>
+              <a:ext uri="{FF2B5EF4-FFF2-40B4-BE49-F238E27FC236}">
+                <a16:creationId xmlns:a16="http://schemas.microsoft.com/office/drawing/2014/main" id="{B9F5F546-4996-2989-3880-4C8F3F4C9D7C}"/>
+              </a:ext>
+            </a:extLst>
+          </p:cNvPr>
+          <p:cNvPicPr>
+            <a:picLocks noChangeAspect="1"/>
+          </p:cNvPicPr>
+          <p:nvPr/>
+        </p:nvPicPr>
+        <p:blipFill>
+          <a:blip r:embed="rId4"/>
+          <a:srcRect t="93276" r="98132"/>
+          <a:stretch/>
+        </p:blipFill>
+        <p:spPr>
+          <a:xfrm>
+            <a:off x="465993" y="3983598"/>
+            <a:ext cx="82606" cy="87098"/>
+          </a:xfrm>
+          <a:prstGeom prst="rect">
+            <a:avLst/>
+          </a:prstGeom>
+        </p:spPr>
+      </p:pic>
+      <p:pic>
+        <p:nvPicPr>
+          <p:cNvPr id="8" name="図 7">
+            <a:extLst>
+              <a:ext uri="{FF2B5EF4-FFF2-40B4-BE49-F238E27FC236}">
+                <a16:creationId xmlns:a16="http://schemas.microsoft.com/office/drawing/2014/main" id="{320919A4-E457-D4CA-545A-56FD559C2E91}"/>
+              </a:ext>
+            </a:extLst>
+          </p:cNvPr>
+          <p:cNvPicPr>
+            <a:picLocks noChangeAspect="1"/>
+          </p:cNvPicPr>
+          <p:nvPr/>
+        </p:nvPicPr>
+        <p:blipFill>
+          <a:blip r:embed="rId4"/>
+          <a:srcRect l="23492" t="61010" r="54109" b="23794"/>
+          <a:stretch/>
+        </p:blipFill>
+        <p:spPr>
+          <a:xfrm>
+            <a:off x="1657350" y="2349500"/>
+            <a:ext cx="990600" cy="196849"/>
+          </a:xfrm>
+          <a:prstGeom prst="rect">
+            <a:avLst/>
+          </a:prstGeom>
+        </p:spPr>
+      </p:pic>
     </p:spTree>
     <p:extLst>
       <p:ext uri="{BB962C8B-B14F-4D97-AF65-F5344CB8AC3E}">

--- a/モデリング/車両/03/03.pptx
+++ b/モデリング/車両/03/03.pptx
@@ -3674,36 +3674,6 @@
           </a:prstGeom>
         </p:spPr>
       </p:pic>
-      <p:pic>
-        <p:nvPicPr>
-          <p:cNvPr id="9" name="図 8">
-            <a:extLst>
-              <a:ext uri="{FF2B5EF4-FFF2-40B4-BE49-F238E27FC236}">
-                <a16:creationId xmlns:a16="http://schemas.microsoft.com/office/drawing/2014/main" id="{BCA628A9-EA8F-DE6C-1764-3D5346C46C60}"/>
-              </a:ext>
-            </a:extLst>
-          </p:cNvPr>
-          <p:cNvPicPr>
-            <a:picLocks noChangeAspect="1"/>
-          </p:cNvPicPr>
-          <p:nvPr/>
-        </p:nvPicPr>
-        <p:blipFill>
-          <a:blip r:embed="rId4"/>
-          <a:stretch>
-            <a:fillRect/>
-          </a:stretch>
-        </p:blipFill>
-        <p:spPr>
-          <a:xfrm>
-            <a:off x="249872" y="975799"/>
-            <a:ext cx="4422530" cy="1295400"/>
-          </a:xfrm>
-          <a:prstGeom prst="rect">
-            <a:avLst/>
-          </a:prstGeom>
-        </p:spPr>
-      </p:pic>
       <p:sp>
         <p:nvSpPr>
           <p:cNvPr id="10" name="正方形/長方形 9">
@@ -3965,52 +3935,6 @@
       </p:sp>
       <p:pic>
         <p:nvPicPr>
-          <p:cNvPr id="3" name="図 2">
-            <a:extLst>
-              <a:ext uri="{FF2B5EF4-FFF2-40B4-BE49-F238E27FC236}">
-                <a16:creationId xmlns:a16="http://schemas.microsoft.com/office/drawing/2014/main" id="{B56BD623-6ED5-D1C1-BBC1-7202C83662EE}"/>
-              </a:ext>
-            </a:extLst>
-          </p:cNvPr>
-          <p:cNvPicPr>
-            <a:picLocks noChangeAspect="1"/>
-          </p:cNvPicPr>
-          <p:nvPr/>
-        </p:nvPicPr>
-        <p:blipFill>
-          <a:blip r:embed="rId7">
-            <a:alphaModFix/>
-            <a:extLst>
-              <a:ext uri="{BEBA8EAE-BF5A-486C-A8C5-ECC9F3942E4B}">
-                <a14:imgProps xmlns:a14="http://schemas.microsoft.com/office/drawing/2010/main">
-                  <a14:imgLayer r:embed="rId8">
-                    <a14:imgEffect>
-                      <a14:colorTemperature colorTemp="8594"/>
-                    </a14:imgEffect>
-                    <a14:imgEffect>
-                      <a14:saturation sat="0"/>
-                    </a14:imgEffect>
-                  </a14:imgLayer>
-                </a14:imgProps>
-              </a:ext>
-            </a:extLst>
-          </a:blip>
-          <a:stretch>
-            <a:fillRect/>
-          </a:stretch>
-        </p:blipFill>
-        <p:spPr>
-          <a:xfrm>
-            <a:off x="1068335" y="2963888"/>
-            <a:ext cx="335013" cy="1019710"/>
-          </a:xfrm>
-          <a:prstGeom prst="rect">
-            <a:avLst/>
-          </a:prstGeom>
-        </p:spPr>
-      </p:pic>
-      <p:pic>
-        <p:nvPicPr>
           <p:cNvPr id="4" name="図 3">
             <a:extLst>
               <a:ext uri="{FF2B5EF4-FFF2-40B4-BE49-F238E27FC236}">
@@ -4081,15 +4005,132 @@
           </p:cNvPicPr>
           <p:nvPr/>
         </p:nvPicPr>
-        <p:blipFill>
-          <a:blip r:embed="rId4"/>
-          <a:srcRect l="23492" t="61010" r="54109" b="23794"/>
+        <p:blipFill rotWithShape="1">
+          <a:blip r:embed="rId7">
+            <a:extLst>
+              <a:ext uri="{BEBA8EAE-BF5A-486C-A8C5-ECC9F3942E4B}">
+                <a14:imgProps xmlns:a14="http://schemas.microsoft.com/office/drawing/2010/main">
+                  <a14:imgLayer r:embed="rId8">
+                    <a14:imgEffect>
+                      <a14:saturation sat="4000"/>
+                    </a14:imgEffect>
+                  </a14:imgLayer>
+                </a14:imgProps>
+              </a:ext>
+            </a:extLst>
+          </a:blip>
+          <a:srcRect l="23492" t="64867" r="54109" b="23794"/>
           <a:stretch/>
         </p:blipFill>
         <p:spPr>
           <a:xfrm>
-            <a:off x="1657350" y="2349500"/>
-            <a:ext cx="990600" cy="196849"/>
+            <a:off x="1403348" y="3619500"/>
+            <a:ext cx="3485175" cy="146880"/>
+          </a:xfrm>
+          <a:prstGeom prst="rect">
+            <a:avLst/>
+          </a:prstGeom>
+        </p:spPr>
+      </p:pic>
+      <p:pic>
+        <p:nvPicPr>
+          <p:cNvPr id="9" name="図 8">
+            <a:extLst>
+              <a:ext uri="{FF2B5EF4-FFF2-40B4-BE49-F238E27FC236}">
+                <a16:creationId xmlns:a16="http://schemas.microsoft.com/office/drawing/2014/main" id="{BCA628A9-EA8F-DE6C-1764-3D5346C46C60}"/>
+              </a:ext>
+            </a:extLst>
+          </p:cNvPr>
+          <p:cNvPicPr>
+            <a:picLocks noChangeAspect="1"/>
+          </p:cNvPicPr>
+          <p:nvPr/>
+        </p:nvPicPr>
+        <p:blipFill>
+          <a:blip r:embed="rId4"/>
+          <a:stretch>
+            <a:fillRect/>
+          </a:stretch>
+        </p:blipFill>
+        <p:spPr>
+          <a:xfrm>
+            <a:off x="548599" y="1042815"/>
+            <a:ext cx="4422530" cy="1295400"/>
+          </a:xfrm>
+          <a:prstGeom prst="rect">
+            <a:avLst/>
+          </a:prstGeom>
+        </p:spPr>
+      </p:pic>
+      <p:pic>
+        <p:nvPicPr>
+          <p:cNvPr id="2" name="図 1">
+            <a:extLst>
+              <a:ext uri="{FF2B5EF4-FFF2-40B4-BE49-F238E27FC236}">
+                <a16:creationId xmlns:a16="http://schemas.microsoft.com/office/drawing/2014/main" id="{51BB041B-DD50-BCC4-3061-E69BCB079E55}"/>
+              </a:ext>
+            </a:extLst>
+          </p:cNvPr>
+          <p:cNvPicPr>
+            <a:picLocks noChangeAspect="1"/>
+          </p:cNvPicPr>
+          <p:nvPr/>
+        </p:nvPicPr>
+        <p:blipFill rotWithShape="1">
+          <a:blip r:embed="rId4"/>
+          <a:srcRect l="13066"/>
+          <a:stretch/>
+        </p:blipFill>
+        <p:spPr>
+          <a:xfrm>
+            <a:off x="3237012" y="1389461"/>
+            <a:ext cx="3844678" cy="1295400"/>
+          </a:xfrm>
+          <a:prstGeom prst="rect">
+            <a:avLst/>
+          </a:prstGeom>
+        </p:spPr>
+      </p:pic>
+      <p:pic>
+        <p:nvPicPr>
+          <p:cNvPr id="3" name="図 2">
+            <a:extLst>
+              <a:ext uri="{FF2B5EF4-FFF2-40B4-BE49-F238E27FC236}">
+                <a16:creationId xmlns:a16="http://schemas.microsoft.com/office/drawing/2014/main" id="{B56BD623-6ED5-D1C1-BBC1-7202C83662EE}"/>
+              </a:ext>
+            </a:extLst>
+          </p:cNvPr>
+          <p:cNvPicPr>
+            <a:picLocks noChangeAspect="1"/>
+          </p:cNvPicPr>
+          <p:nvPr/>
+        </p:nvPicPr>
+        <p:blipFill>
+          <a:blip r:embed="rId9">
+            <a:alphaModFix/>
+            <a:extLst>
+              <a:ext uri="{BEBA8EAE-BF5A-486C-A8C5-ECC9F3942E4B}">
+                <a14:imgProps xmlns:a14="http://schemas.microsoft.com/office/drawing/2010/main">
+                  <a14:imgLayer r:embed="rId10">
+                    <a14:imgEffect>
+                      <a14:colorTemperature colorTemp="8594"/>
+                    </a14:imgEffect>
+                    <a14:imgEffect>
+                      <a14:saturation sat="0"/>
+                    </a14:imgEffect>
+                  </a14:imgLayer>
+                </a14:imgProps>
+              </a:ext>
+            </a:extLst>
+          </a:blip>
+          <a:stretch>
+            <a:fillRect/>
+          </a:stretch>
+        </p:blipFill>
+        <p:spPr>
+          <a:xfrm>
+            <a:off x="1068335" y="3029903"/>
+            <a:ext cx="335013" cy="961315"/>
           </a:xfrm>
           <a:prstGeom prst="rect">
             <a:avLst/>

--- a/モデリング/車両/03/03.pptx
+++ b/モデリング/車両/03/03.pptx
@@ -2,19 +2,19 @@
 <file path=ppt/presentation.xml><?xml version="1.0" encoding="utf-8"?>
 <p:presentation xmlns:a="http://schemas.openxmlformats.org/drawingml/2006/main" xmlns:r="http://schemas.openxmlformats.org/officeDocument/2006/relationships" xmlns:p="http://schemas.openxmlformats.org/presentationml/2006/main" saveSubsetFonts="1" autoCompressPictures="0">
   <p:sldMasterIdLst>
-    <p:sldMasterId id="2147483648" r:id="rId1"/>
+    <p:sldMasterId id="2147483660" r:id="rId1"/>
   </p:sldMasterIdLst>
   <p:sldIdLst>
     <p:sldId id="256" r:id="rId2"/>
   </p:sldIdLst>
-  <p:sldSz cx="12192000" cy="6858000"/>
+  <p:sldSz cx="24120475" cy="13679488"/>
   <p:notesSz cx="6858000" cy="9144000"/>
   <p:defaultTextStyle>
     <a:defPPr>
-      <a:defRPr lang="ja-JP"/>
+      <a:defRPr lang="en-US"/>
     </a:defPPr>
-    <a:lvl1pPr marL="0" algn="l" defTabSz="914400" rtl="0" eaLnBrk="1" latinLnBrk="0" hangingPunct="1">
-      <a:defRPr kumimoji="1" sz="1800" kern="1200">
+    <a:lvl1pPr marL="0" algn="l" defTabSz="457200" rtl="0" eaLnBrk="1" latinLnBrk="0" hangingPunct="1">
+      <a:defRPr sz="1800" kern="1200">
         <a:solidFill>
           <a:schemeClr val="tx1"/>
         </a:solidFill>
@@ -23,8 +23,8 @@
         <a:cs typeface="+mn-cs"/>
       </a:defRPr>
     </a:lvl1pPr>
-    <a:lvl2pPr marL="457200" algn="l" defTabSz="914400" rtl="0" eaLnBrk="1" latinLnBrk="0" hangingPunct="1">
-      <a:defRPr kumimoji="1" sz="1800" kern="1200">
+    <a:lvl2pPr marL="457200" algn="l" defTabSz="457200" rtl="0" eaLnBrk="1" latinLnBrk="0" hangingPunct="1">
+      <a:defRPr sz="1800" kern="1200">
         <a:solidFill>
           <a:schemeClr val="tx1"/>
         </a:solidFill>
@@ -33,8 +33,8 @@
         <a:cs typeface="+mn-cs"/>
       </a:defRPr>
     </a:lvl2pPr>
-    <a:lvl3pPr marL="914400" algn="l" defTabSz="914400" rtl="0" eaLnBrk="1" latinLnBrk="0" hangingPunct="1">
-      <a:defRPr kumimoji="1" sz="1800" kern="1200">
+    <a:lvl3pPr marL="914400" algn="l" defTabSz="457200" rtl="0" eaLnBrk="1" latinLnBrk="0" hangingPunct="1">
+      <a:defRPr sz="1800" kern="1200">
         <a:solidFill>
           <a:schemeClr val="tx1"/>
         </a:solidFill>
@@ -43,8 +43,8 @@
         <a:cs typeface="+mn-cs"/>
       </a:defRPr>
     </a:lvl3pPr>
-    <a:lvl4pPr marL="1371600" algn="l" defTabSz="914400" rtl="0" eaLnBrk="1" latinLnBrk="0" hangingPunct="1">
-      <a:defRPr kumimoji="1" sz="1800" kern="1200">
+    <a:lvl4pPr marL="1371600" algn="l" defTabSz="457200" rtl="0" eaLnBrk="1" latinLnBrk="0" hangingPunct="1">
+      <a:defRPr sz="1800" kern="1200">
         <a:solidFill>
           <a:schemeClr val="tx1"/>
         </a:solidFill>
@@ -53,8 +53,8 @@
         <a:cs typeface="+mn-cs"/>
       </a:defRPr>
     </a:lvl4pPr>
-    <a:lvl5pPr marL="1828800" algn="l" defTabSz="914400" rtl="0" eaLnBrk="1" latinLnBrk="0" hangingPunct="1">
-      <a:defRPr kumimoji="1" sz="1800" kern="1200">
+    <a:lvl5pPr marL="1828800" algn="l" defTabSz="457200" rtl="0" eaLnBrk="1" latinLnBrk="0" hangingPunct="1">
+      <a:defRPr sz="1800" kern="1200">
         <a:solidFill>
           <a:schemeClr val="tx1"/>
         </a:solidFill>
@@ -63,8 +63,8 @@
         <a:cs typeface="+mn-cs"/>
       </a:defRPr>
     </a:lvl5pPr>
-    <a:lvl6pPr marL="2286000" algn="l" defTabSz="914400" rtl="0" eaLnBrk="1" latinLnBrk="0" hangingPunct="1">
-      <a:defRPr kumimoji="1" sz="1800" kern="1200">
+    <a:lvl6pPr marL="2286000" algn="l" defTabSz="457200" rtl="0" eaLnBrk="1" latinLnBrk="0" hangingPunct="1">
+      <a:defRPr sz="1800" kern="1200">
         <a:solidFill>
           <a:schemeClr val="tx1"/>
         </a:solidFill>
@@ -73,8 +73,8 @@
         <a:cs typeface="+mn-cs"/>
       </a:defRPr>
     </a:lvl6pPr>
-    <a:lvl7pPr marL="2743200" algn="l" defTabSz="914400" rtl="0" eaLnBrk="1" latinLnBrk="0" hangingPunct="1">
-      <a:defRPr kumimoji="1" sz="1800" kern="1200">
+    <a:lvl7pPr marL="2743200" algn="l" defTabSz="457200" rtl="0" eaLnBrk="1" latinLnBrk="0" hangingPunct="1">
+      <a:defRPr sz="1800" kern="1200">
         <a:solidFill>
           <a:schemeClr val="tx1"/>
         </a:solidFill>
@@ -83,8 +83,8 @@
         <a:cs typeface="+mn-cs"/>
       </a:defRPr>
     </a:lvl7pPr>
-    <a:lvl8pPr marL="3200400" algn="l" defTabSz="914400" rtl="0" eaLnBrk="1" latinLnBrk="0" hangingPunct="1">
-      <a:defRPr kumimoji="1" sz="1800" kern="1200">
+    <a:lvl8pPr marL="3200400" algn="l" defTabSz="457200" rtl="0" eaLnBrk="1" latinLnBrk="0" hangingPunct="1">
+      <a:defRPr sz="1800" kern="1200">
         <a:solidFill>
           <a:schemeClr val="tx1"/>
         </a:solidFill>
@@ -93,8 +93,8 @@
         <a:cs typeface="+mn-cs"/>
       </a:defRPr>
     </a:lvl8pPr>
-    <a:lvl9pPr marL="3657600" algn="l" defTabSz="914400" rtl="0" eaLnBrk="1" latinLnBrk="0" hangingPunct="1">
-      <a:defRPr kumimoji="1" sz="1800" kern="1200">
+    <a:lvl9pPr marL="3657600" algn="l" defTabSz="457200" rtl="0" eaLnBrk="1" latinLnBrk="0" hangingPunct="1">
+      <a:defRPr sz="1800" kern="1200">
         <a:solidFill>
           <a:schemeClr val="tx1"/>
         </a:solidFill>
@@ -131,13 +131,7 @@
       </p:grpSpPr>
       <p:sp>
         <p:nvSpPr>
-          <p:cNvPr id="2" name="タイトル 1">
-            <a:extLst>
-              <a:ext uri="{FF2B5EF4-FFF2-40B4-BE49-F238E27FC236}">
-                <a16:creationId xmlns:a16="http://schemas.microsoft.com/office/drawing/2014/main" id="{1B46813F-1075-5481-E7C0-00D3ACB29E45}"/>
-              </a:ext>
-            </a:extLst>
-          </p:cNvPr>
+          <p:cNvPr id="2" name="Title 1"/>
           <p:cNvSpPr>
             <a:spLocks noGrp="1"/>
           </p:cNvSpPr>
@@ -147,34 +141,29 @@
         </p:nvSpPr>
         <p:spPr>
           <a:xfrm>
-            <a:off x="1524000" y="1122363"/>
-            <a:ext cx="9144000" cy="2387600"/>
+            <a:off x="3015060" y="2238751"/>
+            <a:ext cx="18090356" cy="4762488"/>
           </a:xfrm>
         </p:spPr>
         <p:txBody>
           <a:bodyPr anchor="b"/>
           <a:lstStyle>
             <a:lvl1pPr algn="ctr">
-              <a:defRPr sz="6000"/>
+              <a:defRPr sz="11870"/>
             </a:lvl1pPr>
           </a:lstStyle>
           <a:p>
             <a:r>
-              <a:rPr kumimoji="1" lang="ja-JP" altLang="en-US"/>
+              <a:rPr lang="ja-JP" altLang="en-US"/>
               <a:t>マスター タイトルの書式設定</a:t>
             </a:r>
-          </a:p>
-        </p:txBody>
-      </p:sp>
-      <p:sp>
-        <p:nvSpPr>
-          <p:cNvPr id="3" name="字幕 2">
-            <a:extLst>
-              <a:ext uri="{FF2B5EF4-FFF2-40B4-BE49-F238E27FC236}">
-                <a16:creationId xmlns:a16="http://schemas.microsoft.com/office/drawing/2014/main" id="{0484D4A6-6A30-EC2B-FA23-87FCE234EB07}"/>
-              </a:ext>
-            </a:extLst>
-          </p:cNvPr>
+            <a:endParaRPr lang="en-US" dirty="0"/>
+          </a:p>
+        </p:txBody>
+      </p:sp>
+      <p:sp>
+        <p:nvSpPr>
+          <p:cNvPr id="3" name="Subtitle 2"/>
           <p:cNvSpPr>
             <a:spLocks noGrp="1"/>
           </p:cNvSpPr>
@@ -184,8 +173,8 @@
         </p:nvSpPr>
         <p:spPr>
           <a:xfrm>
-            <a:off x="1524000" y="3602038"/>
-            <a:ext cx="9144000" cy="1655762"/>
+            <a:off x="3015060" y="7184899"/>
+            <a:ext cx="18090356" cy="3302709"/>
           </a:xfrm>
         </p:spPr>
         <p:txBody>
@@ -193,58 +182,53 @@
           <a:lstStyle>
             <a:lvl1pPr marL="0" indent="0" algn="ctr">
               <a:buNone/>
-              <a:defRPr sz="2400"/>
+              <a:defRPr sz="4748"/>
             </a:lvl1pPr>
-            <a:lvl2pPr marL="457200" indent="0" algn="ctr">
+            <a:lvl2pPr marL="904524" indent="0" algn="ctr">
               <a:buNone/>
-              <a:defRPr sz="2000"/>
+              <a:defRPr sz="3957"/>
             </a:lvl2pPr>
-            <a:lvl3pPr marL="914400" indent="0" algn="ctr">
+            <a:lvl3pPr marL="1809049" indent="0" algn="ctr">
               <a:buNone/>
-              <a:defRPr sz="1800"/>
+              <a:defRPr sz="3561"/>
             </a:lvl3pPr>
-            <a:lvl4pPr marL="1371600" indent="0" algn="ctr">
+            <a:lvl4pPr marL="2713573" indent="0" algn="ctr">
               <a:buNone/>
-              <a:defRPr sz="1600"/>
+              <a:defRPr sz="3165"/>
             </a:lvl4pPr>
-            <a:lvl5pPr marL="1828800" indent="0" algn="ctr">
+            <a:lvl5pPr marL="3618098" indent="0" algn="ctr">
               <a:buNone/>
-              <a:defRPr sz="1600"/>
+              <a:defRPr sz="3165"/>
             </a:lvl5pPr>
-            <a:lvl6pPr marL="2286000" indent="0" algn="ctr">
+            <a:lvl6pPr marL="4522622" indent="0" algn="ctr">
               <a:buNone/>
-              <a:defRPr sz="1600"/>
+              <a:defRPr sz="3165"/>
             </a:lvl6pPr>
-            <a:lvl7pPr marL="2743200" indent="0" algn="ctr">
+            <a:lvl7pPr marL="5427147" indent="0" algn="ctr">
               <a:buNone/>
-              <a:defRPr sz="1600"/>
+              <a:defRPr sz="3165"/>
             </a:lvl7pPr>
-            <a:lvl8pPr marL="3200400" indent="0" algn="ctr">
+            <a:lvl8pPr marL="6331671" indent="0" algn="ctr">
               <a:buNone/>
-              <a:defRPr sz="1600"/>
+              <a:defRPr sz="3165"/>
             </a:lvl8pPr>
-            <a:lvl9pPr marL="3657600" indent="0" algn="ctr">
+            <a:lvl9pPr marL="7236196" indent="0" algn="ctr">
               <a:buNone/>
-              <a:defRPr sz="1600"/>
+              <a:defRPr sz="3165"/>
             </a:lvl9pPr>
           </a:lstStyle>
           <a:p>
             <a:r>
-              <a:rPr kumimoji="1" lang="ja-JP" altLang="en-US"/>
+              <a:rPr lang="ja-JP" altLang="en-US"/>
               <a:t>マスター サブタイトルの書式設定</a:t>
             </a:r>
-          </a:p>
-        </p:txBody>
-      </p:sp>
-      <p:sp>
-        <p:nvSpPr>
-          <p:cNvPr id="4" name="日付プレースホルダー 3">
-            <a:extLst>
-              <a:ext uri="{FF2B5EF4-FFF2-40B4-BE49-F238E27FC236}">
-                <a16:creationId xmlns:a16="http://schemas.microsoft.com/office/drawing/2014/main" id="{F3FEF443-C84B-0CF5-ADFF-1B992D285FFB}"/>
-              </a:ext>
-            </a:extLst>
-          </p:cNvPr>
+            <a:endParaRPr lang="en-US" dirty="0"/>
+          </a:p>
+        </p:txBody>
+      </p:sp>
+      <p:sp>
+        <p:nvSpPr>
+          <p:cNvPr id="4" name="Date Placeholder 3"/>
           <p:cNvSpPr>
             <a:spLocks noGrp="1"/>
           </p:cNvSpPr>
@@ -259,7 +243,7 @@
           <a:p>
             <a:fld id="{4452E1B7-8995-CD47-BA2C-CAD4F0B61F9F}" type="datetimeFigureOut">
               <a:rPr kumimoji="1" lang="ja-JP" altLang="en-US" smtClean="0"/>
-              <a:t>2024/9/25</a:t>
+              <a:t>2024/9/26</a:t>
             </a:fld>
             <a:endParaRPr kumimoji="1" lang="ja-JP" altLang="en-US"/>
           </a:p>
@@ -267,13 +251,7 @@
       </p:sp>
       <p:sp>
         <p:nvSpPr>
-          <p:cNvPr id="5" name="フッター プレースホルダー 4">
-            <a:extLst>
-              <a:ext uri="{FF2B5EF4-FFF2-40B4-BE49-F238E27FC236}">
-                <a16:creationId xmlns:a16="http://schemas.microsoft.com/office/drawing/2014/main" id="{8AC8837B-60F0-2F8C-4805-CE98D8D90C79}"/>
-              </a:ext>
-            </a:extLst>
-          </p:cNvPr>
+          <p:cNvPr id="5" name="Footer Placeholder 4"/>
           <p:cNvSpPr>
             <a:spLocks noGrp="1"/>
           </p:cNvSpPr>
@@ -292,13 +270,7 @@
       </p:sp>
       <p:sp>
         <p:nvSpPr>
-          <p:cNvPr id="6" name="スライド番号プレースホルダー 5">
-            <a:extLst>
-              <a:ext uri="{FF2B5EF4-FFF2-40B4-BE49-F238E27FC236}">
-                <a16:creationId xmlns:a16="http://schemas.microsoft.com/office/drawing/2014/main" id="{640A6C78-564B-C53D-4944-6F2212D47EC8}"/>
-              </a:ext>
-            </a:extLst>
-          </p:cNvPr>
+          <p:cNvPr id="6" name="Slide Number Placeholder 5"/>
           <p:cNvSpPr>
             <a:spLocks noGrp="1"/>
           </p:cNvSpPr>
@@ -322,7 +294,7 @@
     </p:spTree>
     <p:extLst>
       <p:ext uri="{BB962C8B-B14F-4D97-AF65-F5344CB8AC3E}">
-        <p14:creationId xmlns:p14="http://schemas.microsoft.com/office/powerpoint/2010/main" val="3278380373"/>
+        <p14:creationId xmlns:p14="http://schemas.microsoft.com/office/powerpoint/2010/main" val="2287491057"/>
       </p:ext>
     </p:extLst>
   </p:cSld>
@@ -351,13 +323,7 @@
       </p:grpSpPr>
       <p:sp>
         <p:nvSpPr>
-          <p:cNvPr id="2" name="タイトル 1">
-            <a:extLst>
-              <a:ext uri="{FF2B5EF4-FFF2-40B4-BE49-F238E27FC236}">
-                <a16:creationId xmlns:a16="http://schemas.microsoft.com/office/drawing/2014/main" id="{77AA089C-E2EA-5761-2CF9-8E995633ADBE}"/>
-              </a:ext>
-            </a:extLst>
-          </p:cNvPr>
+          <p:cNvPr id="2" name="Title 1"/>
           <p:cNvSpPr>
             <a:spLocks noGrp="1"/>
           </p:cNvSpPr>
@@ -371,21 +337,16 @@
           <a:lstStyle/>
           <a:p>
             <a:r>
-              <a:rPr kumimoji="1" lang="ja-JP" altLang="en-US"/>
+              <a:rPr lang="ja-JP" altLang="en-US"/>
               <a:t>マスター タイトルの書式設定</a:t>
             </a:r>
-          </a:p>
-        </p:txBody>
-      </p:sp>
-      <p:sp>
-        <p:nvSpPr>
-          <p:cNvPr id="3" name="縦書きテキスト プレースホルダー 2">
-            <a:extLst>
-              <a:ext uri="{FF2B5EF4-FFF2-40B4-BE49-F238E27FC236}">
-                <a16:creationId xmlns:a16="http://schemas.microsoft.com/office/drawing/2014/main" id="{ADF1C1C9-D6F3-D422-6678-BE0881DF92F4}"/>
-              </a:ext>
-            </a:extLst>
-          </p:cNvPr>
+            <a:endParaRPr lang="en-US" dirty="0"/>
+          </a:p>
+        </p:txBody>
+      </p:sp>
+      <p:sp>
+        <p:nvSpPr>
+          <p:cNvPr id="3" name="Vertical Text Placeholder 2"/>
           <p:cNvSpPr>
             <a:spLocks noGrp="1"/>
           </p:cNvSpPr>
@@ -400,81 +361,76 @@
           <a:p>
             <a:pPr lvl="0"/>
             <a:r>
-              <a:rPr kumimoji="1" lang="ja-JP" altLang="en-US"/>
+              <a:rPr lang="ja-JP" altLang="en-US"/>
               <a:t>マスター テキストの書式設定</a:t>
             </a:r>
           </a:p>
           <a:p>
             <a:pPr lvl="1"/>
             <a:r>
-              <a:rPr kumimoji="1" lang="ja-JP" altLang="en-US"/>
+              <a:rPr lang="ja-JP" altLang="en-US"/>
               <a:t>第 </a:t>
             </a:r>
             <a:r>
-              <a:rPr kumimoji="1" lang="en-US" altLang="ja-JP"/>
+              <a:rPr lang="en-US" altLang="ja-JP"/>
               <a:t>2 </a:t>
             </a:r>
             <a:r>
-              <a:rPr kumimoji="1" lang="ja-JP" altLang="en-US"/>
+              <a:rPr lang="ja-JP" altLang="en-US"/>
               <a:t>レベル</a:t>
             </a:r>
           </a:p>
           <a:p>
             <a:pPr lvl="2"/>
             <a:r>
-              <a:rPr kumimoji="1" lang="ja-JP" altLang="en-US"/>
+              <a:rPr lang="ja-JP" altLang="en-US"/>
               <a:t>第 </a:t>
             </a:r>
             <a:r>
-              <a:rPr kumimoji="1" lang="en-US" altLang="ja-JP"/>
+              <a:rPr lang="en-US" altLang="ja-JP"/>
               <a:t>3 </a:t>
             </a:r>
             <a:r>
-              <a:rPr kumimoji="1" lang="ja-JP" altLang="en-US"/>
+              <a:rPr lang="ja-JP" altLang="en-US"/>
               <a:t>レベル</a:t>
             </a:r>
           </a:p>
           <a:p>
             <a:pPr lvl="3"/>
             <a:r>
-              <a:rPr kumimoji="1" lang="ja-JP" altLang="en-US"/>
+              <a:rPr lang="ja-JP" altLang="en-US"/>
               <a:t>第 </a:t>
             </a:r>
             <a:r>
-              <a:rPr kumimoji="1" lang="en-US" altLang="ja-JP"/>
+              <a:rPr lang="en-US" altLang="ja-JP"/>
               <a:t>4 </a:t>
             </a:r>
             <a:r>
-              <a:rPr kumimoji="1" lang="ja-JP" altLang="en-US"/>
+              <a:rPr lang="ja-JP" altLang="en-US"/>
               <a:t>レベル</a:t>
             </a:r>
           </a:p>
           <a:p>
             <a:pPr lvl="4"/>
             <a:r>
-              <a:rPr kumimoji="1" lang="ja-JP" altLang="en-US"/>
+              <a:rPr lang="ja-JP" altLang="en-US"/>
               <a:t>第 </a:t>
             </a:r>
             <a:r>
-              <a:rPr kumimoji="1" lang="en-US" altLang="ja-JP"/>
+              <a:rPr lang="en-US" altLang="ja-JP"/>
               <a:t>5 </a:t>
             </a:r>
             <a:r>
-              <a:rPr kumimoji="1" lang="ja-JP" altLang="en-US"/>
+              <a:rPr lang="ja-JP" altLang="en-US"/>
               <a:t>レベル</a:t>
             </a:r>
-          </a:p>
-        </p:txBody>
-      </p:sp>
-      <p:sp>
-        <p:nvSpPr>
-          <p:cNvPr id="4" name="日付プレースホルダー 3">
-            <a:extLst>
-              <a:ext uri="{FF2B5EF4-FFF2-40B4-BE49-F238E27FC236}">
-                <a16:creationId xmlns:a16="http://schemas.microsoft.com/office/drawing/2014/main" id="{F34F966D-DB78-0B8D-EA8C-6DF377378CEC}"/>
-              </a:ext>
-            </a:extLst>
-          </p:cNvPr>
+            <a:endParaRPr lang="en-US" dirty="0"/>
+          </a:p>
+        </p:txBody>
+      </p:sp>
+      <p:sp>
+        <p:nvSpPr>
+          <p:cNvPr id="4" name="Date Placeholder 3"/>
           <p:cNvSpPr>
             <a:spLocks noGrp="1"/>
           </p:cNvSpPr>
@@ -489,7 +445,7 @@
           <a:p>
             <a:fld id="{4452E1B7-8995-CD47-BA2C-CAD4F0B61F9F}" type="datetimeFigureOut">
               <a:rPr kumimoji="1" lang="ja-JP" altLang="en-US" smtClean="0"/>
-              <a:t>2024/9/25</a:t>
+              <a:t>2024/9/26</a:t>
             </a:fld>
             <a:endParaRPr kumimoji="1" lang="ja-JP" altLang="en-US"/>
           </a:p>
@@ -497,13 +453,7 @@
       </p:sp>
       <p:sp>
         <p:nvSpPr>
-          <p:cNvPr id="5" name="フッター プレースホルダー 4">
-            <a:extLst>
-              <a:ext uri="{FF2B5EF4-FFF2-40B4-BE49-F238E27FC236}">
-                <a16:creationId xmlns:a16="http://schemas.microsoft.com/office/drawing/2014/main" id="{F4016DBB-04AA-586B-81EB-386BFA1B96DA}"/>
-              </a:ext>
-            </a:extLst>
-          </p:cNvPr>
+          <p:cNvPr id="5" name="Footer Placeholder 4"/>
           <p:cNvSpPr>
             <a:spLocks noGrp="1"/>
           </p:cNvSpPr>
@@ -522,13 +472,7 @@
       </p:sp>
       <p:sp>
         <p:nvSpPr>
-          <p:cNvPr id="6" name="スライド番号プレースホルダー 5">
-            <a:extLst>
-              <a:ext uri="{FF2B5EF4-FFF2-40B4-BE49-F238E27FC236}">
-                <a16:creationId xmlns:a16="http://schemas.microsoft.com/office/drawing/2014/main" id="{2DDB779E-D280-6216-83DE-A54567DE2E82}"/>
-              </a:ext>
-            </a:extLst>
-          </p:cNvPr>
+          <p:cNvPr id="6" name="Slide Number Placeholder 5"/>
           <p:cNvSpPr>
             <a:spLocks noGrp="1"/>
           </p:cNvSpPr>
@@ -552,7 +496,7 @@
     </p:spTree>
     <p:extLst>
       <p:ext uri="{BB962C8B-B14F-4D97-AF65-F5344CB8AC3E}">
-        <p14:creationId xmlns:p14="http://schemas.microsoft.com/office/powerpoint/2010/main" val="2535426681"/>
+        <p14:creationId xmlns:p14="http://schemas.microsoft.com/office/powerpoint/2010/main" val="1882552816"/>
       </p:ext>
     </p:extLst>
   </p:cSld>
@@ -581,13 +525,7 @@
       </p:grpSpPr>
       <p:sp>
         <p:nvSpPr>
-          <p:cNvPr id="2" name="縦書きタイトル 1">
-            <a:extLst>
-              <a:ext uri="{FF2B5EF4-FFF2-40B4-BE49-F238E27FC236}">
-                <a16:creationId xmlns:a16="http://schemas.microsoft.com/office/drawing/2014/main" id="{EC702985-DA65-D807-6966-69F53B14C1A7}"/>
-              </a:ext>
-            </a:extLst>
-          </p:cNvPr>
+          <p:cNvPr id="2" name="Vertical Title 1"/>
           <p:cNvSpPr>
             <a:spLocks noGrp="1"/>
           </p:cNvSpPr>
@@ -597,8 +535,8 @@
         </p:nvSpPr>
         <p:spPr>
           <a:xfrm>
-            <a:off x="8724900" y="365125"/>
-            <a:ext cx="2628900" cy="5811838"/>
+            <a:off x="17261215" y="728306"/>
+            <a:ext cx="5200977" cy="11592734"/>
           </a:xfrm>
         </p:spPr>
         <p:txBody>
@@ -606,21 +544,16 @@
           <a:lstStyle/>
           <a:p>
             <a:r>
-              <a:rPr kumimoji="1" lang="ja-JP" altLang="en-US"/>
+              <a:rPr lang="ja-JP" altLang="en-US"/>
               <a:t>マスター タイトルの書式設定</a:t>
             </a:r>
-          </a:p>
-        </p:txBody>
-      </p:sp>
-      <p:sp>
-        <p:nvSpPr>
-          <p:cNvPr id="3" name="縦書きテキスト プレースホルダー 2">
-            <a:extLst>
-              <a:ext uri="{FF2B5EF4-FFF2-40B4-BE49-F238E27FC236}">
-                <a16:creationId xmlns:a16="http://schemas.microsoft.com/office/drawing/2014/main" id="{A3EE169F-A497-26A0-4238-516B33B03C34}"/>
-              </a:ext>
-            </a:extLst>
-          </p:cNvPr>
+            <a:endParaRPr lang="en-US" dirty="0"/>
+          </a:p>
+        </p:txBody>
+      </p:sp>
+      <p:sp>
+        <p:nvSpPr>
+          <p:cNvPr id="3" name="Vertical Text Placeholder 2"/>
           <p:cNvSpPr>
             <a:spLocks noGrp="1"/>
           </p:cNvSpPr>
@@ -630,8 +563,8 @@
         </p:nvSpPr>
         <p:spPr>
           <a:xfrm>
-            <a:off x="838200" y="365125"/>
-            <a:ext cx="7734300" cy="5811838"/>
+            <a:off x="1658283" y="728306"/>
+            <a:ext cx="15301426" cy="11592734"/>
           </a:xfrm>
         </p:spPr>
         <p:txBody>
@@ -640,81 +573,76 @@
           <a:p>
             <a:pPr lvl="0"/>
             <a:r>
-              <a:rPr kumimoji="1" lang="ja-JP" altLang="en-US"/>
+              <a:rPr lang="ja-JP" altLang="en-US"/>
               <a:t>マスター テキストの書式設定</a:t>
             </a:r>
           </a:p>
           <a:p>
             <a:pPr lvl="1"/>
             <a:r>
-              <a:rPr kumimoji="1" lang="ja-JP" altLang="en-US"/>
+              <a:rPr lang="ja-JP" altLang="en-US"/>
               <a:t>第 </a:t>
             </a:r>
             <a:r>
-              <a:rPr kumimoji="1" lang="en-US" altLang="ja-JP"/>
+              <a:rPr lang="en-US" altLang="ja-JP"/>
               <a:t>2 </a:t>
             </a:r>
             <a:r>
-              <a:rPr kumimoji="1" lang="ja-JP" altLang="en-US"/>
+              <a:rPr lang="ja-JP" altLang="en-US"/>
               <a:t>レベル</a:t>
             </a:r>
           </a:p>
           <a:p>
             <a:pPr lvl="2"/>
             <a:r>
-              <a:rPr kumimoji="1" lang="ja-JP" altLang="en-US"/>
+              <a:rPr lang="ja-JP" altLang="en-US"/>
               <a:t>第 </a:t>
             </a:r>
             <a:r>
-              <a:rPr kumimoji="1" lang="en-US" altLang="ja-JP"/>
+              <a:rPr lang="en-US" altLang="ja-JP"/>
               <a:t>3 </a:t>
             </a:r>
             <a:r>
-              <a:rPr kumimoji="1" lang="ja-JP" altLang="en-US"/>
+              <a:rPr lang="ja-JP" altLang="en-US"/>
               <a:t>レベル</a:t>
             </a:r>
           </a:p>
           <a:p>
             <a:pPr lvl="3"/>
             <a:r>
-              <a:rPr kumimoji="1" lang="ja-JP" altLang="en-US"/>
+              <a:rPr lang="ja-JP" altLang="en-US"/>
               <a:t>第 </a:t>
             </a:r>
             <a:r>
-              <a:rPr kumimoji="1" lang="en-US" altLang="ja-JP"/>
+              <a:rPr lang="en-US" altLang="ja-JP"/>
               <a:t>4 </a:t>
             </a:r>
             <a:r>
-              <a:rPr kumimoji="1" lang="ja-JP" altLang="en-US"/>
+              <a:rPr lang="ja-JP" altLang="en-US"/>
               <a:t>レベル</a:t>
             </a:r>
           </a:p>
           <a:p>
             <a:pPr lvl="4"/>
             <a:r>
-              <a:rPr kumimoji="1" lang="ja-JP" altLang="en-US"/>
+              <a:rPr lang="ja-JP" altLang="en-US"/>
               <a:t>第 </a:t>
             </a:r>
             <a:r>
-              <a:rPr kumimoji="1" lang="en-US" altLang="ja-JP"/>
+              <a:rPr lang="en-US" altLang="ja-JP"/>
               <a:t>5 </a:t>
             </a:r>
             <a:r>
-              <a:rPr kumimoji="1" lang="ja-JP" altLang="en-US"/>
+              <a:rPr lang="ja-JP" altLang="en-US"/>
               <a:t>レベル</a:t>
             </a:r>
-          </a:p>
-        </p:txBody>
-      </p:sp>
-      <p:sp>
-        <p:nvSpPr>
-          <p:cNvPr id="4" name="日付プレースホルダー 3">
-            <a:extLst>
-              <a:ext uri="{FF2B5EF4-FFF2-40B4-BE49-F238E27FC236}">
-                <a16:creationId xmlns:a16="http://schemas.microsoft.com/office/drawing/2014/main" id="{F018A64F-DED9-0505-6487-81D89446958F}"/>
-              </a:ext>
-            </a:extLst>
-          </p:cNvPr>
+            <a:endParaRPr lang="en-US" dirty="0"/>
+          </a:p>
+        </p:txBody>
+      </p:sp>
+      <p:sp>
+        <p:nvSpPr>
+          <p:cNvPr id="4" name="Date Placeholder 3"/>
           <p:cNvSpPr>
             <a:spLocks noGrp="1"/>
           </p:cNvSpPr>
@@ -729,7 +657,7 @@
           <a:p>
             <a:fld id="{4452E1B7-8995-CD47-BA2C-CAD4F0B61F9F}" type="datetimeFigureOut">
               <a:rPr kumimoji="1" lang="ja-JP" altLang="en-US" smtClean="0"/>
-              <a:t>2024/9/25</a:t>
+              <a:t>2024/9/26</a:t>
             </a:fld>
             <a:endParaRPr kumimoji="1" lang="ja-JP" altLang="en-US"/>
           </a:p>
@@ -737,13 +665,7 @@
       </p:sp>
       <p:sp>
         <p:nvSpPr>
-          <p:cNvPr id="5" name="フッター プレースホルダー 4">
-            <a:extLst>
-              <a:ext uri="{FF2B5EF4-FFF2-40B4-BE49-F238E27FC236}">
-                <a16:creationId xmlns:a16="http://schemas.microsoft.com/office/drawing/2014/main" id="{7633089D-DB04-64ED-5BE0-83858E56B5C9}"/>
-              </a:ext>
-            </a:extLst>
-          </p:cNvPr>
+          <p:cNvPr id="5" name="Footer Placeholder 4"/>
           <p:cNvSpPr>
             <a:spLocks noGrp="1"/>
           </p:cNvSpPr>
@@ -762,13 +684,7 @@
       </p:sp>
       <p:sp>
         <p:nvSpPr>
-          <p:cNvPr id="6" name="スライド番号プレースホルダー 5">
-            <a:extLst>
-              <a:ext uri="{FF2B5EF4-FFF2-40B4-BE49-F238E27FC236}">
-                <a16:creationId xmlns:a16="http://schemas.microsoft.com/office/drawing/2014/main" id="{9A3517D3-C735-62B4-3843-10722010BED5}"/>
-              </a:ext>
-            </a:extLst>
-          </p:cNvPr>
+          <p:cNvPr id="6" name="Slide Number Placeholder 5"/>
           <p:cNvSpPr>
             <a:spLocks noGrp="1"/>
           </p:cNvSpPr>
@@ -792,7 +708,7 @@
     </p:spTree>
     <p:extLst>
       <p:ext uri="{BB962C8B-B14F-4D97-AF65-F5344CB8AC3E}">
-        <p14:creationId xmlns:p14="http://schemas.microsoft.com/office/powerpoint/2010/main" val="4062105140"/>
+        <p14:creationId xmlns:p14="http://schemas.microsoft.com/office/powerpoint/2010/main" val="1330633943"/>
       </p:ext>
     </p:extLst>
   </p:cSld>
@@ -821,13 +737,7 @@
       </p:grpSpPr>
       <p:sp>
         <p:nvSpPr>
-          <p:cNvPr id="2" name="タイトル 1">
-            <a:extLst>
-              <a:ext uri="{FF2B5EF4-FFF2-40B4-BE49-F238E27FC236}">
-                <a16:creationId xmlns:a16="http://schemas.microsoft.com/office/drawing/2014/main" id="{877989DE-34B1-F0C6-0EB7-E6C27423CCF4}"/>
-              </a:ext>
-            </a:extLst>
-          </p:cNvPr>
+          <p:cNvPr id="2" name="Title 1"/>
           <p:cNvSpPr>
             <a:spLocks noGrp="1"/>
           </p:cNvSpPr>
@@ -841,21 +751,16 @@
           <a:lstStyle/>
           <a:p>
             <a:r>
-              <a:rPr kumimoji="1" lang="ja-JP" altLang="en-US"/>
+              <a:rPr lang="ja-JP" altLang="en-US"/>
               <a:t>マスター タイトルの書式設定</a:t>
             </a:r>
-          </a:p>
-        </p:txBody>
-      </p:sp>
-      <p:sp>
-        <p:nvSpPr>
-          <p:cNvPr id="3" name="コンテンツ プレースホルダー 2">
-            <a:extLst>
-              <a:ext uri="{FF2B5EF4-FFF2-40B4-BE49-F238E27FC236}">
-                <a16:creationId xmlns:a16="http://schemas.microsoft.com/office/drawing/2014/main" id="{AEDD387B-6D7D-C5E2-99ED-E8EA3BFB3F27}"/>
-              </a:ext>
-            </a:extLst>
-          </p:cNvPr>
+            <a:endParaRPr lang="en-US" dirty="0"/>
+          </a:p>
+        </p:txBody>
+      </p:sp>
+      <p:sp>
+        <p:nvSpPr>
+          <p:cNvPr id="3" name="Content Placeholder 2"/>
           <p:cNvSpPr>
             <a:spLocks noGrp="1"/>
           </p:cNvSpPr>
@@ -870,81 +775,76 @@
           <a:p>
             <a:pPr lvl="0"/>
             <a:r>
-              <a:rPr kumimoji="1" lang="ja-JP" altLang="en-US"/>
+              <a:rPr lang="ja-JP" altLang="en-US"/>
               <a:t>マスター テキストの書式設定</a:t>
             </a:r>
           </a:p>
           <a:p>
             <a:pPr lvl="1"/>
             <a:r>
-              <a:rPr kumimoji="1" lang="ja-JP" altLang="en-US"/>
+              <a:rPr lang="ja-JP" altLang="en-US"/>
               <a:t>第 </a:t>
             </a:r>
             <a:r>
-              <a:rPr kumimoji="1" lang="en-US" altLang="ja-JP"/>
+              <a:rPr lang="en-US" altLang="ja-JP"/>
               <a:t>2 </a:t>
             </a:r>
             <a:r>
-              <a:rPr kumimoji="1" lang="ja-JP" altLang="en-US"/>
+              <a:rPr lang="ja-JP" altLang="en-US"/>
               <a:t>レベル</a:t>
             </a:r>
           </a:p>
           <a:p>
             <a:pPr lvl="2"/>
             <a:r>
-              <a:rPr kumimoji="1" lang="ja-JP" altLang="en-US"/>
+              <a:rPr lang="ja-JP" altLang="en-US"/>
               <a:t>第 </a:t>
             </a:r>
             <a:r>
-              <a:rPr kumimoji="1" lang="en-US" altLang="ja-JP"/>
+              <a:rPr lang="en-US" altLang="ja-JP"/>
               <a:t>3 </a:t>
             </a:r>
             <a:r>
-              <a:rPr kumimoji="1" lang="ja-JP" altLang="en-US"/>
+              <a:rPr lang="ja-JP" altLang="en-US"/>
               <a:t>レベル</a:t>
             </a:r>
           </a:p>
           <a:p>
             <a:pPr lvl="3"/>
             <a:r>
-              <a:rPr kumimoji="1" lang="ja-JP" altLang="en-US"/>
+              <a:rPr lang="ja-JP" altLang="en-US"/>
               <a:t>第 </a:t>
             </a:r>
             <a:r>
-              <a:rPr kumimoji="1" lang="en-US" altLang="ja-JP"/>
+              <a:rPr lang="en-US" altLang="ja-JP"/>
               <a:t>4 </a:t>
             </a:r>
             <a:r>
-              <a:rPr kumimoji="1" lang="ja-JP" altLang="en-US"/>
+              <a:rPr lang="ja-JP" altLang="en-US"/>
               <a:t>レベル</a:t>
             </a:r>
           </a:p>
           <a:p>
             <a:pPr lvl="4"/>
             <a:r>
-              <a:rPr kumimoji="1" lang="ja-JP" altLang="en-US"/>
+              <a:rPr lang="ja-JP" altLang="en-US"/>
               <a:t>第 </a:t>
             </a:r>
             <a:r>
-              <a:rPr kumimoji="1" lang="en-US" altLang="ja-JP"/>
+              <a:rPr lang="en-US" altLang="ja-JP"/>
               <a:t>5 </a:t>
             </a:r>
             <a:r>
-              <a:rPr kumimoji="1" lang="ja-JP" altLang="en-US"/>
+              <a:rPr lang="ja-JP" altLang="en-US"/>
               <a:t>レベル</a:t>
             </a:r>
-          </a:p>
-        </p:txBody>
-      </p:sp>
-      <p:sp>
-        <p:nvSpPr>
-          <p:cNvPr id="4" name="日付プレースホルダー 3">
-            <a:extLst>
-              <a:ext uri="{FF2B5EF4-FFF2-40B4-BE49-F238E27FC236}">
-                <a16:creationId xmlns:a16="http://schemas.microsoft.com/office/drawing/2014/main" id="{0DB07310-AB1C-DB2C-5C46-E0424F92AE38}"/>
-              </a:ext>
-            </a:extLst>
-          </p:cNvPr>
+            <a:endParaRPr lang="en-US" dirty="0"/>
+          </a:p>
+        </p:txBody>
+      </p:sp>
+      <p:sp>
+        <p:nvSpPr>
+          <p:cNvPr id="4" name="Date Placeholder 3"/>
           <p:cNvSpPr>
             <a:spLocks noGrp="1"/>
           </p:cNvSpPr>
@@ -959,7 +859,7 @@
           <a:p>
             <a:fld id="{4452E1B7-8995-CD47-BA2C-CAD4F0B61F9F}" type="datetimeFigureOut">
               <a:rPr kumimoji="1" lang="ja-JP" altLang="en-US" smtClean="0"/>
-              <a:t>2024/9/25</a:t>
+              <a:t>2024/9/26</a:t>
             </a:fld>
             <a:endParaRPr kumimoji="1" lang="ja-JP" altLang="en-US"/>
           </a:p>
@@ -967,13 +867,7 @@
       </p:sp>
       <p:sp>
         <p:nvSpPr>
-          <p:cNvPr id="5" name="フッター プレースホルダー 4">
-            <a:extLst>
-              <a:ext uri="{FF2B5EF4-FFF2-40B4-BE49-F238E27FC236}">
-                <a16:creationId xmlns:a16="http://schemas.microsoft.com/office/drawing/2014/main" id="{FDF333C1-FC15-29BB-4C19-FC416F1093CF}"/>
-              </a:ext>
-            </a:extLst>
-          </p:cNvPr>
+          <p:cNvPr id="5" name="Footer Placeholder 4"/>
           <p:cNvSpPr>
             <a:spLocks noGrp="1"/>
           </p:cNvSpPr>
@@ -992,13 +886,7 @@
       </p:sp>
       <p:sp>
         <p:nvSpPr>
-          <p:cNvPr id="6" name="スライド番号プレースホルダー 5">
-            <a:extLst>
-              <a:ext uri="{FF2B5EF4-FFF2-40B4-BE49-F238E27FC236}">
-                <a16:creationId xmlns:a16="http://schemas.microsoft.com/office/drawing/2014/main" id="{2263738B-7036-C1E6-CBE4-01D768B70347}"/>
-              </a:ext>
-            </a:extLst>
-          </p:cNvPr>
+          <p:cNvPr id="6" name="Slide Number Placeholder 5"/>
           <p:cNvSpPr>
             <a:spLocks noGrp="1"/>
           </p:cNvSpPr>
@@ -1022,7 +910,7 @@
     </p:spTree>
     <p:extLst>
       <p:ext uri="{BB962C8B-B14F-4D97-AF65-F5344CB8AC3E}">
-        <p14:creationId xmlns:p14="http://schemas.microsoft.com/office/powerpoint/2010/main" val="3871687352"/>
+        <p14:creationId xmlns:p14="http://schemas.microsoft.com/office/powerpoint/2010/main" val="2225024923"/>
       </p:ext>
     </p:extLst>
   </p:cSld>
@@ -1051,13 +939,7 @@
       </p:grpSpPr>
       <p:sp>
         <p:nvSpPr>
-          <p:cNvPr id="2" name="タイトル 1">
-            <a:extLst>
-              <a:ext uri="{FF2B5EF4-FFF2-40B4-BE49-F238E27FC236}">
-                <a16:creationId xmlns:a16="http://schemas.microsoft.com/office/drawing/2014/main" id="{EF2EF709-96D1-BC37-5F8A-29812AD17988}"/>
-              </a:ext>
-            </a:extLst>
-          </p:cNvPr>
+          <p:cNvPr id="2" name="Title 1"/>
           <p:cNvSpPr>
             <a:spLocks noGrp="1"/>
           </p:cNvSpPr>
@@ -1067,34 +949,29 @@
         </p:nvSpPr>
         <p:spPr>
           <a:xfrm>
-            <a:off x="831850" y="1709738"/>
-            <a:ext cx="10515600" cy="2852737"/>
+            <a:off x="1645720" y="3410374"/>
+            <a:ext cx="20803910" cy="5690286"/>
           </a:xfrm>
         </p:spPr>
         <p:txBody>
           <a:bodyPr anchor="b"/>
           <a:lstStyle>
             <a:lvl1pPr>
-              <a:defRPr sz="6000"/>
+              <a:defRPr sz="11870"/>
             </a:lvl1pPr>
           </a:lstStyle>
           <a:p>
             <a:r>
-              <a:rPr kumimoji="1" lang="ja-JP" altLang="en-US"/>
+              <a:rPr lang="ja-JP" altLang="en-US"/>
               <a:t>マスター タイトルの書式設定</a:t>
             </a:r>
-          </a:p>
-        </p:txBody>
-      </p:sp>
-      <p:sp>
-        <p:nvSpPr>
-          <p:cNvPr id="3" name="テキスト プレースホルダー 2">
-            <a:extLst>
-              <a:ext uri="{FF2B5EF4-FFF2-40B4-BE49-F238E27FC236}">
-                <a16:creationId xmlns:a16="http://schemas.microsoft.com/office/drawing/2014/main" id="{F0CA4494-A805-542C-0D50-A6B4E00BCF9F}"/>
-              </a:ext>
-            </a:extLst>
-          </p:cNvPr>
+            <a:endParaRPr lang="en-US" dirty="0"/>
+          </a:p>
+        </p:txBody>
+      </p:sp>
+      <p:sp>
+        <p:nvSpPr>
+          <p:cNvPr id="3" name="Text Placeholder 2"/>
           <p:cNvSpPr>
             <a:spLocks noGrp="1"/>
           </p:cNvSpPr>
@@ -1104,8 +981,8 @@
         </p:nvSpPr>
         <p:spPr>
           <a:xfrm>
-            <a:off x="831850" y="4589463"/>
-            <a:ext cx="10515600" cy="1500187"/>
+            <a:off x="1645720" y="9154493"/>
+            <a:ext cx="20803910" cy="2992387"/>
           </a:xfrm>
         </p:spPr>
         <p:txBody>
@@ -1113,7 +990,7 @@
           <a:lstStyle>
             <a:lvl1pPr marL="0" indent="0">
               <a:buNone/>
-              <a:defRPr sz="2400">
+              <a:defRPr sz="4748">
                 <a:solidFill>
                   <a:schemeClr val="tx1">
                     <a:tint val="75000"/>
@@ -1121,9 +998,9 @@
                 </a:solidFill>
               </a:defRPr>
             </a:lvl1pPr>
-            <a:lvl2pPr marL="457200" indent="0">
+            <a:lvl2pPr marL="904524" indent="0">
               <a:buNone/>
-              <a:defRPr sz="2000">
+              <a:defRPr sz="3957">
                 <a:solidFill>
                   <a:schemeClr val="tx1">
                     <a:tint val="75000"/>
@@ -1131,9 +1008,9 @@
                 </a:solidFill>
               </a:defRPr>
             </a:lvl2pPr>
-            <a:lvl3pPr marL="914400" indent="0">
+            <a:lvl3pPr marL="1809049" indent="0">
               <a:buNone/>
-              <a:defRPr sz="1800">
+              <a:defRPr sz="3561">
                 <a:solidFill>
                   <a:schemeClr val="tx1">
                     <a:tint val="75000"/>
@@ -1141,9 +1018,9 @@
                 </a:solidFill>
               </a:defRPr>
             </a:lvl3pPr>
-            <a:lvl4pPr marL="1371600" indent="0">
+            <a:lvl4pPr marL="2713573" indent="0">
               <a:buNone/>
-              <a:defRPr sz="1600">
+              <a:defRPr sz="3165">
                 <a:solidFill>
                   <a:schemeClr val="tx1">
                     <a:tint val="75000"/>
@@ -1151,9 +1028,9 @@
                 </a:solidFill>
               </a:defRPr>
             </a:lvl4pPr>
-            <a:lvl5pPr marL="1828800" indent="0">
+            <a:lvl5pPr marL="3618098" indent="0">
               <a:buNone/>
-              <a:defRPr sz="1600">
+              <a:defRPr sz="3165">
                 <a:solidFill>
                   <a:schemeClr val="tx1">
                     <a:tint val="75000"/>
@@ -1161,9 +1038,9 @@
                 </a:solidFill>
               </a:defRPr>
             </a:lvl5pPr>
-            <a:lvl6pPr marL="2286000" indent="0">
+            <a:lvl6pPr marL="4522622" indent="0">
               <a:buNone/>
-              <a:defRPr sz="1600">
+              <a:defRPr sz="3165">
                 <a:solidFill>
                   <a:schemeClr val="tx1">
                     <a:tint val="75000"/>
@@ -1171,9 +1048,9 @@
                 </a:solidFill>
               </a:defRPr>
             </a:lvl6pPr>
-            <a:lvl7pPr marL="2743200" indent="0">
+            <a:lvl7pPr marL="5427147" indent="0">
               <a:buNone/>
-              <a:defRPr sz="1600">
+              <a:defRPr sz="3165">
                 <a:solidFill>
                   <a:schemeClr val="tx1">
                     <a:tint val="75000"/>
@@ -1181,9 +1058,9 @@
                 </a:solidFill>
               </a:defRPr>
             </a:lvl7pPr>
-            <a:lvl8pPr marL="3200400" indent="0">
+            <a:lvl8pPr marL="6331671" indent="0">
               <a:buNone/>
-              <a:defRPr sz="1600">
+              <a:defRPr sz="3165">
                 <a:solidFill>
                   <a:schemeClr val="tx1">
                     <a:tint val="75000"/>
@@ -1191,9 +1068,9 @@
                 </a:solidFill>
               </a:defRPr>
             </a:lvl8pPr>
-            <a:lvl9pPr marL="3657600" indent="0">
+            <a:lvl9pPr marL="7236196" indent="0">
               <a:buNone/>
-              <a:defRPr sz="1600">
+              <a:defRPr sz="3165">
                 <a:solidFill>
                   <a:schemeClr val="tx1">
                     <a:tint val="75000"/>
@@ -1205,7 +1082,7 @@
           <a:p>
             <a:pPr lvl="0"/>
             <a:r>
-              <a:rPr kumimoji="1" lang="ja-JP" altLang="en-US"/>
+              <a:rPr lang="ja-JP" altLang="en-US"/>
               <a:t>マスター テキストの書式設定</a:t>
             </a:r>
           </a:p>
@@ -1213,13 +1090,7 @@
       </p:sp>
       <p:sp>
         <p:nvSpPr>
-          <p:cNvPr id="4" name="日付プレースホルダー 3">
-            <a:extLst>
-              <a:ext uri="{FF2B5EF4-FFF2-40B4-BE49-F238E27FC236}">
-                <a16:creationId xmlns:a16="http://schemas.microsoft.com/office/drawing/2014/main" id="{3F59735D-8C77-661C-7F6A-7A7140E5FC8A}"/>
-              </a:ext>
-            </a:extLst>
-          </p:cNvPr>
+          <p:cNvPr id="4" name="Date Placeholder 3"/>
           <p:cNvSpPr>
             <a:spLocks noGrp="1"/>
           </p:cNvSpPr>
@@ -1234,7 +1105,7 @@
           <a:p>
             <a:fld id="{4452E1B7-8995-CD47-BA2C-CAD4F0B61F9F}" type="datetimeFigureOut">
               <a:rPr kumimoji="1" lang="ja-JP" altLang="en-US" smtClean="0"/>
-              <a:t>2024/9/25</a:t>
+              <a:t>2024/9/26</a:t>
             </a:fld>
             <a:endParaRPr kumimoji="1" lang="ja-JP" altLang="en-US"/>
           </a:p>
@@ -1242,13 +1113,7 @@
       </p:sp>
       <p:sp>
         <p:nvSpPr>
-          <p:cNvPr id="5" name="フッター プレースホルダー 4">
-            <a:extLst>
-              <a:ext uri="{FF2B5EF4-FFF2-40B4-BE49-F238E27FC236}">
-                <a16:creationId xmlns:a16="http://schemas.microsoft.com/office/drawing/2014/main" id="{C27C2EC9-CACA-ECDB-C4BE-F7E9E35E7156}"/>
-              </a:ext>
-            </a:extLst>
-          </p:cNvPr>
+          <p:cNvPr id="5" name="Footer Placeholder 4"/>
           <p:cNvSpPr>
             <a:spLocks noGrp="1"/>
           </p:cNvSpPr>
@@ -1267,13 +1132,7 @@
       </p:sp>
       <p:sp>
         <p:nvSpPr>
-          <p:cNvPr id="6" name="スライド番号プレースホルダー 5">
-            <a:extLst>
-              <a:ext uri="{FF2B5EF4-FFF2-40B4-BE49-F238E27FC236}">
-                <a16:creationId xmlns:a16="http://schemas.microsoft.com/office/drawing/2014/main" id="{3813A94A-1C84-2CB1-244E-F1592FF4231E}"/>
-              </a:ext>
-            </a:extLst>
-          </p:cNvPr>
+          <p:cNvPr id="6" name="Slide Number Placeholder 5"/>
           <p:cNvSpPr>
             <a:spLocks noGrp="1"/>
           </p:cNvSpPr>
@@ -1297,7 +1156,7 @@
     </p:spTree>
     <p:extLst>
       <p:ext uri="{BB962C8B-B14F-4D97-AF65-F5344CB8AC3E}">
-        <p14:creationId xmlns:p14="http://schemas.microsoft.com/office/powerpoint/2010/main" val="1089286383"/>
+        <p14:creationId xmlns:p14="http://schemas.microsoft.com/office/powerpoint/2010/main" val="1689793933"/>
       </p:ext>
     </p:extLst>
   </p:cSld>
@@ -1326,13 +1185,7 @@
       </p:grpSpPr>
       <p:sp>
         <p:nvSpPr>
-          <p:cNvPr id="2" name="タイトル 1">
-            <a:extLst>
-              <a:ext uri="{FF2B5EF4-FFF2-40B4-BE49-F238E27FC236}">
-                <a16:creationId xmlns:a16="http://schemas.microsoft.com/office/drawing/2014/main" id="{E8CCFE99-0908-A1DC-E00C-157BB435C12C}"/>
-              </a:ext>
-            </a:extLst>
-          </p:cNvPr>
+          <p:cNvPr id="2" name="Title 1"/>
           <p:cNvSpPr>
             <a:spLocks noGrp="1"/>
           </p:cNvSpPr>
@@ -1346,21 +1199,16 @@
           <a:lstStyle/>
           <a:p>
             <a:r>
-              <a:rPr kumimoji="1" lang="ja-JP" altLang="en-US"/>
+              <a:rPr lang="ja-JP" altLang="en-US"/>
               <a:t>マスター タイトルの書式設定</a:t>
             </a:r>
-          </a:p>
-        </p:txBody>
-      </p:sp>
-      <p:sp>
-        <p:nvSpPr>
-          <p:cNvPr id="3" name="コンテンツ プレースホルダー 2">
-            <a:extLst>
-              <a:ext uri="{FF2B5EF4-FFF2-40B4-BE49-F238E27FC236}">
-                <a16:creationId xmlns:a16="http://schemas.microsoft.com/office/drawing/2014/main" id="{D654D52D-7BC3-E96E-568B-7633B0E559D0}"/>
-              </a:ext>
-            </a:extLst>
-          </p:cNvPr>
+            <a:endParaRPr lang="en-US" dirty="0"/>
+          </a:p>
+        </p:txBody>
+      </p:sp>
+      <p:sp>
+        <p:nvSpPr>
+          <p:cNvPr id="3" name="Content Placeholder 2"/>
           <p:cNvSpPr>
             <a:spLocks noGrp="1"/>
           </p:cNvSpPr>
@@ -1370,8 +1218,8 @@
         </p:nvSpPr>
         <p:spPr>
           <a:xfrm>
-            <a:off x="838200" y="1825625"/>
-            <a:ext cx="5181600" cy="4351338"/>
+            <a:off x="1658283" y="3641531"/>
+            <a:ext cx="10251202" cy="8679509"/>
           </a:xfrm>
         </p:spPr>
         <p:txBody>
@@ -1380,81 +1228,76 @@
           <a:p>
             <a:pPr lvl="0"/>
             <a:r>
-              <a:rPr kumimoji="1" lang="ja-JP" altLang="en-US"/>
+              <a:rPr lang="ja-JP" altLang="en-US"/>
               <a:t>マスター テキストの書式設定</a:t>
             </a:r>
           </a:p>
           <a:p>
             <a:pPr lvl="1"/>
             <a:r>
-              <a:rPr kumimoji="1" lang="ja-JP" altLang="en-US"/>
+              <a:rPr lang="ja-JP" altLang="en-US"/>
               <a:t>第 </a:t>
             </a:r>
             <a:r>
-              <a:rPr kumimoji="1" lang="en-US" altLang="ja-JP"/>
+              <a:rPr lang="en-US" altLang="ja-JP"/>
               <a:t>2 </a:t>
             </a:r>
             <a:r>
-              <a:rPr kumimoji="1" lang="ja-JP" altLang="en-US"/>
+              <a:rPr lang="ja-JP" altLang="en-US"/>
               <a:t>レベル</a:t>
             </a:r>
           </a:p>
           <a:p>
             <a:pPr lvl="2"/>
             <a:r>
-              <a:rPr kumimoji="1" lang="ja-JP" altLang="en-US"/>
+              <a:rPr lang="ja-JP" altLang="en-US"/>
               <a:t>第 </a:t>
             </a:r>
             <a:r>
-              <a:rPr kumimoji="1" lang="en-US" altLang="ja-JP"/>
+              <a:rPr lang="en-US" altLang="ja-JP"/>
               <a:t>3 </a:t>
             </a:r>
             <a:r>
-              <a:rPr kumimoji="1" lang="ja-JP" altLang="en-US"/>
+              <a:rPr lang="ja-JP" altLang="en-US"/>
               <a:t>レベル</a:t>
             </a:r>
           </a:p>
           <a:p>
             <a:pPr lvl="3"/>
             <a:r>
-              <a:rPr kumimoji="1" lang="ja-JP" altLang="en-US"/>
+              <a:rPr lang="ja-JP" altLang="en-US"/>
               <a:t>第 </a:t>
             </a:r>
             <a:r>
-              <a:rPr kumimoji="1" lang="en-US" altLang="ja-JP"/>
+              <a:rPr lang="en-US" altLang="ja-JP"/>
               <a:t>4 </a:t>
             </a:r>
             <a:r>
-              <a:rPr kumimoji="1" lang="ja-JP" altLang="en-US"/>
+              <a:rPr lang="ja-JP" altLang="en-US"/>
               <a:t>レベル</a:t>
             </a:r>
           </a:p>
           <a:p>
             <a:pPr lvl="4"/>
             <a:r>
-              <a:rPr kumimoji="1" lang="ja-JP" altLang="en-US"/>
+              <a:rPr lang="ja-JP" altLang="en-US"/>
               <a:t>第 </a:t>
             </a:r>
             <a:r>
-              <a:rPr kumimoji="1" lang="en-US" altLang="ja-JP"/>
+              <a:rPr lang="en-US" altLang="ja-JP"/>
               <a:t>5 </a:t>
             </a:r>
             <a:r>
-              <a:rPr kumimoji="1" lang="ja-JP" altLang="en-US"/>
+              <a:rPr lang="ja-JP" altLang="en-US"/>
               <a:t>レベル</a:t>
             </a:r>
-          </a:p>
-        </p:txBody>
-      </p:sp>
-      <p:sp>
-        <p:nvSpPr>
-          <p:cNvPr id="4" name="コンテンツ プレースホルダー 3">
-            <a:extLst>
-              <a:ext uri="{FF2B5EF4-FFF2-40B4-BE49-F238E27FC236}">
-                <a16:creationId xmlns:a16="http://schemas.microsoft.com/office/drawing/2014/main" id="{139C2785-6B72-1750-CBBB-7D582915A31F}"/>
-              </a:ext>
-            </a:extLst>
-          </p:cNvPr>
+            <a:endParaRPr lang="en-US" dirty="0"/>
+          </a:p>
+        </p:txBody>
+      </p:sp>
+      <p:sp>
+        <p:nvSpPr>
+          <p:cNvPr id="4" name="Content Placeholder 3"/>
           <p:cNvSpPr>
             <a:spLocks noGrp="1"/>
           </p:cNvSpPr>
@@ -1464,8 +1307,8 @@
         </p:nvSpPr>
         <p:spPr>
           <a:xfrm>
-            <a:off x="6172200" y="1825625"/>
-            <a:ext cx="5181600" cy="4351338"/>
+            <a:off x="12210990" y="3641531"/>
+            <a:ext cx="10251202" cy="8679509"/>
           </a:xfrm>
         </p:spPr>
         <p:txBody>
@@ -1474,81 +1317,76 @@
           <a:p>
             <a:pPr lvl="0"/>
             <a:r>
-              <a:rPr kumimoji="1" lang="ja-JP" altLang="en-US"/>
+              <a:rPr lang="ja-JP" altLang="en-US"/>
               <a:t>マスター テキストの書式設定</a:t>
             </a:r>
           </a:p>
           <a:p>
             <a:pPr lvl="1"/>
             <a:r>
-              <a:rPr kumimoji="1" lang="ja-JP" altLang="en-US"/>
+              <a:rPr lang="ja-JP" altLang="en-US"/>
               <a:t>第 </a:t>
             </a:r>
             <a:r>
-              <a:rPr kumimoji="1" lang="en-US" altLang="ja-JP"/>
+              <a:rPr lang="en-US" altLang="ja-JP"/>
               <a:t>2 </a:t>
             </a:r>
             <a:r>
-              <a:rPr kumimoji="1" lang="ja-JP" altLang="en-US"/>
+              <a:rPr lang="ja-JP" altLang="en-US"/>
               <a:t>レベル</a:t>
             </a:r>
           </a:p>
           <a:p>
             <a:pPr lvl="2"/>
             <a:r>
-              <a:rPr kumimoji="1" lang="ja-JP" altLang="en-US"/>
+              <a:rPr lang="ja-JP" altLang="en-US"/>
               <a:t>第 </a:t>
             </a:r>
             <a:r>
-              <a:rPr kumimoji="1" lang="en-US" altLang="ja-JP"/>
+              <a:rPr lang="en-US" altLang="ja-JP"/>
               <a:t>3 </a:t>
             </a:r>
             <a:r>
-              <a:rPr kumimoji="1" lang="ja-JP" altLang="en-US"/>
+              <a:rPr lang="ja-JP" altLang="en-US"/>
               <a:t>レベル</a:t>
             </a:r>
           </a:p>
           <a:p>
             <a:pPr lvl="3"/>
             <a:r>
-              <a:rPr kumimoji="1" lang="ja-JP" altLang="en-US"/>
+              <a:rPr lang="ja-JP" altLang="en-US"/>
               <a:t>第 </a:t>
             </a:r>
             <a:r>
-              <a:rPr kumimoji="1" lang="en-US" altLang="ja-JP"/>
+              <a:rPr lang="en-US" altLang="ja-JP"/>
               <a:t>4 </a:t>
             </a:r>
             <a:r>
-              <a:rPr kumimoji="1" lang="ja-JP" altLang="en-US"/>
+              <a:rPr lang="ja-JP" altLang="en-US"/>
               <a:t>レベル</a:t>
             </a:r>
           </a:p>
           <a:p>
             <a:pPr lvl="4"/>
             <a:r>
-              <a:rPr kumimoji="1" lang="ja-JP" altLang="en-US"/>
+              <a:rPr lang="ja-JP" altLang="en-US"/>
               <a:t>第 </a:t>
             </a:r>
             <a:r>
-              <a:rPr kumimoji="1" lang="en-US" altLang="ja-JP"/>
+              <a:rPr lang="en-US" altLang="ja-JP"/>
               <a:t>5 </a:t>
             </a:r>
             <a:r>
-              <a:rPr kumimoji="1" lang="ja-JP" altLang="en-US"/>
+              <a:rPr lang="ja-JP" altLang="en-US"/>
               <a:t>レベル</a:t>
             </a:r>
-          </a:p>
-        </p:txBody>
-      </p:sp>
-      <p:sp>
-        <p:nvSpPr>
-          <p:cNvPr id="5" name="日付プレースホルダー 4">
-            <a:extLst>
-              <a:ext uri="{FF2B5EF4-FFF2-40B4-BE49-F238E27FC236}">
-                <a16:creationId xmlns:a16="http://schemas.microsoft.com/office/drawing/2014/main" id="{729148B2-FEEB-68A3-4A54-33D12A197945}"/>
-              </a:ext>
-            </a:extLst>
-          </p:cNvPr>
+            <a:endParaRPr lang="en-US" dirty="0"/>
+          </a:p>
+        </p:txBody>
+      </p:sp>
+      <p:sp>
+        <p:nvSpPr>
+          <p:cNvPr id="5" name="Date Placeholder 4"/>
           <p:cNvSpPr>
             <a:spLocks noGrp="1"/>
           </p:cNvSpPr>
@@ -1563,7 +1401,7 @@
           <a:p>
             <a:fld id="{4452E1B7-8995-CD47-BA2C-CAD4F0B61F9F}" type="datetimeFigureOut">
               <a:rPr kumimoji="1" lang="ja-JP" altLang="en-US" smtClean="0"/>
-              <a:t>2024/9/25</a:t>
+              <a:t>2024/9/26</a:t>
             </a:fld>
             <a:endParaRPr kumimoji="1" lang="ja-JP" altLang="en-US"/>
           </a:p>
@@ -1571,13 +1409,7 @@
       </p:sp>
       <p:sp>
         <p:nvSpPr>
-          <p:cNvPr id="6" name="フッター プレースホルダー 5">
-            <a:extLst>
-              <a:ext uri="{FF2B5EF4-FFF2-40B4-BE49-F238E27FC236}">
-                <a16:creationId xmlns:a16="http://schemas.microsoft.com/office/drawing/2014/main" id="{3A399562-1040-A6E4-F0A3-AE78237CE08E}"/>
-              </a:ext>
-            </a:extLst>
-          </p:cNvPr>
+          <p:cNvPr id="6" name="Footer Placeholder 5"/>
           <p:cNvSpPr>
             <a:spLocks noGrp="1"/>
           </p:cNvSpPr>
@@ -1596,13 +1428,7 @@
       </p:sp>
       <p:sp>
         <p:nvSpPr>
-          <p:cNvPr id="7" name="スライド番号プレースホルダー 6">
-            <a:extLst>
-              <a:ext uri="{FF2B5EF4-FFF2-40B4-BE49-F238E27FC236}">
-                <a16:creationId xmlns:a16="http://schemas.microsoft.com/office/drawing/2014/main" id="{91907E1F-F9AB-6854-10C8-24D379D935CC}"/>
-              </a:ext>
-            </a:extLst>
-          </p:cNvPr>
+          <p:cNvPr id="7" name="Slide Number Placeholder 6"/>
           <p:cNvSpPr>
             <a:spLocks noGrp="1"/>
           </p:cNvSpPr>
@@ -1626,7 +1452,7 @@
     </p:spTree>
     <p:extLst>
       <p:ext uri="{BB962C8B-B14F-4D97-AF65-F5344CB8AC3E}">
-        <p14:creationId xmlns:p14="http://schemas.microsoft.com/office/powerpoint/2010/main" val="2720790740"/>
+        <p14:creationId xmlns:p14="http://schemas.microsoft.com/office/powerpoint/2010/main" val="50245296"/>
       </p:ext>
     </p:extLst>
   </p:cSld>
@@ -1655,13 +1481,7 @@
       </p:grpSpPr>
       <p:sp>
         <p:nvSpPr>
-          <p:cNvPr id="2" name="タイトル 1">
-            <a:extLst>
-              <a:ext uri="{FF2B5EF4-FFF2-40B4-BE49-F238E27FC236}">
-                <a16:creationId xmlns:a16="http://schemas.microsoft.com/office/drawing/2014/main" id="{E7CE2F9F-1EB0-59EC-1730-E137B20EF3FD}"/>
-              </a:ext>
-            </a:extLst>
-          </p:cNvPr>
+          <p:cNvPr id="2" name="Title 1"/>
           <p:cNvSpPr>
             <a:spLocks noGrp="1"/>
           </p:cNvSpPr>
@@ -1671,8 +1491,8 @@
         </p:nvSpPr>
         <p:spPr>
           <a:xfrm>
-            <a:off x="839788" y="365125"/>
-            <a:ext cx="10515600" cy="1325563"/>
+            <a:off x="1661424" y="728307"/>
+            <a:ext cx="20803910" cy="2644069"/>
           </a:xfrm>
         </p:spPr>
         <p:txBody>
@@ -1680,21 +1500,16 @@
           <a:lstStyle/>
           <a:p>
             <a:r>
-              <a:rPr kumimoji="1" lang="ja-JP" altLang="en-US"/>
+              <a:rPr lang="ja-JP" altLang="en-US"/>
               <a:t>マスター タイトルの書式設定</a:t>
             </a:r>
-          </a:p>
-        </p:txBody>
-      </p:sp>
-      <p:sp>
-        <p:nvSpPr>
-          <p:cNvPr id="3" name="テキスト プレースホルダー 2">
-            <a:extLst>
-              <a:ext uri="{FF2B5EF4-FFF2-40B4-BE49-F238E27FC236}">
-                <a16:creationId xmlns:a16="http://schemas.microsoft.com/office/drawing/2014/main" id="{799EA15A-85AD-ADAB-7785-8AABBF9FCD41}"/>
-              </a:ext>
-            </a:extLst>
-          </p:cNvPr>
+            <a:endParaRPr lang="en-US" dirty="0"/>
+          </a:p>
+        </p:txBody>
+      </p:sp>
+      <p:sp>
+        <p:nvSpPr>
+          <p:cNvPr id="3" name="Text Placeholder 2"/>
           <p:cNvSpPr>
             <a:spLocks noGrp="1"/>
           </p:cNvSpPr>
@@ -1704,8 +1519,8 @@
         </p:nvSpPr>
         <p:spPr>
           <a:xfrm>
-            <a:off x="839788" y="1681163"/>
-            <a:ext cx="5157787" cy="823912"/>
+            <a:off x="1661425" y="3353376"/>
+            <a:ext cx="10204091" cy="1643437"/>
           </a:xfrm>
         </p:spPr>
         <p:txBody>
@@ -1713,45 +1528,45 @@
           <a:lstStyle>
             <a:lvl1pPr marL="0" indent="0">
               <a:buNone/>
-              <a:defRPr sz="2400" b="1"/>
+              <a:defRPr sz="4748" b="1"/>
             </a:lvl1pPr>
-            <a:lvl2pPr marL="457200" indent="0">
+            <a:lvl2pPr marL="904524" indent="0">
               <a:buNone/>
-              <a:defRPr sz="2000" b="1"/>
+              <a:defRPr sz="3957" b="1"/>
             </a:lvl2pPr>
-            <a:lvl3pPr marL="914400" indent="0">
+            <a:lvl3pPr marL="1809049" indent="0">
               <a:buNone/>
-              <a:defRPr sz="1800" b="1"/>
+              <a:defRPr sz="3561" b="1"/>
             </a:lvl3pPr>
-            <a:lvl4pPr marL="1371600" indent="0">
+            <a:lvl4pPr marL="2713573" indent="0">
               <a:buNone/>
-              <a:defRPr sz="1600" b="1"/>
+              <a:defRPr sz="3165" b="1"/>
             </a:lvl4pPr>
-            <a:lvl5pPr marL="1828800" indent="0">
+            <a:lvl5pPr marL="3618098" indent="0">
               <a:buNone/>
-              <a:defRPr sz="1600" b="1"/>
+              <a:defRPr sz="3165" b="1"/>
             </a:lvl5pPr>
-            <a:lvl6pPr marL="2286000" indent="0">
+            <a:lvl6pPr marL="4522622" indent="0">
               <a:buNone/>
-              <a:defRPr sz="1600" b="1"/>
+              <a:defRPr sz="3165" b="1"/>
             </a:lvl6pPr>
-            <a:lvl7pPr marL="2743200" indent="0">
+            <a:lvl7pPr marL="5427147" indent="0">
               <a:buNone/>
-              <a:defRPr sz="1600" b="1"/>
+              <a:defRPr sz="3165" b="1"/>
             </a:lvl7pPr>
-            <a:lvl8pPr marL="3200400" indent="0">
+            <a:lvl8pPr marL="6331671" indent="0">
               <a:buNone/>
-              <a:defRPr sz="1600" b="1"/>
+              <a:defRPr sz="3165" b="1"/>
             </a:lvl8pPr>
-            <a:lvl9pPr marL="3657600" indent="0">
+            <a:lvl9pPr marL="7236196" indent="0">
               <a:buNone/>
-              <a:defRPr sz="1600" b="1"/>
+              <a:defRPr sz="3165" b="1"/>
             </a:lvl9pPr>
           </a:lstStyle>
           <a:p>
             <a:pPr lvl="0"/>
             <a:r>
-              <a:rPr kumimoji="1" lang="ja-JP" altLang="en-US"/>
+              <a:rPr lang="ja-JP" altLang="en-US"/>
               <a:t>マスター テキストの書式設定</a:t>
             </a:r>
           </a:p>
@@ -1759,13 +1574,7 @@
       </p:sp>
       <p:sp>
         <p:nvSpPr>
-          <p:cNvPr id="4" name="コンテンツ プレースホルダー 3">
-            <a:extLst>
-              <a:ext uri="{FF2B5EF4-FFF2-40B4-BE49-F238E27FC236}">
-                <a16:creationId xmlns:a16="http://schemas.microsoft.com/office/drawing/2014/main" id="{B7B471E1-44EC-9596-7D8E-53D5FED5CF11}"/>
-              </a:ext>
-            </a:extLst>
-          </p:cNvPr>
+          <p:cNvPr id="4" name="Content Placeholder 3"/>
           <p:cNvSpPr>
             <a:spLocks noGrp="1"/>
           </p:cNvSpPr>
@@ -1775,8 +1584,8 @@
         </p:nvSpPr>
         <p:spPr>
           <a:xfrm>
-            <a:off x="839788" y="2505075"/>
-            <a:ext cx="5157787" cy="3684588"/>
+            <a:off x="1661425" y="4996813"/>
+            <a:ext cx="10204091" cy="7349559"/>
           </a:xfrm>
         </p:spPr>
         <p:txBody>
@@ -1785,81 +1594,76 @@
           <a:p>
             <a:pPr lvl="0"/>
             <a:r>
-              <a:rPr kumimoji="1" lang="ja-JP" altLang="en-US"/>
+              <a:rPr lang="ja-JP" altLang="en-US"/>
               <a:t>マスター テキストの書式設定</a:t>
             </a:r>
           </a:p>
           <a:p>
             <a:pPr lvl="1"/>
             <a:r>
-              <a:rPr kumimoji="1" lang="ja-JP" altLang="en-US"/>
+              <a:rPr lang="ja-JP" altLang="en-US"/>
               <a:t>第 </a:t>
             </a:r>
             <a:r>
-              <a:rPr kumimoji="1" lang="en-US" altLang="ja-JP"/>
+              <a:rPr lang="en-US" altLang="ja-JP"/>
               <a:t>2 </a:t>
             </a:r>
             <a:r>
-              <a:rPr kumimoji="1" lang="ja-JP" altLang="en-US"/>
+              <a:rPr lang="ja-JP" altLang="en-US"/>
               <a:t>レベル</a:t>
             </a:r>
           </a:p>
           <a:p>
             <a:pPr lvl="2"/>
             <a:r>
-              <a:rPr kumimoji="1" lang="ja-JP" altLang="en-US"/>
+              <a:rPr lang="ja-JP" altLang="en-US"/>
               <a:t>第 </a:t>
             </a:r>
             <a:r>
-              <a:rPr kumimoji="1" lang="en-US" altLang="ja-JP"/>
+              <a:rPr lang="en-US" altLang="ja-JP"/>
               <a:t>3 </a:t>
             </a:r>
             <a:r>
-              <a:rPr kumimoji="1" lang="ja-JP" altLang="en-US"/>
+              <a:rPr lang="ja-JP" altLang="en-US"/>
               <a:t>レベル</a:t>
             </a:r>
           </a:p>
           <a:p>
             <a:pPr lvl="3"/>
             <a:r>
-              <a:rPr kumimoji="1" lang="ja-JP" altLang="en-US"/>
+              <a:rPr lang="ja-JP" altLang="en-US"/>
               <a:t>第 </a:t>
             </a:r>
             <a:r>
-              <a:rPr kumimoji="1" lang="en-US" altLang="ja-JP"/>
+              <a:rPr lang="en-US" altLang="ja-JP"/>
               <a:t>4 </a:t>
             </a:r>
             <a:r>
-              <a:rPr kumimoji="1" lang="ja-JP" altLang="en-US"/>
+              <a:rPr lang="ja-JP" altLang="en-US"/>
               <a:t>レベル</a:t>
             </a:r>
           </a:p>
           <a:p>
             <a:pPr lvl="4"/>
             <a:r>
-              <a:rPr kumimoji="1" lang="ja-JP" altLang="en-US"/>
+              <a:rPr lang="ja-JP" altLang="en-US"/>
               <a:t>第 </a:t>
             </a:r>
             <a:r>
-              <a:rPr kumimoji="1" lang="en-US" altLang="ja-JP"/>
+              <a:rPr lang="en-US" altLang="ja-JP"/>
               <a:t>5 </a:t>
             </a:r>
             <a:r>
-              <a:rPr kumimoji="1" lang="ja-JP" altLang="en-US"/>
+              <a:rPr lang="ja-JP" altLang="en-US"/>
               <a:t>レベル</a:t>
             </a:r>
-          </a:p>
-        </p:txBody>
-      </p:sp>
-      <p:sp>
-        <p:nvSpPr>
-          <p:cNvPr id="5" name="テキスト プレースホルダー 4">
-            <a:extLst>
-              <a:ext uri="{FF2B5EF4-FFF2-40B4-BE49-F238E27FC236}">
-                <a16:creationId xmlns:a16="http://schemas.microsoft.com/office/drawing/2014/main" id="{229567AC-28DC-DF14-20E8-53179D9006A9}"/>
-              </a:ext>
-            </a:extLst>
-          </p:cNvPr>
+            <a:endParaRPr lang="en-US" dirty="0"/>
+          </a:p>
+        </p:txBody>
+      </p:sp>
+      <p:sp>
+        <p:nvSpPr>
+          <p:cNvPr id="5" name="Text Placeholder 4"/>
           <p:cNvSpPr>
             <a:spLocks noGrp="1"/>
           </p:cNvSpPr>
@@ -1869,8 +1673,8 @@
         </p:nvSpPr>
         <p:spPr>
           <a:xfrm>
-            <a:off x="6172200" y="1681163"/>
-            <a:ext cx="5183188" cy="823912"/>
+            <a:off x="12210990" y="3353376"/>
+            <a:ext cx="10254344" cy="1643437"/>
           </a:xfrm>
         </p:spPr>
         <p:txBody>
@@ -1878,45 +1682,45 @@
           <a:lstStyle>
             <a:lvl1pPr marL="0" indent="0">
               <a:buNone/>
-              <a:defRPr sz="2400" b="1"/>
+              <a:defRPr sz="4748" b="1"/>
             </a:lvl1pPr>
-            <a:lvl2pPr marL="457200" indent="0">
+            <a:lvl2pPr marL="904524" indent="0">
               <a:buNone/>
-              <a:defRPr sz="2000" b="1"/>
+              <a:defRPr sz="3957" b="1"/>
             </a:lvl2pPr>
-            <a:lvl3pPr marL="914400" indent="0">
+            <a:lvl3pPr marL="1809049" indent="0">
               <a:buNone/>
-              <a:defRPr sz="1800" b="1"/>
+              <a:defRPr sz="3561" b="1"/>
             </a:lvl3pPr>
-            <a:lvl4pPr marL="1371600" indent="0">
+            <a:lvl4pPr marL="2713573" indent="0">
               <a:buNone/>
-              <a:defRPr sz="1600" b="1"/>
+              <a:defRPr sz="3165" b="1"/>
             </a:lvl4pPr>
-            <a:lvl5pPr marL="1828800" indent="0">
+            <a:lvl5pPr marL="3618098" indent="0">
               <a:buNone/>
-              <a:defRPr sz="1600" b="1"/>
+              <a:defRPr sz="3165" b="1"/>
             </a:lvl5pPr>
-            <a:lvl6pPr marL="2286000" indent="0">
+            <a:lvl6pPr marL="4522622" indent="0">
               <a:buNone/>
-              <a:defRPr sz="1600" b="1"/>
+              <a:defRPr sz="3165" b="1"/>
             </a:lvl6pPr>
-            <a:lvl7pPr marL="2743200" indent="0">
+            <a:lvl7pPr marL="5427147" indent="0">
               <a:buNone/>
-              <a:defRPr sz="1600" b="1"/>
+              <a:defRPr sz="3165" b="1"/>
             </a:lvl7pPr>
-            <a:lvl8pPr marL="3200400" indent="0">
+            <a:lvl8pPr marL="6331671" indent="0">
               <a:buNone/>
-              <a:defRPr sz="1600" b="1"/>
+              <a:defRPr sz="3165" b="1"/>
             </a:lvl8pPr>
-            <a:lvl9pPr marL="3657600" indent="0">
+            <a:lvl9pPr marL="7236196" indent="0">
               <a:buNone/>
-              <a:defRPr sz="1600" b="1"/>
+              <a:defRPr sz="3165" b="1"/>
             </a:lvl9pPr>
           </a:lstStyle>
           <a:p>
             <a:pPr lvl="0"/>
             <a:r>
-              <a:rPr kumimoji="1" lang="ja-JP" altLang="en-US"/>
+              <a:rPr lang="ja-JP" altLang="en-US"/>
               <a:t>マスター テキストの書式設定</a:t>
             </a:r>
           </a:p>
@@ -1924,13 +1728,7 @@
       </p:sp>
       <p:sp>
         <p:nvSpPr>
-          <p:cNvPr id="6" name="コンテンツ プレースホルダー 5">
-            <a:extLst>
-              <a:ext uri="{FF2B5EF4-FFF2-40B4-BE49-F238E27FC236}">
-                <a16:creationId xmlns:a16="http://schemas.microsoft.com/office/drawing/2014/main" id="{7079D394-1E89-0764-4C31-DC71BC408534}"/>
-              </a:ext>
-            </a:extLst>
-          </p:cNvPr>
+          <p:cNvPr id="6" name="Content Placeholder 5"/>
           <p:cNvSpPr>
             <a:spLocks noGrp="1"/>
           </p:cNvSpPr>
@@ -1940,8 +1738,8 @@
         </p:nvSpPr>
         <p:spPr>
           <a:xfrm>
-            <a:off x="6172200" y="2505075"/>
-            <a:ext cx="5183188" cy="3684588"/>
+            <a:off x="12210990" y="4996813"/>
+            <a:ext cx="10254344" cy="7349559"/>
           </a:xfrm>
         </p:spPr>
         <p:txBody>
@@ -1950,81 +1748,76 @@
           <a:p>
             <a:pPr lvl="0"/>
             <a:r>
-              <a:rPr kumimoji="1" lang="ja-JP" altLang="en-US"/>
+              <a:rPr lang="ja-JP" altLang="en-US"/>
               <a:t>マスター テキストの書式設定</a:t>
             </a:r>
           </a:p>
           <a:p>
             <a:pPr lvl="1"/>
             <a:r>
-              <a:rPr kumimoji="1" lang="ja-JP" altLang="en-US"/>
+              <a:rPr lang="ja-JP" altLang="en-US"/>
               <a:t>第 </a:t>
             </a:r>
             <a:r>
-              <a:rPr kumimoji="1" lang="en-US" altLang="ja-JP"/>
+              <a:rPr lang="en-US" altLang="ja-JP"/>
               <a:t>2 </a:t>
             </a:r>
             <a:r>
-              <a:rPr kumimoji="1" lang="ja-JP" altLang="en-US"/>
+              <a:rPr lang="ja-JP" altLang="en-US"/>
               <a:t>レベル</a:t>
             </a:r>
           </a:p>
           <a:p>
             <a:pPr lvl="2"/>
             <a:r>
-              <a:rPr kumimoji="1" lang="ja-JP" altLang="en-US"/>
+              <a:rPr lang="ja-JP" altLang="en-US"/>
               <a:t>第 </a:t>
             </a:r>
             <a:r>
-              <a:rPr kumimoji="1" lang="en-US" altLang="ja-JP"/>
+              <a:rPr lang="en-US" altLang="ja-JP"/>
               <a:t>3 </a:t>
             </a:r>
             <a:r>
-              <a:rPr kumimoji="1" lang="ja-JP" altLang="en-US"/>
+              <a:rPr lang="ja-JP" altLang="en-US"/>
               <a:t>レベル</a:t>
             </a:r>
           </a:p>
           <a:p>
             <a:pPr lvl="3"/>
             <a:r>
-              <a:rPr kumimoji="1" lang="ja-JP" altLang="en-US"/>
+              <a:rPr lang="ja-JP" altLang="en-US"/>
               <a:t>第 </a:t>
             </a:r>
             <a:r>
-              <a:rPr kumimoji="1" lang="en-US" altLang="ja-JP"/>
+              <a:rPr lang="en-US" altLang="ja-JP"/>
               <a:t>4 </a:t>
             </a:r>
             <a:r>
-              <a:rPr kumimoji="1" lang="ja-JP" altLang="en-US"/>
+              <a:rPr lang="ja-JP" altLang="en-US"/>
               <a:t>レベル</a:t>
             </a:r>
           </a:p>
           <a:p>
             <a:pPr lvl="4"/>
             <a:r>
-              <a:rPr kumimoji="1" lang="ja-JP" altLang="en-US"/>
+              <a:rPr lang="ja-JP" altLang="en-US"/>
               <a:t>第 </a:t>
             </a:r>
             <a:r>
-              <a:rPr kumimoji="1" lang="en-US" altLang="ja-JP"/>
+              <a:rPr lang="en-US" altLang="ja-JP"/>
               <a:t>5 </a:t>
             </a:r>
             <a:r>
-              <a:rPr kumimoji="1" lang="ja-JP" altLang="en-US"/>
+              <a:rPr lang="ja-JP" altLang="en-US"/>
               <a:t>レベル</a:t>
             </a:r>
-          </a:p>
-        </p:txBody>
-      </p:sp>
-      <p:sp>
-        <p:nvSpPr>
-          <p:cNvPr id="7" name="日付プレースホルダー 6">
-            <a:extLst>
-              <a:ext uri="{FF2B5EF4-FFF2-40B4-BE49-F238E27FC236}">
-                <a16:creationId xmlns:a16="http://schemas.microsoft.com/office/drawing/2014/main" id="{9AC0166B-D5F8-CB64-D8F2-AC6EFCCC5A34}"/>
-              </a:ext>
-            </a:extLst>
-          </p:cNvPr>
+            <a:endParaRPr lang="en-US" dirty="0"/>
+          </a:p>
+        </p:txBody>
+      </p:sp>
+      <p:sp>
+        <p:nvSpPr>
+          <p:cNvPr id="7" name="Date Placeholder 6"/>
           <p:cNvSpPr>
             <a:spLocks noGrp="1"/>
           </p:cNvSpPr>
@@ -2039,7 +1832,7 @@
           <a:p>
             <a:fld id="{4452E1B7-8995-CD47-BA2C-CAD4F0B61F9F}" type="datetimeFigureOut">
               <a:rPr kumimoji="1" lang="ja-JP" altLang="en-US" smtClean="0"/>
-              <a:t>2024/9/25</a:t>
+              <a:t>2024/9/26</a:t>
             </a:fld>
             <a:endParaRPr kumimoji="1" lang="ja-JP" altLang="en-US"/>
           </a:p>
@@ -2047,13 +1840,7 @@
       </p:sp>
       <p:sp>
         <p:nvSpPr>
-          <p:cNvPr id="8" name="フッター プレースホルダー 7">
-            <a:extLst>
-              <a:ext uri="{FF2B5EF4-FFF2-40B4-BE49-F238E27FC236}">
-                <a16:creationId xmlns:a16="http://schemas.microsoft.com/office/drawing/2014/main" id="{F0F81289-56D6-91E9-6A00-ED75561F0645}"/>
-              </a:ext>
-            </a:extLst>
-          </p:cNvPr>
+          <p:cNvPr id="8" name="Footer Placeholder 7"/>
           <p:cNvSpPr>
             <a:spLocks noGrp="1"/>
           </p:cNvSpPr>
@@ -2072,13 +1859,7 @@
       </p:sp>
       <p:sp>
         <p:nvSpPr>
-          <p:cNvPr id="9" name="スライド番号プレースホルダー 8">
-            <a:extLst>
-              <a:ext uri="{FF2B5EF4-FFF2-40B4-BE49-F238E27FC236}">
-                <a16:creationId xmlns:a16="http://schemas.microsoft.com/office/drawing/2014/main" id="{57AD9C4B-594C-10DC-3B2E-32027B95B503}"/>
-              </a:ext>
-            </a:extLst>
-          </p:cNvPr>
+          <p:cNvPr id="9" name="Slide Number Placeholder 8"/>
           <p:cNvSpPr>
             <a:spLocks noGrp="1"/>
           </p:cNvSpPr>
@@ -2102,7 +1883,7 @@
     </p:spTree>
     <p:extLst>
       <p:ext uri="{BB962C8B-B14F-4D97-AF65-F5344CB8AC3E}">
-        <p14:creationId xmlns:p14="http://schemas.microsoft.com/office/powerpoint/2010/main" val="3510080806"/>
+        <p14:creationId xmlns:p14="http://schemas.microsoft.com/office/powerpoint/2010/main" val="857211715"/>
       </p:ext>
     </p:extLst>
   </p:cSld>
@@ -2131,13 +1912,7 @@
       </p:grpSpPr>
       <p:sp>
         <p:nvSpPr>
-          <p:cNvPr id="2" name="タイトル 1">
-            <a:extLst>
-              <a:ext uri="{FF2B5EF4-FFF2-40B4-BE49-F238E27FC236}">
-                <a16:creationId xmlns:a16="http://schemas.microsoft.com/office/drawing/2014/main" id="{8A396A16-1EA2-7DF2-9D1A-0D6CF24134CF}"/>
-              </a:ext>
-            </a:extLst>
-          </p:cNvPr>
+          <p:cNvPr id="2" name="Title 1"/>
           <p:cNvSpPr>
             <a:spLocks noGrp="1"/>
           </p:cNvSpPr>
@@ -2151,21 +1926,16 @@
           <a:lstStyle/>
           <a:p>
             <a:r>
-              <a:rPr kumimoji="1" lang="ja-JP" altLang="en-US"/>
+              <a:rPr lang="ja-JP" altLang="en-US"/>
               <a:t>マスター タイトルの書式設定</a:t>
             </a:r>
-          </a:p>
-        </p:txBody>
-      </p:sp>
-      <p:sp>
-        <p:nvSpPr>
-          <p:cNvPr id="3" name="日付プレースホルダー 2">
-            <a:extLst>
-              <a:ext uri="{FF2B5EF4-FFF2-40B4-BE49-F238E27FC236}">
-                <a16:creationId xmlns:a16="http://schemas.microsoft.com/office/drawing/2014/main" id="{ECC9FA09-D765-F4C5-D39B-D2340EC72F63}"/>
-              </a:ext>
-            </a:extLst>
-          </p:cNvPr>
+            <a:endParaRPr lang="en-US" dirty="0"/>
+          </a:p>
+        </p:txBody>
+      </p:sp>
+      <p:sp>
+        <p:nvSpPr>
+          <p:cNvPr id="3" name="Date Placeholder 2"/>
           <p:cNvSpPr>
             <a:spLocks noGrp="1"/>
           </p:cNvSpPr>
@@ -2180,7 +1950,7 @@
           <a:p>
             <a:fld id="{4452E1B7-8995-CD47-BA2C-CAD4F0B61F9F}" type="datetimeFigureOut">
               <a:rPr kumimoji="1" lang="ja-JP" altLang="en-US" smtClean="0"/>
-              <a:t>2024/9/25</a:t>
+              <a:t>2024/9/26</a:t>
             </a:fld>
             <a:endParaRPr kumimoji="1" lang="ja-JP" altLang="en-US"/>
           </a:p>
@@ -2188,13 +1958,7 @@
       </p:sp>
       <p:sp>
         <p:nvSpPr>
-          <p:cNvPr id="4" name="フッター プレースホルダー 3">
-            <a:extLst>
-              <a:ext uri="{FF2B5EF4-FFF2-40B4-BE49-F238E27FC236}">
-                <a16:creationId xmlns:a16="http://schemas.microsoft.com/office/drawing/2014/main" id="{D0003A04-E02D-BD47-01CC-6246733401A3}"/>
-              </a:ext>
-            </a:extLst>
-          </p:cNvPr>
+          <p:cNvPr id="4" name="Footer Placeholder 3"/>
           <p:cNvSpPr>
             <a:spLocks noGrp="1"/>
           </p:cNvSpPr>
@@ -2213,13 +1977,7 @@
       </p:sp>
       <p:sp>
         <p:nvSpPr>
-          <p:cNvPr id="5" name="スライド番号プレースホルダー 4">
-            <a:extLst>
-              <a:ext uri="{FF2B5EF4-FFF2-40B4-BE49-F238E27FC236}">
-                <a16:creationId xmlns:a16="http://schemas.microsoft.com/office/drawing/2014/main" id="{84D56E40-288F-5184-1D15-81F9FEEA22FE}"/>
-              </a:ext>
-            </a:extLst>
-          </p:cNvPr>
+          <p:cNvPr id="5" name="Slide Number Placeholder 4"/>
           <p:cNvSpPr>
             <a:spLocks noGrp="1"/>
           </p:cNvSpPr>
@@ -2243,7 +2001,7 @@
     </p:spTree>
     <p:extLst>
       <p:ext uri="{BB962C8B-B14F-4D97-AF65-F5344CB8AC3E}">
-        <p14:creationId xmlns:p14="http://schemas.microsoft.com/office/powerpoint/2010/main" val="1193307685"/>
+        <p14:creationId xmlns:p14="http://schemas.microsoft.com/office/powerpoint/2010/main" val="1998339235"/>
       </p:ext>
     </p:extLst>
   </p:cSld>
@@ -2272,13 +2030,7 @@
       </p:grpSpPr>
       <p:sp>
         <p:nvSpPr>
-          <p:cNvPr id="2" name="日付プレースホルダー 1">
-            <a:extLst>
-              <a:ext uri="{FF2B5EF4-FFF2-40B4-BE49-F238E27FC236}">
-                <a16:creationId xmlns:a16="http://schemas.microsoft.com/office/drawing/2014/main" id="{1A55EFBA-9481-9A3F-F797-5DA9281AD457}"/>
-              </a:ext>
-            </a:extLst>
-          </p:cNvPr>
+          <p:cNvPr id="2" name="Date Placeholder 1"/>
           <p:cNvSpPr>
             <a:spLocks noGrp="1"/>
           </p:cNvSpPr>
@@ -2293,7 +2045,7 @@
           <a:p>
             <a:fld id="{4452E1B7-8995-CD47-BA2C-CAD4F0B61F9F}" type="datetimeFigureOut">
               <a:rPr kumimoji="1" lang="ja-JP" altLang="en-US" smtClean="0"/>
-              <a:t>2024/9/25</a:t>
+              <a:t>2024/9/26</a:t>
             </a:fld>
             <a:endParaRPr kumimoji="1" lang="ja-JP" altLang="en-US"/>
           </a:p>
@@ -2301,13 +2053,7 @@
       </p:sp>
       <p:sp>
         <p:nvSpPr>
-          <p:cNvPr id="3" name="フッター プレースホルダー 2">
-            <a:extLst>
-              <a:ext uri="{FF2B5EF4-FFF2-40B4-BE49-F238E27FC236}">
-                <a16:creationId xmlns:a16="http://schemas.microsoft.com/office/drawing/2014/main" id="{9AE27289-1CFA-21BA-B0BC-EEB887EBC91C}"/>
-              </a:ext>
-            </a:extLst>
-          </p:cNvPr>
+          <p:cNvPr id="3" name="Footer Placeholder 2"/>
           <p:cNvSpPr>
             <a:spLocks noGrp="1"/>
           </p:cNvSpPr>
@@ -2326,13 +2072,7 @@
       </p:sp>
       <p:sp>
         <p:nvSpPr>
-          <p:cNvPr id="4" name="スライド番号プレースホルダー 3">
-            <a:extLst>
-              <a:ext uri="{FF2B5EF4-FFF2-40B4-BE49-F238E27FC236}">
-                <a16:creationId xmlns:a16="http://schemas.microsoft.com/office/drawing/2014/main" id="{39AB8494-8D36-46C1-6722-57CE757B6BC2}"/>
-              </a:ext>
-            </a:extLst>
-          </p:cNvPr>
+          <p:cNvPr id="4" name="Slide Number Placeholder 3"/>
           <p:cNvSpPr>
             <a:spLocks noGrp="1"/>
           </p:cNvSpPr>
@@ -2356,7 +2096,7 @@
     </p:spTree>
     <p:extLst>
       <p:ext uri="{BB962C8B-B14F-4D97-AF65-F5344CB8AC3E}">
-        <p14:creationId xmlns:p14="http://schemas.microsoft.com/office/powerpoint/2010/main" val="2957201152"/>
+        <p14:creationId xmlns:p14="http://schemas.microsoft.com/office/powerpoint/2010/main" val="3949636666"/>
       </p:ext>
     </p:extLst>
   </p:cSld>
@@ -2385,13 +2125,7 @@
       </p:grpSpPr>
       <p:sp>
         <p:nvSpPr>
-          <p:cNvPr id="2" name="タイトル 1">
-            <a:extLst>
-              <a:ext uri="{FF2B5EF4-FFF2-40B4-BE49-F238E27FC236}">
-                <a16:creationId xmlns:a16="http://schemas.microsoft.com/office/drawing/2014/main" id="{D338B0D9-FFDF-F1C7-3291-36A48CFDC18A}"/>
-              </a:ext>
-            </a:extLst>
-          </p:cNvPr>
+          <p:cNvPr id="2" name="Title 1"/>
           <p:cNvSpPr>
             <a:spLocks noGrp="1"/>
           </p:cNvSpPr>
@@ -2401,34 +2135,29 @@
         </p:nvSpPr>
         <p:spPr>
           <a:xfrm>
-            <a:off x="839788" y="457200"/>
-            <a:ext cx="3932237" cy="1600200"/>
+            <a:off x="1661425" y="911966"/>
+            <a:ext cx="7779480" cy="3191881"/>
           </a:xfrm>
         </p:spPr>
         <p:txBody>
           <a:bodyPr anchor="b"/>
           <a:lstStyle>
             <a:lvl1pPr>
-              <a:defRPr sz="3200"/>
+              <a:defRPr sz="6331"/>
             </a:lvl1pPr>
           </a:lstStyle>
           <a:p>
             <a:r>
-              <a:rPr kumimoji="1" lang="ja-JP" altLang="en-US"/>
+              <a:rPr lang="ja-JP" altLang="en-US"/>
               <a:t>マスター タイトルの書式設定</a:t>
             </a:r>
-          </a:p>
-        </p:txBody>
-      </p:sp>
-      <p:sp>
-        <p:nvSpPr>
-          <p:cNvPr id="3" name="コンテンツ プレースホルダー 2">
-            <a:extLst>
-              <a:ext uri="{FF2B5EF4-FFF2-40B4-BE49-F238E27FC236}">
-                <a16:creationId xmlns:a16="http://schemas.microsoft.com/office/drawing/2014/main" id="{5D127C27-780F-45A5-482D-D5CD5FDB8C16}"/>
-              </a:ext>
-            </a:extLst>
-          </p:cNvPr>
+            <a:endParaRPr lang="en-US" dirty="0"/>
+          </a:p>
+        </p:txBody>
+      </p:sp>
+      <p:sp>
+        <p:nvSpPr>
+          <p:cNvPr id="3" name="Content Placeholder 2"/>
           <p:cNvSpPr>
             <a:spLocks noGrp="1"/>
           </p:cNvSpPr>
@@ -2438,119 +2167,114 @@
         </p:nvSpPr>
         <p:spPr>
           <a:xfrm>
-            <a:off x="5183188" y="987425"/>
-            <a:ext cx="6172200" cy="4873625"/>
+            <a:off x="10254344" y="1969594"/>
+            <a:ext cx="12210990" cy="9721303"/>
           </a:xfrm>
         </p:spPr>
         <p:txBody>
           <a:bodyPr/>
           <a:lstStyle>
             <a:lvl1pPr>
-              <a:defRPr sz="3200"/>
+              <a:defRPr sz="6331"/>
             </a:lvl1pPr>
             <a:lvl2pPr>
-              <a:defRPr sz="2800"/>
+              <a:defRPr sz="5540"/>
             </a:lvl2pPr>
             <a:lvl3pPr>
-              <a:defRPr sz="2400"/>
+              <a:defRPr sz="4748"/>
             </a:lvl3pPr>
             <a:lvl4pPr>
-              <a:defRPr sz="2000"/>
+              <a:defRPr sz="3957"/>
             </a:lvl4pPr>
             <a:lvl5pPr>
-              <a:defRPr sz="2000"/>
+              <a:defRPr sz="3957"/>
             </a:lvl5pPr>
             <a:lvl6pPr>
-              <a:defRPr sz="2000"/>
+              <a:defRPr sz="3957"/>
             </a:lvl6pPr>
             <a:lvl7pPr>
-              <a:defRPr sz="2000"/>
+              <a:defRPr sz="3957"/>
             </a:lvl7pPr>
             <a:lvl8pPr>
-              <a:defRPr sz="2000"/>
+              <a:defRPr sz="3957"/>
             </a:lvl8pPr>
             <a:lvl9pPr>
-              <a:defRPr sz="2000"/>
+              <a:defRPr sz="3957"/>
             </a:lvl9pPr>
           </a:lstStyle>
           <a:p>
             <a:pPr lvl="0"/>
             <a:r>
-              <a:rPr kumimoji="1" lang="ja-JP" altLang="en-US"/>
+              <a:rPr lang="ja-JP" altLang="en-US"/>
               <a:t>マスター テキストの書式設定</a:t>
             </a:r>
           </a:p>
           <a:p>
             <a:pPr lvl="1"/>
             <a:r>
-              <a:rPr kumimoji="1" lang="ja-JP" altLang="en-US"/>
+              <a:rPr lang="ja-JP" altLang="en-US"/>
               <a:t>第 </a:t>
             </a:r>
             <a:r>
-              <a:rPr kumimoji="1" lang="en-US" altLang="ja-JP"/>
+              <a:rPr lang="en-US" altLang="ja-JP"/>
               <a:t>2 </a:t>
             </a:r>
             <a:r>
-              <a:rPr kumimoji="1" lang="ja-JP" altLang="en-US"/>
+              <a:rPr lang="ja-JP" altLang="en-US"/>
               <a:t>レベル</a:t>
             </a:r>
           </a:p>
           <a:p>
             <a:pPr lvl="2"/>
             <a:r>
-              <a:rPr kumimoji="1" lang="ja-JP" altLang="en-US"/>
+              <a:rPr lang="ja-JP" altLang="en-US"/>
               <a:t>第 </a:t>
             </a:r>
             <a:r>
-              <a:rPr kumimoji="1" lang="en-US" altLang="ja-JP"/>
+              <a:rPr lang="en-US" altLang="ja-JP"/>
               <a:t>3 </a:t>
             </a:r>
             <a:r>
-              <a:rPr kumimoji="1" lang="ja-JP" altLang="en-US"/>
+              <a:rPr lang="ja-JP" altLang="en-US"/>
               <a:t>レベル</a:t>
             </a:r>
           </a:p>
           <a:p>
             <a:pPr lvl="3"/>
             <a:r>
-              <a:rPr kumimoji="1" lang="ja-JP" altLang="en-US"/>
+              <a:rPr lang="ja-JP" altLang="en-US"/>
               <a:t>第 </a:t>
             </a:r>
             <a:r>
-              <a:rPr kumimoji="1" lang="en-US" altLang="ja-JP"/>
+              <a:rPr lang="en-US" altLang="ja-JP"/>
               <a:t>4 </a:t>
             </a:r>
             <a:r>
-              <a:rPr kumimoji="1" lang="ja-JP" altLang="en-US"/>
+              <a:rPr lang="ja-JP" altLang="en-US"/>
               <a:t>レベル</a:t>
             </a:r>
           </a:p>
           <a:p>
             <a:pPr lvl="4"/>
             <a:r>
-              <a:rPr kumimoji="1" lang="ja-JP" altLang="en-US"/>
+              <a:rPr lang="ja-JP" altLang="en-US"/>
               <a:t>第 </a:t>
             </a:r>
             <a:r>
-              <a:rPr kumimoji="1" lang="en-US" altLang="ja-JP"/>
+              <a:rPr lang="en-US" altLang="ja-JP"/>
               <a:t>5 </a:t>
             </a:r>
             <a:r>
-              <a:rPr kumimoji="1" lang="ja-JP" altLang="en-US"/>
+              <a:rPr lang="ja-JP" altLang="en-US"/>
               <a:t>レベル</a:t>
             </a:r>
-          </a:p>
-        </p:txBody>
-      </p:sp>
-      <p:sp>
-        <p:nvSpPr>
-          <p:cNvPr id="4" name="テキスト プレースホルダー 3">
-            <a:extLst>
-              <a:ext uri="{FF2B5EF4-FFF2-40B4-BE49-F238E27FC236}">
-                <a16:creationId xmlns:a16="http://schemas.microsoft.com/office/drawing/2014/main" id="{7CE8A8D7-F1DF-E543-8F3F-3A4941853E38}"/>
-              </a:ext>
-            </a:extLst>
-          </p:cNvPr>
+            <a:endParaRPr lang="en-US" dirty="0"/>
+          </a:p>
+        </p:txBody>
+      </p:sp>
+      <p:sp>
+        <p:nvSpPr>
+          <p:cNvPr id="4" name="Text Placeholder 3"/>
           <p:cNvSpPr>
             <a:spLocks noGrp="1"/>
           </p:cNvSpPr>
@@ -2560,8 +2284,8 @@
         </p:nvSpPr>
         <p:spPr>
           <a:xfrm>
-            <a:off x="839788" y="2057400"/>
-            <a:ext cx="3932237" cy="3811588"/>
+            <a:off x="1661425" y="4103846"/>
+            <a:ext cx="7779480" cy="7602883"/>
           </a:xfrm>
         </p:spPr>
         <p:txBody>
@@ -2569,45 +2293,45 @@
           <a:lstStyle>
             <a:lvl1pPr marL="0" indent="0">
               <a:buNone/>
-              <a:defRPr sz="1600"/>
+              <a:defRPr sz="3165"/>
             </a:lvl1pPr>
-            <a:lvl2pPr marL="457200" indent="0">
+            <a:lvl2pPr marL="904524" indent="0">
               <a:buNone/>
-              <a:defRPr sz="1400"/>
+              <a:defRPr sz="2770"/>
             </a:lvl2pPr>
-            <a:lvl3pPr marL="914400" indent="0">
+            <a:lvl3pPr marL="1809049" indent="0">
               <a:buNone/>
-              <a:defRPr sz="1200"/>
+              <a:defRPr sz="2374"/>
             </a:lvl3pPr>
-            <a:lvl4pPr marL="1371600" indent="0">
+            <a:lvl4pPr marL="2713573" indent="0">
               <a:buNone/>
-              <a:defRPr sz="1000"/>
+              <a:defRPr sz="1978"/>
             </a:lvl4pPr>
-            <a:lvl5pPr marL="1828800" indent="0">
+            <a:lvl5pPr marL="3618098" indent="0">
               <a:buNone/>
-              <a:defRPr sz="1000"/>
+              <a:defRPr sz="1978"/>
             </a:lvl5pPr>
-            <a:lvl6pPr marL="2286000" indent="0">
+            <a:lvl6pPr marL="4522622" indent="0">
               <a:buNone/>
-              <a:defRPr sz="1000"/>
+              <a:defRPr sz="1978"/>
             </a:lvl6pPr>
-            <a:lvl7pPr marL="2743200" indent="0">
+            <a:lvl7pPr marL="5427147" indent="0">
               <a:buNone/>
-              <a:defRPr sz="1000"/>
+              <a:defRPr sz="1978"/>
             </a:lvl7pPr>
-            <a:lvl8pPr marL="3200400" indent="0">
+            <a:lvl8pPr marL="6331671" indent="0">
               <a:buNone/>
-              <a:defRPr sz="1000"/>
+              <a:defRPr sz="1978"/>
             </a:lvl8pPr>
-            <a:lvl9pPr marL="3657600" indent="0">
+            <a:lvl9pPr marL="7236196" indent="0">
               <a:buNone/>
-              <a:defRPr sz="1000"/>
+              <a:defRPr sz="1978"/>
             </a:lvl9pPr>
           </a:lstStyle>
           <a:p>
             <a:pPr lvl="0"/>
             <a:r>
-              <a:rPr kumimoji="1" lang="ja-JP" altLang="en-US"/>
+              <a:rPr lang="ja-JP" altLang="en-US"/>
               <a:t>マスター テキストの書式設定</a:t>
             </a:r>
           </a:p>
@@ -2615,13 +2339,7 @@
       </p:sp>
       <p:sp>
         <p:nvSpPr>
-          <p:cNvPr id="5" name="日付プレースホルダー 4">
-            <a:extLst>
-              <a:ext uri="{FF2B5EF4-FFF2-40B4-BE49-F238E27FC236}">
-                <a16:creationId xmlns:a16="http://schemas.microsoft.com/office/drawing/2014/main" id="{CD373E3B-A596-6A69-5422-8CE6DCD6BF50}"/>
-              </a:ext>
-            </a:extLst>
-          </p:cNvPr>
+          <p:cNvPr id="5" name="Date Placeholder 4"/>
           <p:cNvSpPr>
             <a:spLocks noGrp="1"/>
           </p:cNvSpPr>
@@ -2636,7 +2354,7 @@
           <a:p>
             <a:fld id="{4452E1B7-8995-CD47-BA2C-CAD4F0B61F9F}" type="datetimeFigureOut">
               <a:rPr kumimoji="1" lang="ja-JP" altLang="en-US" smtClean="0"/>
-              <a:t>2024/9/25</a:t>
+              <a:t>2024/9/26</a:t>
             </a:fld>
             <a:endParaRPr kumimoji="1" lang="ja-JP" altLang="en-US"/>
           </a:p>
@@ -2644,13 +2362,7 @@
       </p:sp>
       <p:sp>
         <p:nvSpPr>
-          <p:cNvPr id="6" name="フッター プレースホルダー 5">
-            <a:extLst>
-              <a:ext uri="{FF2B5EF4-FFF2-40B4-BE49-F238E27FC236}">
-                <a16:creationId xmlns:a16="http://schemas.microsoft.com/office/drawing/2014/main" id="{153AFB63-8C27-68D4-2D74-4E7B45A914A5}"/>
-              </a:ext>
-            </a:extLst>
-          </p:cNvPr>
+          <p:cNvPr id="6" name="Footer Placeholder 5"/>
           <p:cNvSpPr>
             <a:spLocks noGrp="1"/>
           </p:cNvSpPr>
@@ -2669,13 +2381,7 @@
       </p:sp>
       <p:sp>
         <p:nvSpPr>
-          <p:cNvPr id="7" name="スライド番号プレースホルダー 6">
-            <a:extLst>
-              <a:ext uri="{FF2B5EF4-FFF2-40B4-BE49-F238E27FC236}">
-                <a16:creationId xmlns:a16="http://schemas.microsoft.com/office/drawing/2014/main" id="{0278823B-55A1-7223-0693-628D2AC4E594}"/>
-              </a:ext>
-            </a:extLst>
-          </p:cNvPr>
+          <p:cNvPr id="7" name="Slide Number Placeholder 6"/>
           <p:cNvSpPr>
             <a:spLocks noGrp="1"/>
           </p:cNvSpPr>
@@ -2699,7 +2405,7 @@
     </p:spTree>
     <p:extLst>
       <p:ext uri="{BB962C8B-B14F-4D97-AF65-F5344CB8AC3E}">
-        <p14:creationId xmlns:p14="http://schemas.microsoft.com/office/powerpoint/2010/main" val="3304112491"/>
+        <p14:creationId xmlns:p14="http://schemas.microsoft.com/office/powerpoint/2010/main" val="5279228"/>
       </p:ext>
     </p:extLst>
   </p:cSld>
@@ -2728,13 +2434,7 @@
       </p:grpSpPr>
       <p:sp>
         <p:nvSpPr>
-          <p:cNvPr id="2" name="タイトル 1">
-            <a:extLst>
-              <a:ext uri="{FF2B5EF4-FFF2-40B4-BE49-F238E27FC236}">
-                <a16:creationId xmlns:a16="http://schemas.microsoft.com/office/drawing/2014/main" id="{BB0E92EC-735E-6825-3A03-542B3AD51860}"/>
-              </a:ext>
-            </a:extLst>
-          </p:cNvPr>
+          <p:cNvPr id="2" name="Title 1"/>
           <p:cNvSpPr>
             <a:spLocks noGrp="1"/>
           </p:cNvSpPr>
@@ -2744,36 +2444,31 @@
         </p:nvSpPr>
         <p:spPr>
           <a:xfrm>
-            <a:off x="839788" y="457200"/>
-            <a:ext cx="3932237" cy="1600200"/>
+            <a:off x="1661425" y="911966"/>
+            <a:ext cx="7779480" cy="3191881"/>
           </a:xfrm>
         </p:spPr>
         <p:txBody>
           <a:bodyPr anchor="b"/>
           <a:lstStyle>
             <a:lvl1pPr>
-              <a:defRPr sz="3200"/>
+              <a:defRPr sz="6331"/>
             </a:lvl1pPr>
           </a:lstStyle>
           <a:p>
             <a:r>
-              <a:rPr kumimoji="1" lang="ja-JP" altLang="en-US"/>
+              <a:rPr lang="ja-JP" altLang="en-US"/>
               <a:t>マスター タイトルの書式設定</a:t>
             </a:r>
-          </a:p>
-        </p:txBody>
-      </p:sp>
-      <p:sp>
-        <p:nvSpPr>
-          <p:cNvPr id="3" name="図プレースホルダー 2">
-            <a:extLst>
-              <a:ext uri="{FF2B5EF4-FFF2-40B4-BE49-F238E27FC236}">
-                <a16:creationId xmlns:a16="http://schemas.microsoft.com/office/drawing/2014/main" id="{D9AE2E9F-3BA1-FD1C-EF7A-E36F0A3F63B5}"/>
-              </a:ext>
-            </a:extLst>
-          </p:cNvPr>
+            <a:endParaRPr lang="en-US" dirty="0"/>
+          </a:p>
+        </p:txBody>
+      </p:sp>
+      <p:sp>
+        <p:nvSpPr>
+          <p:cNvPr id="3" name="Picture Placeholder 2"/>
           <p:cNvSpPr>
-            <a:spLocks noGrp="1"/>
+            <a:spLocks noGrp="1" noChangeAspect="1"/>
           </p:cNvSpPr>
           <p:nvPr>
             <p:ph type="pic" idx="1"/>
@@ -2781,64 +2476,62 @@
         </p:nvSpPr>
         <p:spPr>
           <a:xfrm>
-            <a:off x="5183188" y="987425"/>
-            <a:ext cx="6172200" cy="4873625"/>
-          </a:xfrm>
-        </p:spPr>
-        <p:txBody>
-          <a:bodyPr/>
+            <a:off x="10254344" y="1969594"/>
+            <a:ext cx="12210990" cy="9721303"/>
+          </a:xfrm>
+        </p:spPr>
+        <p:txBody>
+          <a:bodyPr anchor="t"/>
           <a:lstStyle>
             <a:lvl1pPr marL="0" indent="0">
               <a:buNone/>
-              <a:defRPr sz="3200"/>
+              <a:defRPr sz="6331"/>
             </a:lvl1pPr>
-            <a:lvl2pPr marL="457200" indent="0">
+            <a:lvl2pPr marL="904524" indent="0">
               <a:buNone/>
-              <a:defRPr sz="2800"/>
+              <a:defRPr sz="5540"/>
             </a:lvl2pPr>
-            <a:lvl3pPr marL="914400" indent="0">
+            <a:lvl3pPr marL="1809049" indent="0">
               <a:buNone/>
-              <a:defRPr sz="2400"/>
+              <a:defRPr sz="4748"/>
             </a:lvl3pPr>
-            <a:lvl4pPr marL="1371600" indent="0">
+            <a:lvl4pPr marL="2713573" indent="0">
               <a:buNone/>
-              <a:defRPr sz="2000"/>
+              <a:defRPr sz="3957"/>
             </a:lvl4pPr>
-            <a:lvl5pPr marL="1828800" indent="0">
+            <a:lvl5pPr marL="3618098" indent="0">
               <a:buNone/>
-              <a:defRPr sz="2000"/>
+              <a:defRPr sz="3957"/>
             </a:lvl5pPr>
-            <a:lvl6pPr marL="2286000" indent="0">
+            <a:lvl6pPr marL="4522622" indent="0">
               <a:buNone/>
-              <a:defRPr sz="2000"/>
+              <a:defRPr sz="3957"/>
             </a:lvl6pPr>
-            <a:lvl7pPr marL="2743200" indent="0">
+            <a:lvl7pPr marL="5427147" indent="0">
               <a:buNone/>
-              <a:defRPr sz="2000"/>
+              <a:defRPr sz="3957"/>
             </a:lvl7pPr>
-            <a:lvl8pPr marL="3200400" indent="0">
+            <a:lvl8pPr marL="6331671" indent="0">
               <a:buNone/>
-              <a:defRPr sz="2000"/>
+              <a:defRPr sz="3957"/>
             </a:lvl8pPr>
-            <a:lvl9pPr marL="3657600" indent="0">
+            <a:lvl9pPr marL="7236196" indent="0">
               <a:buNone/>
-              <a:defRPr sz="2000"/>
+              <a:defRPr sz="3957"/>
             </a:lvl9pPr>
           </a:lstStyle>
           <a:p>
-            <a:endParaRPr kumimoji="1" lang="ja-JP" altLang="en-US"/>
-          </a:p>
-        </p:txBody>
-      </p:sp>
-      <p:sp>
-        <p:nvSpPr>
-          <p:cNvPr id="4" name="テキスト プレースホルダー 3">
-            <a:extLst>
-              <a:ext uri="{FF2B5EF4-FFF2-40B4-BE49-F238E27FC236}">
-                <a16:creationId xmlns:a16="http://schemas.microsoft.com/office/drawing/2014/main" id="{E55D86B0-1012-678D-F167-35701D3C5F22}"/>
-              </a:ext>
-            </a:extLst>
-          </p:cNvPr>
+            <a:r>
+              <a:rPr lang="ja-JP" altLang="en-US"/>
+              <a:t>アイコンをクリックして図を追加</a:t>
+            </a:r>
+            <a:endParaRPr lang="en-US" dirty="0"/>
+          </a:p>
+        </p:txBody>
+      </p:sp>
+      <p:sp>
+        <p:nvSpPr>
+          <p:cNvPr id="4" name="Text Placeholder 3"/>
           <p:cNvSpPr>
             <a:spLocks noGrp="1"/>
           </p:cNvSpPr>
@@ -2848,8 +2541,8 @@
         </p:nvSpPr>
         <p:spPr>
           <a:xfrm>
-            <a:off x="839788" y="2057400"/>
-            <a:ext cx="3932237" cy="3811588"/>
+            <a:off x="1661425" y="4103846"/>
+            <a:ext cx="7779480" cy="7602883"/>
           </a:xfrm>
         </p:spPr>
         <p:txBody>
@@ -2857,45 +2550,45 @@
           <a:lstStyle>
             <a:lvl1pPr marL="0" indent="0">
               <a:buNone/>
-              <a:defRPr sz="1600"/>
+              <a:defRPr sz="3165"/>
             </a:lvl1pPr>
-            <a:lvl2pPr marL="457200" indent="0">
+            <a:lvl2pPr marL="904524" indent="0">
               <a:buNone/>
-              <a:defRPr sz="1400"/>
+              <a:defRPr sz="2770"/>
             </a:lvl2pPr>
-            <a:lvl3pPr marL="914400" indent="0">
+            <a:lvl3pPr marL="1809049" indent="0">
               <a:buNone/>
-              <a:defRPr sz="1200"/>
+              <a:defRPr sz="2374"/>
             </a:lvl3pPr>
-            <a:lvl4pPr marL="1371600" indent="0">
+            <a:lvl4pPr marL="2713573" indent="0">
               <a:buNone/>
-              <a:defRPr sz="1000"/>
+              <a:defRPr sz="1978"/>
             </a:lvl4pPr>
-            <a:lvl5pPr marL="1828800" indent="0">
+            <a:lvl5pPr marL="3618098" indent="0">
               <a:buNone/>
-              <a:defRPr sz="1000"/>
+              <a:defRPr sz="1978"/>
             </a:lvl5pPr>
-            <a:lvl6pPr marL="2286000" indent="0">
+            <a:lvl6pPr marL="4522622" indent="0">
               <a:buNone/>
-              <a:defRPr sz="1000"/>
+              <a:defRPr sz="1978"/>
             </a:lvl6pPr>
-            <a:lvl7pPr marL="2743200" indent="0">
+            <a:lvl7pPr marL="5427147" indent="0">
               <a:buNone/>
-              <a:defRPr sz="1000"/>
+              <a:defRPr sz="1978"/>
             </a:lvl7pPr>
-            <a:lvl8pPr marL="3200400" indent="0">
+            <a:lvl8pPr marL="6331671" indent="0">
               <a:buNone/>
-              <a:defRPr sz="1000"/>
+              <a:defRPr sz="1978"/>
             </a:lvl8pPr>
-            <a:lvl9pPr marL="3657600" indent="0">
+            <a:lvl9pPr marL="7236196" indent="0">
               <a:buNone/>
-              <a:defRPr sz="1000"/>
+              <a:defRPr sz="1978"/>
             </a:lvl9pPr>
           </a:lstStyle>
           <a:p>
             <a:pPr lvl="0"/>
             <a:r>
-              <a:rPr kumimoji="1" lang="ja-JP" altLang="en-US"/>
+              <a:rPr lang="ja-JP" altLang="en-US"/>
               <a:t>マスター テキストの書式設定</a:t>
             </a:r>
           </a:p>
@@ -2903,13 +2596,7 @@
       </p:sp>
       <p:sp>
         <p:nvSpPr>
-          <p:cNvPr id="5" name="日付プレースホルダー 4">
-            <a:extLst>
-              <a:ext uri="{FF2B5EF4-FFF2-40B4-BE49-F238E27FC236}">
-                <a16:creationId xmlns:a16="http://schemas.microsoft.com/office/drawing/2014/main" id="{5BE28569-E351-1812-AB69-058728105EF1}"/>
-              </a:ext>
-            </a:extLst>
-          </p:cNvPr>
+          <p:cNvPr id="5" name="Date Placeholder 4"/>
           <p:cNvSpPr>
             <a:spLocks noGrp="1"/>
           </p:cNvSpPr>
@@ -2924,7 +2611,7 @@
           <a:p>
             <a:fld id="{4452E1B7-8995-CD47-BA2C-CAD4F0B61F9F}" type="datetimeFigureOut">
               <a:rPr kumimoji="1" lang="ja-JP" altLang="en-US" smtClean="0"/>
-              <a:t>2024/9/25</a:t>
+              <a:t>2024/9/26</a:t>
             </a:fld>
             <a:endParaRPr kumimoji="1" lang="ja-JP" altLang="en-US"/>
           </a:p>
@@ -2932,13 +2619,7 @@
       </p:sp>
       <p:sp>
         <p:nvSpPr>
-          <p:cNvPr id="6" name="フッター プレースホルダー 5">
-            <a:extLst>
-              <a:ext uri="{FF2B5EF4-FFF2-40B4-BE49-F238E27FC236}">
-                <a16:creationId xmlns:a16="http://schemas.microsoft.com/office/drawing/2014/main" id="{E54CE4B4-0D0C-1456-DEE7-E546E1178AA6}"/>
-              </a:ext>
-            </a:extLst>
-          </p:cNvPr>
+          <p:cNvPr id="6" name="Footer Placeholder 5"/>
           <p:cNvSpPr>
             <a:spLocks noGrp="1"/>
           </p:cNvSpPr>
@@ -2957,13 +2638,7 @@
       </p:sp>
       <p:sp>
         <p:nvSpPr>
-          <p:cNvPr id="7" name="スライド番号プレースホルダー 6">
-            <a:extLst>
-              <a:ext uri="{FF2B5EF4-FFF2-40B4-BE49-F238E27FC236}">
-                <a16:creationId xmlns:a16="http://schemas.microsoft.com/office/drawing/2014/main" id="{BC7C9CA8-B5FC-994E-B9DA-8A37F5E13621}"/>
-              </a:ext>
-            </a:extLst>
-          </p:cNvPr>
+          <p:cNvPr id="7" name="Slide Number Placeholder 6"/>
           <p:cNvSpPr>
             <a:spLocks noGrp="1"/>
           </p:cNvSpPr>
@@ -2987,7 +2662,7 @@
     </p:spTree>
     <p:extLst>
       <p:ext uri="{BB962C8B-B14F-4D97-AF65-F5344CB8AC3E}">
-        <p14:creationId xmlns:p14="http://schemas.microsoft.com/office/powerpoint/2010/main" val="1301998294"/>
+        <p14:creationId xmlns:p14="http://schemas.microsoft.com/office/powerpoint/2010/main" val="1950757930"/>
       </p:ext>
     </p:extLst>
   </p:cSld>
@@ -3021,13 +2696,7 @@
       </p:grpSpPr>
       <p:sp>
         <p:nvSpPr>
-          <p:cNvPr id="2" name="タイトル プレースホルダー 1">
-            <a:extLst>
-              <a:ext uri="{FF2B5EF4-FFF2-40B4-BE49-F238E27FC236}">
-                <a16:creationId xmlns:a16="http://schemas.microsoft.com/office/drawing/2014/main" id="{5340EFE3-4F84-913F-35EB-73A499C801A3}"/>
-              </a:ext>
-            </a:extLst>
-          </p:cNvPr>
+          <p:cNvPr id="2" name="Title Placeholder 1"/>
           <p:cNvSpPr>
             <a:spLocks noGrp="1"/>
           </p:cNvSpPr>
@@ -3037,8 +2706,8 @@
         </p:nvSpPr>
         <p:spPr>
           <a:xfrm>
-            <a:off x="838200" y="365125"/>
-            <a:ext cx="10515600" cy="1325563"/>
+            <a:off x="1658283" y="728307"/>
+            <a:ext cx="20803910" cy="2644069"/>
           </a:xfrm>
           <a:prstGeom prst="rect">
             <a:avLst/>
@@ -3051,21 +2720,16 @@
           <a:lstStyle/>
           <a:p>
             <a:r>
-              <a:rPr kumimoji="1" lang="ja-JP" altLang="en-US"/>
+              <a:rPr lang="ja-JP" altLang="en-US"/>
               <a:t>マスター タイトルの書式設定</a:t>
             </a:r>
-          </a:p>
-        </p:txBody>
-      </p:sp>
-      <p:sp>
-        <p:nvSpPr>
-          <p:cNvPr id="3" name="テキスト プレースホルダー 2">
-            <a:extLst>
-              <a:ext uri="{FF2B5EF4-FFF2-40B4-BE49-F238E27FC236}">
-                <a16:creationId xmlns:a16="http://schemas.microsoft.com/office/drawing/2014/main" id="{68BCA760-EE69-A122-D883-304483C3D870}"/>
-              </a:ext>
-            </a:extLst>
-          </p:cNvPr>
+            <a:endParaRPr lang="en-US" dirty="0"/>
+          </a:p>
+        </p:txBody>
+      </p:sp>
+      <p:sp>
+        <p:nvSpPr>
+          <p:cNvPr id="3" name="Text Placeholder 2"/>
           <p:cNvSpPr>
             <a:spLocks noGrp="1"/>
           </p:cNvSpPr>
@@ -3075,8 +2739,8 @@
         </p:nvSpPr>
         <p:spPr>
           <a:xfrm>
-            <a:off x="838200" y="1825625"/>
-            <a:ext cx="10515600" cy="4351338"/>
+            <a:off x="1658283" y="3641531"/>
+            <a:ext cx="20803910" cy="8679509"/>
           </a:xfrm>
           <a:prstGeom prst="rect">
             <a:avLst/>
@@ -3090,81 +2754,76 @@
           <a:p>
             <a:pPr lvl="0"/>
             <a:r>
-              <a:rPr kumimoji="1" lang="ja-JP" altLang="en-US"/>
+              <a:rPr lang="ja-JP" altLang="en-US"/>
               <a:t>マスター テキストの書式設定</a:t>
             </a:r>
           </a:p>
           <a:p>
             <a:pPr lvl="1"/>
             <a:r>
-              <a:rPr kumimoji="1" lang="ja-JP" altLang="en-US"/>
+              <a:rPr lang="ja-JP" altLang="en-US"/>
               <a:t>第 </a:t>
             </a:r>
             <a:r>
-              <a:rPr kumimoji="1" lang="en-US" altLang="ja-JP"/>
+              <a:rPr lang="en-US" altLang="ja-JP"/>
               <a:t>2 </a:t>
             </a:r>
             <a:r>
-              <a:rPr kumimoji="1" lang="ja-JP" altLang="en-US"/>
+              <a:rPr lang="ja-JP" altLang="en-US"/>
               <a:t>レベル</a:t>
             </a:r>
           </a:p>
           <a:p>
             <a:pPr lvl="2"/>
             <a:r>
-              <a:rPr kumimoji="1" lang="ja-JP" altLang="en-US"/>
+              <a:rPr lang="ja-JP" altLang="en-US"/>
               <a:t>第 </a:t>
             </a:r>
             <a:r>
-              <a:rPr kumimoji="1" lang="en-US" altLang="ja-JP"/>
+              <a:rPr lang="en-US" altLang="ja-JP"/>
               <a:t>3 </a:t>
             </a:r>
             <a:r>
-              <a:rPr kumimoji="1" lang="ja-JP" altLang="en-US"/>
+              <a:rPr lang="ja-JP" altLang="en-US"/>
               <a:t>レベル</a:t>
             </a:r>
           </a:p>
           <a:p>
             <a:pPr lvl="3"/>
             <a:r>
-              <a:rPr kumimoji="1" lang="ja-JP" altLang="en-US"/>
+              <a:rPr lang="ja-JP" altLang="en-US"/>
               <a:t>第 </a:t>
             </a:r>
             <a:r>
-              <a:rPr kumimoji="1" lang="en-US" altLang="ja-JP"/>
+              <a:rPr lang="en-US" altLang="ja-JP"/>
               <a:t>4 </a:t>
             </a:r>
             <a:r>
-              <a:rPr kumimoji="1" lang="ja-JP" altLang="en-US"/>
+              <a:rPr lang="ja-JP" altLang="en-US"/>
               <a:t>レベル</a:t>
             </a:r>
           </a:p>
           <a:p>
             <a:pPr lvl="4"/>
             <a:r>
-              <a:rPr kumimoji="1" lang="ja-JP" altLang="en-US"/>
+              <a:rPr lang="ja-JP" altLang="en-US"/>
               <a:t>第 </a:t>
             </a:r>
             <a:r>
-              <a:rPr kumimoji="1" lang="en-US" altLang="ja-JP"/>
+              <a:rPr lang="en-US" altLang="ja-JP"/>
               <a:t>5 </a:t>
             </a:r>
             <a:r>
-              <a:rPr kumimoji="1" lang="ja-JP" altLang="en-US"/>
+              <a:rPr lang="ja-JP" altLang="en-US"/>
               <a:t>レベル</a:t>
             </a:r>
-          </a:p>
-        </p:txBody>
-      </p:sp>
-      <p:sp>
-        <p:nvSpPr>
-          <p:cNvPr id="4" name="日付プレースホルダー 3">
-            <a:extLst>
-              <a:ext uri="{FF2B5EF4-FFF2-40B4-BE49-F238E27FC236}">
-                <a16:creationId xmlns:a16="http://schemas.microsoft.com/office/drawing/2014/main" id="{635376A8-5C83-21A2-22CD-10AD130AF8FC}"/>
-              </a:ext>
-            </a:extLst>
-          </p:cNvPr>
+            <a:endParaRPr lang="en-US" dirty="0"/>
+          </a:p>
+        </p:txBody>
+      </p:sp>
+      <p:sp>
+        <p:nvSpPr>
+          <p:cNvPr id="4" name="Date Placeholder 3"/>
           <p:cNvSpPr>
             <a:spLocks noGrp="1"/>
           </p:cNvSpPr>
@@ -3174,8 +2833,8 @@
         </p:nvSpPr>
         <p:spPr>
           <a:xfrm>
-            <a:off x="838200" y="6356350"/>
-            <a:ext cx="2743200" cy="365125"/>
+            <a:off x="1658283" y="12678860"/>
+            <a:ext cx="5427107" cy="728306"/>
           </a:xfrm>
           <a:prstGeom prst="rect">
             <a:avLst/>
@@ -3185,7 +2844,7 @@
           <a:bodyPr vert="horz" lIns="91440" tIns="45720" rIns="91440" bIns="45720" rtlCol="0" anchor="ctr"/>
           <a:lstStyle>
             <a:lvl1pPr algn="l">
-              <a:defRPr sz="1200">
+              <a:defRPr sz="2374">
                 <a:solidFill>
                   <a:schemeClr val="tx1">
                     <a:tint val="75000"/>
@@ -3197,7 +2856,7 @@
           <a:p>
             <a:fld id="{4452E1B7-8995-CD47-BA2C-CAD4F0B61F9F}" type="datetimeFigureOut">
               <a:rPr kumimoji="1" lang="ja-JP" altLang="en-US" smtClean="0"/>
-              <a:t>2024/9/25</a:t>
+              <a:t>2024/9/26</a:t>
             </a:fld>
             <a:endParaRPr kumimoji="1" lang="ja-JP" altLang="en-US"/>
           </a:p>
@@ -3205,13 +2864,7 @@
       </p:sp>
       <p:sp>
         <p:nvSpPr>
-          <p:cNvPr id="5" name="フッター プレースホルダー 4">
-            <a:extLst>
-              <a:ext uri="{FF2B5EF4-FFF2-40B4-BE49-F238E27FC236}">
-                <a16:creationId xmlns:a16="http://schemas.microsoft.com/office/drawing/2014/main" id="{C640C5E0-9326-CC59-389C-397632505108}"/>
-              </a:ext>
-            </a:extLst>
-          </p:cNvPr>
+          <p:cNvPr id="5" name="Footer Placeholder 4"/>
           <p:cNvSpPr>
             <a:spLocks noGrp="1"/>
           </p:cNvSpPr>
@@ -3221,8 +2874,8 @@
         </p:nvSpPr>
         <p:spPr>
           <a:xfrm>
-            <a:off x="4038600" y="6356350"/>
-            <a:ext cx="4114800" cy="365125"/>
+            <a:off x="7989908" y="12678860"/>
+            <a:ext cx="8140660" cy="728306"/>
           </a:xfrm>
           <a:prstGeom prst="rect">
             <a:avLst/>
@@ -3232,7 +2885,7 @@
           <a:bodyPr vert="horz" lIns="91440" tIns="45720" rIns="91440" bIns="45720" rtlCol="0" anchor="ctr"/>
           <a:lstStyle>
             <a:lvl1pPr algn="ctr">
-              <a:defRPr sz="1200">
+              <a:defRPr sz="2374">
                 <a:solidFill>
                   <a:schemeClr val="tx1">
                     <a:tint val="75000"/>
@@ -3248,13 +2901,7 @@
       </p:sp>
       <p:sp>
         <p:nvSpPr>
-          <p:cNvPr id="6" name="スライド番号プレースホルダー 5">
-            <a:extLst>
-              <a:ext uri="{FF2B5EF4-FFF2-40B4-BE49-F238E27FC236}">
-                <a16:creationId xmlns:a16="http://schemas.microsoft.com/office/drawing/2014/main" id="{5EDF47FA-568E-5809-8F7A-5E1CF55F3129}"/>
-              </a:ext>
-            </a:extLst>
-          </p:cNvPr>
+          <p:cNvPr id="6" name="Slide Number Placeholder 5"/>
           <p:cNvSpPr>
             <a:spLocks noGrp="1"/>
           </p:cNvSpPr>
@@ -3264,8 +2911,8 @@
         </p:nvSpPr>
         <p:spPr>
           <a:xfrm>
-            <a:off x="8610600" y="6356350"/>
-            <a:ext cx="2743200" cy="365125"/>
+            <a:off x="17035085" y="12678860"/>
+            <a:ext cx="5427107" cy="728306"/>
           </a:xfrm>
           <a:prstGeom prst="rect">
             <a:avLst/>
@@ -3275,7 +2922,7 @@
           <a:bodyPr vert="horz" lIns="91440" tIns="45720" rIns="91440" bIns="45720" rtlCol="0" anchor="ctr"/>
           <a:lstStyle>
             <a:lvl1pPr algn="r">
-              <a:defRPr sz="1200">
+              <a:defRPr sz="2374">
                 <a:solidFill>
                   <a:schemeClr val="tx1">
                     <a:tint val="75000"/>
@@ -3296,27 +2943,27 @@
     </p:spTree>
     <p:extLst>
       <p:ext uri="{BB962C8B-B14F-4D97-AF65-F5344CB8AC3E}">
-        <p14:creationId xmlns:p14="http://schemas.microsoft.com/office/powerpoint/2010/main" val="2238662054"/>
+        <p14:creationId xmlns:p14="http://schemas.microsoft.com/office/powerpoint/2010/main" val="3627626164"/>
       </p:ext>
     </p:extLst>
   </p:cSld>
   <p:clrMap bg1="lt1" tx1="dk1" bg2="lt2" tx2="dk2" accent1="accent1" accent2="accent2" accent3="accent3" accent4="accent4" accent5="accent5" accent6="accent6" hlink="hlink" folHlink="folHlink"/>
   <p:sldLayoutIdLst>
-    <p:sldLayoutId id="2147483649" r:id="rId1"/>
-    <p:sldLayoutId id="2147483650" r:id="rId2"/>
-    <p:sldLayoutId id="2147483651" r:id="rId3"/>
-    <p:sldLayoutId id="2147483652" r:id="rId4"/>
-    <p:sldLayoutId id="2147483653" r:id="rId5"/>
-    <p:sldLayoutId id="2147483654" r:id="rId6"/>
-    <p:sldLayoutId id="2147483655" r:id="rId7"/>
-    <p:sldLayoutId id="2147483656" r:id="rId8"/>
-    <p:sldLayoutId id="2147483657" r:id="rId9"/>
-    <p:sldLayoutId id="2147483658" r:id="rId10"/>
-    <p:sldLayoutId id="2147483659" r:id="rId11"/>
+    <p:sldLayoutId id="2147483661" r:id="rId1"/>
+    <p:sldLayoutId id="2147483662" r:id="rId2"/>
+    <p:sldLayoutId id="2147483663" r:id="rId3"/>
+    <p:sldLayoutId id="2147483664" r:id="rId4"/>
+    <p:sldLayoutId id="2147483665" r:id="rId5"/>
+    <p:sldLayoutId id="2147483666" r:id="rId6"/>
+    <p:sldLayoutId id="2147483667" r:id="rId7"/>
+    <p:sldLayoutId id="2147483668" r:id="rId8"/>
+    <p:sldLayoutId id="2147483669" r:id="rId9"/>
+    <p:sldLayoutId id="2147483670" r:id="rId10"/>
+    <p:sldLayoutId id="2147483671" r:id="rId11"/>
   </p:sldLayoutIdLst>
   <p:txStyles>
     <p:titleStyle>
-      <a:lvl1pPr algn="l" defTabSz="914400" rtl="0" eaLnBrk="1" latinLnBrk="0" hangingPunct="1">
+      <a:lvl1pPr algn="l" defTabSz="1809049" rtl="0" eaLnBrk="1" latinLnBrk="0" hangingPunct="1">
         <a:lnSpc>
           <a:spcPct val="90000"/>
         </a:lnSpc>
@@ -3324,7 +2971,7 @@
           <a:spcPct val="0"/>
         </a:spcBef>
         <a:buNone/>
-        <a:defRPr kumimoji="1" sz="4400" kern="1200">
+        <a:defRPr kumimoji="1" sz="8705" kern="1200">
           <a:solidFill>
             <a:schemeClr val="tx1"/>
           </a:solidFill>
@@ -3335,16 +2982,16 @@
       </a:lvl1pPr>
     </p:titleStyle>
     <p:bodyStyle>
-      <a:lvl1pPr marL="228600" indent="-228600" algn="l" defTabSz="914400" rtl="0" eaLnBrk="1" latinLnBrk="0" hangingPunct="1">
+      <a:lvl1pPr marL="452262" indent="-452262" algn="l" defTabSz="1809049" rtl="0" eaLnBrk="1" latinLnBrk="0" hangingPunct="1">
         <a:lnSpc>
           <a:spcPct val="90000"/>
         </a:lnSpc>
         <a:spcBef>
-          <a:spcPts val="1000"/>
+          <a:spcPts val="1978"/>
         </a:spcBef>
         <a:buFont typeface="Arial" panose="020B0604020202020204" pitchFamily="34" charset="0"/>
         <a:buChar char="•"/>
-        <a:defRPr kumimoji="1" sz="2800" kern="1200">
+        <a:defRPr kumimoji="1" sz="5540" kern="1200">
           <a:solidFill>
             <a:schemeClr val="tx1"/>
           </a:solidFill>
@@ -3353,16 +3000,16 @@
           <a:cs typeface="+mn-cs"/>
         </a:defRPr>
       </a:lvl1pPr>
-      <a:lvl2pPr marL="685800" indent="-228600" algn="l" defTabSz="914400" rtl="0" eaLnBrk="1" latinLnBrk="0" hangingPunct="1">
+      <a:lvl2pPr marL="1356787" indent="-452262" algn="l" defTabSz="1809049" rtl="0" eaLnBrk="1" latinLnBrk="0" hangingPunct="1">
         <a:lnSpc>
           <a:spcPct val="90000"/>
         </a:lnSpc>
         <a:spcBef>
-          <a:spcPts val="500"/>
+          <a:spcPts val="989"/>
         </a:spcBef>
         <a:buFont typeface="Arial" panose="020B0604020202020204" pitchFamily="34" charset="0"/>
         <a:buChar char="•"/>
-        <a:defRPr kumimoji="1" sz="2400" kern="1200">
+        <a:defRPr kumimoji="1" sz="4748" kern="1200">
           <a:solidFill>
             <a:schemeClr val="tx1"/>
           </a:solidFill>
@@ -3371,16 +3018,16 @@
           <a:cs typeface="+mn-cs"/>
         </a:defRPr>
       </a:lvl2pPr>
-      <a:lvl3pPr marL="1143000" indent="-228600" algn="l" defTabSz="914400" rtl="0" eaLnBrk="1" latinLnBrk="0" hangingPunct="1">
+      <a:lvl3pPr marL="2261311" indent="-452262" algn="l" defTabSz="1809049" rtl="0" eaLnBrk="1" latinLnBrk="0" hangingPunct="1">
         <a:lnSpc>
           <a:spcPct val="90000"/>
         </a:lnSpc>
         <a:spcBef>
-          <a:spcPts val="500"/>
+          <a:spcPts val="989"/>
         </a:spcBef>
         <a:buFont typeface="Arial" panose="020B0604020202020204" pitchFamily="34" charset="0"/>
         <a:buChar char="•"/>
-        <a:defRPr kumimoji="1" sz="2000" kern="1200">
+        <a:defRPr kumimoji="1" sz="3957" kern="1200">
           <a:solidFill>
             <a:schemeClr val="tx1"/>
           </a:solidFill>
@@ -3389,16 +3036,16 @@
           <a:cs typeface="+mn-cs"/>
         </a:defRPr>
       </a:lvl3pPr>
-      <a:lvl4pPr marL="1600200" indent="-228600" algn="l" defTabSz="914400" rtl="0" eaLnBrk="1" latinLnBrk="0" hangingPunct="1">
+      <a:lvl4pPr marL="3165836" indent="-452262" algn="l" defTabSz="1809049" rtl="0" eaLnBrk="1" latinLnBrk="0" hangingPunct="1">
         <a:lnSpc>
           <a:spcPct val="90000"/>
         </a:lnSpc>
         <a:spcBef>
-          <a:spcPts val="500"/>
+          <a:spcPts val="989"/>
         </a:spcBef>
         <a:buFont typeface="Arial" panose="020B0604020202020204" pitchFamily="34" charset="0"/>
         <a:buChar char="•"/>
-        <a:defRPr kumimoji="1" sz="1800" kern="1200">
+        <a:defRPr kumimoji="1" sz="3561" kern="1200">
           <a:solidFill>
             <a:schemeClr val="tx1"/>
           </a:solidFill>
@@ -3407,16 +3054,16 @@
           <a:cs typeface="+mn-cs"/>
         </a:defRPr>
       </a:lvl4pPr>
-      <a:lvl5pPr marL="2057400" indent="-228600" algn="l" defTabSz="914400" rtl="0" eaLnBrk="1" latinLnBrk="0" hangingPunct="1">
+      <a:lvl5pPr marL="4070360" indent="-452262" algn="l" defTabSz="1809049" rtl="0" eaLnBrk="1" latinLnBrk="0" hangingPunct="1">
         <a:lnSpc>
           <a:spcPct val="90000"/>
         </a:lnSpc>
         <a:spcBef>
-          <a:spcPts val="500"/>
+          <a:spcPts val="989"/>
         </a:spcBef>
         <a:buFont typeface="Arial" panose="020B0604020202020204" pitchFamily="34" charset="0"/>
         <a:buChar char="•"/>
-        <a:defRPr kumimoji="1" sz="1800" kern="1200">
+        <a:defRPr kumimoji="1" sz="3561" kern="1200">
           <a:solidFill>
             <a:schemeClr val="tx1"/>
           </a:solidFill>
@@ -3425,16 +3072,16 @@
           <a:cs typeface="+mn-cs"/>
         </a:defRPr>
       </a:lvl5pPr>
-      <a:lvl6pPr marL="2514600" indent="-228600" algn="l" defTabSz="914400" rtl="0" eaLnBrk="1" latinLnBrk="0" hangingPunct="1">
+      <a:lvl6pPr marL="4974885" indent="-452262" algn="l" defTabSz="1809049" rtl="0" eaLnBrk="1" latinLnBrk="0" hangingPunct="1">
         <a:lnSpc>
           <a:spcPct val="90000"/>
         </a:lnSpc>
         <a:spcBef>
-          <a:spcPts val="500"/>
+          <a:spcPts val="989"/>
         </a:spcBef>
         <a:buFont typeface="Arial" panose="020B0604020202020204" pitchFamily="34" charset="0"/>
         <a:buChar char="•"/>
-        <a:defRPr kumimoji="1" sz="1800" kern="1200">
+        <a:defRPr kumimoji="1" sz="3561" kern="1200">
           <a:solidFill>
             <a:schemeClr val="tx1"/>
           </a:solidFill>
@@ -3443,16 +3090,16 @@
           <a:cs typeface="+mn-cs"/>
         </a:defRPr>
       </a:lvl6pPr>
-      <a:lvl7pPr marL="2971800" indent="-228600" algn="l" defTabSz="914400" rtl="0" eaLnBrk="1" latinLnBrk="0" hangingPunct="1">
+      <a:lvl7pPr marL="5879409" indent="-452262" algn="l" defTabSz="1809049" rtl="0" eaLnBrk="1" latinLnBrk="0" hangingPunct="1">
         <a:lnSpc>
           <a:spcPct val="90000"/>
         </a:lnSpc>
         <a:spcBef>
-          <a:spcPts val="500"/>
+          <a:spcPts val="989"/>
         </a:spcBef>
         <a:buFont typeface="Arial" panose="020B0604020202020204" pitchFamily="34" charset="0"/>
         <a:buChar char="•"/>
-        <a:defRPr kumimoji="1" sz="1800" kern="1200">
+        <a:defRPr kumimoji="1" sz="3561" kern="1200">
           <a:solidFill>
             <a:schemeClr val="tx1"/>
           </a:solidFill>
@@ -3461,16 +3108,16 @@
           <a:cs typeface="+mn-cs"/>
         </a:defRPr>
       </a:lvl7pPr>
-      <a:lvl8pPr marL="3429000" indent="-228600" algn="l" defTabSz="914400" rtl="0" eaLnBrk="1" latinLnBrk="0" hangingPunct="1">
+      <a:lvl8pPr marL="6783934" indent="-452262" algn="l" defTabSz="1809049" rtl="0" eaLnBrk="1" latinLnBrk="0" hangingPunct="1">
         <a:lnSpc>
           <a:spcPct val="90000"/>
         </a:lnSpc>
         <a:spcBef>
-          <a:spcPts val="500"/>
+          <a:spcPts val="989"/>
         </a:spcBef>
         <a:buFont typeface="Arial" panose="020B0604020202020204" pitchFamily="34" charset="0"/>
         <a:buChar char="•"/>
-        <a:defRPr kumimoji="1" sz="1800" kern="1200">
+        <a:defRPr kumimoji="1" sz="3561" kern="1200">
           <a:solidFill>
             <a:schemeClr val="tx1"/>
           </a:solidFill>
@@ -3479,16 +3126,16 @@
           <a:cs typeface="+mn-cs"/>
         </a:defRPr>
       </a:lvl8pPr>
-      <a:lvl9pPr marL="3886200" indent="-228600" algn="l" defTabSz="914400" rtl="0" eaLnBrk="1" latinLnBrk="0" hangingPunct="1">
+      <a:lvl9pPr marL="7688458" indent="-452262" algn="l" defTabSz="1809049" rtl="0" eaLnBrk="1" latinLnBrk="0" hangingPunct="1">
         <a:lnSpc>
           <a:spcPct val="90000"/>
         </a:lnSpc>
         <a:spcBef>
-          <a:spcPts val="500"/>
+          <a:spcPts val="989"/>
         </a:spcBef>
         <a:buFont typeface="Arial" panose="020B0604020202020204" pitchFamily="34" charset="0"/>
         <a:buChar char="•"/>
-        <a:defRPr kumimoji="1" sz="1800" kern="1200">
+        <a:defRPr kumimoji="1" sz="3561" kern="1200">
           <a:solidFill>
             <a:schemeClr val="tx1"/>
           </a:solidFill>
@@ -3500,10 +3147,10 @@
     </p:bodyStyle>
     <p:otherStyle>
       <a:defPPr>
-        <a:defRPr lang="ja-JP"/>
+        <a:defRPr lang="en-US"/>
       </a:defPPr>
-      <a:lvl1pPr marL="0" algn="l" defTabSz="914400" rtl="0" eaLnBrk="1" latinLnBrk="0" hangingPunct="1">
-        <a:defRPr kumimoji="1" sz="1800" kern="1200">
+      <a:lvl1pPr marL="0" algn="l" defTabSz="1809049" rtl="0" eaLnBrk="1" latinLnBrk="0" hangingPunct="1">
+        <a:defRPr kumimoji="1" sz="3561" kern="1200">
           <a:solidFill>
             <a:schemeClr val="tx1"/>
           </a:solidFill>
@@ -3512,8 +3159,8 @@
           <a:cs typeface="+mn-cs"/>
         </a:defRPr>
       </a:lvl1pPr>
-      <a:lvl2pPr marL="457200" algn="l" defTabSz="914400" rtl="0" eaLnBrk="1" latinLnBrk="0" hangingPunct="1">
-        <a:defRPr kumimoji="1" sz="1800" kern="1200">
+      <a:lvl2pPr marL="904524" algn="l" defTabSz="1809049" rtl="0" eaLnBrk="1" latinLnBrk="0" hangingPunct="1">
+        <a:defRPr kumimoji="1" sz="3561" kern="1200">
           <a:solidFill>
             <a:schemeClr val="tx1"/>
           </a:solidFill>
@@ -3522,8 +3169,8 @@
           <a:cs typeface="+mn-cs"/>
         </a:defRPr>
       </a:lvl2pPr>
-      <a:lvl3pPr marL="914400" algn="l" defTabSz="914400" rtl="0" eaLnBrk="1" latinLnBrk="0" hangingPunct="1">
-        <a:defRPr kumimoji="1" sz="1800" kern="1200">
+      <a:lvl3pPr marL="1809049" algn="l" defTabSz="1809049" rtl="0" eaLnBrk="1" latinLnBrk="0" hangingPunct="1">
+        <a:defRPr kumimoji="1" sz="3561" kern="1200">
           <a:solidFill>
             <a:schemeClr val="tx1"/>
           </a:solidFill>
@@ -3532,8 +3179,8 @@
           <a:cs typeface="+mn-cs"/>
         </a:defRPr>
       </a:lvl3pPr>
-      <a:lvl4pPr marL="1371600" algn="l" defTabSz="914400" rtl="0" eaLnBrk="1" latinLnBrk="0" hangingPunct="1">
-        <a:defRPr kumimoji="1" sz="1800" kern="1200">
+      <a:lvl4pPr marL="2713573" algn="l" defTabSz="1809049" rtl="0" eaLnBrk="1" latinLnBrk="0" hangingPunct="1">
+        <a:defRPr kumimoji="1" sz="3561" kern="1200">
           <a:solidFill>
             <a:schemeClr val="tx1"/>
           </a:solidFill>
@@ -3542,8 +3189,8 @@
           <a:cs typeface="+mn-cs"/>
         </a:defRPr>
       </a:lvl4pPr>
-      <a:lvl5pPr marL="1828800" algn="l" defTabSz="914400" rtl="0" eaLnBrk="1" latinLnBrk="0" hangingPunct="1">
-        <a:defRPr kumimoji="1" sz="1800" kern="1200">
+      <a:lvl5pPr marL="3618098" algn="l" defTabSz="1809049" rtl="0" eaLnBrk="1" latinLnBrk="0" hangingPunct="1">
+        <a:defRPr kumimoji="1" sz="3561" kern="1200">
           <a:solidFill>
             <a:schemeClr val="tx1"/>
           </a:solidFill>
@@ -3552,8 +3199,8 @@
           <a:cs typeface="+mn-cs"/>
         </a:defRPr>
       </a:lvl5pPr>
-      <a:lvl6pPr marL="2286000" algn="l" defTabSz="914400" rtl="0" eaLnBrk="1" latinLnBrk="0" hangingPunct="1">
-        <a:defRPr kumimoji="1" sz="1800" kern="1200">
+      <a:lvl6pPr marL="4522622" algn="l" defTabSz="1809049" rtl="0" eaLnBrk="1" latinLnBrk="0" hangingPunct="1">
+        <a:defRPr kumimoji="1" sz="3561" kern="1200">
           <a:solidFill>
             <a:schemeClr val="tx1"/>
           </a:solidFill>
@@ -3562,8 +3209,8 @@
           <a:cs typeface="+mn-cs"/>
         </a:defRPr>
       </a:lvl6pPr>
-      <a:lvl7pPr marL="2743200" algn="l" defTabSz="914400" rtl="0" eaLnBrk="1" latinLnBrk="0" hangingPunct="1">
-        <a:defRPr kumimoji="1" sz="1800" kern="1200">
+      <a:lvl7pPr marL="5427147" algn="l" defTabSz="1809049" rtl="0" eaLnBrk="1" latinLnBrk="0" hangingPunct="1">
+        <a:defRPr kumimoji="1" sz="3561" kern="1200">
           <a:solidFill>
             <a:schemeClr val="tx1"/>
           </a:solidFill>
@@ -3572,8 +3219,8 @@
           <a:cs typeface="+mn-cs"/>
         </a:defRPr>
       </a:lvl7pPr>
-      <a:lvl8pPr marL="3200400" algn="l" defTabSz="914400" rtl="0" eaLnBrk="1" latinLnBrk="0" hangingPunct="1">
-        <a:defRPr kumimoji="1" sz="1800" kern="1200">
+      <a:lvl8pPr marL="6331671" algn="l" defTabSz="1809049" rtl="0" eaLnBrk="1" latinLnBrk="0" hangingPunct="1">
+        <a:defRPr kumimoji="1" sz="3561" kern="1200">
           <a:solidFill>
             <a:schemeClr val="tx1"/>
           </a:solidFill>
@@ -3582,8 +3229,8 @@
           <a:cs typeface="+mn-cs"/>
         </a:defRPr>
       </a:lvl8pPr>
-      <a:lvl9pPr marL="3657600" algn="l" defTabSz="914400" rtl="0" eaLnBrk="1" latinLnBrk="0" hangingPunct="1">
-        <a:defRPr kumimoji="1" sz="1800" kern="1200">
+      <a:lvl9pPr marL="7236196" algn="l" defTabSz="1809049" rtl="0" eaLnBrk="1" latinLnBrk="0" hangingPunct="1">
+        <a:defRPr kumimoji="1" sz="3561" kern="1200">
           <a:solidFill>
             <a:schemeClr val="tx1"/>
           </a:solidFill>
@@ -3636,8 +3283,8 @@
         </p:blipFill>
         <p:spPr>
           <a:xfrm>
-            <a:off x="9429481" y="1529549"/>
-            <a:ext cx="2590800" cy="1295400"/>
+            <a:off x="18655147" y="3081898"/>
+            <a:ext cx="5125601" cy="2562800"/>
           </a:xfrm>
           <a:prstGeom prst="rect">
             <a:avLst/>
@@ -3666,8 +3313,8 @@
         </p:blipFill>
         <p:spPr>
           <a:xfrm>
-            <a:off x="9429481" y="0"/>
-            <a:ext cx="2590800" cy="1295400"/>
+            <a:off x="18655147" y="55861"/>
+            <a:ext cx="5125601" cy="2562800"/>
           </a:xfrm>
           <a:prstGeom prst="rect">
             <a:avLst/>
@@ -3688,8 +3335,8 @@
         </p:nvSpPr>
         <p:spPr>
           <a:xfrm>
-            <a:off x="465993" y="2781300"/>
-            <a:ext cx="4422530" cy="1295400"/>
+            <a:off x="921913" y="5558344"/>
+            <a:ext cx="8749469" cy="2562800"/>
           </a:xfrm>
           <a:prstGeom prst="rect">
             <a:avLst/>
@@ -3742,7 +3389,7 @@
           <a:lstStyle/>
           <a:p>
             <a:pPr algn="ctr"/>
-            <a:endParaRPr kumimoji="1" lang="ja-JP" altLang="en-US"/>
+            <a:endParaRPr lang="ja-JP" altLang="en-US" sz="7067"/>
           </a:p>
         </p:txBody>
       </p:sp>
@@ -3767,8 +3414,8 @@
         </p:blipFill>
         <p:spPr>
           <a:xfrm>
-            <a:off x="742318" y="379908"/>
-            <a:ext cx="148464" cy="838167"/>
+            <a:off x="1468591" y="807466"/>
+            <a:ext cx="293719" cy="1658217"/>
           </a:xfrm>
           <a:prstGeom prst="rect">
             <a:avLst/>
@@ -3797,8 +3444,8 @@
         </p:blipFill>
         <p:spPr>
           <a:xfrm>
-            <a:off x="465993" y="2781300"/>
-            <a:ext cx="152400" cy="838200"/>
+            <a:off x="921913" y="5558344"/>
+            <a:ext cx="301506" cy="1658283"/>
           </a:xfrm>
           <a:prstGeom prst="rect">
             <a:avLst/>
@@ -3819,8 +3466,8 @@
         </p:nvSpPr>
         <p:spPr>
           <a:xfrm>
-            <a:off x="140457" y="1890057"/>
-            <a:ext cx="109415" cy="969108"/>
+            <a:off x="277879" y="3795122"/>
+            <a:ext cx="216465" cy="1917269"/>
           </a:xfrm>
           <a:prstGeom prst="roundRect">
             <a:avLst/>
@@ -3847,7 +3494,7 @@
           <a:lstStyle/>
           <a:p>
             <a:pPr algn="ctr"/>
-            <a:endParaRPr kumimoji="1" lang="ja-JP" altLang="en-US"/>
+            <a:endParaRPr lang="ja-JP" altLang="en-US" sz="7067"/>
           </a:p>
         </p:txBody>
       </p:sp>
@@ -3873,8 +3520,8 @@
         </p:blipFill>
         <p:spPr>
           <a:xfrm>
-            <a:off x="5159351" y="2401965"/>
-            <a:ext cx="2590800" cy="2590800"/>
+            <a:off x="10207184" y="4807873"/>
+            <a:ext cx="5125601" cy="5125601"/>
           </a:xfrm>
           <a:prstGeom prst="rect">
             <a:avLst/>
@@ -3895,8 +3542,8 @@
         </p:nvSpPr>
         <p:spPr>
           <a:xfrm>
-            <a:off x="5859116" y="2737129"/>
-            <a:ext cx="416618" cy="117196"/>
+            <a:off x="11591589" y="5470956"/>
+            <a:ext cx="824231" cy="231859"/>
           </a:xfrm>
           <a:prstGeom prst="rect">
             <a:avLst/>
@@ -3929,7 +3576,7 @@
           <a:lstStyle/>
           <a:p>
             <a:pPr algn="ctr"/>
-            <a:endParaRPr kumimoji="1" lang="ja-JP" altLang="en-US"/>
+            <a:endParaRPr lang="ja-JP" altLang="en-US" sz="7067"/>
           </a:p>
         </p:txBody>
       </p:sp>
@@ -3954,8 +3601,8 @@
         </p:blipFill>
         <p:spPr>
           <a:xfrm>
-            <a:off x="816550" y="2908351"/>
-            <a:ext cx="148464" cy="146051"/>
+            <a:off x="1615450" y="5809701"/>
+            <a:ext cx="293719" cy="288945"/>
           </a:xfrm>
           <a:prstGeom prst="rect">
             <a:avLst/>
@@ -3983,49 +3630,8 @@
         </p:blipFill>
         <p:spPr>
           <a:xfrm>
-            <a:off x="465993" y="3983598"/>
-            <a:ext cx="82606" cy="87098"/>
-          </a:xfrm>
-          <a:prstGeom prst="rect">
-            <a:avLst/>
-          </a:prstGeom>
-        </p:spPr>
-      </p:pic>
-      <p:pic>
-        <p:nvPicPr>
-          <p:cNvPr id="8" name="図 7">
-            <a:extLst>
-              <a:ext uri="{FF2B5EF4-FFF2-40B4-BE49-F238E27FC236}">
-                <a16:creationId xmlns:a16="http://schemas.microsoft.com/office/drawing/2014/main" id="{320919A4-E457-D4CA-545A-56FD559C2E91}"/>
-              </a:ext>
-            </a:extLst>
-          </p:cNvPr>
-          <p:cNvPicPr>
-            <a:picLocks noChangeAspect="1"/>
-          </p:cNvPicPr>
-          <p:nvPr/>
-        </p:nvPicPr>
-        <p:blipFill rotWithShape="1">
-          <a:blip r:embed="rId7">
-            <a:extLst>
-              <a:ext uri="{BEBA8EAE-BF5A-486C-A8C5-ECC9F3942E4B}">
-                <a14:imgProps xmlns:a14="http://schemas.microsoft.com/office/drawing/2010/main">
-                  <a14:imgLayer r:embed="rId8">
-                    <a14:imgEffect>
-                      <a14:saturation sat="4000"/>
-                    </a14:imgEffect>
-                  </a14:imgLayer>
-                </a14:imgProps>
-              </a:ext>
-            </a:extLst>
-          </a:blip>
-          <a:srcRect l="23492" t="64867" r="54109" b="23794"/>
-          <a:stretch/>
-        </p:blipFill>
-        <p:spPr>
-          <a:xfrm>
-            <a:off x="1403348" y="3619500"/>
-            <a:ext cx="3485175" cy="146880"/>
+            <a:off x="921913" y="7936953"/>
+            <a:ext cx="163427" cy="172313"/>
           </a:xfrm>
           <a:prstGeom prst="rect">
             <a:avLst/>
@@ -4054,8 +3660,8 @@
         </p:blipFill>
         <p:spPr>
           <a:xfrm>
-            <a:off x="548599" y="1042815"/>
-            <a:ext cx="4422530" cy="1295400"/>
+            <a:off x="1085340" y="2118951"/>
+            <a:ext cx="8749469" cy="2562800"/>
           </a:xfrm>
           <a:prstGeom prst="rect">
             <a:avLst/>
@@ -4083,8 +3689,8 @@
         </p:blipFill>
         <p:spPr>
           <a:xfrm>
-            <a:off x="3237012" y="1389461"/>
-            <a:ext cx="3844678" cy="1295400"/>
+            <a:off x="6404057" y="2804750"/>
+            <a:ext cx="7606255" cy="2562800"/>
           </a:xfrm>
           <a:prstGeom prst="rect">
             <a:avLst/>
@@ -4106,12 +3712,12 @@
           <p:nvPr/>
         </p:nvPicPr>
         <p:blipFill>
-          <a:blip r:embed="rId9">
+          <a:blip r:embed="rId7">
             <a:alphaModFix/>
             <a:extLst>
               <a:ext uri="{BEBA8EAE-BF5A-486C-A8C5-ECC9F3942E4B}">
                 <a14:imgProps xmlns:a14="http://schemas.microsoft.com/office/drawing/2010/main">
-                  <a14:imgLayer r:embed="rId10">
+                  <a14:imgLayer r:embed="rId8">
                     <a14:imgEffect>
                       <a14:colorTemperature colorTemp="8594"/>
                     </a14:imgEffect>
@@ -4129,14 +3735,2247 @@
         </p:blipFill>
         <p:spPr>
           <a:xfrm>
-            <a:off x="1068335" y="3029903"/>
-            <a:ext cx="335013" cy="961315"/>
+            <a:off x="2113579" y="6050177"/>
+            <a:ext cx="662785" cy="1901852"/>
           </a:xfrm>
           <a:prstGeom prst="rect">
             <a:avLst/>
           </a:prstGeom>
         </p:spPr>
       </p:pic>
+      <p:pic>
+        <p:nvPicPr>
+          <p:cNvPr id="12" name="図 11">
+            <a:extLst>
+              <a:ext uri="{FF2B5EF4-FFF2-40B4-BE49-F238E27FC236}">
+                <a16:creationId xmlns:a16="http://schemas.microsoft.com/office/drawing/2014/main" id="{CD48C9DB-D082-CEAA-1964-51C34CEACFF2}"/>
+              </a:ext>
+            </a:extLst>
+          </p:cNvPr>
+          <p:cNvPicPr>
+            <a:picLocks noChangeAspect="1"/>
+          </p:cNvPicPr>
+          <p:nvPr/>
+        </p:nvPicPr>
+        <p:blipFill rotWithShape="1">
+          <a:blip r:embed="rId4"/>
+          <a:srcRect l="1" t="65225" r="87121" b="17129"/>
+          <a:stretch/>
+        </p:blipFill>
+        <p:spPr>
+          <a:xfrm>
+            <a:off x="-815148" y="11080577"/>
+            <a:ext cx="5783919" cy="2321427"/>
+          </a:xfrm>
+          <a:prstGeom prst="rect">
+            <a:avLst/>
+          </a:prstGeom>
+        </p:spPr>
+      </p:pic>
+      <p:sp>
+        <p:nvSpPr>
+          <p:cNvPr id="15" name="正方形/長方形 14">
+            <a:extLst>
+              <a:ext uri="{FF2B5EF4-FFF2-40B4-BE49-F238E27FC236}">
+                <a16:creationId xmlns:a16="http://schemas.microsoft.com/office/drawing/2014/main" id="{5A669D53-4B45-2FC4-6E80-D45D320473B0}"/>
+              </a:ext>
+            </a:extLst>
+          </p:cNvPr>
+          <p:cNvSpPr/>
+          <p:nvPr/>
+        </p:nvSpPr>
+        <p:spPr>
+          <a:xfrm>
+            <a:off x="2881890" y="8791995"/>
+            <a:ext cx="1809036" cy="290585"/>
+          </a:xfrm>
+          <a:prstGeom prst="rect">
+            <a:avLst/>
+          </a:prstGeom>
+          <a:solidFill>
+            <a:srgbClr val="282828"/>
+          </a:solidFill>
+          <a:ln>
+            <a:noFill/>
+          </a:ln>
+        </p:spPr>
+        <p:style>
+          <a:lnRef idx="2">
+            <a:schemeClr val="accent1">
+              <a:shade val="15000"/>
+            </a:schemeClr>
+          </a:lnRef>
+          <a:fillRef idx="1">
+            <a:schemeClr val="accent1"/>
+          </a:fillRef>
+          <a:effectRef idx="0">
+            <a:schemeClr val="accent1"/>
+          </a:effectRef>
+          <a:fontRef idx="minor">
+            <a:schemeClr val="lt1"/>
+          </a:fontRef>
+        </p:style>
+        <p:txBody>
+          <a:bodyPr rtlCol="0" anchor="ctr"/>
+          <a:lstStyle/>
+          <a:p>
+            <a:pPr algn="ctr"/>
+            <a:endParaRPr lang="ja-JP" altLang="en-US" sz="7067"/>
+          </a:p>
+        </p:txBody>
+      </p:sp>
+      <p:sp>
+        <p:nvSpPr>
+          <p:cNvPr id="18" name="正方形/長方形 17">
+            <a:extLst>
+              <a:ext uri="{FF2B5EF4-FFF2-40B4-BE49-F238E27FC236}">
+                <a16:creationId xmlns:a16="http://schemas.microsoft.com/office/drawing/2014/main" id="{0868429A-3C87-F212-1B71-E4A743B8802F}"/>
+              </a:ext>
+            </a:extLst>
+          </p:cNvPr>
+          <p:cNvSpPr/>
+          <p:nvPr/>
+        </p:nvSpPr>
+        <p:spPr>
+          <a:xfrm>
+            <a:off x="2881890" y="8821396"/>
+            <a:ext cx="1809036" cy="231784"/>
+          </a:xfrm>
+          <a:prstGeom prst="rect">
+            <a:avLst/>
+          </a:prstGeom>
+          <a:solidFill>
+            <a:srgbClr val="C7C7BD"/>
+          </a:solidFill>
+          <a:ln>
+            <a:noFill/>
+          </a:ln>
+        </p:spPr>
+        <p:style>
+          <a:lnRef idx="2">
+            <a:schemeClr val="accent1">
+              <a:shade val="15000"/>
+            </a:schemeClr>
+          </a:lnRef>
+          <a:fillRef idx="1">
+            <a:schemeClr val="accent1"/>
+          </a:fillRef>
+          <a:effectRef idx="0">
+            <a:schemeClr val="accent1"/>
+          </a:effectRef>
+          <a:fontRef idx="minor">
+            <a:schemeClr val="lt1"/>
+          </a:fontRef>
+        </p:style>
+        <p:txBody>
+          <a:bodyPr rtlCol="0" anchor="ctr"/>
+          <a:lstStyle/>
+          <a:p>
+            <a:pPr algn="ctr"/>
+            <a:endParaRPr lang="ja-JP" altLang="en-US" sz="7067"/>
+          </a:p>
+        </p:txBody>
+      </p:sp>
+      <p:sp>
+        <p:nvSpPr>
+          <p:cNvPr id="19" name="正方形/長方形 18">
+            <a:extLst>
+              <a:ext uri="{FF2B5EF4-FFF2-40B4-BE49-F238E27FC236}">
+                <a16:creationId xmlns:a16="http://schemas.microsoft.com/office/drawing/2014/main" id="{40876F07-C49B-A5FA-E9A5-8D6B453BF479}"/>
+              </a:ext>
+            </a:extLst>
+          </p:cNvPr>
+          <p:cNvSpPr/>
+          <p:nvPr/>
+        </p:nvSpPr>
+        <p:spPr>
+          <a:xfrm>
+            <a:off x="2881890" y="8840620"/>
+            <a:ext cx="1809036" cy="193336"/>
+          </a:xfrm>
+          <a:prstGeom prst="rect">
+            <a:avLst/>
+          </a:prstGeom>
+          <a:solidFill>
+            <a:srgbClr val="919292"/>
+          </a:solidFill>
+          <a:ln>
+            <a:noFill/>
+          </a:ln>
+        </p:spPr>
+        <p:style>
+          <a:lnRef idx="2">
+            <a:schemeClr val="accent1">
+              <a:shade val="15000"/>
+            </a:schemeClr>
+          </a:lnRef>
+          <a:fillRef idx="1">
+            <a:schemeClr val="accent1"/>
+          </a:fillRef>
+          <a:effectRef idx="0">
+            <a:schemeClr val="accent1"/>
+          </a:effectRef>
+          <a:fontRef idx="minor">
+            <a:schemeClr val="lt1"/>
+          </a:fontRef>
+        </p:style>
+        <p:txBody>
+          <a:bodyPr rtlCol="0" anchor="ctr"/>
+          <a:lstStyle/>
+          <a:p>
+            <a:pPr algn="ctr"/>
+            <a:endParaRPr lang="ja-JP" altLang="en-US" sz="7067"/>
+          </a:p>
+        </p:txBody>
+      </p:sp>
+      <p:pic>
+        <p:nvPicPr>
+          <p:cNvPr id="21" name="図 20">
+            <a:extLst>
+              <a:ext uri="{FF2B5EF4-FFF2-40B4-BE49-F238E27FC236}">
+                <a16:creationId xmlns:a16="http://schemas.microsoft.com/office/drawing/2014/main" id="{3A99653C-5CA4-EC67-5D34-04A872080967}"/>
+              </a:ext>
+            </a:extLst>
+          </p:cNvPr>
+          <p:cNvPicPr>
+            <a:picLocks noChangeAspect="1"/>
+          </p:cNvPicPr>
+          <p:nvPr/>
+        </p:nvPicPr>
+        <p:blipFill rotWithShape="1">
+          <a:blip r:embed="rId9"/>
+          <a:srcRect t="3510"/>
+          <a:stretch/>
+        </p:blipFill>
+        <p:spPr>
+          <a:xfrm>
+            <a:off x="2776362" y="7216627"/>
+            <a:ext cx="6895019" cy="282662"/>
+          </a:xfrm>
+          <a:prstGeom prst="rect">
+            <a:avLst/>
+          </a:prstGeom>
+        </p:spPr>
+      </p:pic>
+      <p:sp>
+        <p:nvSpPr>
+          <p:cNvPr id="23" name="正方形/長方形 22">
+            <a:extLst>
+              <a:ext uri="{FF2B5EF4-FFF2-40B4-BE49-F238E27FC236}">
+                <a16:creationId xmlns:a16="http://schemas.microsoft.com/office/drawing/2014/main" id="{E2C83E9B-1790-C8FA-67CF-5A54882B9C39}"/>
+              </a:ext>
+            </a:extLst>
+          </p:cNvPr>
+          <p:cNvSpPr/>
+          <p:nvPr/>
+        </p:nvSpPr>
+        <p:spPr>
+          <a:xfrm>
+            <a:off x="1223420" y="9082580"/>
+            <a:ext cx="457290" cy="290585"/>
+          </a:xfrm>
+          <a:prstGeom prst="rect">
+            <a:avLst/>
+          </a:prstGeom>
+          <a:solidFill>
+            <a:srgbClr val="282828"/>
+          </a:solidFill>
+          <a:ln>
+            <a:noFill/>
+          </a:ln>
+        </p:spPr>
+        <p:style>
+          <a:lnRef idx="2">
+            <a:schemeClr val="accent1">
+              <a:shade val="15000"/>
+            </a:schemeClr>
+          </a:lnRef>
+          <a:fillRef idx="1">
+            <a:schemeClr val="accent1"/>
+          </a:fillRef>
+          <a:effectRef idx="0">
+            <a:schemeClr val="accent1"/>
+          </a:effectRef>
+          <a:fontRef idx="minor">
+            <a:schemeClr val="lt1"/>
+          </a:fontRef>
+        </p:style>
+        <p:txBody>
+          <a:bodyPr rtlCol="0" anchor="ctr"/>
+          <a:lstStyle/>
+          <a:p>
+            <a:pPr algn="ctr"/>
+            <a:endParaRPr lang="ja-JP" altLang="en-US" sz="7067"/>
+          </a:p>
+        </p:txBody>
+      </p:sp>
+      <p:sp>
+        <p:nvSpPr>
+          <p:cNvPr id="24" name="正方形/長方形 23">
+            <a:extLst>
+              <a:ext uri="{FF2B5EF4-FFF2-40B4-BE49-F238E27FC236}">
+                <a16:creationId xmlns:a16="http://schemas.microsoft.com/office/drawing/2014/main" id="{ECE2E6B4-04C7-9435-F830-1B55FFE7ABFE}"/>
+              </a:ext>
+            </a:extLst>
+          </p:cNvPr>
+          <p:cNvSpPr/>
+          <p:nvPr/>
+        </p:nvSpPr>
+        <p:spPr>
+          <a:xfrm>
+            <a:off x="1223420" y="9111981"/>
+            <a:ext cx="457290" cy="231784"/>
+          </a:xfrm>
+          <a:prstGeom prst="rect">
+            <a:avLst/>
+          </a:prstGeom>
+          <a:solidFill>
+            <a:srgbClr val="C7C7BD"/>
+          </a:solidFill>
+          <a:ln>
+            <a:noFill/>
+          </a:ln>
+        </p:spPr>
+        <p:style>
+          <a:lnRef idx="2">
+            <a:schemeClr val="accent1">
+              <a:shade val="15000"/>
+            </a:schemeClr>
+          </a:lnRef>
+          <a:fillRef idx="1">
+            <a:schemeClr val="accent1"/>
+          </a:fillRef>
+          <a:effectRef idx="0">
+            <a:schemeClr val="accent1"/>
+          </a:effectRef>
+          <a:fontRef idx="minor">
+            <a:schemeClr val="lt1"/>
+          </a:fontRef>
+        </p:style>
+        <p:txBody>
+          <a:bodyPr rtlCol="0" anchor="ctr"/>
+          <a:lstStyle/>
+          <a:p>
+            <a:pPr algn="ctr"/>
+            <a:endParaRPr lang="ja-JP" altLang="en-US" sz="7067"/>
+          </a:p>
+        </p:txBody>
+      </p:sp>
+      <p:sp>
+        <p:nvSpPr>
+          <p:cNvPr id="26" name="二等辺三角形 25">
+            <a:extLst>
+              <a:ext uri="{FF2B5EF4-FFF2-40B4-BE49-F238E27FC236}">
+                <a16:creationId xmlns:a16="http://schemas.microsoft.com/office/drawing/2014/main" id="{CE5F9C41-C31E-F105-CF9A-53084A8E624B}"/>
+              </a:ext>
+            </a:extLst>
+          </p:cNvPr>
+          <p:cNvSpPr/>
+          <p:nvPr/>
+        </p:nvSpPr>
+        <p:spPr>
+          <a:xfrm rot="5400000">
+            <a:off x="1721858" y="9103582"/>
+            <a:ext cx="80903" cy="55245"/>
+          </a:xfrm>
+          <a:prstGeom prst="triangle">
+            <a:avLst>
+              <a:gd name="adj" fmla="val 100000"/>
+            </a:avLst>
+          </a:prstGeom>
+          <a:solidFill>
+            <a:srgbClr val="282828"/>
+          </a:solidFill>
+          <a:ln>
+            <a:noFill/>
+          </a:ln>
+        </p:spPr>
+        <p:style>
+          <a:lnRef idx="2">
+            <a:schemeClr val="accent1">
+              <a:shade val="15000"/>
+            </a:schemeClr>
+          </a:lnRef>
+          <a:fillRef idx="1">
+            <a:schemeClr val="accent1"/>
+          </a:fillRef>
+          <a:effectRef idx="0">
+            <a:schemeClr val="accent1"/>
+          </a:effectRef>
+          <a:fontRef idx="minor">
+            <a:schemeClr val="lt1"/>
+          </a:fontRef>
+        </p:style>
+        <p:txBody>
+          <a:bodyPr rtlCol="0" anchor="ctr"/>
+          <a:lstStyle/>
+          <a:p>
+            <a:pPr algn="ctr"/>
+            <a:endParaRPr lang="ja-JP" altLang="en-US" sz="7067"/>
+          </a:p>
+        </p:txBody>
+      </p:sp>
+      <p:sp>
+        <p:nvSpPr>
+          <p:cNvPr id="27" name="二等辺三角形 26">
+            <a:extLst>
+              <a:ext uri="{FF2B5EF4-FFF2-40B4-BE49-F238E27FC236}">
+                <a16:creationId xmlns:a16="http://schemas.microsoft.com/office/drawing/2014/main" id="{643B83F3-98BA-ABD3-26AA-0EE78B7798B3}"/>
+              </a:ext>
+            </a:extLst>
+          </p:cNvPr>
+          <p:cNvSpPr/>
+          <p:nvPr/>
+        </p:nvSpPr>
+        <p:spPr>
+          <a:xfrm rot="16200000" flipV="1">
+            <a:off x="1633167" y="9216400"/>
+            <a:ext cx="204307" cy="109222"/>
+          </a:xfrm>
+          <a:prstGeom prst="triangle">
+            <a:avLst>
+              <a:gd name="adj" fmla="val 100000"/>
+            </a:avLst>
+          </a:prstGeom>
+          <a:solidFill>
+            <a:srgbClr val="282828"/>
+          </a:solidFill>
+          <a:ln>
+            <a:noFill/>
+          </a:ln>
+        </p:spPr>
+        <p:style>
+          <a:lnRef idx="2">
+            <a:schemeClr val="accent1">
+              <a:shade val="15000"/>
+            </a:schemeClr>
+          </a:lnRef>
+          <a:fillRef idx="1">
+            <a:schemeClr val="accent1"/>
+          </a:fillRef>
+          <a:effectRef idx="0">
+            <a:schemeClr val="accent1"/>
+          </a:effectRef>
+          <a:fontRef idx="minor">
+            <a:schemeClr val="lt1"/>
+          </a:fontRef>
+        </p:style>
+        <p:txBody>
+          <a:bodyPr rtlCol="0" anchor="ctr"/>
+          <a:lstStyle/>
+          <a:p>
+            <a:pPr algn="ctr"/>
+            <a:endParaRPr lang="ja-JP" altLang="en-US" sz="7067"/>
+          </a:p>
+        </p:txBody>
+      </p:sp>
+      <p:sp>
+        <p:nvSpPr>
+          <p:cNvPr id="28" name="正方形/長方形 27">
+            <a:extLst>
+              <a:ext uri="{FF2B5EF4-FFF2-40B4-BE49-F238E27FC236}">
+                <a16:creationId xmlns:a16="http://schemas.microsoft.com/office/drawing/2014/main" id="{ABEF1BC2-63AD-C569-2A9F-F2EDE0885265}"/>
+              </a:ext>
+            </a:extLst>
+          </p:cNvPr>
+          <p:cNvSpPr/>
+          <p:nvPr/>
+        </p:nvSpPr>
+        <p:spPr>
+          <a:xfrm>
+            <a:off x="1680524" y="9082579"/>
+            <a:ext cx="54162" cy="103331"/>
+          </a:xfrm>
+          <a:prstGeom prst="rect">
+            <a:avLst/>
+          </a:prstGeom>
+          <a:solidFill>
+            <a:srgbClr val="282828"/>
+          </a:solidFill>
+          <a:ln>
+            <a:noFill/>
+          </a:ln>
+        </p:spPr>
+        <p:style>
+          <a:lnRef idx="2">
+            <a:schemeClr val="accent1">
+              <a:shade val="15000"/>
+            </a:schemeClr>
+          </a:lnRef>
+          <a:fillRef idx="1">
+            <a:schemeClr val="accent1"/>
+          </a:fillRef>
+          <a:effectRef idx="0">
+            <a:schemeClr val="accent1"/>
+          </a:effectRef>
+          <a:fontRef idx="minor">
+            <a:schemeClr val="lt1"/>
+          </a:fontRef>
+        </p:style>
+        <p:txBody>
+          <a:bodyPr rtlCol="0" anchor="ctr"/>
+          <a:lstStyle/>
+          <a:p>
+            <a:pPr algn="ctr"/>
+            <a:endParaRPr lang="ja-JP" altLang="en-US" sz="7067"/>
+          </a:p>
+        </p:txBody>
+      </p:sp>
+      <p:sp>
+        <p:nvSpPr>
+          <p:cNvPr id="29" name="正方形/長方形 28">
+            <a:extLst>
+              <a:ext uri="{FF2B5EF4-FFF2-40B4-BE49-F238E27FC236}">
+                <a16:creationId xmlns:a16="http://schemas.microsoft.com/office/drawing/2014/main" id="{655596CE-DA2A-87F7-CE7B-8CA2E2122BFC}"/>
+              </a:ext>
+            </a:extLst>
+          </p:cNvPr>
+          <p:cNvSpPr/>
+          <p:nvPr/>
+        </p:nvSpPr>
+        <p:spPr>
+          <a:xfrm>
+            <a:off x="1662613" y="9111981"/>
+            <a:ext cx="60957" cy="89076"/>
+          </a:xfrm>
+          <a:prstGeom prst="rect">
+            <a:avLst/>
+          </a:prstGeom>
+          <a:solidFill>
+            <a:srgbClr val="C7C7BD"/>
+          </a:solidFill>
+          <a:ln>
+            <a:noFill/>
+          </a:ln>
+        </p:spPr>
+        <p:style>
+          <a:lnRef idx="2">
+            <a:schemeClr val="accent1">
+              <a:shade val="15000"/>
+            </a:schemeClr>
+          </a:lnRef>
+          <a:fillRef idx="1">
+            <a:schemeClr val="accent1"/>
+          </a:fillRef>
+          <a:effectRef idx="0">
+            <a:schemeClr val="accent1"/>
+          </a:effectRef>
+          <a:fontRef idx="minor">
+            <a:schemeClr val="lt1"/>
+          </a:fontRef>
+        </p:style>
+        <p:txBody>
+          <a:bodyPr rtlCol="0" anchor="ctr"/>
+          <a:lstStyle/>
+          <a:p>
+            <a:pPr algn="ctr"/>
+            <a:endParaRPr lang="ja-JP" altLang="en-US" sz="7067"/>
+          </a:p>
+        </p:txBody>
+      </p:sp>
+      <p:sp>
+        <p:nvSpPr>
+          <p:cNvPr id="20" name="二等辺三角形 19">
+            <a:extLst>
+              <a:ext uri="{FF2B5EF4-FFF2-40B4-BE49-F238E27FC236}">
+                <a16:creationId xmlns:a16="http://schemas.microsoft.com/office/drawing/2014/main" id="{79C75449-0B1D-4828-A2D1-221DD0C1254D}"/>
+              </a:ext>
+            </a:extLst>
+          </p:cNvPr>
+          <p:cNvSpPr/>
+          <p:nvPr/>
+        </p:nvSpPr>
+        <p:spPr>
+          <a:xfrm rot="5400000">
+            <a:off x="1717993" y="9117561"/>
+            <a:ext cx="56876" cy="45719"/>
+          </a:xfrm>
+          <a:prstGeom prst="triangle">
+            <a:avLst>
+              <a:gd name="adj" fmla="val 100000"/>
+            </a:avLst>
+          </a:prstGeom>
+          <a:solidFill>
+            <a:srgbClr val="C7C7BD"/>
+          </a:solidFill>
+          <a:ln>
+            <a:noFill/>
+          </a:ln>
+        </p:spPr>
+        <p:style>
+          <a:lnRef idx="2">
+            <a:schemeClr val="accent1">
+              <a:shade val="15000"/>
+            </a:schemeClr>
+          </a:lnRef>
+          <a:fillRef idx="1">
+            <a:schemeClr val="accent1"/>
+          </a:fillRef>
+          <a:effectRef idx="0">
+            <a:schemeClr val="accent1"/>
+          </a:effectRef>
+          <a:fontRef idx="minor">
+            <a:schemeClr val="lt1"/>
+          </a:fontRef>
+        </p:style>
+        <p:txBody>
+          <a:bodyPr rtlCol="0" anchor="ctr"/>
+          <a:lstStyle/>
+          <a:p>
+            <a:pPr algn="ctr"/>
+            <a:endParaRPr lang="ja-JP" altLang="en-US" sz="7067"/>
+          </a:p>
+        </p:txBody>
+      </p:sp>
+      <p:sp>
+        <p:nvSpPr>
+          <p:cNvPr id="22" name="二等辺三角形 21">
+            <a:extLst>
+              <a:ext uri="{FF2B5EF4-FFF2-40B4-BE49-F238E27FC236}">
+                <a16:creationId xmlns:a16="http://schemas.microsoft.com/office/drawing/2014/main" id="{04DD93EF-90BC-6182-A205-06F364C479DA}"/>
+              </a:ext>
+            </a:extLst>
+          </p:cNvPr>
+          <p:cNvSpPr/>
+          <p:nvPr/>
+        </p:nvSpPr>
+        <p:spPr>
+          <a:xfrm rot="10800000">
+            <a:off x="1680523" y="9167067"/>
+            <a:ext cx="88767" cy="176698"/>
+          </a:xfrm>
+          <a:prstGeom prst="triangle">
+            <a:avLst>
+              <a:gd name="adj" fmla="val 100000"/>
+            </a:avLst>
+          </a:prstGeom>
+          <a:solidFill>
+            <a:srgbClr val="C7C7BD"/>
+          </a:solidFill>
+          <a:ln>
+            <a:noFill/>
+          </a:ln>
+        </p:spPr>
+        <p:style>
+          <a:lnRef idx="2">
+            <a:schemeClr val="accent1">
+              <a:shade val="15000"/>
+            </a:schemeClr>
+          </a:lnRef>
+          <a:fillRef idx="1">
+            <a:schemeClr val="accent1"/>
+          </a:fillRef>
+          <a:effectRef idx="0">
+            <a:schemeClr val="accent1"/>
+          </a:effectRef>
+          <a:fontRef idx="minor">
+            <a:schemeClr val="lt1"/>
+          </a:fontRef>
+        </p:style>
+        <p:txBody>
+          <a:bodyPr rtlCol="0" anchor="ctr"/>
+          <a:lstStyle/>
+          <a:p>
+            <a:pPr algn="ctr"/>
+            <a:endParaRPr lang="ja-JP" altLang="en-US" sz="7067"/>
+          </a:p>
+        </p:txBody>
+      </p:sp>
+      <p:sp>
+        <p:nvSpPr>
+          <p:cNvPr id="25" name="正方形/長方形 24">
+            <a:extLst>
+              <a:ext uri="{FF2B5EF4-FFF2-40B4-BE49-F238E27FC236}">
+                <a16:creationId xmlns:a16="http://schemas.microsoft.com/office/drawing/2014/main" id="{1C17F368-AC75-D98D-14FC-DCC7DC34393D}"/>
+              </a:ext>
+            </a:extLst>
+          </p:cNvPr>
+          <p:cNvSpPr/>
+          <p:nvPr/>
+        </p:nvSpPr>
+        <p:spPr>
+          <a:xfrm>
+            <a:off x="1223231" y="9131204"/>
+            <a:ext cx="457290" cy="193336"/>
+          </a:xfrm>
+          <a:prstGeom prst="rect">
+            <a:avLst/>
+          </a:prstGeom>
+          <a:solidFill>
+            <a:srgbClr val="919292"/>
+          </a:solidFill>
+          <a:ln>
+            <a:noFill/>
+          </a:ln>
+        </p:spPr>
+        <p:style>
+          <a:lnRef idx="2">
+            <a:schemeClr val="accent1">
+              <a:shade val="15000"/>
+            </a:schemeClr>
+          </a:lnRef>
+          <a:fillRef idx="1">
+            <a:schemeClr val="accent1"/>
+          </a:fillRef>
+          <a:effectRef idx="0">
+            <a:schemeClr val="accent1"/>
+          </a:effectRef>
+          <a:fontRef idx="minor">
+            <a:schemeClr val="lt1"/>
+          </a:fontRef>
+        </p:style>
+        <p:txBody>
+          <a:bodyPr rtlCol="0" anchor="ctr"/>
+          <a:lstStyle/>
+          <a:p>
+            <a:pPr algn="ctr"/>
+            <a:endParaRPr lang="ja-JP" altLang="en-US" sz="7067"/>
+          </a:p>
+        </p:txBody>
+      </p:sp>
+      <p:sp>
+        <p:nvSpPr>
+          <p:cNvPr id="30" name="二等辺三角形 29">
+            <a:extLst>
+              <a:ext uri="{FF2B5EF4-FFF2-40B4-BE49-F238E27FC236}">
+                <a16:creationId xmlns:a16="http://schemas.microsoft.com/office/drawing/2014/main" id="{8231E0AB-CB03-F4CE-B2CD-93761B4F5CA5}"/>
+              </a:ext>
+            </a:extLst>
+          </p:cNvPr>
+          <p:cNvSpPr/>
+          <p:nvPr/>
+        </p:nvSpPr>
+        <p:spPr>
+          <a:xfrm rot="5400000">
+            <a:off x="2978098" y="9219697"/>
+            <a:ext cx="45719" cy="45722"/>
+          </a:xfrm>
+          <a:prstGeom prst="triangle">
+            <a:avLst>
+              <a:gd name="adj" fmla="val 100000"/>
+            </a:avLst>
+          </a:prstGeom>
+          <a:solidFill>
+            <a:srgbClr val="919292"/>
+          </a:solidFill>
+          <a:ln>
+            <a:noFill/>
+          </a:ln>
+        </p:spPr>
+        <p:style>
+          <a:lnRef idx="2">
+            <a:schemeClr val="accent1">
+              <a:shade val="15000"/>
+            </a:schemeClr>
+          </a:lnRef>
+          <a:fillRef idx="1">
+            <a:schemeClr val="accent1"/>
+          </a:fillRef>
+          <a:effectRef idx="0">
+            <a:schemeClr val="accent1"/>
+          </a:effectRef>
+          <a:fontRef idx="minor">
+            <a:schemeClr val="lt1"/>
+          </a:fontRef>
+        </p:style>
+        <p:txBody>
+          <a:bodyPr rtlCol="0" anchor="ctr"/>
+          <a:lstStyle/>
+          <a:p>
+            <a:pPr algn="ctr"/>
+            <a:endParaRPr lang="ja-JP" altLang="en-US" sz="7067"/>
+          </a:p>
+        </p:txBody>
+      </p:sp>
+      <p:sp>
+        <p:nvSpPr>
+          <p:cNvPr id="31" name="二等辺三角形 30">
+            <a:extLst>
+              <a:ext uri="{FF2B5EF4-FFF2-40B4-BE49-F238E27FC236}">
+                <a16:creationId xmlns:a16="http://schemas.microsoft.com/office/drawing/2014/main" id="{165ECC8C-519A-F61A-F66D-1C2B95E27FCF}"/>
+              </a:ext>
+            </a:extLst>
+          </p:cNvPr>
+          <p:cNvSpPr/>
+          <p:nvPr/>
+        </p:nvSpPr>
+        <p:spPr>
+          <a:xfrm rot="5400000" flipH="1">
+            <a:off x="1645115" y="9202665"/>
+            <a:ext cx="149033" cy="78219"/>
+          </a:xfrm>
+          <a:prstGeom prst="triangle">
+            <a:avLst>
+              <a:gd name="adj" fmla="val 100000"/>
+            </a:avLst>
+          </a:prstGeom>
+          <a:solidFill>
+            <a:srgbClr val="919292"/>
+          </a:solidFill>
+          <a:ln>
+            <a:noFill/>
+          </a:ln>
+        </p:spPr>
+        <p:style>
+          <a:lnRef idx="2">
+            <a:schemeClr val="accent1">
+              <a:shade val="15000"/>
+            </a:schemeClr>
+          </a:lnRef>
+          <a:fillRef idx="1">
+            <a:schemeClr val="accent1"/>
+          </a:fillRef>
+          <a:effectRef idx="0">
+            <a:schemeClr val="accent1"/>
+          </a:effectRef>
+          <a:fontRef idx="minor">
+            <a:schemeClr val="lt1"/>
+          </a:fontRef>
+        </p:style>
+        <p:txBody>
+          <a:bodyPr rtlCol="0" anchor="ctr"/>
+          <a:lstStyle/>
+          <a:p>
+            <a:pPr algn="ctr"/>
+            <a:endParaRPr lang="ja-JP" altLang="en-US" sz="7067"/>
+          </a:p>
+        </p:txBody>
+      </p:sp>
+      <p:sp>
+        <p:nvSpPr>
+          <p:cNvPr id="32" name="正方形/長方形 31">
+            <a:extLst>
+              <a:ext uri="{FF2B5EF4-FFF2-40B4-BE49-F238E27FC236}">
+                <a16:creationId xmlns:a16="http://schemas.microsoft.com/office/drawing/2014/main" id="{CA38D44C-3CA2-8F5D-18CF-AFCB212BD48D}"/>
+              </a:ext>
+            </a:extLst>
+          </p:cNvPr>
+          <p:cNvSpPr/>
+          <p:nvPr/>
+        </p:nvSpPr>
+        <p:spPr>
+          <a:xfrm>
+            <a:off x="2030727" y="9174343"/>
+            <a:ext cx="457290" cy="193336"/>
+          </a:xfrm>
+          <a:prstGeom prst="rect">
+            <a:avLst/>
+          </a:prstGeom>
+          <a:solidFill>
+            <a:srgbClr val="919292"/>
+          </a:solidFill>
+          <a:ln>
+            <a:noFill/>
+          </a:ln>
+        </p:spPr>
+        <p:style>
+          <a:lnRef idx="2">
+            <a:schemeClr val="accent1">
+              <a:shade val="15000"/>
+            </a:schemeClr>
+          </a:lnRef>
+          <a:fillRef idx="1">
+            <a:schemeClr val="accent1"/>
+          </a:fillRef>
+          <a:effectRef idx="0">
+            <a:schemeClr val="accent1"/>
+          </a:effectRef>
+          <a:fontRef idx="minor">
+            <a:schemeClr val="lt1"/>
+          </a:fontRef>
+        </p:style>
+        <p:txBody>
+          <a:bodyPr rtlCol="0" anchor="ctr"/>
+          <a:lstStyle/>
+          <a:p>
+            <a:pPr algn="ctr"/>
+            <a:endParaRPr lang="ja-JP" altLang="en-US" sz="7067"/>
+          </a:p>
+        </p:txBody>
+      </p:sp>
+      <p:pic>
+        <p:nvPicPr>
+          <p:cNvPr id="34" name="図 33">
+            <a:extLst>
+              <a:ext uri="{FF2B5EF4-FFF2-40B4-BE49-F238E27FC236}">
+                <a16:creationId xmlns:a16="http://schemas.microsoft.com/office/drawing/2014/main" id="{986FD705-F220-D759-E414-41963795FD37}"/>
+              </a:ext>
+            </a:extLst>
+          </p:cNvPr>
+          <p:cNvPicPr>
+            <a:picLocks noChangeAspect="1"/>
+          </p:cNvPicPr>
+          <p:nvPr/>
+        </p:nvPicPr>
+        <p:blipFill>
+          <a:blip r:embed="rId10"/>
+          <a:stretch>
+            <a:fillRect/>
+          </a:stretch>
+        </p:blipFill>
+        <p:spPr>
+          <a:xfrm>
+            <a:off x="7665481" y="9287594"/>
+            <a:ext cx="2258579" cy="1244811"/>
+          </a:xfrm>
+          <a:prstGeom prst="rect">
+            <a:avLst/>
+          </a:prstGeom>
+        </p:spPr>
+      </p:pic>
+      <p:sp>
+        <p:nvSpPr>
+          <p:cNvPr id="35" name="二等辺三角形 34">
+            <a:extLst>
+              <a:ext uri="{FF2B5EF4-FFF2-40B4-BE49-F238E27FC236}">
+                <a16:creationId xmlns:a16="http://schemas.microsoft.com/office/drawing/2014/main" id="{9C3506B8-68DB-AAB5-8B35-40856F9ABA6D}"/>
+              </a:ext>
+            </a:extLst>
+          </p:cNvPr>
+          <p:cNvSpPr/>
+          <p:nvPr/>
+        </p:nvSpPr>
+        <p:spPr>
+          <a:xfrm rot="5400000" flipH="1">
+            <a:off x="6894474" y="9540301"/>
+            <a:ext cx="610005" cy="365760"/>
+          </a:xfrm>
+          <a:prstGeom prst="triangle">
+            <a:avLst>
+              <a:gd name="adj" fmla="val 100000"/>
+            </a:avLst>
+          </a:prstGeom>
+          <a:solidFill>
+            <a:srgbClr val="919292"/>
+          </a:solidFill>
+          <a:ln>
+            <a:noFill/>
+          </a:ln>
+        </p:spPr>
+        <p:style>
+          <a:lnRef idx="2">
+            <a:schemeClr val="accent1">
+              <a:shade val="15000"/>
+            </a:schemeClr>
+          </a:lnRef>
+          <a:fillRef idx="1">
+            <a:schemeClr val="accent1"/>
+          </a:fillRef>
+          <a:effectRef idx="0">
+            <a:schemeClr val="accent1"/>
+          </a:effectRef>
+          <a:fontRef idx="minor">
+            <a:schemeClr val="lt1"/>
+          </a:fontRef>
+        </p:style>
+        <p:txBody>
+          <a:bodyPr rtlCol="0" anchor="ctr"/>
+          <a:lstStyle/>
+          <a:p>
+            <a:pPr algn="ctr"/>
+            <a:endParaRPr lang="ja-JP" altLang="en-US" sz="7067"/>
+          </a:p>
+        </p:txBody>
+      </p:sp>
+      <p:sp>
+        <p:nvSpPr>
+          <p:cNvPr id="36" name="正方形/長方形 35">
+            <a:extLst>
+              <a:ext uri="{FF2B5EF4-FFF2-40B4-BE49-F238E27FC236}">
+                <a16:creationId xmlns:a16="http://schemas.microsoft.com/office/drawing/2014/main" id="{7C05BFE5-DC01-323D-3DD7-EB138E97B078}"/>
+              </a:ext>
+            </a:extLst>
+          </p:cNvPr>
+          <p:cNvSpPr/>
+          <p:nvPr/>
+        </p:nvSpPr>
+        <p:spPr>
+          <a:xfrm>
+            <a:off x="7836480" y="9045867"/>
+            <a:ext cx="1834901" cy="874395"/>
+          </a:xfrm>
+          <a:prstGeom prst="rect">
+            <a:avLst/>
+          </a:prstGeom>
+          <a:solidFill>
+            <a:srgbClr val="919292"/>
+          </a:solidFill>
+          <a:ln>
+            <a:noFill/>
+          </a:ln>
+        </p:spPr>
+        <p:style>
+          <a:lnRef idx="2">
+            <a:schemeClr val="accent1">
+              <a:shade val="15000"/>
+            </a:schemeClr>
+          </a:lnRef>
+          <a:fillRef idx="1">
+            <a:schemeClr val="accent1"/>
+          </a:fillRef>
+          <a:effectRef idx="0">
+            <a:schemeClr val="accent1"/>
+          </a:effectRef>
+          <a:fontRef idx="minor">
+            <a:schemeClr val="lt1"/>
+          </a:fontRef>
+        </p:style>
+        <p:txBody>
+          <a:bodyPr rtlCol="0" anchor="ctr"/>
+          <a:lstStyle/>
+          <a:p>
+            <a:pPr algn="ctr"/>
+            <a:endParaRPr lang="ja-JP" altLang="en-US" sz="7067"/>
+          </a:p>
+        </p:txBody>
+      </p:sp>
+      <p:sp>
+        <p:nvSpPr>
+          <p:cNvPr id="37" name="二等辺三角形 36">
+            <a:extLst>
+              <a:ext uri="{FF2B5EF4-FFF2-40B4-BE49-F238E27FC236}">
+                <a16:creationId xmlns:a16="http://schemas.microsoft.com/office/drawing/2014/main" id="{A6923FA0-7041-202C-2F60-3CA96B1D6F64}"/>
+              </a:ext>
+            </a:extLst>
+          </p:cNvPr>
+          <p:cNvSpPr/>
+          <p:nvPr/>
+        </p:nvSpPr>
+        <p:spPr>
+          <a:xfrm rot="5400000">
+            <a:off x="7191396" y="9234298"/>
+            <a:ext cx="219539" cy="148223"/>
+          </a:xfrm>
+          <a:prstGeom prst="triangle">
+            <a:avLst>
+              <a:gd name="adj" fmla="val 100000"/>
+            </a:avLst>
+          </a:prstGeom>
+          <a:solidFill>
+            <a:srgbClr val="919292"/>
+          </a:solidFill>
+          <a:ln>
+            <a:noFill/>
+          </a:ln>
+        </p:spPr>
+        <p:style>
+          <a:lnRef idx="2">
+            <a:schemeClr val="accent1">
+              <a:shade val="15000"/>
+            </a:schemeClr>
+          </a:lnRef>
+          <a:fillRef idx="1">
+            <a:schemeClr val="accent1"/>
+          </a:fillRef>
+          <a:effectRef idx="0">
+            <a:schemeClr val="accent1"/>
+          </a:effectRef>
+          <a:fontRef idx="minor">
+            <a:schemeClr val="lt1"/>
+          </a:fontRef>
+        </p:style>
+        <p:txBody>
+          <a:bodyPr rtlCol="0" anchor="ctr"/>
+          <a:lstStyle/>
+          <a:p>
+            <a:pPr algn="ctr"/>
+            <a:endParaRPr lang="ja-JP" altLang="en-US" sz="7067"/>
+          </a:p>
+        </p:txBody>
+      </p:sp>
+      <p:sp>
+        <p:nvSpPr>
+          <p:cNvPr id="38" name="正方形/長方形 37">
+            <a:extLst>
+              <a:ext uri="{FF2B5EF4-FFF2-40B4-BE49-F238E27FC236}">
+                <a16:creationId xmlns:a16="http://schemas.microsoft.com/office/drawing/2014/main" id="{2F09C845-35C6-33E1-111A-6F26AD60942E}"/>
+              </a:ext>
+            </a:extLst>
+          </p:cNvPr>
+          <p:cNvSpPr/>
+          <p:nvPr/>
+        </p:nvSpPr>
+        <p:spPr>
+          <a:xfrm>
+            <a:off x="6875453" y="9198639"/>
+            <a:ext cx="351601" cy="305417"/>
+          </a:xfrm>
+          <a:prstGeom prst="rect">
+            <a:avLst/>
+          </a:prstGeom>
+          <a:solidFill>
+            <a:srgbClr val="919292"/>
+          </a:solidFill>
+          <a:ln>
+            <a:noFill/>
+          </a:ln>
+        </p:spPr>
+        <p:style>
+          <a:lnRef idx="2">
+            <a:schemeClr val="accent1">
+              <a:shade val="15000"/>
+            </a:schemeClr>
+          </a:lnRef>
+          <a:fillRef idx="1">
+            <a:schemeClr val="accent1"/>
+          </a:fillRef>
+          <a:effectRef idx="0">
+            <a:schemeClr val="accent1"/>
+          </a:effectRef>
+          <a:fontRef idx="minor">
+            <a:schemeClr val="lt1"/>
+          </a:fontRef>
+        </p:style>
+        <p:txBody>
+          <a:bodyPr rtlCol="0" anchor="ctr"/>
+          <a:lstStyle/>
+          <a:p>
+            <a:pPr algn="ctr"/>
+            <a:endParaRPr lang="ja-JP" altLang="en-US" sz="7067"/>
+          </a:p>
+        </p:txBody>
+      </p:sp>
+      <p:sp>
+        <p:nvSpPr>
+          <p:cNvPr id="39" name="正方形/長方形 38">
+            <a:extLst>
+              <a:ext uri="{FF2B5EF4-FFF2-40B4-BE49-F238E27FC236}">
+                <a16:creationId xmlns:a16="http://schemas.microsoft.com/office/drawing/2014/main" id="{3A3F15D9-C23F-68AC-A797-359361410AEA}"/>
+              </a:ext>
+            </a:extLst>
+          </p:cNvPr>
+          <p:cNvSpPr/>
+          <p:nvPr/>
+        </p:nvSpPr>
+        <p:spPr>
+          <a:xfrm>
+            <a:off x="5848197" y="9888031"/>
+            <a:ext cx="289560" cy="1823746"/>
+          </a:xfrm>
+          <a:prstGeom prst="rect">
+            <a:avLst/>
+          </a:prstGeom>
+          <a:solidFill>
+            <a:srgbClr val="282828"/>
+          </a:solidFill>
+          <a:ln>
+            <a:noFill/>
+          </a:ln>
+        </p:spPr>
+        <p:style>
+          <a:lnRef idx="2">
+            <a:schemeClr val="accent1">
+              <a:shade val="15000"/>
+            </a:schemeClr>
+          </a:lnRef>
+          <a:fillRef idx="1">
+            <a:schemeClr val="accent1"/>
+          </a:fillRef>
+          <a:effectRef idx="0">
+            <a:schemeClr val="accent1"/>
+          </a:effectRef>
+          <a:fontRef idx="minor">
+            <a:schemeClr val="lt1"/>
+          </a:fontRef>
+        </p:style>
+        <p:txBody>
+          <a:bodyPr rtlCol="0" anchor="ctr"/>
+          <a:lstStyle/>
+          <a:p>
+            <a:pPr algn="ctr"/>
+            <a:endParaRPr lang="ja-JP" altLang="en-US" sz="7067"/>
+          </a:p>
+        </p:txBody>
+      </p:sp>
+      <p:sp>
+        <p:nvSpPr>
+          <p:cNvPr id="40" name="二等辺三角形 39">
+            <a:extLst>
+              <a:ext uri="{FF2B5EF4-FFF2-40B4-BE49-F238E27FC236}">
+                <a16:creationId xmlns:a16="http://schemas.microsoft.com/office/drawing/2014/main" id="{144CF129-E5FF-8B9B-3A23-2A73120C7C37}"/>
+              </a:ext>
+            </a:extLst>
+          </p:cNvPr>
+          <p:cNvSpPr/>
+          <p:nvPr/>
+        </p:nvSpPr>
+        <p:spPr>
+          <a:xfrm rot="5400000">
+            <a:off x="6229757" y="10040185"/>
+            <a:ext cx="591672" cy="287367"/>
+          </a:xfrm>
+          <a:prstGeom prst="triangle">
+            <a:avLst>
+              <a:gd name="adj" fmla="val 100000"/>
+            </a:avLst>
+          </a:prstGeom>
+          <a:solidFill>
+            <a:srgbClr val="282828"/>
+          </a:solidFill>
+          <a:ln>
+            <a:noFill/>
+          </a:ln>
+        </p:spPr>
+        <p:style>
+          <a:lnRef idx="2">
+            <a:schemeClr val="accent1">
+              <a:shade val="15000"/>
+            </a:schemeClr>
+          </a:lnRef>
+          <a:fillRef idx="1">
+            <a:schemeClr val="accent1"/>
+          </a:fillRef>
+          <a:effectRef idx="0">
+            <a:schemeClr val="accent1"/>
+          </a:effectRef>
+          <a:fontRef idx="minor">
+            <a:schemeClr val="lt1"/>
+          </a:fontRef>
+        </p:style>
+        <p:txBody>
+          <a:bodyPr rtlCol="0" anchor="ctr"/>
+          <a:lstStyle/>
+          <a:p>
+            <a:pPr algn="ctr"/>
+            <a:endParaRPr kumimoji="1" lang="ja-JP" altLang="en-US"/>
+          </a:p>
+        </p:txBody>
+      </p:sp>
+      <p:sp>
+        <p:nvSpPr>
+          <p:cNvPr id="41" name="二等辺三角形 40">
+            <a:extLst>
+              <a:ext uri="{FF2B5EF4-FFF2-40B4-BE49-F238E27FC236}">
+                <a16:creationId xmlns:a16="http://schemas.microsoft.com/office/drawing/2014/main" id="{E899ED4D-48A8-3B2E-E8F5-877B07656F0D}"/>
+              </a:ext>
+            </a:extLst>
+          </p:cNvPr>
+          <p:cNvSpPr/>
+          <p:nvPr/>
+        </p:nvSpPr>
+        <p:spPr>
+          <a:xfrm rot="5400000" flipH="1">
+            <a:off x="5786654" y="10829156"/>
+            <a:ext cx="1233723" cy="531520"/>
+          </a:xfrm>
+          <a:prstGeom prst="triangle">
+            <a:avLst>
+              <a:gd name="adj" fmla="val 100000"/>
+            </a:avLst>
+          </a:prstGeom>
+          <a:solidFill>
+            <a:srgbClr val="282828"/>
+          </a:solidFill>
+          <a:ln>
+            <a:noFill/>
+          </a:ln>
+        </p:spPr>
+        <p:style>
+          <a:lnRef idx="2">
+            <a:schemeClr val="accent1">
+              <a:shade val="15000"/>
+            </a:schemeClr>
+          </a:lnRef>
+          <a:fillRef idx="1">
+            <a:schemeClr val="accent1"/>
+          </a:fillRef>
+          <a:effectRef idx="0">
+            <a:schemeClr val="accent1"/>
+          </a:effectRef>
+          <a:fontRef idx="minor">
+            <a:schemeClr val="lt1"/>
+          </a:fontRef>
+        </p:style>
+        <p:txBody>
+          <a:bodyPr rtlCol="0" anchor="ctr"/>
+          <a:lstStyle/>
+          <a:p>
+            <a:pPr algn="ctr"/>
+            <a:endParaRPr kumimoji="1" lang="ja-JP" altLang="en-US"/>
+          </a:p>
+        </p:txBody>
+      </p:sp>
+      <p:sp>
+        <p:nvSpPr>
+          <p:cNvPr id="42" name="正方形/長方形 41">
+            <a:extLst>
+              <a:ext uri="{FF2B5EF4-FFF2-40B4-BE49-F238E27FC236}">
+                <a16:creationId xmlns:a16="http://schemas.microsoft.com/office/drawing/2014/main" id="{301BD8D5-D0FC-1601-6036-CFB2FE568839}"/>
+              </a:ext>
+            </a:extLst>
+          </p:cNvPr>
+          <p:cNvSpPr/>
+          <p:nvPr/>
+        </p:nvSpPr>
+        <p:spPr>
+          <a:xfrm>
+            <a:off x="6084770" y="9889114"/>
+            <a:ext cx="297818" cy="604550"/>
+          </a:xfrm>
+          <a:prstGeom prst="rect">
+            <a:avLst/>
+          </a:prstGeom>
+          <a:solidFill>
+            <a:srgbClr val="282828"/>
+          </a:solidFill>
+          <a:ln>
+            <a:noFill/>
+          </a:ln>
+        </p:spPr>
+        <p:style>
+          <a:lnRef idx="2">
+            <a:schemeClr val="accent1">
+              <a:shade val="15000"/>
+            </a:schemeClr>
+          </a:lnRef>
+          <a:fillRef idx="1">
+            <a:schemeClr val="accent1"/>
+          </a:fillRef>
+          <a:effectRef idx="0">
+            <a:schemeClr val="accent1"/>
+          </a:effectRef>
+          <a:fontRef idx="minor">
+            <a:schemeClr val="lt1"/>
+          </a:fontRef>
+        </p:style>
+        <p:txBody>
+          <a:bodyPr rtlCol="0" anchor="ctr"/>
+          <a:lstStyle/>
+          <a:p>
+            <a:pPr algn="ctr"/>
+            <a:endParaRPr lang="ja-JP" altLang="en-US" sz="7067"/>
+          </a:p>
+        </p:txBody>
+      </p:sp>
+      <p:sp>
+        <p:nvSpPr>
+          <p:cNvPr id="43" name="正方形/長方形 42">
+            <a:extLst>
+              <a:ext uri="{FF2B5EF4-FFF2-40B4-BE49-F238E27FC236}">
+                <a16:creationId xmlns:a16="http://schemas.microsoft.com/office/drawing/2014/main" id="{57C1D38A-7A0A-31C3-ADAE-4925B6B34DD5}"/>
+              </a:ext>
+            </a:extLst>
+          </p:cNvPr>
+          <p:cNvSpPr/>
+          <p:nvPr/>
+        </p:nvSpPr>
+        <p:spPr>
+          <a:xfrm>
+            <a:off x="5851443" y="10052139"/>
+            <a:ext cx="193023" cy="1504951"/>
+          </a:xfrm>
+          <a:prstGeom prst="rect">
+            <a:avLst/>
+          </a:prstGeom>
+          <a:solidFill>
+            <a:srgbClr val="C7C7BD"/>
+          </a:solidFill>
+          <a:ln>
+            <a:noFill/>
+          </a:ln>
+        </p:spPr>
+        <p:style>
+          <a:lnRef idx="2">
+            <a:schemeClr val="accent1">
+              <a:shade val="15000"/>
+            </a:schemeClr>
+          </a:lnRef>
+          <a:fillRef idx="1">
+            <a:schemeClr val="accent1"/>
+          </a:fillRef>
+          <a:effectRef idx="0">
+            <a:schemeClr val="accent1"/>
+          </a:effectRef>
+          <a:fontRef idx="minor">
+            <a:schemeClr val="lt1"/>
+          </a:fontRef>
+        </p:style>
+        <p:txBody>
+          <a:bodyPr rtlCol="0" anchor="ctr"/>
+          <a:lstStyle/>
+          <a:p>
+            <a:pPr algn="ctr"/>
+            <a:endParaRPr lang="ja-JP" altLang="en-US" sz="7067"/>
+          </a:p>
+        </p:txBody>
+      </p:sp>
+      <p:sp>
+        <p:nvSpPr>
+          <p:cNvPr id="44" name="二等辺三角形 43">
+            <a:extLst>
+              <a:ext uri="{FF2B5EF4-FFF2-40B4-BE49-F238E27FC236}">
+                <a16:creationId xmlns:a16="http://schemas.microsoft.com/office/drawing/2014/main" id="{AFC8597E-3091-3C88-8176-F6DB73C736C2}"/>
+              </a:ext>
+            </a:extLst>
+          </p:cNvPr>
+          <p:cNvSpPr/>
+          <p:nvPr/>
+        </p:nvSpPr>
+        <p:spPr>
+          <a:xfrm rot="5400000" flipH="1">
+            <a:off x="5743155" y="10780662"/>
+            <a:ext cx="1077386" cy="475470"/>
+          </a:xfrm>
+          <a:prstGeom prst="triangle">
+            <a:avLst>
+              <a:gd name="adj" fmla="val 100000"/>
+            </a:avLst>
+          </a:prstGeom>
+          <a:solidFill>
+            <a:srgbClr val="C7C7BD"/>
+          </a:solidFill>
+          <a:ln>
+            <a:noFill/>
+          </a:ln>
+        </p:spPr>
+        <p:style>
+          <a:lnRef idx="2">
+            <a:schemeClr val="accent1">
+              <a:shade val="15000"/>
+            </a:schemeClr>
+          </a:lnRef>
+          <a:fillRef idx="1">
+            <a:schemeClr val="accent1"/>
+          </a:fillRef>
+          <a:effectRef idx="0">
+            <a:schemeClr val="accent1"/>
+          </a:effectRef>
+          <a:fontRef idx="minor">
+            <a:schemeClr val="lt1"/>
+          </a:fontRef>
+        </p:style>
+        <p:txBody>
+          <a:bodyPr rtlCol="0" anchor="ctr"/>
+          <a:lstStyle/>
+          <a:p>
+            <a:pPr algn="ctr"/>
+            <a:endParaRPr kumimoji="1" lang="ja-JP" altLang="en-US"/>
+          </a:p>
+        </p:txBody>
+      </p:sp>
+      <p:sp>
+        <p:nvSpPr>
+          <p:cNvPr id="45" name="二等辺三角形 44">
+            <a:extLst>
+              <a:ext uri="{FF2B5EF4-FFF2-40B4-BE49-F238E27FC236}">
+                <a16:creationId xmlns:a16="http://schemas.microsoft.com/office/drawing/2014/main" id="{AF693E98-AC4A-C08D-B49B-1DB932CE7EF3}"/>
+              </a:ext>
+            </a:extLst>
+          </p:cNvPr>
+          <p:cNvSpPr/>
+          <p:nvPr/>
+        </p:nvSpPr>
+        <p:spPr>
+          <a:xfrm rot="5400000">
+            <a:off x="6186814" y="10153915"/>
+            <a:ext cx="434544" cy="230993"/>
+          </a:xfrm>
+          <a:prstGeom prst="triangle">
+            <a:avLst>
+              <a:gd name="adj" fmla="val 100000"/>
+            </a:avLst>
+          </a:prstGeom>
+          <a:solidFill>
+            <a:srgbClr val="C7C7BD"/>
+          </a:solidFill>
+          <a:ln>
+            <a:noFill/>
+          </a:ln>
+        </p:spPr>
+        <p:style>
+          <a:lnRef idx="2">
+            <a:schemeClr val="accent1">
+              <a:shade val="15000"/>
+            </a:schemeClr>
+          </a:lnRef>
+          <a:fillRef idx="1">
+            <a:schemeClr val="accent1"/>
+          </a:fillRef>
+          <a:effectRef idx="0">
+            <a:schemeClr val="accent1"/>
+          </a:effectRef>
+          <a:fontRef idx="minor">
+            <a:schemeClr val="lt1"/>
+          </a:fontRef>
+        </p:style>
+        <p:txBody>
+          <a:bodyPr rtlCol="0" anchor="ctr"/>
+          <a:lstStyle/>
+          <a:p>
+            <a:pPr algn="ctr"/>
+            <a:endParaRPr kumimoji="1" lang="ja-JP" altLang="en-US"/>
+          </a:p>
+        </p:txBody>
+      </p:sp>
+      <p:sp>
+        <p:nvSpPr>
+          <p:cNvPr id="46" name="正方形/長方形 45">
+            <a:extLst>
+              <a:ext uri="{FF2B5EF4-FFF2-40B4-BE49-F238E27FC236}">
+                <a16:creationId xmlns:a16="http://schemas.microsoft.com/office/drawing/2014/main" id="{21B916BF-F7ED-C6F9-1CAC-3653FC8E5BD6}"/>
+              </a:ext>
+            </a:extLst>
+          </p:cNvPr>
+          <p:cNvSpPr/>
+          <p:nvPr/>
+        </p:nvSpPr>
+        <p:spPr>
+          <a:xfrm>
+            <a:off x="6001948" y="10052138"/>
+            <a:ext cx="287368" cy="469979"/>
+          </a:xfrm>
+          <a:prstGeom prst="rect">
+            <a:avLst/>
+          </a:prstGeom>
+          <a:solidFill>
+            <a:srgbClr val="C7C7BD"/>
+          </a:solidFill>
+          <a:ln>
+            <a:noFill/>
+          </a:ln>
+        </p:spPr>
+        <p:style>
+          <a:lnRef idx="2">
+            <a:schemeClr val="accent1">
+              <a:shade val="15000"/>
+            </a:schemeClr>
+          </a:lnRef>
+          <a:fillRef idx="1">
+            <a:schemeClr val="accent1"/>
+          </a:fillRef>
+          <a:effectRef idx="0">
+            <a:schemeClr val="accent1"/>
+          </a:effectRef>
+          <a:fontRef idx="minor">
+            <a:schemeClr val="lt1"/>
+          </a:fontRef>
+        </p:style>
+        <p:txBody>
+          <a:bodyPr rtlCol="0" anchor="ctr"/>
+          <a:lstStyle/>
+          <a:p>
+            <a:pPr algn="ctr"/>
+            <a:endParaRPr lang="ja-JP" altLang="en-US" sz="7067"/>
+          </a:p>
+        </p:txBody>
+      </p:sp>
+      <p:sp>
+        <p:nvSpPr>
+          <p:cNvPr id="48" name="二等辺三角形 47">
+            <a:extLst>
+              <a:ext uri="{FF2B5EF4-FFF2-40B4-BE49-F238E27FC236}">
+                <a16:creationId xmlns:a16="http://schemas.microsoft.com/office/drawing/2014/main" id="{2CFC5C92-9E7A-AB9E-32AA-A39D261DEDBE}"/>
+              </a:ext>
+            </a:extLst>
+          </p:cNvPr>
+          <p:cNvSpPr/>
+          <p:nvPr/>
+        </p:nvSpPr>
+        <p:spPr>
+          <a:xfrm rot="5400000">
+            <a:off x="6146211" y="10217236"/>
+            <a:ext cx="367123" cy="173938"/>
+          </a:xfrm>
+          <a:prstGeom prst="triangle">
+            <a:avLst>
+              <a:gd name="adj" fmla="val 100000"/>
+            </a:avLst>
+          </a:prstGeom>
+          <a:solidFill>
+            <a:srgbClr val="919292"/>
+          </a:solidFill>
+          <a:ln>
+            <a:noFill/>
+          </a:ln>
+        </p:spPr>
+        <p:style>
+          <a:lnRef idx="2">
+            <a:schemeClr val="accent1">
+              <a:shade val="15000"/>
+            </a:schemeClr>
+          </a:lnRef>
+          <a:fillRef idx="1">
+            <a:schemeClr val="accent1"/>
+          </a:fillRef>
+          <a:effectRef idx="0">
+            <a:schemeClr val="accent1"/>
+          </a:effectRef>
+          <a:fontRef idx="minor">
+            <a:schemeClr val="lt1"/>
+          </a:fontRef>
+        </p:style>
+        <p:txBody>
+          <a:bodyPr rtlCol="0" anchor="ctr"/>
+          <a:lstStyle/>
+          <a:p>
+            <a:pPr algn="ctr"/>
+            <a:endParaRPr kumimoji="1" lang="ja-JP" altLang="en-US"/>
+          </a:p>
+        </p:txBody>
+      </p:sp>
+      <p:sp>
+        <p:nvSpPr>
+          <p:cNvPr id="49" name="二等辺三角形 48">
+            <a:extLst>
+              <a:ext uri="{FF2B5EF4-FFF2-40B4-BE49-F238E27FC236}">
+                <a16:creationId xmlns:a16="http://schemas.microsoft.com/office/drawing/2014/main" id="{F4710DF0-3F57-9A04-9787-A1D70D3EB453}"/>
+              </a:ext>
+            </a:extLst>
+          </p:cNvPr>
+          <p:cNvSpPr/>
+          <p:nvPr/>
+        </p:nvSpPr>
+        <p:spPr>
+          <a:xfrm rot="5400000" flipH="1">
+            <a:off x="5764686" y="10750070"/>
+            <a:ext cx="915443" cy="388669"/>
+          </a:xfrm>
+          <a:prstGeom prst="triangle">
+            <a:avLst>
+              <a:gd name="adj" fmla="val 100000"/>
+            </a:avLst>
+          </a:prstGeom>
+          <a:solidFill>
+            <a:srgbClr val="919292"/>
+          </a:solidFill>
+          <a:ln>
+            <a:noFill/>
+          </a:ln>
+        </p:spPr>
+        <p:style>
+          <a:lnRef idx="2">
+            <a:schemeClr val="accent1">
+              <a:shade val="15000"/>
+            </a:schemeClr>
+          </a:lnRef>
+          <a:fillRef idx="1">
+            <a:schemeClr val="accent1"/>
+          </a:fillRef>
+          <a:effectRef idx="0">
+            <a:schemeClr val="accent1"/>
+          </a:effectRef>
+          <a:fontRef idx="minor">
+            <a:schemeClr val="lt1"/>
+          </a:fontRef>
+        </p:style>
+        <p:txBody>
+          <a:bodyPr rtlCol="0" anchor="ctr"/>
+          <a:lstStyle/>
+          <a:p>
+            <a:pPr algn="ctr"/>
+            <a:endParaRPr kumimoji="1" lang="ja-JP" altLang="en-US"/>
+          </a:p>
+        </p:txBody>
+      </p:sp>
+      <p:sp>
+        <p:nvSpPr>
+          <p:cNvPr id="50" name="正方形/長方形 49">
+            <a:extLst>
+              <a:ext uri="{FF2B5EF4-FFF2-40B4-BE49-F238E27FC236}">
+                <a16:creationId xmlns:a16="http://schemas.microsoft.com/office/drawing/2014/main" id="{109EF1DD-127C-37F1-C031-05E10E438CCC}"/>
+              </a:ext>
+            </a:extLst>
+          </p:cNvPr>
+          <p:cNvSpPr/>
+          <p:nvPr/>
+        </p:nvSpPr>
+        <p:spPr>
+          <a:xfrm>
+            <a:off x="6000692" y="10127139"/>
+            <a:ext cx="243436" cy="535550"/>
+          </a:xfrm>
+          <a:prstGeom prst="rect">
+            <a:avLst/>
+          </a:prstGeom>
+          <a:solidFill>
+            <a:srgbClr val="919292"/>
+          </a:solidFill>
+          <a:ln>
+            <a:noFill/>
+          </a:ln>
+        </p:spPr>
+        <p:style>
+          <a:lnRef idx="2">
+            <a:schemeClr val="accent1">
+              <a:shade val="15000"/>
+            </a:schemeClr>
+          </a:lnRef>
+          <a:fillRef idx="1">
+            <a:schemeClr val="accent1"/>
+          </a:fillRef>
+          <a:effectRef idx="0">
+            <a:schemeClr val="accent1"/>
+          </a:effectRef>
+          <a:fontRef idx="minor">
+            <a:schemeClr val="lt1"/>
+          </a:fontRef>
+        </p:style>
+        <p:txBody>
+          <a:bodyPr rtlCol="0" anchor="ctr"/>
+          <a:lstStyle/>
+          <a:p>
+            <a:pPr algn="ctr"/>
+            <a:endParaRPr lang="ja-JP" altLang="en-US" sz="7067"/>
+          </a:p>
+        </p:txBody>
+      </p:sp>
+      <p:pic>
+        <p:nvPicPr>
+          <p:cNvPr id="52" name="図 51">
+            <a:extLst>
+              <a:ext uri="{FF2B5EF4-FFF2-40B4-BE49-F238E27FC236}">
+                <a16:creationId xmlns:a16="http://schemas.microsoft.com/office/drawing/2014/main" id="{A584A099-0AAB-07A6-45C1-6B3E14B10897}"/>
+              </a:ext>
+            </a:extLst>
+          </p:cNvPr>
+          <p:cNvPicPr>
+            <a:picLocks noChangeAspect="1"/>
+          </p:cNvPicPr>
+          <p:nvPr/>
+        </p:nvPicPr>
+        <p:blipFill>
+          <a:blip r:embed="rId11"/>
+          <a:stretch>
+            <a:fillRect/>
+          </a:stretch>
+        </p:blipFill>
+        <p:spPr>
+          <a:xfrm flipH="1" flipV="1">
+            <a:off x="8907404" y="11060151"/>
+            <a:ext cx="248584" cy="282660"/>
+          </a:xfrm>
+          <a:prstGeom prst="rect">
+            <a:avLst/>
+          </a:prstGeom>
+        </p:spPr>
+      </p:pic>
+      <p:pic>
+        <p:nvPicPr>
+          <p:cNvPr id="8" name="図 7">
+            <a:extLst>
+              <a:ext uri="{FF2B5EF4-FFF2-40B4-BE49-F238E27FC236}">
+                <a16:creationId xmlns:a16="http://schemas.microsoft.com/office/drawing/2014/main" id="{320919A4-E457-D4CA-545A-56FD559C2E91}"/>
+              </a:ext>
+            </a:extLst>
+          </p:cNvPr>
+          <p:cNvPicPr>
+            <a:picLocks noChangeAspect="1"/>
+          </p:cNvPicPr>
+          <p:nvPr/>
+        </p:nvPicPr>
+        <p:blipFill rotWithShape="1">
+          <a:blip r:embed="rId12">
+            <a:extLst>
+              <a:ext uri="{BEBA8EAE-BF5A-486C-A8C5-ECC9F3942E4B}">
+                <a14:imgProps xmlns:a14="http://schemas.microsoft.com/office/drawing/2010/main">
+                  <a14:imgLayer r:embed="rId13">
+                    <a14:imgEffect>
+                      <a14:saturation sat="4000"/>
+                    </a14:imgEffect>
+                  </a14:imgLayer>
+                </a14:imgProps>
+              </a:ext>
+            </a:extLst>
+          </a:blip>
+          <a:srcRect l="23492" t="64867" r="54109" b="23794"/>
+          <a:stretch/>
+        </p:blipFill>
+        <p:spPr>
+          <a:xfrm>
+            <a:off x="6861833" y="8333406"/>
+            <a:ext cx="1461382" cy="510456"/>
+          </a:xfrm>
+          <a:prstGeom prst="rect">
+            <a:avLst/>
+          </a:prstGeom>
+        </p:spPr>
+      </p:pic>
+      <p:pic>
+        <p:nvPicPr>
+          <p:cNvPr id="53" name="図 52">
+            <a:extLst>
+              <a:ext uri="{FF2B5EF4-FFF2-40B4-BE49-F238E27FC236}">
+                <a16:creationId xmlns:a16="http://schemas.microsoft.com/office/drawing/2014/main" id="{3D09C480-FEB3-7574-B477-9B01D4D78E6C}"/>
+              </a:ext>
+            </a:extLst>
+          </p:cNvPr>
+          <p:cNvPicPr>
+            <a:picLocks noChangeAspect="1"/>
+          </p:cNvPicPr>
+          <p:nvPr/>
+        </p:nvPicPr>
+        <p:blipFill rotWithShape="1">
+          <a:blip r:embed="rId9"/>
+          <a:srcRect t="3510"/>
+          <a:stretch/>
+        </p:blipFill>
+        <p:spPr>
+          <a:xfrm>
+            <a:off x="7676128" y="10306057"/>
+            <a:ext cx="413533" cy="1836402"/>
+          </a:xfrm>
+          <a:prstGeom prst="rect">
+            <a:avLst/>
+          </a:prstGeom>
+        </p:spPr>
+      </p:pic>
+      <p:sp>
+        <p:nvSpPr>
+          <p:cNvPr id="47" name="正方形/長方形 46">
+            <a:extLst>
+              <a:ext uri="{FF2B5EF4-FFF2-40B4-BE49-F238E27FC236}">
+                <a16:creationId xmlns:a16="http://schemas.microsoft.com/office/drawing/2014/main" id="{7C46134B-252D-DBCC-D168-9B0EADC798CD}"/>
+              </a:ext>
+            </a:extLst>
+          </p:cNvPr>
+          <p:cNvSpPr/>
+          <p:nvPr/>
+        </p:nvSpPr>
+        <p:spPr>
+          <a:xfrm>
+            <a:off x="5844758" y="10127138"/>
+            <a:ext cx="185355" cy="1274989"/>
+          </a:xfrm>
+          <a:prstGeom prst="rect">
+            <a:avLst/>
+          </a:prstGeom>
+          <a:solidFill>
+            <a:srgbClr val="919292"/>
+          </a:solidFill>
+          <a:ln>
+            <a:noFill/>
+          </a:ln>
+        </p:spPr>
+        <p:style>
+          <a:lnRef idx="2">
+            <a:schemeClr val="accent1">
+              <a:shade val="15000"/>
+            </a:schemeClr>
+          </a:lnRef>
+          <a:fillRef idx="1">
+            <a:schemeClr val="accent1"/>
+          </a:fillRef>
+          <a:effectRef idx="0">
+            <a:schemeClr val="accent1"/>
+          </a:effectRef>
+          <a:fontRef idx="minor">
+            <a:schemeClr val="lt1"/>
+          </a:fontRef>
+        </p:style>
+        <p:txBody>
+          <a:bodyPr rtlCol="0" anchor="ctr"/>
+          <a:lstStyle/>
+          <a:p>
+            <a:pPr algn="ctr"/>
+            <a:endParaRPr lang="ja-JP" altLang="en-US" sz="7067"/>
+          </a:p>
+        </p:txBody>
+      </p:sp>
+      <p:pic>
+        <p:nvPicPr>
+          <p:cNvPr id="55" name="図 54">
+            <a:extLst>
+              <a:ext uri="{FF2B5EF4-FFF2-40B4-BE49-F238E27FC236}">
+                <a16:creationId xmlns:a16="http://schemas.microsoft.com/office/drawing/2014/main" id="{37C6FF51-3CB2-3EE9-E3FC-07D492F52E86}"/>
+              </a:ext>
+            </a:extLst>
+          </p:cNvPr>
+          <p:cNvPicPr>
+            <a:picLocks noChangeAspect="1"/>
+          </p:cNvPicPr>
+          <p:nvPr/>
+        </p:nvPicPr>
+        <p:blipFill>
+          <a:blip r:embed="rId14"/>
+          <a:stretch>
+            <a:fillRect/>
+          </a:stretch>
+        </p:blipFill>
+        <p:spPr>
+          <a:xfrm>
+            <a:off x="2177926" y="11306236"/>
+            <a:ext cx="823031" cy="1828959"/>
+          </a:xfrm>
+          <a:prstGeom prst="rect">
+            <a:avLst/>
+          </a:prstGeom>
+        </p:spPr>
+      </p:pic>
+      <p:pic>
+        <p:nvPicPr>
+          <p:cNvPr id="56" name="図 55">
+            <a:extLst>
+              <a:ext uri="{FF2B5EF4-FFF2-40B4-BE49-F238E27FC236}">
+                <a16:creationId xmlns:a16="http://schemas.microsoft.com/office/drawing/2014/main" id="{4937001E-0DCE-1720-C4CB-9D5CC933BD13}"/>
+              </a:ext>
+            </a:extLst>
+          </p:cNvPr>
+          <p:cNvPicPr>
+            <a:picLocks noChangeAspect="1"/>
+          </p:cNvPicPr>
+          <p:nvPr/>
+        </p:nvPicPr>
+        <p:blipFill>
+          <a:blip r:embed="rId14"/>
+          <a:stretch>
+            <a:fillRect/>
+          </a:stretch>
+        </p:blipFill>
+        <p:spPr>
+          <a:xfrm flipH="1" flipV="1">
+            <a:off x="6527047" y="11201481"/>
+            <a:ext cx="715824" cy="1400865"/>
+          </a:xfrm>
+          <a:prstGeom prst="rect">
+            <a:avLst/>
+          </a:prstGeom>
+        </p:spPr>
+      </p:pic>
+      <p:sp>
+        <p:nvSpPr>
+          <p:cNvPr id="58" name="正方形/長方形 57">
+            <a:extLst>
+              <a:ext uri="{FF2B5EF4-FFF2-40B4-BE49-F238E27FC236}">
+                <a16:creationId xmlns:a16="http://schemas.microsoft.com/office/drawing/2014/main" id="{F90FE6B8-C214-3B6F-AA12-F4D7A6FBFCB5}"/>
+              </a:ext>
+            </a:extLst>
+          </p:cNvPr>
+          <p:cNvSpPr/>
+          <p:nvPr/>
+        </p:nvSpPr>
+        <p:spPr>
+          <a:xfrm>
+            <a:off x="8553272" y="11780282"/>
+            <a:ext cx="1056765" cy="966077"/>
+          </a:xfrm>
+          <a:prstGeom prst="rect">
+            <a:avLst/>
+          </a:prstGeom>
+          <a:solidFill>
+            <a:srgbClr val="919292"/>
+          </a:solidFill>
+          <a:ln>
+            <a:noFill/>
+          </a:ln>
+        </p:spPr>
+        <p:style>
+          <a:lnRef idx="2">
+            <a:schemeClr val="accent1">
+              <a:shade val="15000"/>
+            </a:schemeClr>
+          </a:lnRef>
+          <a:fillRef idx="1">
+            <a:schemeClr val="accent1"/>
+          </a:fillRef>
+          <a:effectRef idx="0">
+            <a:schemeClr val="accent1"/>
+          </a:effectRef>
+          <a:fontRef idx="minor">
+            <a:schemeClr val="lt1"/>
+          </a:fontRef>
+        </p:style>
+        <p:txBody>
+          <a:bodyPr rtlCol="0" anchor="ctr"/>
+          <a:lstStyle/>
+          <a:p>
+            <a:pPr algn="ctr"/>
+            <a:endParaRPr lang="ja-JP" altLang="en-US" sz="7067"/>
+          </a:p>
+        </p:txBody>
+      </p:sp>
+      <p:sp>
+        <p:nvSpPr>
+          <p:cNvPr id="71" name="正方形/長方形 70">
+            <a:extLst>
+              <a:ext uri="{FF2B5EF4-FFF2-40B4-BE49-F238E27FC236}">
+                <a16:creationId xmlns:a16="http://schemas.microsoft.com/office/drawing/2014/main" id="{853C448A-591C-9E71-877A-8A4C4E4DE172}"/>
+              </a:ext>
+            </a:extLst>
+          </p:cNvPr>
+          <p:cNvSpPr/>
+          <p:nvPr/>
+        </p:nvSpPr>
+        <p:spPr>
+          <a:xfrm>
+            <a:off x="3874140" y="11092455"/>
+            <a:ext cx="1097142" cy="1438377"/>
+          </a:xfrm>
+          <a:prstGeom prst="rect">
+            <a:avLst/>
+          </a:prstGeom>
+          <a:solidFill>
+            <a:srgbClr val="282828"/>
+          </a:solidFill>
+          <a:ln>
+            <a:noFill/>
+          </a:ln>
+        </p:spPr>
+        <p:style>
+          <a:lnRef idx="2">
+            <a:schemeClr val="accent1">
+              <a:shade val="15000"/>
+            </a:schemeClr>
+          </a:lnRef>
+          <a:fillRef idx="1">
+            <a:schemeClr val="accent1"/>
+          </a:fillRef>
+          <a:effectRef idx="0">
+            <a:schemeClr val="accent1"/>
+          </a:effectRef>
+          <a:fontRef idx="minor">
+            <a:schemeClr val="lt1"/>
+          </a:fontRef>
+        </p:style>
+        <p:txBody>
+          <a:bodyPr rtlCol="0" anchor="ctr"/>
+          <a:lstStyle/>
+          <a:p>
+            <a:pPr algn="ctr"/>
+            <a:endParaRPr lang="ja-JP" altLang="en-US" sz="7067"/>
+          </a:p>
+        </p:txBody>
+      </p:sp>
+      <p:sp>
+        <p:nvSpPr>
+          <p:cNvPr id="72" name="二等辺三角形 71">
+            <a:extLst>
+              <a:ext uri="{FF2B5EF4-FFF2-40B4-BE49-F238E27FC236}">
+                <a16:creationId xmlns:a16="http://schemas.microsoft.com/office/drawing/2014/main" id="{5B700F99-F1D8-48C9-D06C-DD7C508E6429}"/>
+              </a:ext>
+            </a:extLst>
+          </p:cNvPr>
+          <p:cNvSpPr/>
+          <p:nvPr/>
+        </p:nvSpPr>
+        <p:spPr>
+          <a:xfrm rot="5400000" flipV="1">
+            <a:off x="3241694" y="11279414"/>
+            <a:ext cx="821861" cy="443033"/>
+          </a:xfrm>
+          <a:prstGeom prst="triangle">
+            <a:avLst>
+              <a:gd name="adj" fmla="val 100000"/>
+            </a:avLst>
+          </a:prstGeom>
+          <a:solidFill>
+            <a:srgbClr val="282828"/>
+          </a:solidFill>
+          <a:ln>
+            <a:noFill/>
+          </a:ln>
+        </p:spPr>
+        <p:style>
+          <a:lnRef idx="2">
+            <a:schemeClr val="accent1">
+              <a:shade val="15000"/>
+            </a:schemeClr>
+          </a:lnRef>
+          <a:fillRef idx="1">
+            <a:schemeClr val="accent1"/>
+          </a:fillRef>
+          <a:effectRef idx="0">
+            <a:schemeClr val="accent1"/>
+          </a:effectRef>
+          <a:fontRef idx="minor">
+            <a:schemeClr val="lt1"/>
+          </a:fontRef>
+        </p:style>
+        <p:txBody>
+          <a:bodyPr rtlCol="0" anchor="ctr"/>
+          <a:lstStyle/>
+          <a:p>
+            <a:pPr algn="ctr"/>
+            <a:endParaRPr kumimoji="1" lang="ja-JP" altLang="en-US"/>
+          </a:p>
+        </p:txBody>
+      </p:sp>
+      <p:sp>
+        <p:nvSpPr>
+          <p:cNvPr id="73" name="二等辺三角形 72">
+            <a:extLst>
+              <a:ext uri="{FF2B5EF4-FFF2-40B4-BE49-F238E27FC236}">
+                <a16:creationId xmlns:a16="http://schemas.microsoft.com/office/drawing/2014/main" id="{C686788B-F203-3BC8-7C7C-90CF42F02CCE}"/>
+              </a:ext>
+            </a:extLst>
+          </p:cNvPr>
+          <p:cNvSpPr/>
+          <p:nvPr/>
+        </p:nvSpPr>
+        <p:spPr>
+          <a:xfrm rot="5400000" flipH="1" flipV="1">
+            <a:off x="3235112" y="12085112"/>
+            <a:ext cx="637871" cy="253567"/>
+          </a:xfrm>
+          <a:prstGeom prst="triangle">
+            <a:avLst>
+              <a:gd name="adj" fmla="val 100000"/>
+            </a:avLst>
+          </a:prstGeom>
+          <a:solidFill>
+            <a:srgbClr val="282828"/>
+          </a:solidFill>
+          <a:ln>
+            <a:noFill/>
+          </a:ln>
+        </p:spPr>
+        <p:style>
+          <a:lnRef idx="2">
+            <a:schemeClr val="accent1">
+              <a:shade val="15000"/>
+            </a:schemeClr>
+          </a:lnRef>
+          <a:fillRef idx="1">
+            <a:schemeClr val="accent1"/>
+          </a:fillRef>
+          <a:effectRef idx="0">
+            <a:schemeClr val="accent1"/>
+          </a:effectRef>
+          <a:fontRef idx="minor">
+            <a:schemeClr val="lt1"/>
+          </a:fontRef>
+        </p:style>
+        <p:txBody>
+          <a:bodyPr rtlCol="0" anchor="ctr"/>
+          <a:lstStyle/>
+          <a:p>
+            <a:pPr algn="ctr"/>
+            <a:endParaRPr kumimoji="1" lang="ja-JP" altLang="en-US"/>
+          </a:p>
+        </p:txBody>
+      </p:sp>
+      <p:sp>
+        <p:nvSpPr>
+          <p:cNvPr id="74" name="正方形/長方形 73">
+            <a:extLst>
+              <a:ext uri="{FF2B5EF4-FFF2-40B4-BE49-F238E27FC236}">
+                <a16:creationId xmlns:a16="http://schemas.microsoft.com/office/drawing/2014/main" id="{D287B107-6C26-7394-0C67-C43B652486AB}"/>
+              </a:ext>
+            </a:extLst>
+          </p:cNvPr>
+          <p:cNvSpPr/>
+          <p:nvPr/>
+        </p:nvSpPr>
+        <p:spPr>
+          <a:xfrm>
+            <a:off x="3677927" y="11840516"/>
+            <a:ext cx="253567" cy="690316"/>
+          </a:xfrm>
+          <a:prstGeom prst="rect">
+            <a:avLst/>
+          </a:prstGeom>
+          <a:solidFill>
+            <a:srgbClr val="282828"/>
+          </a:solidFill>
+          <a:ln>
+            <a:noFill/>
+          </a:ln>
+        </p:spPr>
+        <p:style>
+          <a:lnRef idx="2">
+            <a:schemeClr val="accent1">
+              <a:shade val="15000"/>
+            </a:schemeClr>
+          </a:lnRef>
+          <a:fillRef idx="1">
+            <a:schemeClr val="accent1"/>
+          </a:fillRef>
+          <a:effectRef idx="0">
+            <a:schemeClr val="accent1"/>
+          </a:effectRef>
+          <a:fontRef idx="minor">
+            <a:schemeClr val="lt1"/>
+          </a:fontRef>
+        </p:style>
+        <p:txBody>
+          <a:bodyPr rtlCol="0" anchor="ctr"/>
+          <a:lstStyle/>
+          <a:p>
+            <a:pPr algn="ctr"/>
+            <a:endParaRPr lang="ja-JP" altLang="en-US" sz="7067"/>
+          </a:p>
+        </p:txBody>
+      </p:sp>
+      <p:pic>
+        <p:nvPicPr>
+          <p:cNvPr id="75" name="図 74">
+            <a:extLst>
+              <a:ext uri="{FF2B5EF4-FFF2-40B4-BE49-F238E27FC236}">
+                <a16:creationId xmlns:a16="http://schemas.microsoft.com/office/drawing/2014/main" id="{BA2785BC-7F21-0431-A42B-3D7AC2109345}"/>
+              </a:ext>
+            </a:extLst>
+          </p:cNvPr>
+          <p:cNvPicPr>
+            <a:picLocks noChangeAspect="1"/>
+          </p:cNvPicPr>
+          <p:nvPr/>
+        </p:nvPicPr>
+        <p:blipFill rotWithShape="1">
+          <a:blip r:embed="rId9"/>
+          <a:srcRect t="3510"/>
+          <a:stretch/>
+        </p:blipFill>
+        <p:spPr>
+          <a:xfrm>
+            <a:off x="4967862" y="11080577"/>
+            <a:ext cx="737762" cy="1469704"/>
+          </a:xfrm>
+          <a:prstGeom prst="rect">
+            <a:avLst/>
+          </a:prstGeom>
+        </p:spPr>
+      </p:pic>
+      <p:sp>
+        <p:nvSpPr>
+          <p:cNvPr id="76" name="正方形/長方形 75">
+            <a:extLst>
+              <a:ext uri="{FF2B5EF4-FFF2-40B4-BE49-F238E27FC236}">
+                <a16:creationId xmlns:a16="http://schemas.microsoft.com/office/drawing/2014/main" id="{F2858A41-8C99-7697-621F-0B428E7B7913}"/>
+              </a:ext>
+            </a:extLst>
+          </p:cNvPr>
+          <p:cNvSpPr/>
+          <p:nvPr/>
+        </p:nvSpPr>
+        <p:spPr>
+          <a:xfrm>
+            <a:off x="3995928" y="11201481"/>
+            <a:ext cx="969423" cy="1224834"/>
+          </a:xfrm>
+          <a:prstGeom prst="rect">
+            <a:avLst/>
+          </a:prstGeom>
+          <a:solidFill>
+            <a:srgbClr val="C7C7BD"/>
+          </a:solidFill>
+          <a:ln>
+            <a:noFill/>
+          </a:ln>
+        </p:spPr>
+        <p:style>
+          <a:lnRef idx="2">
+            <a:schemeClr val="accent1">
+              <a:shade val="15000"/>
+            </a:schemeClr>
+          </a:lnRef>
+          <a:fillRef idx="1">
+            <a:schemeClr val="accent1"/>
+          </a:fillRef>
+          <a:effectRef idx="0">
+            <a:schemeClr val="accent1"/>
+          </a:effectRef>
+          <a:fontRef idx="minor">
+            <a:schemeClr val="lt1"/>
+          </a:fontRef>
+        </p:style>
+        <p:txBody>
+          <a:bodyPr rtlCol="0" anchor="ctr"/>
+          <a:lstStyle/>
+          <a:p>
+            <a:pPr algn="ctr"/>
+            <a:endParaRPr lang="ja-JP" altLang="en-US" sz="7067"/>
+          </a:p>
+        </p:txBody>
+      </p:sp>
     </p:spTree>
     <p:extLst>
       <p:ext uri="{BB962C8B-B14F-4D97-AF65-F5344CB8AC3E}">
@@ -4153,7 +5992,7 @@
 <file path=ppt/theme/theme1.xml><?xml version="1.0" encoding="utf-8"?>
 <a:theme xmlns:a="http://schemas.openxmlformats.org/drawingml/2006/main" name="Office テーマ">
   <a:themeElements>
-    <a:clrScheme name="Office">
+    <a:clrScheme name="Office テーマ">
       <a:dk1>
         <a:sysClr val="windowText" lastClr="000000"/>
       </a:dk1>
@@ -4191,9 +6030,9 @@
         <a:srgbClr val="954F72"/>
       </a:folHlink>
     </a:clrScheme>
-    <a:fontScheme name="Office">
+    <a:fontScheme name="Office テーマ">
       <a:majorFont>
-        <a:latin typeface="游ゴシック Light" panose="020F0302020204030204"/>
+        <a:latin typeface="Calibri Light" panose="020F0302020204030204"/>
         <a:ea typeface=""/>
         <a:cs typeface=""/>
         <a:font script="Jpan" typeface="游ゴシック Light"/>
@@ -4226,26 +6065,9 @@
         <a:font script="Viet" typeface="Times New Roman"/>
         <a:font script="Uigh" typeface="Microsoft Uighur"/>
         <a:font script="Geor" typeface="Sylfaen"/>
-        <a:font script="Armn" typeface="Arial"/>
-        <a:font script="Bugi" typeface="Leelawadee UI"/>
-        <a:font script="Bopo" typeface="Microsoft JhengHei"/>
-        <a:font script="Java" typeface="Javanese Text"/>
-        <a:font script="Lisu" typeface="Segoe UI"/>
-        <a:font script="Mymr" typeface="Myanmar Text"/>
-        <a:font script="Nkoo" typeface="Ebrima"/>
-        <a:font script="Olck" typeface="Nirmala UI"/>
-        <a:font script="Osma" typeface="Ebrima"/>
-        <a:font script="Phag" typeface="Phagspa"/>
-        <a:font script="Syrn" typeface="Estrangelo Edessa"/>
-        <a:font script="Syrj" typeface="Estrangelo Edessa"/>
-        <a:font script="Syre" typeface="Estrangelo Edessa"/>
-        <a:font script="Sora" typeface="Nirmala UI"/>
-        <a:font script="Tale" typeface="Microsoft Tai Le"/>
-        <a:font script="Talu" typeface="Microsoft New Tai Lue"/>
-        <a:font script="Tfng" typeface="Ebrima"/>
       </a:majorFont>
       <a:minorFont>
-        <a:latin typeface="游ゴシック" panose="020F0502020204030204"/>
+        <a:latin typeface="Calibri" panose="020F0502020204030204"/>
         <a:ea typeface=""/>
         <a:cs typeface=""/>
         <a:font script="Jpan" typeface="游ゴシック"/>
@@ -4278,26 +6100,9 @@
         <a:font script="Viet" typeface="Arial"/>
         <a:font script="Uigh" typeface="Microsoft Uighur"/>
         <a:font script="Geor" typeface="Sylfaen"/>
-        <a:font script="Armn" typeface="Arial"/>
-        <a:font script="Bugi" typeface="Leelawadee UI"/>
-        <a:font script="Bopo" typeface="Microsoft JhengHei"/>
-        <a:font script="Java" typeface="Javanese Text"/>
-        <a:font script="Lisu" typeface="Segoe UI"/>
-        <a:font script="Mymr" typeface="Myanmar Text"/>
-        <a:font script="Nkoo" typeface="Ebrima"/>
-        <a:font script="Olck" typeface="Nirmala UI"/>
-        <a:font script="Osma" typeface="Ebrima"/>
-        <a:font script="Phag" typeface="Phagspa"/>
-        <a:font script="Syrn" typeface="Estrangelo Edessa"/>
-        <a:font script="Syrj" typeface="Estrangelo Edessa"/>
-        <a:font script="Syre" typeface="Estrangelo Edessa"/>
-        <a:font script="Sora" typeface="Nirmala UI"/>
-        <a:font script="Tale" typeface="Microsoft Tai Le"/>
-        <a:font script="Talu" typeface="Microsoft New Tai Lue"/>
-        <a:font script="Tfng" typeface="Ebrima"/>
       </a:minorFont>
     </a:fontScheme>
-    <a:fmtScheme name="Office">
+    <a:fmtScheme name="Office テーマ">
       <a:fillStyleLst>
         <a:solidFill>
           <a:schemeClr val="phClr"/>
@@ -4439,7 +6244,7 @@
   <a:extraClrSchemeLst/>
   <a:extLst>
     <a:ext uri="{05A4C25C-085E-4340-85A3-A5531E510DB2}">
-      <thm15:themeFamily xmlns:thm15="http://schemas.microsoft.com/office/thememl/2012/main" name="Office Theme" id="{62F939B6-93AF-4DB8-9C6B-D6C7DFDC589F}" vid="{4A3C46E8-61CC-4603-A589-7422A47A8E4A}"/>
+      <thm15:themeFamily xmlns:thm15="http://schemas.microsoft.com/office/thememl/2012/main" name="Office 2013 - 2022 Theme" id="{62F939B6-93AF-4DB8-9C6B-D6C7DFDC589F}" vid="{4A3C46E8-61CC-4603-A589-7422A47A8E4A}"/>
     </a:ext>
   </a:extLst>
 </a:theme>

--- a/モデリング/車両/03/03.pptx
+++ b/モデリング/車両/03/03.pptx
@@ -243,7 +243,7 @@
           <a:p>
             <a:fld id="{4452E1B7-8995-CD47-BA2C-CAD4F0B61F9F}" type="datetimeFigureOut">
               <a:rPr kumimoji="1" lang="ja-JP" altLang="en-US" smtClean="0"/>
-              <a:t>2024/9/26</a:t>
+              <a:t>2024/9/27</a:t>
             </a:fld>
             <a:endParaRPr kumimoji="1" lang="ja-JP" altLang="en-US"/>
           </a:p>
@@ -445,7 +445,7 @@
           <a:p>
             <a:fld id="{4452E1B7-8995-CD47-BA2C-CAD4F0B61F9F}" type="datetimeFigureOut">
               <a:rPr kumimoji="1" lang="ja-JP" altLang="en-US" smtClean="0"/>
-              <a:t>2024/9/26</a:t>
+              <a:t>2024/9/27</a:t>
             </a:fld>
             <a:endParaRPr kumimoji="1" lang="ja-JP" altLang="en-US"/>
           </a:p>
@@ -657,7 +657,7 @@
           <a:p>
             <a:fld id="{4452E1B7-8995-CD47-BA2C-CAD4F0B61F9F}" type="datetimeFigureOut">
               <a:rPr kumimoji="1" lang="ja-JP" altLang="en-US" smtClean="0"/>
-              <a:t>2024/9/26</a:t>
+              <a:t>2024/9/27</a:t>
             </a:fld>
             <a:endParaRPr kumimoji="1" lang="ja-JP" altLang="en-US"/>
           </a:p>
@@ -859,7 +859,7 @@
           <a:p>
             <a:fld id="{4452E1B7-8995-CD47-BA2C-CAD4F0B61F9F}" type="datetimeFigureOut">
               <a:rPr kumimoji="1" lang="ja-JP" altLang="en-US" smtClean="0"/>
-              <a:t>2024/9/26</a:t>
+              <a:t>2024/9/27</a:t>
             </a:fld>
             <a:endParaRPr kumimoji="1" lang="ja-JP" altLang="en-US"/>
           </a:p>
@@ -1105,7 +1105,7 @@
           <a:p>
             <a:fld id="{4452E1B7-8995-CD47-BA2C-CAD4F0B61F9F}" type="datetimeFigureOut">
               <a:rPr kumimoji="1" lang="ja-JP" altLang="en-US" smtClean="0"/>
-              <a:t>2024/9/26</a:t>
+              <a:t>2024/9/27</a:t>
             </a:fld>
             <a:endParaRPr kumimoji="1" lang="ja-JP" altLang="en-US"/>
           </a:p>
@@ -1401,7 +1401,7 @@
           <a:p>
             <a:fld id="{4452E1B7-8995-CD47-BA2C-CAD4F0B61F9F}" type="datetimeFigureOut">
               <a:rPr kumimoji="1" lang="ja-JP" altLang="en-US" smtClean="0"/>
-              <a:t>2024/9/26</a:t>
+              <a:t>2024/9/27</a:t>
             </a:fld>
             <a:endParaRPr kumimoji="1" lang="ja-JP" altLang="en-US"/>
           </a:p>
@@ -1832,7 +1832,7 @@
           <a:p>
             <a:fld id="{4452E1B7-8995-CD47-BA2C-CAD4F0B61F9F}" type="datetimeFigureOut">
               <a:rPr kumimoji="1" lang="ja-JP" altLang="en-US" smtClean="0"/>
-              <a:t>2024/9/26</a:t>
+              <a:t>2024/9/27</a:t>
             </a:fld>
             <a:endParaRPr kumimoji="1" lang="ja-JP" altLang="en-US"/>
           </a:p>
@@ -1950,7 +1950,7 @@
           <a:p>
             <a:fld id="{4452E1B7-8995-CD47-BA2C-CAD4F0B61F9F}" type="datetimeFigureOut">
               <a:rPr kumimoji="1" lang="ja-JP" altLang="en-US" smtClean="0"/>
-              <a:t>2024/9/26</a:t>
+              <a:t>2024/9/27</a:t>
             </a:fld>
             <a:endParaRPr kumimoji="1" lang="ja-JP" altLang="en-US"/>
           </a:p>
@@ -2045,7 +2045,7 @@
           <a:p>
             <a:fld id="{4452E1B7-8995-CD47-BA2C-CAD4F0B61F9F}" type="datetimeFigureOut">
               <a:rPr kumimoji="1" lang="ja-JP" altLang="en-US" smtClean="0"/>
-              <a:t>2024/9/26</a:t>
+              <a:t>2024/9/27</a:t>
             </a:fld>
             <a:endParaRPr kumimoji="1" lang="ja-JP" altLang="en-US"/>
           </a:p>
@@ -2354,7 +2354,7 @@
           <a:p>
             <a:fld id="{4452E1B7-8995-CD47-BA2C-CAD4F0B61F9F}" type="datetimeFigureOut">
               <a:rPr kumimoji="1" lang="ja-JP" altLang="en-US" smtClean="0"/>
-              <a:t>2024/9/26</a:t>
+              <a:t>2024/9/27</a:t>
             </a:fld>
             <a:endParaRPr kumimoji="1" lang="ja-JP" altLang="en-US"/>
           </a:p>
@@ -2611,7 +2611,7 @@
           <a:p>
             <a:fld id="{4452E1B7-8995-CD47-BA2C-CAD4F0B61F9F}" type="datetimeFigureOut">
               <a:rPr kumimoji="1" lang="ja-JP" altLang="en-US" smtClean="0"/>
-              <a:t>2024/9/26</a:t>
+              <a:t>2024/9/27</a:t>
             </a:fld>
             <a:endParaRPr kumimoji="1" lang="ja-JP" altLang="en-US"/>
           </a:p>
@@ -2856,7 +2856,7 @@
           <a:p>
             <a:fld id="{4452E1B7-8995-CD47-BA2C-CAD4F0B61F9F}" type="datetimeFigureOut">
               <a:rPr kumimoji="1" lang="ja-JP" altLang="en-US" smtClean="0"/>
-              <a:t>2024/9/26</a:t>
+              <a:t>2024/9/27</a:t>
             </a:fld>
             <a:endParaRPr kumimoji="1" lang="ja-JP" altLang="en-US"/>
           </a:p>
@@ -3660,7 +3660,7 @@
         </p:blipFill>
         <p:spPr>
           <a:xfrm>
-            <a:off x="1085340" y="2118951"/>
+            <a:off x="807040" y="2425699"/>
             <a:ext cx="8749469" cy="2562800"/>
           </a:xfrm>
           <a:prstGeom prst="rect">
@@ -3723,6 +3723,9 @@
                     </a14:imgEffect>
                     <a14:imgEffect>
                       <a14:saturation sat="0"/>
+                    </a14:imgEffect>
+                    <a14:imgEffect>
+                      <a14:brightnessContrast bright="4000" contrast="-4000"/>
                     </a14:imgEffect>
                   </a14:imgLayer>
                 </a14:imgProps>
@@ -5573,10 +5576,10 @@
       </p:sp>
       <p:pic>
         <p:nvPicPr>
-          <p:cNvPr id="55" name="図 54">
+          <p:cNvPr id="56" name="図 55">
             <a:extLst>
               <a:ext uri="{FF2B5EF4-FFF2-40B4-BE49-F238E27FC236}">
-                <a16:creationId xmlns:a16="http://schemas.microsoft.com/office/drawing/2014/main" id="{37C6FF51-3CB2-3EE9-E3FC-07D492F52E86}"/>
+                <a16:creationId xmlns:a16="http://schemas.microsoft.com/office/drawing/2014/main" id="{4937001E-0DCE-1720-C4CB-9D5CC933BD13}"/>
               </a:ext>
             </a:extLst>
           </p:cNvPr>
@@ -5592,9 +5595,756 @@
           </a:stretch>
         </p:blipFill>
         <p:spPr>
-          <a:xfrm>
-            <a:off x="2177926" y="11306236"/>
-            <a:ext cx="823031" cy="1828959"/>
+          <a:xfrm flipH="1" flipV="1">
+            <a:off x="6527047" y="11201481"/>
+            <a:ext cx="715824" cy="1400865"/>
+          </a:xfrm>
+          <a:prstGeom prst="rect">
+            <a:avLst/>
+          </a:prstGeom>
+        </p:spPr>
+      </p:pic>
+      <p:sp>
+        <p:nvSpPr>
+          <p:cNvPr id="58" name="正方形/長方形 57">
+            <a:extLst>
+              <a:ext uri="{FF2B5EF4-FFF2-40B4-BE49-F238E27FC236}">
+                <a16:creationId xmlns:a16="http://schemas.microsoft.com/office/drawing/2014/main" id="{F90FE6B8-C214-3B6F-AA12-F4D7A6FBFCB5}"/>
+              </a:ext>
+            </a:extLst>
+          </p:cNvPr>
+          <p:cNvSpPr/>
+          <p:nvPr/>
+        </p:nvSpPr>
+        <p:spPr>
+          <a:xfrm>
+            <a:off x="8553272" y="11780282"/>
+            <a:ext cx="1056765" cy="966077"/>
+          </a:xfrm>
+          <a:prstGeom prst="rect">
+            <a:avLst/>
+          </a:prstGeom>
+          <a:solidFill>
+            <a:srgbClr val="919292"/>
+          </a:solidFill>
+          <a:ln>
+            <a:noFill/>
+          </a:ln>
+        </p:spPr>
+        <p:style>
+          <a:lnRef idx="2">
+            <a:schemeClr val="accent1">
+              <a:shade val="15000"/>
+            </a:schemeClr>
+          </a:lnRef>
+          <a:fillRef idx="1">
+            <a:schemeClr val="accent1"/>
+          </a:fillRef>
+          <a:effectRef idx="0">
+            <a:schemeClr val="accent1"/>
+          </a:effectRef>
+          <a:fontRef idx="minor">
+            <a:schemeClr val="lt1"/>
+          </a:fontRef>
+        </p:style>
+        <p:txBody>
+          <a:bodyPr rtlCol="0" anchor="ctr"/>
+          <a:lstStyle/>
+          <a:p>
+            <a:pPr algn="ctr"/>
+            <a:endParaRPr lang="ja-JP" altLang="en-US" sz="7067"/>
+          </a:p>
+        </p:txBody>
+      </p:sp>
+      <p:sp>
+        <p:nvSpPr>
+          <p:cNvPr id="71" name="正方形/長方形 70">
+            <a:extLst>
+              <a:ext uri="{FF2B5EF4-FFF2-40B4-BE49-F238E27FC236}">
+                <a16:creationId xmlns:a16="http://schemas.microsoft.com/office/drawing/2014/main" id="{853C448A-591C-9E71-877A-8A4C4E4DE172}"/>
+              </a:ext>
+            </a:extLst>
+          </p:cNvPr>
+          <p:cNvSpPr/>
+          <p:nvPr/>
+        </p:nvSpPr>
+        <p:spPr>
+          <a:xfrm>
+            <a:off x="3874141" y="11090000"/>
+            <a:ext cx="1097142" cy="1438377"/>
+          </a:xfrm>
+          <a:prstGeom prst="rect">
+            <a:avLst/>
+          </a:prstGeom>
+          <a:solidFill>
+            <a:srgbClr val="282828"/>
+          </a:solidFill>
+          <a:ln>
+            <a:noFill/>
+          </a:ln>
+        </p:spPr>
+        <p:style>
+          <a:lnRef idx="2">
+            <a:schemeClr val="accent1">
+              <a:shade val="15000"/>
+            </a:schemeClr>
+          </a:lnRef>
+          <a:fillRef idx="1">
+            <a:schemeClr val="accent1"/>
+          </a:fillRef>
+          <a:effectRef idx="0">
+            <a:schemeClr val="accent1"/>
+          </a:effectRef>
+          <a:fontRef idx="minor">
+            <a:schemeClr val="lt1"/>
+          </a:fontRef>
+        </p:style>
+        <p:txBody>
+          <a:bodyPr rtlCol="0" anchor="ctr"/>
+          <a:lstStyle/>
+          <a:p>
+            <a:pPr algn="ctr"/>
+            <a:endParaRPr lang="ja-JP" altLang="en-US" sz="7067"/>
+          </a:p>
+        </p:txBody>
+      </p:sp>
+      <p:sp>
+        <p:nvSpPr>
+          <p:cNvPr id="72" name="二等辺三角形 71">
+            <a:extLst>
+              <a:ext uri="{FF2B5EF4-FFF2-40B4-BE49-F238E27FC236}">
+                <a16:creationId xmlns:a16="http://schemas.microsoft.com/office/drawing/2014/main" id="{5B700F99-F1D8-48C9-D06C-DD7C508E6429}"/>
+              </a:ext>
+            </a:extLst>
+          </p:cNvPr>
+          <p:cNvSpPr/>
+          <p:nvPr/>
+        </p:nvSpPr>
+        <p:spPr>
+          <a:xfrm rot="5400000" flipV="1">
+            <a:off x="3241694" y="11279414"/>
+            <a:ext cx="821861" cy="443033"/>
+          </a:xfrm>
+          <a:prstGeom prst="triangle">
+            <a:avLst>
+              <a:gd name="adj" fmla="val 100000"/>
+            </a:avLst>
+          </a:prstGeom>
+          <a:solidFill>
+            <a:srgbClr val="282828"/>
+          </a:solidFill>
+          <a:ln>
+            <a:noFill/>
+          </a:ln>
+        </p:spPr>
+        <p:style>
+          <a:lnRef idx="2">
+            <a:schemeClr val="accent1">
+              <a:shade val="15000"/>
+            </a:schemeClr>
+          </a:lnRef>
+          <a:fillRef idx="1">
+            <a:schemeClr val="accent1"/>
+          </a:fillRef>
+          <a:effectRef idx="0">
+            <a:schemeClr val="accent1"/>
+          </a:effectRef>
+          <a:fontRef idx="minor">
+            <a:schemeClr val="lt1"/>
+          </a:fontRef>
+        </p:style>
+        <p:txBody>
+          <a:bodyPr rtlCol="0" anchor="ctr"/>
+          <a:lstStyle/>
+          <a:p>
+            <a:pPr algn="ctr"/>
+            <a:endParaRPr kumimoji="1" lang="ja-JP" altLang="en-US"/>
+          </a:p>
+        </p:txBody>
+      </p:sp>
+      <p:sp>
+        <p:nvSpPr>
+          <p:cNvPr id="73" name="二等辺三角形 72">
+            <a:extLst>
+              <a:ext uri="{FF2B5EF4-FFF2-40B4-BE49-F238E27FC236}">
+                <a16:creationId xmlns:a16="http://schemas.microsoft.com/office/drawing/2014/main" id="{C686788B-F203-3BC8-7C7C-90CF42F02CCE}"/>
+              </a:ext>
+            </a:extLst>
+          </p:cNvPr>
+          <p:cNvSpPr/>
+          <p:nvPr/>
+        </p:nvSpPr>
+        <p:spPr>
+          <a:xfrm rot="5400000" flipH="1" flipV="1">
+            <a:off x="3244563" y="12094560"/>
+            <a:ext cx="618969" cy="253567"/>
+          </a:xfrm>
+          <a:prstGeom prst="triangle">
+            <a:avLst>
+              <a:gd name="adj" fmla="val 100000"/>
+            </a:avLst>
+          </a:prstGeom>
+          <a:solidFill>
+            <a:srgbClr val="282828"/>
+          </a:solidFill>
+          <a:ln>
+            <a:noFill/>
+          </a:ln>
+        </p:spPr>
+        <p:style>
+          <a:lnRef idx="2">
+            <a:schemeClr val="accent1">
+              <a:shade val="15000"/>
+            </a:schemeClr>
+          </a:lnRef>
+          <a:fillRef idx="1">
+            <a:schemeClr val="accent1"/>
+          </a:fillRef>
+          <a:effectRef idx="0">
+            <a:schemeClr val="accent1"/>
+          </a:effectRef>
+          <a:fontRef idx="minor">
+            <a:schemeClr val="lt1"/>
+          </a:fontRef>
+        </p:style>
+        <p:txBody>
+          <a:bodyPr rtlCol="0" anchor="ctr"/>
+          <a:lstStyle/>
+          <a:p>
+            <a:pPr algn="ctr"/>
+            <a:endParaRPr kumimoji="1" lang="ja-JP" altLang="en-US"/>
+          </a:p>
+        </p:txBody>
+      </p:sp>
+      <p:sp>
+        <p:nvSpPr>
+          <p:cNvPr id="74" name="正方形/長方形 73">
+            <a:extLst>
+              <a:ext uri="{FF2B5EF4-FFF2-40B4-BE49-F238E27FC236}">
+                <a16:creationId xmlns:a16="http://schemas.microsoft.com/office/drawing/2014/main" id="{D287B107-6C26-7394-0C67-C43B652486AB}"/>
+              </a:ext>
+            </a:extLst>
+          </p:cNvPr>
+          <p:cNvSpPr/>
+          <p:nvPr/>
+        </p:nvSpPr>
+        <p:spPr>
+          <a:xfrm>
+            <a:off x="3677927" y="11840516"/>
+            <a:ext cx="253567" cy="690316"/>
+          </a:xfrm>
+          <a:prstGeom prst="rect">
+            <a:avLst/>
+          </a:prstGeom>
+          <a:solidFill>
+            <a:srgbClr val="282828"/>
+          </a:solidFill>
+          <a:ln>
+            <a:noFill/>
+          </a:ln>
+        </p:spPr>
+        <p:style>
+          <a:lnRef idx="2">
+            <a:schemeClr val="accent1">
+              <a:shade val="15000"/>
+            </a:schemeClr>
+          </a:lnRef>
+          <a:fillRef idx="1">
+            <a:schemeClr val="accent1"/>
+          </a:fillRef>
+          <a:effectRef idx="0">
+            <a:schemeClr val="accent1"/>
+          </a:effectRef>
+          <a:fontRef idx="minor">
+            <a:schemeClr val="lt1"/>
+          </a:fontRef>
+        </p:style>
+        <p:txBody>
+          <a:bodyPr rtlCol="0" anchor="ctr"/>
+          <a:lstStyle/>
+          <a:p>
+            <a:pPr algn="ctr"/>
+            <a:endParaRPr lang="ja-JP" altLang="en-US" sz="7067"/>
+          </a:p>
+        </p:txBody>
+      </p:sp>
+      <p:pic>
+        <p:nvPicPr>
+          <p:cNvPr id="75" name="図 74">
+            <a:extLst>
+              <a:ext uri="{FF2B5EF4-FFF2-40B4-BE49-F238E27FC236}">
+                <a16:creationId xmlns:a16="http://schemas.microsoft.com/office/drawing/2014/main" id="{BA2785BC-7F21-0431-A42B-3D7AC2109345}"/>
+              </a:ext>
+            </a:extLst>
+          </p:cNvPr>
+          <p:cNvPicPr>
+            <a:picLocks noChangeAspect="1"/>
+          </p:cNvPicPr>
+          <p:nvPr/>
+        </p:nvPicPr>
+        <p:blipFill rotWithShape="1">
+          <a:blip r:embed="rId9"/>
+          <a:srcRect t="3510"/>
+          <a:stretch/>
+        </p:blipFill>
+        <p:spPr>
+          <a:xfrm>
+            <a:off x="6137691" y="11112139"/>
+            <a:ext cx="737762" cy="1469704"/>
+          </a:xfrm>
+          <a:prstGeom prst="rect">
+            <a:avLst/>
+          </a:prstGeom>
+        </p:spPr>
+      </p:pic>
+      <p:sp>
+        <p:nvSpPr>
+          <p:cNvPr id="76" name="正方形/長方形 75">
+            <a:extLst>
+              <a:ext uri="{FF2B5EF4-FFF2-40B4-BE49-F238E27FC236}">
+                <a16:creationId xmlns:a16="http://schemas.microsoft.com/office/drawing/2014/main" id="{F2858A41-8C99-7697-621F-0B428E7B7913}"/>
+              </a:ext>
+            </a:extLst>
+          </p:cNvPr>
+          <p:cNvSpPr/>
+          <p:nvPr/>
+        </p:nvSpPr>
+        <p:spPr>
+          <a:xfrm>
+            <a:off x="3932835" y="11201481"/>
+            <a:ext cx="1030611" cy="1224834"/>
+          </a:xfrm>
+          <a:prstGeom prst="rect">
+            <a:avLst/>
+          </a:prstGeom>
+          <a:solidFill>
+            <a:srgbClr val="C7C7BD"/>
+          </a:solidFill>
+          <a:ln>
+            <a:noFill/>
+          </a:ln>
+        </p:spPr>
+        <p:style>
+          <a:lnRef idx="2">
+            <a:schemeClr val="accent1">
+              <a:shade val="15000"/>
+            </a:schemeClr>
+          </a:lnRef>
+          <a:fillRef idx="1">
+            <a:schemeClr val="accent1"/>
+          </a:fillRef>
+          <a:effectRef idx="0">
+            <a:schemeClr val="accent1"/>
+          </a:effectRef>
+          <a:fontRef idx="minor">
+            <a:schemeClr val="lt1"/>
+          </a:fontRef>
+        </p:style>
+        <p:txBody>
+          <a:bodyPr rtlCol="0" anchor="ctr"/>
+          <a:lstStyle/>
+          <a:p>
+            <a:pPr algn="ctr"/>
+            <a:endParaRPr lang="ja-JP" altLang="en-US" sz="7067"/>
+          </a:p>
+        </p:txBody>
+      </p:sp>
+      <p:sp>
+        <p:nvSpPr>
+          <p:cNvPr id="33" name="二等辺三角形 32">
+            <a:extLst>
+              <a:ext uri="{FF2B5EF4-FFF2-40B4-BE49-F238E27FC236}">
+                <a16:creationId xmlns:a16="http://schemas.microsoft.com/office/drawing/2014/main" id="{5A6B66DD-0DD4-833D-D7DB-05E9500700CA}"/>
+              </a:ext>
+            </a:extLst>
+          </p:cNvPr>
+          <p:cNvSpPr/>
+          <p:nvPr/>
+        </p:nvSpPr>
+        <p:spPr>
+          <a:xfrm rot="16200000">
+            <a:off x="3401085" y="12082167"/>
+            <a:ext cx="501129" cy="187161"/>
+          </a:xfrm>
+          <a:prstGeom prst="triangle">
+            <a:avLst>
+              <a:gd name="adj" fmla="val 100000"/>
+            </a:avLst>
+          </a:prstGeom>
+          <a:solidFill>
+            <a:srgbClr val="C7C7BD"/>
+          </a:solidFill>
+          <a:ln>
+            <a:noFill/>
+          </a:ln>
+        </p:spPr>
+        <p:style>
+          <a:lnRef idx="2">
+            <a:schemeClr val="accent1">
+              <a:shade val="15000"/>
+            </a:schemeClr>
+          </a:lnRef>
+          <a:fillRef idx="1">
+            <a:schemeClr val="accent1"/>
+          </a:fillRef>
+          <a:effectRef idx="0">
+            <a:schemeClr val="accent1"/>
+          </a:effectRef>
+          <a:fontRef idx="minor">
+            <a:schemeClr val="lt1"/>
+          </a:fontRef>
+        </p:style>
+        <p:txBody>
+          <a:bodyPr rtlCol="0" anchor="ctr"/>
+          <a:lstStyle/>
+          <a:p>
+            <a:pPr algn="ctr"/>
+            <a:endParaRPr kumimoji="1" lang="ja-JP" altLang="en-US"/>
+          </a:p>
+        </p:txBody>
+      </p:sp>
+      <p:sp>
+        <p:nvSpPr>
+          <p:cNvPr id="51" name="正方形/長方形 50">
+            <a:extLst>
+              <a:ext uri="{FF2B5EF4-FFF2-40B4-BE49-F238E27FC236}">
+                <a16:creationId xmlns:a16="http://schemas.microsoft.com/office/drawing/2014/main" id="{422BA506-136A-B537-4807-061A96EA7A83}"/>
+              </a:ext>
+            </a:extLst>
+          </p:cNvPr>
+          <p:cNvSpPr/>
+          <p:nvPr/>
+        </p:nvSpPr>
+        <p:spPr>
+          <a:xfrm>
+            <a:off x="3744665" y="11840516"/>
+            <a:ext cx="322785" cy="583544"/>
+          </a:xfrm>
+          <a:prstGeom prst="rect">
+            <a:avLst/>
+          </a:prstGeom>
+          <a:solidFill>
+            <a:srgbClr val="C7C7BD"/>
+          </a:solidFill>
+          <a:ln>
+            <a:noFill/>
+          </a:ln>
+        </p:spPr>
+        <p:style>
+          <a:lnRef idx="2">
+            <a:schemeClr val="accent1">
+              <a:shade val="15000"/>
+            </a:schemeClr>
+          </a:lnRef>
+          <a:fillRef idx="1">
+            <a:schemeClr val="accent1"/>
+          </a:fillRef>
+          <a:effectRef idx="0">
+            <a:schemeClr val="accent1"/>
+          </a:effectRef>
+          <a:fontRef idx="minor">
+            <a:schemeClr val="lt1"/>
+          </a:fontRef>
+        </p:style>
+        <p:txBody>
+          <a:bodyPr rtlCol="0" anchor="ctr"/>
+          <a:lstStyle/>
+          <a:p>
+            <a:pPr algn="ctr"/>
+            <a:endParaRPr lang="ja-JP" altLang="en-US" sz="7067"/>
+          </a:p>
+        </p:txBody>
+      </p:sp>
+      <p:sp>
+        <p:nvSpPr>
+          <p:cNvPr id="54" name="二等辺三角形 53">
+            <a:extLst>
+              <a:ext uri="{FF2B5EF4-FFF2-40B4-BE49-F238E27FC236}">
+                <a16:creationId xmlns:a16="http://schemas.microsoft.com/office/drawing/2014/main" id="{23AA40A2-A1B7-C3AA-373A-DD504A0FC078}"/>
+              </a:ext>
+            </a:extLst>
+          </p:cNvPr>
+          <p:cNvSpPr/>
+          <p:nvPr/>
+        </p:nvSpPr>
+        <p:spPr>
+          <a:xfrm rot="5400000" flipV="1">
+            <a:off x="3380921" y="11374612"/>
+            <a:ext cx="723702" cy="377445"/>
+          </a:xfrm>
+          <a:prstGeom prst="triangle">
+            <a:avLst>
+              <a:gd name="adj" fmla="val 100000"/>
+            </a:avLst>
+          </a:prstGeom>
+          <a:solidFill>
+            <a:srgbClr val="C7C7BD"/>
+          </a:solidFill>
+          <a:ln>
+            <a:noFill/>
+          </a:ln>
+        </p:spPr>
+        <p:style>
+          <a:lnRef idx="2">
+            <a:schemeClr val="accent1">
+              <a:shade val="15000"/>
+            </a:schemeClr>
+          </a:lnRef>
+          <a:fillRef idx="1">
+            <a:schemeClr val="accent1"/>
+          </a:fillRef>
+          <a:effectRef idx="0">
+            <a:schemeClr val="accent1"/>
+          </a:effectRef>
+          <a:fontRef idx="minor">
+            <a:schemeClr val="lt1"/>
+          </a:fontRef>
+        </p:style>
+        <p:txBody>
+          <a:bodyPr rtlCol="0" anchor="ctr"/>
+          <a:lstStyle/>
+          <a:p>
+            <a:pPr algn="ctr"/>
+            <a:endParaRPr kumimoji="1" lang="ja-JP" altLang="en-US"/>
+          </a:p>
+        </p:txBody>
+      </p:sp>
+      <p:sp>
+        <p:nvSpPr>
+          <p:cNvPr id="57" name="正方形/長方形 56">
+            <a:extLst>
+              <a:ext uri="{FF2B5EF4-FFF2-40B4-BE49-F238E27FC236}">
+                <a16:creationId xmlns:a16="http://schemas.microsoft.com/office/drawing/2014/main" id="{C3C7ADA6-08C8-BD1F-8B76-BA535347196B}"/>
+              </a:ext>
+            </a:extLst>
+          </p:cNvPr>
+          <p:cNvSpPr/>
+          <p:nvPr/>
+        </p:nvSpPr>
+        <p:spPr>
+          <a:xfrm>
+            <a:off x="3984479" y="11296869"/>
+            <a:ext cx="976690" cy="1023733"/>
+          </a:xfrm>
+          <a:prstGeom prst="rect">
+            <a:avLst/>
+          </a:prstGeom>
+          <a:solidFill>
+            <a:srgbClr val="919292"/>
+          </a:solidFill>
+          <a:ln>
+            <a:noFill/>
+          </a:ln>
+        </p:spPr>
+        <p:style>
+          <a:lnRef idx="2">
+            <a:schemeClr val="accent1">
+              <a:shade val="15000"/>
+            </a:schemeClr>
+          </a:lnRef>
+          <a:fillRef idx="1">
+            <a:schemeClr val="accent1"/>
+          </a:fillRef>
+          <a:effectRef idx="0">
+            <a:schemeClr val="accent1"/>
+          </a:effectRef>
+          <a:fontRef idx="minor">
+            <a:schemeClr val="lt1"/>
+          </a:fontRef>
+        </p:style>
+        <p:txBody>
+          <a:bodyPr rtlCol="0" anchor="ctr"/>
+          <a:lstStyle/>
+          <a:p>
+            <a:pPr algn="ctr"/>
+            <a:endParaRPr lang="ja-JP" altLang="en-US" sz="7067"/>
+          </a:p>
+        </p:txBody>
+      </p:sp>
+      <p:sp>
+        <p:nvSpPr>
+          <p:cNvPr id="59" name="二等辺三角形 58">
+            <a:extLst>
+              <a:ext uri="{FF2B5EF4-FFF2-40B4-BE49-F238E27FC236}">
+                <a16:creationId xmlns:a16="http://schemas.microsoft.com/office/drawing/2014/main" id="{13916ECA-63CF-82CA-BBCF-712501E16D0C}"/>
+              </a:ext>
+            </a:extLst>
+          </p:cNvPr>
+          <p:cNvSpPr/>
+          <p:nvPr/>
+        </p:nvSpPr>
+        <p:spPr>
+          <a:xfrm rot="5400000" flipH="1" flipV="1">
+            <a:off x="3508784" y="12034625"/>
+            <a:ext cx="418689" cy="153264"/>
+          </a:xfrm>
+          <a:prstGeom prst="triangle">
+            <a:avLst>
+              <a:gd name="adj" fmla="val 100000"/>
+            </a:avLst>
+          </a:prstGeom>
+          <a:solidFill>
+            <a:srgbClr val="919292"/>
+          </a:solidFill>
+          <a:ln>
+            <a:noFill/>
+          </a:ln>
+        </p:spPr>
+        <p:style>
+          <a:lnRef idx="2">
+            <a:schemeClr val="accent1">
+              <a:shade val="15000"/>
+            </a:schemeClr>
+          </a:lnRef>
+          <a:fillRef idx="1">
+            <a:schemeClr val="accent1"/>
+          </a:fillRef>
+          <a:effectRef idx="0">
+            <a:schemeClr val="accent1"/>
+          </a:effectRef>
+          <a:fontRef idx="minor">
+            <a:schemeClr val="lt1"/>
+          </a:fontRef>
+        </p:style>
+        <p:txBody>
+          <a:bodyPr rtlCol="0" anchor="ctr"/>
+          <a:lstStyle/>
+          <a:p>
+            <a:pPr algn="ctr"/>
+            <a:endParaRPr kumimoji="1" lang="ja-JP" altLang="en-US"/>
+          </a:p>
+        </p:txBody>
+      </p:sp>
+      <p:sp>
+        <p:nvSpPr>
+          <p:cNvPr id="60" name="正方形/長方形 59">
+            <a:extLst>
+              <a:ext uri="{FF2B5EF4-FFF2-40B4-BE49-F238E27FC236}">
+                <a16:creationId xmlns:a16="http://schemas.microsoft.com/office/drawing/2014/main" id="{BFABCE08-CC61-37BF-7DE5-ACB52E966D0A}"/>
+              </a:ext>
+            </a:extLst>
+          </p:cNvPr>
+          <p:cNvSpPr/>
+          <p:nvPr/>
+        </p:nvSpPr>
+        <p:spPr>
+          <a:xfrm>
+            <a:off x="3793976" y="11875469"/>
+            <a:ext cx="223061" cy="444210"/>
+          </a:xfrm>
+          <a:prstGeom prst="rect">
+            <a:avLst/>
+          </a:prstGeom>
+          <a:solidFill>
+            <a:srgbClr val="919292"/>
+          </a:solidFill>
+          <a:ln>
+            <a:noFill/>
+          </a:ln>
+        </p:spPr>
+        <p:style>
+          <a:lnRef idx="2">
+            <a:schemeClr val="accent1">
+              <a:shade val="15000"/>
+            </a:schemeClr>
+          </a:lnRef>
+          <a:fillRef idx="1">
+            <a:schemeClr val="accent1"/>
+          </a:fillRef>
+          <a:effectRef idx="0">
+            <a:schemeClr val="accent1"/>
+          </a:effectRef>
+          <a:fontRef idx="minor">
+            <a:schemeClr val="lt1"/>
+          </a:fontRef>
+        </p:style>
+        <p:txBody>
+          <a:bodyPr rtlCol="0" anchor="ctr"/>
+          <a:lstStyle/>
+          <a:p>
+            <a:pPr algn="ctr"/>
+            <a:endParaRPr lang="ja-JP" altLang="en-US" sz="7067"/>
+          </a:p>
+        </p:txBody>
+      </p:sp>
+      <p:sp>
+        <p:nvSpPr>
+          <p:cNvPr id="61" name="二等辺三角形 60">
+            <a:extLst>
+              <a:ext uri="{FF2B5EF4-FFF2-40B4-BE49-F238E27FC236}">
+                <a16:creationId xmlns:a16="http://schemas.microsoft.com/office/drawing/2014/main" id="{B3BE47F9-D51A-CDD0-E8E8-A83DFAF7D79A}"/>
+              </a:ext>
+            </a:extLst>
+          </p:cNvPr>
+          <p:cNvSpPr/>
+          <p:nvPr/>
+        </p:nvSpPr>
+        <p:spPr>
+          <a:xfrm rot="5400000" flipV="1">
+            <a:off x="3507569" y="11430796"/>
+            <a:ext cx="610838" cy="342985"/>
+          </a:xfrm>
+          <a:prstGeom prst="triangle">
+            <a:avLst>
+              <a:gd name="adj" fmla="val 100000"/>
+            </a:avLst>
+          </a:prstGeom>
+          <a:solidFill>
+            <a:srgbClr val="919292"/>
+          </a:solidFill>
+          <a:ln>
+            <a:noFill/>
+          </a:ln>
+        </p:spPr>
+        <p:style>
+          <a:lnRef idx="2">
+            <a:schemeClr val="accent1">
+              <a:shade val="15000"/>
+            </a:schemeClr>
+          </a:lnRef>
+          <a:fillRef idx="1">
+            <a:schemeClr val="accent1"/>
+          </a:fillRef>
+          <a:effectRef idx="0">
+            <a:schemeClr val="accent1"/>
+          </a:effectRef>
+          <a:fontRef idx="minor">
+            <a:schemeClr val="lt1"/>
+          </a:fontRef>
+        </p:style>
+        <p:txBody>
+          <a:bodyPr rtlCol="0" anchor="ctr"/>
+          <a:lstStyle/>
+          <a:p>
+            <a:pPr algn="ctr"/>
+            <a:endParaRPr kumimoji="1" lang="ja-JP" altLang="en-US"/>
+          </a:p>
+        </p:txBody>
+      </p:sp>
+      <p:pic>
+        <p:nvPicPr>
+          <p:cNvPr id="65" name="図 64">
+            <a:extLst>
+              <a:ext uri="{FF2B5EF4-FFF2-40B4-BE49-F238E27FC236}">
+                <a16:creationId xmlns:a16="http://schemas.microsoft.com/office/drawing/2014/main" id="{844A20BA-AD34-BBA5-17D1-9CD1AA487AF1}"/>
+              </a:ext>
+            </a:extLst>
+          </p:cNvPr>
+          <p:cNvPicPr>
+            <a:picLocks noChangeAspect="1"/>
+          </p:cNvPicPr>
+          <p:nvPr/>
+        </p:nvPicPr>
+        <p:blipFill>
+          <a:blip r:embed="rId15"/>
+          <a:stretch>
+            <a:fillRect/>
+          </a:stretch>
+        </p:blipFill>
+        <p:spPr>
+          <a:xfrm>
+            <a:off x="1756747" y="7219784"/>
+            <a:ext cx="356831" cy="276347"/>
           </a:xfrm>
           <a:prstGeom prst="rect">
             <a:avLst/>
@@ -5603,10 +6353,10 @@
       </p:pic>
       <p:pic>
         <p:nvPicPr>
-          <p:cNvPr id="56" name="図 55">
+          <p:cNvPr id="55" name="図 54">
             <a:extLst>
               <a:ext uri="{FF2B5EF4-FFF2-40B4-BE49-F238E27FC236}">
-                <a16:creationId xmlns:a16="http://schemas.microsoft.com/office/drawing/2014/main" id="{4937001E-0DCE-1720-C4CB-9D5CC933BD13}"/>
+                <a16:creationId xmlns:a16="http://schemas.microsoft.com/office/drawing/2014/main" id="{37C6FF51-3CB2-3EE9-E3FC-07D492F52E86}"/>
               </a:ext>
             </a:extLst>
           </p:cNvPr>
@@ -5622,360 +6372,15 @@
           </a:stretch>
         </p:blipFill>
         <p:spPr>
-          <a:xfrm flipH="1" flipV="1">
-            <a:off x="6527047" y="11201481"/>
-            <a:ext cx="715824" cy="1400865"/>
+          <a:xfrm>
+            <a:off x="1574187" y="7293209"/>
+            <a:ext cx="182559" cy="343935"/>
           </a:xfrm>
           <a:prstGeom prst="rect">
             <a:avLst/>
           </a:prstGeom>
         </p:spPr>
       </p:pic>
-      <p:sp>
-        <p:nvSpPr>
-          <p:cNvPr id="58" name="正方形/長方形 57">
-            <a:extLst>
-              <a:ext uri="{FF2B5EF4-FFF2-40B4-BE49-F238E27FC236}">
-                <a16:creationId xmlns:a16="http://schemas.microsoft.com/office/drawing/2014/main" id="{F90FE6B8-C214-3B6F-AA12-F4D7A6FBFCB5}"/>
-              </a:ext>
-            </a:extLst>
-          </p:cNvPr>
-          <p:cNvSpPr/>
-          <p:nvPr/>
-        </p:nvSpPr>
-        <p:spPr>
-          <a:xfrm>
-            <a:off x="8553272" y="11780282"/>
-            <a:ext cx="1056765" cy="966077"/>
-          </a:xfrm>
-          <a:prstGeom prst="rect">
-            <a:avLst/>
-          </a:prstGeom>
-          <a:solidFill>
-            <a:srgbClr val="919292"/>
-          </a:solidFill>
-          <a:ln>
-            <a:noFill/>
-          </a:ln>
-        </p:spPr>
-        <p:style>
-          <a:lnRef idx="2">
-            <a:schemeClr val="accent1">
-              <a:shade val="15000"/>
-            </a:schemeClr>
-          </a:lnRef>
-          <a:fillRef idx="1">
-            <a:schemeClr val="accent1"/>
-          </a:fillRef>
-          <a:effectRef idx="0">
-            <a:schemeClr val="accent1"/>
-          </a:effectRef>
-          <a:fontRef idx="minor">
-            <a:schemeClr val="lt1"/>
-          </a:fontRef>
-        </p:style>
-        <p:txBody>
-          <a:bodyPr rtlCol="0" anchor="ctr"/>
-          <a:lstStyle/>
-          <a:p>
-            <a:pPr algn="ctr"/>
-            <a:endParaRPr lang="ja-JP" altLang="en-US" sz="7067"/>
-          </a:p>
-        </p:txBody>
-      </p:sp>
-      <p:sp>
-        <p:nvSpPr>
-          <p:cNvPr id="71" name="正方形/長方形 70">
-            <a:extLst>
-              <a:ext uri="{FF2B5EF4-FFF2-40B4-BE49-F238E27FC236}">
-                <a16:creationId xmlns:a16="http://schemas.microsoft.com/office/drawing/2014/main" id="{853C448A-591C-9E71-877A-8A4C4E4DE172}"/>
-              </a:ext>
-            </a:extLst>
-          </p:cNvPr>
-          <p:cNvSpPr/>
-          <p:nvPr/>
-        </p:nvSpPr>
-        <p:spPr>
-          <a:xfrm>
-            <a:off x="3874140" y="11092455"/>
-            <a:ext cx="1097142" cy="1438377"/>
-          </a:xfrm>
-          <a:prstGeom prst="rect">
-            <a:avLst/>
-          </a:prstGeom>
-          <a:solidFill>
-            <a:srgbClr val="282828"/>
-          </a:solidFill>
-          <a:ln>
-            <a:noFill/>
-          </a:ln>
-        </p:spPr>
-        <p:style>
-          <a:lnRef idx="2">
-            <a:schemeClr val="accent1">
-              <a:shade val="15000"/>
-            </a:schemeClr>
-          </a:lnRef>
-          <a:fillRef idx="1">
-            <a:schemeClr val="accent1"/>
-          </a:fillRef>
-          <a:effectRef idx="0">
-            <a:schemeClr val="accent1"/>
-          </a:effectRef>
-          <a:fontRef idx="minor">
-            <a:schemeClr val="lt1"/>
-          </a:fontRef>
-        </p:style>
-        <p:txBody>
-          <a:bodyPr rtlCol="0" anchor="ctr"/>
-          <a:lstStyle/>
-          <a:p>
-            <a:pPr algn="ctr"/>
-            <a:endParaRPr lang="ja-JP" altLang="en-US" sz="7067"/>
-          </a:p>
-        </p:txBody>
-      </p:sp>
-      <p:sp>
-        <p:nvSpPr>
-          <p:cNvPr id="72" name="二等辺三角形 71">
-            <a:extLst>
-              <a:ext uri="{FF2B5EF4-FFF2-40B4-BE49-F238E27FC236}">
-                <a16:creationId xmlns:a16="http://schemas.microsoft.com/office/drawing/2014/main" id="{5B700F99-F1D8-48C9-D06C-DD7C508E6429}"/>
-              </a:ext>
-            </a:extLst>
-          </p:cNvPr>
-          <p:cNvSpPr/>
-          <p:nvPr/>
-        </p:nvSpPr>
-        <p:spPr>
-          <a:xfrm rot="5400000" flipV="1">
-            <a:off x="3241694" y="11279414"/>
-            <a:ext cx="821861" cy="443033"/>
-          </a:xfrm>
-          <a:prstGeom prst="triangle">
-            <a:avLst>
-              <a:gd name="adj" fmla="val 100000"/>
-            </a:avLst>
-          </a:prstGeom>
-          <a:solidFill>
-            <a:srgbClr val="282828"/>
-          </a:solidFill>
-          <a:ln>
-            <a:noFill/>
-          </a:ln>
-        </p:spPr>
-        <p:style>
-          <a:lnRef idx="2">
-            <a:schemeClr val="accent1">
-              <a:shade val="15000"/>
-            </a:schemeClr>
-          </a:lnRef>
-          <a:fillRef idx="1">
-            <a:schemeClr val="accent1"/>
-          </a:fillRef>
-          <a:effectRef idx="0">
-            <a:schemeClr val="accent1"/>
-          </a:effectRef>
-          <a:fontRef idx="minor">
-            <a:schemeClr val="lt1"/>
-          </a:fontRef>
-        </p:style>
-        <p:txBody>
-          <a:bodyPr rtlCol="0" anchor="ctr"/>
-          <a:lstStyle/>
-          <a:p>
-            <a:pPr algn="ctr"/>
-            <a:endParaRPr kumimoji="1" lang="ja-JP" altLang="en-US"/>
-          </a:p>
-        </p:txBody>
-      </p:sp>
-      <p:sp>
-        <p:nvSpPr>
-          <p:cNvPr id="73" name="二等辺三角形 72">
-            <a:extLst>
-              <a:ext uri="{FF2B5EF4-FFF2-40B4-BE49-F238E27FC236}">
-                <a16:creationId xmlns:a16="http://schemas.microsoft.com/office/drawing/2014/main" id="{C686788B-F203-3BC8-7C7C-90CF42F02CCE}"/>
-              </a:ext>
-            </a:extLst>
-          </p:cNvPr>
-          <p:cNvSpPr/>
-          <p:nvPr/>
-        </p:nvSpPr>
-        <p:spPr>
-          <a:xfrm rot="5400000" flipH="1" flipV="1">
-            <a:off x="3235112" y="12085112"/>
-            <a:ext cx="637871" cy="253567"/>
-          </a:xfrm>
-          <a:prstGeom prst="triangle">
-            <a:avLst>
-              <a:gd name="adj" fmla="val 100000"/>
-            </a:avLst>
-          </a:prstGeom>
-          <a:solidFill>
-            <a:srgbClr val="282828"/>
-          </a:solidFill>
-          <a:ln>
-            <a:noFill/>
-          </a:ln>
-        </p:spPr>
-        <p:style>
-          <a:lnRef idx="2">
-            <a:schemeClr val="accent1">
-              <a:shade val="15000"/>
-            </a:schemeClr>
-          </a:lnRef>
-          <a:fillRef idx="1">
-            <a:schemeClr val="accent1"/>
-          </a:fillRef>
-          <a:effectRef idx="0">
-            <a:schemeClr val="accent1"/>
-          </a:effectRef>
-          <a:fontRef idx="minor">
-            <a:schemeClr val="lt1"/>
-          </a:fontRef>
-        </p:style>
-        <p:txBody>
-          <a:bodyPr rtlCol="0" anchor="ctr"/>
-          <a:lstStyle/>
-          <a:p>
-            <a:pPr algn="ctr"/>
-            <a:endParaRPr kumimoji="1" lang="ja-JP" altLang="en-US"/>
-          </a:p>
-        </p:txBody>
-      </p:sp>
-      <p:sp>
-        <p:nvSpPr>
-          <p:cNvPr id="74" name="正方形/長方形 73">
-            <a:extLst>
-              <a:ext uri="{FF2B5EF4-FFF2-40B4-BE49-F238E27FC236}">
-                <a16:creationId xmlns:a16="http://schemas.microsoft.com/office/drawing/2014/main" id="{D287B107-6C26-7394-0C67-C43B652486AB}"/>
-              </a:ext>
-            </a:extLst>
-          </p:cNvPr>
-          <p:cNvSpPr/>
-          <p:nvPr/>
-        </p:nvSpPr>
-        <p:spPr>
-          <a:xfrm>
-            <a:off x="3677927" y="11840516"/>
-            <a:ext cx="253567" cy="690316"/>
-          </a:xfrm>
-          <a:prstGeom prst="rect">
-            <a:avLst/>
-          </a:prstGeom>
-          <a:solidFill>
-            <a:srgbClr val="282828"/>
-          </a:solidFill>
-          <a:ln>
-            <a:noFill/>
-          </a:ln>
-        </p:spPr>
-        <p:style>
-          <a:lnRef idx="2">
-            <a:schemeClr val="accent1">
-              <a:shade val="15000"/>
-            </a:schemeClr>
-          </a:lnRef>
-          <a:fillRef idx="1">
-            <a:schemeClr val="accent1"/>
-          </a:fillRef>
-          <a:effectRef idx="0">
-            <a:schemeClr val="accent1"/>
-          </a:effectRef>
-          <a:fontRef idx="minor">
-            <a:schemeClr val="lt1"/>
-          </a:fontRef>
-        </p:style>
-        <p:txBody>
-          <a:bodyPr rtlCol="0" anchor="ctr"/>
-          <a:lstStyle/>
-          <a:p>
-            <a:pPr algn="ctr"/>
-            <a:endParaRPr lang="ja-JP" altLang="en-US" sz="7067"/>
-          </a:p>
-        </p:txBody>
-      </p:sp>
-      <p:pic>
-        <p:nvPicPr>
-          <p:cNvPr id="75" name="図 74">
-            <a:extLst>
-              <a:ext uri="{FF2B5EF4-FFF2-40B4-BE49-F238E27FC236}">
-                <a16:creationId xmlns:a16="http://schemas.microsoft.com/office/drawing/2014/main" id="{BA2785BC-7F21-0431-A42B-3D7AC2109345}"/>
-              </a:ext>
-            </a:extLst>
-          </p:cNvPr>
-          <p:cNvPicPr>
-            <a:picLocks noChangeAspect="1"/>
-          </p:cNvPicPr>
-          <p:nvPr/>
-        </p:nvPicPr>
-        <p:blipFill rotWithShape="1">
-          <a:blip r:embed="rId9"/>
-          <a:srcRect t="3510"/>
-          <a:stretch/>
-        </p:blipFill>
-        <p:spPr>
-          <a:xfrm>
-            <a:off x="4967862" y="11080577"/>
-            <a:ext cx="737762" cy="1469704"/>
-          </a:xfrm>
-          <a:prstGeom prst="rect">
-            <a:avLst/>
-          </a:prstGeom>
-        </p:spPr>
-      </p:pic>
-      <p:sp>
-        <p:nvSpPr>
-          <p:cNvPr id="76" name="正方形/長方形 75">
-            <a:extLst>
-              <a:ext uri="{FF2B5EF4-FFF2-40B4-BE49-F238E27FC236}">
-                <a16:creationId xmlns:a16="http://schemas.microsoft.com/office/drawing/2014/main" id="{F2858A41-8C99-7697-621F-0B428E7B7913}"/>
-              </a:ext>
-            </a:extLst>
-          </p:cNvPr>
-          <p:cNvSpPr/>
-          <p:nvPr/>
-        </p:nvSpPr>
-        <p:spPr>
-          <a:xfrm>
-            <a:off x="3995928" y="11201481"/>
-            <a:ext cx="969423" cy="1224834"/>
-          </a:xfrm>
-          <a:prstGeom prst="rect">
-            <a:avLst/>
-          </a:prstGeom>
-          <a:solidFill>
-            <a:srgbClr val="C7C7BD"/>
-          </a:solidFill>
-          <a:ln>
-            <a:noFill/>
-          </a:ln>
-        </p:spPr>
-        <p:style>
-          <a:lnRef idx="2">
-            <a:schemeClr val="accent1">
-              <a:shade val="15000"/>
-            </a:schemeClr>
-          </a:lnRef>
-          <a:fillRef idx="1">
-            <a:schemeClr val="accent1"/>
-          </a:fillRef>
-          <a:effectRef idx="0">
-            <a:schemeClr val="accent1"/>
-          </a:effectRef>
-          <a:fontRef idx="minor">
-            <a:schemeClr val="lt1"/>
-          </a:fontRef>
-        </p:style>
-        <p:txBody>
-          <a:bodyPr rtlCol="0" anchor="ctr"/>
-          <a:lstStyle/>
-          <a:p>
-            <a:pPr algn="ctr"/>
-            <a:endParaRPr lang="ja-JP" altLang="en-US" sz="7067"/>
-          </a:p>
-        </p:txBody>
-      </p:sp>
     </p:spTree>
     <p:extLst>
       <p:ext uri="{BB962C8B-B14F-4D97-AF65-F5344CB8AC3E}">

--- a/モデリング/車両/03/03.pptx
+++ b/モデリング/車両/03/03.pptx
@@ -3389,7 +3389,7 @@
           <a:lstStyle/>
           <a:p>
             <a:pPr algn="ctr"/>
-            <a:endParaRPr lang="ja-JP" altLang="en-US" sz="7067"/>
+            <a:endParaRPr lang="ja-JP" altLang="en-US" sz="7067" dirty="0"/>
           </a:p>
         </p:txBody>
       </p:sp>
@@ -3601,7 +3601,7 @@
         </p:blipFill>
         <p:spPr>
           <a:xfrm>
-            <a:off x="1615450" y="5809701"/>
+            <a:off x="1633850" y="5255145"/>
             <a:ext cx="293719" cy="288945"/>
           </a:xfrm>
           <a:prstGeom prst="rect">
@@ -3660,7 +3660,7 @@
         </p:blipFill>
         <p:spPr>
           <a:xfrm>
-            <a:off x="807040" y="2425699"/>
+            <a:off x="921912" y="2637454"/>
             <a:ext cx="8749469" cy="2562800"/>
           </a:xfrm>
           <a:prstGeom prst="rect">
@@ -3689,7 +3689,7 @@
         </p:blipFill>
         <p:spPr>
           <a:xfrm>
-            <a:off x="6404057" y="2804750"/>
+            <a:off x="10396672" y="1144299"/>
             <a:ext cx="7606255" cy="2562800"/>
           </a:xfrm>
           <a:prstGeom prst="rect">
@@ -3699,10 +3699,10 @@
       </p:pic>
       <p:pic>
         <p:nvPicPr>
-          <p:cNvPr id="3" name="図 2">
-            <a:extLst>
-              <a:ext uri="{FF2B5EF4-FFF2-40B4-BE49-F238E27FC236}">
-                <a16:creationId xmlns:a16="http://schemas.microsoft.com/office/drawing/2014/main" id="{B56BD623-6ED5-D1C1-BBC1-7202C83662EE}"/>
+          <p:cNvPr id="12" name="図 11">
+            <a:extLst>
+              <a:ext uri="{FF2B5EF4-FFF2-40B4-BE49-F238E27FC236}">
+                <a16:creationId xmlns:a16="http://schemas.microsoft.com/office/drawing/2014/main" id="{CD48C9DB-D082-CEAA-1964-51C34CEACFF2}"/>
               </a:ext>
             </a:extLst>
           </p:cNvPr>
@@ -3711,13 +3711,3227 @@
           </p:cNvPicPr>
           <p:nvPr/>
         </p:nvPicPr>
+        <p:blipFill rotWithShape="1">
+          <a:blip r:embed="rId4"/>
+          <a:srcRect l="1" t="65225" r="87121" b="17129"/>
+          <a:stretch/>
+        </p:blipFill>
+        <p:spPr>
+          <a:xfrm>
+            <a:off x="-815148" y="11080577"/>
+            <a:ext cx="5783919" cy="2321427"/>
+          </a:xfrm>
+          <a:prstGeom prst="rect">
+            <a:avLst/>
+          </a:prstGeom>
+        </p:spPr>
+      </p:pic>
+      <p:sp>
+        <p:nvSpPr>
+          <p:cNvPr id="15" name="正方形/長方形 14">
+            <a:extLst>
+              <a:ext uri="{FF2B5EF4-FFF2-40B4-BE49-F238E27FC236}">
+                <a16:creationId xmlns:a16="http://schemas.microsoft.com/office/drawing/2014/main" id="{5A669D53-4B45-2FC4-6E80-D45D320473B0}"/>
+              </a:ext>
+            </a:extLst>
+          </p:cNvPr>
+          <p:cNvSpPr/>
+          <p:nvPr/>
+        </p:nvSpPr>
+        <p:spPr>
+          <a:xfrm>
+            <a:off x="2881890" y="8791995"/>
+            <a:ext cx="1809036" cy="290585"/>
+          </a:xfrm>
+          <a:prstGeom prst="rect">
+            <a:avLst/>
+          </a:prstGeom>
+          <a:solidFill>
+            <a:srgbClr val="282828"/>
+          </a:solidFill>
+          <a:ln>
+            <a:noFill/>
+          </a:ln>
+        </p:spPr>
+        <p:style>
+          <a:lnRef idx="2">
+            <a:schemeClr val="accent1">
+              <a:shade val="15000"/>
+            </a:schemeClr>
+          </a:lnRef>
+          <a:fillRef idx="1">
+            <a:schemeClr val="accent1"/>
+          </a:fillRef>
+          <a:effectRef idx="0">
+            <a:schemeClr val="accent1"/>
+          </a:effectRef>
+          <a:fontRef idx="minor">
+            <a:schemeClr val="lt1"/>
+          </a:fontRef>
+        </p:style>
+        <p:txBody>
+          <a:bodyPr rtlCol="0" anchor="ctr"/>
+          <a:lstStyle/>
+          <a:p>
+            <a:pPr algn="ctr"/>
+            <a:endParaRPr lang="ja-JP" altLang="en-US" sz="7067"/>
+          </a:p>
+        </p:txBody>
+      </p:sp>
+      <p:sp>
+        <p:nvSpPr>
+          <p:cNvPr id="18" name="正方形/長方形 17">
+            <a:extLst>
+              <a:ext uri="{FF2B5EF4-FFF2-40B4-BE49-F238E27FC236}">
+                <a16:creationId xmlns:a16="http://schemas.microsoft.com/office/drawing/2014/main" id="{0868429A-3C87-F212-1B71-E4A743B8802F}"/>
+              </a:ext>
+            </a:extLst>
+          </p:cNvPr>
+          <p:cNvSpPr/>
+          <p:nvPr/>
+        </p:nvSpPr>
+        <p:spPr>
+          <a:xfrm>
+            <a:off x="2881890" y="8821396"/>
+            <a:ext cx="1809036" cy="231784"/>
+          </a:xfrm>
+          <a:prstGeom prst="rect">
+            <a:avLst/>
+          </a:prstGeom>
+          <a:solidFill>
+            <a:srgbClr val="C7C7BD"/>
+          </a:solidFill>
+          <a:ln>
+            <a:noFill/>
+          </a:ln>
+        </p:spPr>
+        <p:style>
+          <a:lnRef idx="2">
+            <a:schemeClr val="accent1">
+              <a:shade val="15000"/>
+            </a:schemeClr>
+          </a:lnRef>
+          <a:fillRef idx="1">
+            <a:schemeClr val="accent1"/>
+          </a:fillRef>
+          <a:effectRef idx="0">
+            <a:schemeClr val="accent1"/>
+          </a:effectRef>
+          <a:fontRef idx="minor">
+            <a:schemeClr val="lt1"/>
+          </a:fontRef>
+        </p:style>
+        <p:txBody>
+          <a:bodyPr rtlCol="0" anchor="ctr"/>
+          <a:lstStyle/>
+          <a:p>
+            <a:pPr algn="ctr"/>
+            <a:endParaRPr lang="ja-JP" altLang="en-US" sz="7067"/>
+          </a:p>
+        </p:txBody>
+      </p:sp>
+      <p:sp>
+        <p:nvSpPr>
+          <p:cNvPr id="19" name="正方形/長方形 18">
+            <a:extLst>
+              <a:ext uri="{FF2B5EF4-FFF2-40B4-BE49-F238E27FC236}">
+                <a16:creationId xmlns:a16="http://schemas.microsoft.com/office/drawing/2014/main" id="{40876F07-C49B-A5FA-E9A5-8D6B453BF479}"/>
+              </a:ext>
+            </a:extLst>
+          </p:cNvPr>
+          <p:cNvSpPr/>
+          <p:nvPr/>
+        </p:nvSpPr>
+        <p:spPr>
+          <a:xfrm>
+            <a:off x="2881890" y="8840620"/>
+            <a:ext cx="1809036" cy="193336"/>
+          </a:xfrm>
+          <a:prstGeom prst="rect">
+            <a:avLst/>
+          </a:prstGeom>
+          <a:solidFill>
+            <a:srgbClr val="919292"/>
+          </a:solidFill>
+          <a:ln>
+            <a:noFill/>
+          </a:ln>
+        </p:spPr>
+        <p:style>
+          <a:lnRef idx="2">
+            <a:schemeClr val="accent1">
+              <a:shade val="15000"/>
+            </a:schemeClr>
+          </a:lnRef>
+          <a:fillRef idx="1">
+            <a:schemeClr val="accent1"/>
+          </a:fillRef>
+          <a:effectRef idx="0">
+            <a:schemeClr val="accent1"/>
+          </a:effectRef>
+          <a:fontRef idx="minor">
+            <a:schemeClr val="lt1"/>
+          </a:fontRef>
+        </p:style>
+        <p:txBody>
+          <a:bodyPr rtlCol="0" anchor="ctr"/>
+          <a:lstStyle/>
+          <a:p>
+            <a:pPr algn="ctr"/>
+            <a:endParaRPr lang="ja-JP" altLang="en-US" sz="7067"/>
+          </a:p>
+        </p:txBody>
+      </p:sp>
+      <p:pic>
+        <p:nvPicPr>
+          <p:cNvPr id="21" name="図 20">
+            <a:extLst>
+              <a:ext uri="{FF2B5EF4-FFF2-40B4-BE49-F238E27FC236}">
+                <a16:creationId xmlns:a16="http://schemas.microsoft.com/office/drawing/2014/main" id="{3A99653C-5CA4-EC67-5D34-04A872080967}"/>
+              </a:ext>
+            </a:extLst>
+          </p:cNvPr>
+          <p:cNvPicPr>
+            <a:picLocks noChangeAspect="1"/>
+          </p:cNvPicPr>
+          <p:nvPr/>
+        </p:nvPicPr>
+        <p:blipFill rotWithShape="1">
+          <a:blip r:embed="rId7"/>
+          <a:srcRect t="3510"/>
+          <a:stretch/>
+        </p:blipFill>
+        <p:spPr>
+          <a:xfrm>
+            <a:off x="2776362" y="7216627"/>
+            <a:ext cx="6895019" cy="282662"/>
+          </a:xfrm>
+          <a:prstGeom prst="rect">
+            <a:avLst/>
+          </a:prstGeom>
+        </p:spPr>
+      </p:pic>
+      <p:sp>
+        <p:nvSpPr>
+          <p:cNvPr id="23" name="正方形/長方形 22">
+            <a:extLst>
+              <a:ext uri="{FF2B5EF4-FFF2-40B4-BE49-F238E27FC236}">
+                <a16:creationId xmlns:a16="http://schemas.microsoft.com/office/drawing/2014/main" id="{E2C83E9B-1790-C8FA-67CF-5A54882B9C39}"/>
+              </a:ext>
+            </a:extLst>
+          </p:cNvPr>
+          <p:cNvSpPr/>
+          <p:nvPr/>
+        </p:nvSpPr>
+        <p:spPr>
+          <a:xfrm>
+            <a:off x="1223420" y="9082580"/>
+            <a:ext cx="457290" cy="290585"/>
+          </a:xfrm>
+          <a:prstGeom prst="rect">
+            <a:avLst/>
+          </a:prstGeom>
+          <a:solidFill>
+            <a:srgbClr val="282828"/>
+          </a:solidFill>
+          <a:ln>
+            <a:noFill/>
+          </a:ln>
+        </p:spPr>
+        <p:style>
+          <a:lnRef idx="2">
+            <a:schemeClr val="accent1">
+              <a:shade val="15000"/>
+            </a:schemeClr>
+          </a:lnRef>
+          <a:fillRef idx="1">
+            <a:schemeClr val="accent1"/>
+          </a:fillRef>
+          <a:effectRef idx="0">
+            <a:schemeClr val="accent1"/>
+          </a:effectRef>
+          <a:fontRef idx="minor">
+            <a:schemeClr val="lt1"/>
+          </a:fontRef>
+        </p:style>
+        <p:txBody>
+          <a:bodyPr rtlCol="0" anchor="ctr"/>
+          <a:lstStyle/>
+          <a:p>
+            <a:pPr algn="ctr"/>
+            <a:endParaRPr lang="ja-JP" altLang="en-US" sz="7067"/>
+          </a:p>
+        </p:txBody>
+      </p:sp>
+      <p:sp>
+        <p:nvSpPr>
+          <p:cNvPr id="24" name="正方形/長方形 23">
+            <a:extLst>
+              <a:ext uri="{FF2B5EF4-FFF2-40B4-BE49-F238E27FC236}">
+                <a16:creationId xmlns:a16="http://schemas.microsoft.com/office/drawing/2014/main" id="{ECE2E6B4-04C7-9435-F830-1B55FFE7ABFE}"/>
+              </a:ext>
+            </a:extLst>
+          </p:cNvPr>
+          <p:cNvSpPr/>
+          <p:nvPr/>
+        </p:nvSpPr>
+        <p:spPr>
+          <a:xfrm>
+            <a:off x="1223420" y="9111981"/>
+            <a:ext cx="457290" cy="231784"/>
+          </a:xfrm>
+          <a:prstGeom prst="rect">
+            <a:avLst/>
+          </a:prstGeom>
+          <a:solidFill>
+            <a:srgbClr val="C7C7BD"/>
+          </a:solidFill>
+          <a:ln>
+            <a:noFill/>
+          </a:ln>
+        </p:spPr>
+        <p:style>
+          <a:lnRef idx="2">
+            <a:schemeClr val="accent1">
+              <a:shade val="15000"/>
+            </a:schemeClr>
+          </a:lnRef>
+          <a:fillRef idx="1">
+            <a:schemeClr val="accent1"/>
+          </a:fillRef>
+          <a:effectRef idx="0">
+            <a:schemeClr val="accent1"/>
+          </a:effectRef>
+          <a:fontRef idx="minor">
+            <a:schemeClr val="lt1"/>
+          </a:fontRef>
+        </p:style>
+        <p:txBody>
+          <a:bodyPr rtlCol="0" anchor="ctr"/>
+          <a:lstStyle/>
+          <a:p>
+            <a:pPr algn="ctr"/>
+            <a:endParaRPr lang="ja-JP" altLang="en-US" sz="7067"/>
+          </a:p>
+        </p:txBody>
+      </p:sp>
+      <p:sp>
+        <p:nvSpPr>
+          <p:cNvPr id="26" name="二等辺三角形 25">
+            <a:extLst>
+              <a:ext uri="{FF2B5EF4-FFF2-40B4-BE49-F238E27FC236}">
+                <a16:creationId xmlns:a16="http://schemas.microsoft.com/office/drawing/2014/main" id="{CE5F9C41-C31E-F105-CF9A-53084A8E624B}"/>
+              </a:ext>
+            </a:extLst>
+          </p:cNvPr>
+          <p:cNvSpPr/>
+          <p:nvPr/>
+        </p:nvSpPr>
+        <p:spPr>
+          <a:xfrm rot="5400000">
+            <a:off x="1721858" y="9103582"/>
+            <a:ext cx="80903" cy="55245"/>
+          </a:xfrm>
+          <a:prstGeom prst="triangle">
+            <a:avLst>
+              <a:gd name="adj" fmla="val 100000"/>
+            </a:avLst>
+          </a:prstGeom>
+          <a:solidFill>
+            <a:srgbClr val="282828"/>
+          </a:solidFill>
+          <a:ln>
+            <a:noFill/>
+          </a:ln>
+        </p:spPr>
+        <p:style>
+          <a:lnRef idx="2">
+            <a:schemeClr val="accent1">
+              <a:shade val="15000"/>
+            </a:schemeClr>
+          </a:lnRef>
+          <a:fillRef idx="1">
+            <a:schemeClr val="accent1"/>
+          </a:fillRef>
+          <a:effectRef idx="0">
+            <a:schemeClr val="accent1"/>
+          </a:effectRef>
+          <a:fontRef idx="minor">
+            <a:schemeClr val="lt1"/>
+          </a:fontRef>
+        </p:style>
+        <p:txBody>
+          <a:bodyPr rtlCol="0" anchor="ctr"/>
+          <a:lstStyle/>
+          <a:p>
+            <a:pPr algn="ctr"/>
+            <a:endParaRPr lang="ja-JP" altLang="en-US" sz="7067"/>
+          </a:p>
+        </p:txBody>
+      </p:sp>
+      <p:sp>
+        <p:nvSpPr>
+          <p:cNvPr id="27" name="二等辺三角形 26">
+            <a:extLst>
+              <a:ext uri="{FF2B5EF4-FFF2-40B4-BE49-F238E27FC236}">
+                <a16:creationId xmlns:a16="http://schemas.microsoft.com/office/drawing/2014/main" id="{643B83F3-98BA-ABD3-26AA-0EE78B7798B3}"/>
+              </a:ext>
+            </a:extLst>
+          </p:cNvPr>
+          <p:cNvSpPr/>
+          <p:nvPr/>
+        </p:nvSpPr>
+        <p:spPr>
+          <a:xfrm rot="16200000" flipV="1">
+            <a:off x="1633167" y="9216400"/>
+            <a:ext cx="204307" cy="109222"/>
+          </a:xfrm>
+          <a:prstGeom prst="triangle">
+            <a:avLst>
+              <a:gd name="adj" fmla="val 100000"/>
+            </a:avLst>
+          </a:prstGeom>
+          <a:solidFill>
+            <a:srgbClr val="282828"/>
+          </a:solidFill>
+          <a:ln>
+            <a:noFill/>
+          </a:ln>
+        </p:spPr>
+        <p:style>
+          <a:lnRef idx="2">
+            <a:schemeClr val="accent1">
+              <a:shade val="15000"/>
+            </a:schemeClr>
+          </a:lnRef>
+          <a:fillRef idx="1">
+            <a:schemeClr val="accent1"/>
+          </a:fillRef>
+          <a:effectRef idx="0">
+            <a:schemeClr val="accent1"/>
+          </a:effectRef>
+          <a:fontRef idx="minor">
+            <a:schemeClr val="lt1"/>
+          </a:fontRef>
+        </p:style>
+        <p:txBody>
+          <a:bodyPr rtlCol="0" anchor="ctr"/>
+          <a:lstStyle/>
+          <a:p>
+            <a:pPr algn="ctr"/>
+            <a:endParaRPr lang="ja-JP" altLang="en-US" sz="7067"/>
+          </a:p>
+        </p:txBody>
+      </p:sp>
+      <p:sp>
+        <p:nvSpPr>
+          <p:cNvPr id="28" name="正方形/長方形 27">
+            <a:extLst>
+              <a:ext uri="{FF2B5EF4-FFF2-40B4-BE49-F238E27FC236}">
+                <a16:creationId xmlns:a16="http://schemas.microsoft.com/office/drawing/2014/main" id="{ABEF1BC2-63AD-C569-2A9F-F2EDE0885265}"/>
+              </a:ext>
+            </a:extLst>
+          </p:cNvPr>
+          <p:cNvSpPr/>
+          <p:nvPr/>
+        </p:nvSpPr>
+        <p:spPr>
+          <a:xfrm>
+            <a:off x="1680524" y="9082579"/>
+            <a:ext cx="54162" cy="103331"/>
+          </a:xfrm>
+          <a:prstGeom prst="rect">
+            <a:avLst/>
+          </a:prstGeom>
+          <a:solidFill>
+            <a:srgbClr val="282828"/>
+          </a:solidFill>
+          <a:ln>
+            <a:noFill/>
+          </a:ln>
+        </p:spPr>
+        <p:style>
+          <a:lnRef idx="2">
+            <a:schemeClr val="accent1">
+              <a:shade val="15000"/>
+            </a:schemeClr>
+          </a:lnRef>
+          <a:fillRef idx="1">
+            <a:schemeClr val="accent1"/>
+          </a:fillRef>
+          <a:effectRef idx="0">
+            <a:schemeClr val="accent1"/>
+          </a:effectRef>
+          <a:fontRef idx="minor">
+            <a:schemeClr val="lt1"/>
+          </a:fontRef>
+        </p:style>
+        <p:txBody>
+          <a:bodyPr rtlCol="0" anchor="ctr"/>
+          <a:lstStyle/>
+          <a:p>
+            <a:pPr algn="ctr"/>
+            <a:endParaRPr lang="ja-JP" altLang="en-US" sz="7067"/>
+          </a:p>
+        </p:txBody>
+      </p:sp>
+      <p:sp>
+        <p:nvSpPr>
+          <p:cNvPr id="29" name="正方形/長方形 28">
+            <a:extLst>
+              <a:ext uri="{FF2B5EF4-FFF2-40B4-BE49-F238E27FC236}">
+                <a16:creationId xmlns:a16="http://schemas.microsoft.com/office/drawing/2014/main" id="{655596CE-DA2A-87F7-CE7B-8CA2E2122BFC}"/>
+              </a:ext>
+            </a:extLst>
+          </p:cNvPr>
+          <p:cNvSpPr/>
+          <p:nvPr/>
+        </p:nvSpPr>
+        <p:spPr>
+          <a:xfrm>
+            <a:off x="1662613" y="9111981"/>
+            <a:ext cx="60957" cy="89076"/>
+          </a:xfrm>
+          <a:prstGeom prst="rect">
+            <a:avLst/>
+          </a:prstGeom>
+          <a:solidFill>
+            <a:srgbClr val="C7C7BD"/>
+          </a:solidFill>
+          <a:ln>
+            <a:noFill/>
+          </a:ln>
+        </p:spPr>
+        <p:style>
+          <a:lnRef idx="2">
+            <a:schemeClr val="accent1">
+              <a:shade val="15000"/>
+            </a:schemeClr>
+          </a:lnRef>
+          <a:fillRef idx="1">
+            <a:schemeClr val="accent1"/>
+          </a:fillRef>
+          <a:effectRef idx="0">
+            <a:schemeClr val="accent1"/>
+          </a:effectRef>
+          <a:fontRef idx="minor">
+            <a:schemeClr val="lt1"/>
+          </a:fontRef>
+        </p:style>
+        <p:txBody>
+          <a:bodyPr rtlCol="0" anchor="ctr"/>
+          <a:lstStyle/>
+          <a:p>
+            <a:pPr algn="ctr"/>
+            <a:endParaRPr lang="ja-JP" altLang="en-US" sz="7067"/>
+          </a:p>
+        </p:txBody>
+      </p:sp>
+      <p:sp>
+        <p:nvSpPr>
+          <p:cNvPr id="20" name="二等辺三角形 19">
+            <a:extLst>
+              <a:ext uri="{FF2B5EF4-FFF2-40B4-BE49-F238E27FC236}">
+                <a16:creationId xmlns:a16="http://schemas.microsoft.com/office/drawing/2014/main" id="{79C75449-0B1D-4828-A2D1-221DD0C1254D}"/>
+              </a:ext>
+            </a:extLst>
+          </p:cNvPr>
+          <p:cNvSpPr/>
+          <p:nvPr/>
+        </p:nvSpPr>
+        <p:spPr>
+          <a:xfrm rot="5400000">
+            <a:off x="1717993" y="9117561"/>
+            <a:ext cx="56876" cy="45719"/>
+          </a:xfrm>
+          <a:prstGeom prst="triangle">
+            <a:avLst>
+              <a:gd name="adj" fmla="val 100000"/>
+            </a:avLst>
+          </a:prstGeom>
+          <a:solidFill>
+            <a:srgbClr val="C7C7BD"/>
+          </a:solidFill>
+          <a:ln>
+            <a:noFill/>
+          </a:ln>
+        </p:spPr>
+        <p:style>
+          <a:lnRef idx="2">
+            <a:schemeClr val="accent1">
+              <a:shade val="15000"/>
+            </a:schemeClr>
+          </a:lnRef>
+          <a:fillRef idx="1">
+            <a:schemeClr val="accent1"/>
+          </a:fillRef>
+          <a:effectRef idx="0">
+            <a:schemeClr val="accent1"/>
+          </a:effectRef>
+          <a:fontRef idx="minor">
+            <a:schemeClr val="lt1"/>
+          </a:fontRef>
+        </p:style>
+        <p:txBody>
+          <a:bodyPr rtlCol="0" anchor="ctr"/>
+          <a:lstStyle/>
+          <a:p>
+            <a:pPr algn="ctr"/>
+            <a:endParaRPr lang="ja-JP" altLang="en-US" sz="7067"/>
+          </a:p>
+        </p:txBody>
+      </p:sp>
+      <p:sp>
+        <p:nvSpPr>
+          <p:cNvPr id="22" name="二等辺三角形 21">
+            <a:extLst>
+              <a:ext uri="{FF2B5EF4-FFF2-40B4-BE49-F238E27FC236}">
+                <a16:creationId xmlns:a16="http://schemas.microsoft.com/office/drawing/2014/main" id="{04DD93EF-90BC-6182-A205-06F364C479DA}"/>
+              </a:ext>
+            </a:extLst>
+          </p:cNvPr>
+          <p:cNvSpPr/>
+          <p:nvPr/>
+        </p:nvSpPr>
+        <p:spPr>
+          <a:xfrm rot="10800000">
+            <a:off x="1680523" y="9167067"/>
+            <a:ext cx="88767" cy="176698"/>
+          </a:xfrm>
+          <a:prstGeom prst="triangle">
+            <a:avLst>
+              <a:gd name="adj" fmla="val 100000"/>
+            </a:avLst>
+          </a:prstGeom>
+          <a:solidFill>
+            <a:srgbClr val="C7C7BD"/>
+          </a:solidFill>
+          <a:ln>
+            <a:noFill/>
+          </a:ln>
+        </p:spPr>
+        <p:style>
+          <a:lnRef idx="2">
+            <a:schemeClr val="accent1">
+              <a:shade val="15000"/>
+            </a:schemeClr>
+          </a:lnRef>
+          <a:fillRef idx="1">
+            <a:schemeClr val="accent1"/>
+          </a:fillRef>
+          <a:effectRef idx="0">
+            <a:schemeClr val="accent1"/>
+          </a:effectRef>
+          <a:fontRef idx="minor">
+            <a:schemeClr val="lt1"/>
+          </a:fontRef>
+        </p:style>
+        <p:txBody>
+          <a:bodyPr rtlCol="0" anchor="ctr"/>
+          <a:lstStyle/>
+          <a:p>
+            <a:pPr algn="ctr"/>
+            <a:endParaRPr lang="ja-JP" altLang="en-US" sz="7067"/>
+          </a:p>
+        </p:txBody>
+      </p:sp>
+      <p:sp>
+        <p:nvSpPr>
+          <p:cNvPr id="25" name="正方形/長方形 24">
+            <a:extLst>
+              <a:ext uri="{FF2B5EF4-FFF2-40B4-BE49-F238E27FC236}">
+                <a16:creationId xmlns:a16="http://schemas.microsoft.com/office/drawing/2014/main" id="{1C17F368-AC75-D98D-14FC-DCC7DC34393D}"/>
+              </a:ext>
+            </a:extLst>
+          </p:cNvPr>
+          <p:cNvSpPr/>
+          <p:nvPr/>
+        </p:nvSpPr>
+        <p:spPr>
+          <a:xfrm>
+            <a:off x="1223231" y="9131204"/>
+            <a:ext cx="457290" cy="193336"/>
+          </a:xfrm>
+          <a:prstGeom prst="rect">
+            <a:avLst/>
+          </a:prstGeom>
+          <a:solidFill>
+            <a:srgbClr val="919292"/>
+          </a:solidFill>
+          <a:ln>
+            <a:noFill/>
+          </a:ln>
+        </p:spPr>
+        <p:style>
+          <a:lnRef idx="2">
+            <a:schemeClr val="accent1">
+              <a:shade val="15000"/>
+            </a:schemeClr>
+          </a:lnRef>
+          <a:fillRef idx="1">
+            <a:schemeClr val="accent1"/>
+          </a:fillRef>
+          <a:effectRef idx="0">
+            <a:schemeClr val="accent1"/>
+          </a:effectRef>
+          <a:fontRef idx="minor">
+            <a:schemeClr val="lt1"/>
+          </a:fontRef>
+        </p:style>
+        <p:txBody>
+          <a:bodyPr rtlCol="0" anchor="ctr"/>
+          <a:lstStyle/>
+          <a:p>
+            <a:pPr algn="ctr"/>
+            <a:endParaRPr lang="ja-JP" altLang="en-US" sz="7067"/>
+          </a:p>
+        </p:txBody>
+      </p:sp>
+      <p:sp>
+        <p:nvSpPr>
+          <p:cNvPr id="30" name="二等辺三角形 29">
+            <a:extLst>
+              <a:ext uri="{FF2B5EF4-FFF2-40B4-BE49-F238E27FC236}">
+                <a16:creationId xmlns:a16="http://schemas.microsoft.com/office/drawing/2014/main" id="{8231E0AB-CB03-F4CE-B2CD-93761B4F5CA5}"/>
+              </a:ext>
+            </a:extLst>
+          </p:cNvPr>
+          <p:cNvSpPr/>
+          <p:nvPr/>
+        </p:nvSpPr>
+        <p:spPr>
+          <a:xfrm rot="5400000">
+            <a:off x="2978098" y="9219697"/>
+            <a:ext cx="45719" cy="45722"/>
+          </a:xfrm>
+          <a:prstGeom prst="triangle">
+            <a:avLst>
+              <a:gd name="adj" fmla="val 100000"/>
+            </a:avLst>
+          </a:prstGeom>
+          <a:solidFill>
+            <a:srgbClr val="919292"/>
+          </a:solidFill>
+          <a:ln>
+            <a:noFill/>
+          </a:ln>
+        </p:spPr>
+        <p:style>
+          <a:lnRef idx="2">
+            <a:schemeClr val="accent1">
+              <a:shade val="15000"/>
+            </a:schemeClr>
+          </a:lnRef>
+          <a:fillRef idx="1">
+            <a:schemeClr val="accent1"/>
+          </a:fillRef>
+          <a:effectRef idx="0">
+            <a:schemeClr val="accent1"/>
+          </a:effectRef>
+          <a:fontRef idx="minor">
+            <a:schemeClr val="lt1"/>
+          </a:fontRef>
+        </p:style>
+        <p:txBody>
+          <a:bodyPr rtlCol="0" anchor="ctr"/>
+          <a:lstStyle/>
+          <a:p>
+            <a:pPr algn="ctr"/>
+            <a:endParaRPr lang="ja-JP" altLang="en-US" sz="7067"/>
+          </a:p>
+        </p:txBody>
+      </p:sp>
+      <p:sp>
+        <p:nvSpPr>
+          <p:cNvPr id="31" name="二等辺三角形 30">
+            <a:extLst>
+              <a:ext uri="{FF2B5EF4-FFF2-40B4-BE49-F238E27FC236}">
+                <a16:creationId xmlns:a16="http://schemas.microsoft.com/office/drawing/2014/main" id="{165ECC8C-519A-F61A-F66D-1C2B95E27FCF}"/>
+              </a:ext>
+            </a:extLst>
+          </p:cNvPr>
+          <p:cNvSpPr/>
+          <p:nvPr/>
+        </p:nvSpPr>
+        <p:spPr>
+          <a:xfrm rot="5400000" flipH="1">
+            <a:off x="1645115" y="9202665"/>
+            <a:ext cx="149033" cy="78219"/>
+          </a:xfrm>
+          <a:prstGeom prst="triangle">
+            <a:avLst>
+              <a:gd name="adj" fmla="val 100000"/>
+            </a:avLst>
+          </a:prstGeom>
+          <a:solidFill>
+            <a:srgbClr val="919292"/>
+          </a:solidFill>
+          <a:ln>
+            <a:noFill/>
+          </a:ln>
+        </p:spPr>
+        <p:style>
+          <a:lnRef idx="2">
+            <a:schemeClr val="accent1">
+              <a:shade val="15000"/>
+            </a:schemeClr>
+          </a:lnRef>
+          <a:fillRef idx="1">
+            <a:schemeClr val="accent1"/>
+          </a:fillRef>
+          <a:effectRef idx="0">
+            <a:schemeClr val="accent1"/>
+          </a:effectRef>
+          <a:fontRef idx="minor">
+            <a:schemeClr val="lt1"/>
+          </a:fontRef>
+        </p:style>
+        <p:txBody>
+          <a:bodyPr rtlCol="0" anchor="ctr"/>
+          <a:lstStyle/>
+          <a:p>
+            <a:pPr algn="ctr"/>
+            <a:endParaRPr lang="ja-JP" altLang="en-US" sz="7067"/>
+          </a:p>
+        </p:txBody>
+      </p:sp>
+      <p:sp>
+        <p:nvSpPr>
+          <p:cNvPr id="32" name="正方形/長方形 31">
+            <a:extLst>
+              <a:ext uri="{FF2B5EF4-FFF2-40B4-BE49-F238E27FC236}">
+                <a16:creationId xmlns:a16="http://schemas.microsoft.com/office/drawing/2014/main" id="{CA38D44C-3CA2-8F5D-18CF-AFCB212BD48D}"/>
+              </a:ext>
+            </a:extLst>
+          </p:cNvPr>
+          <p:cNvSpPr/>
+          <p:nvPr/>
+        </p:nvSpPr>
+        <p:spPr>
+          <a:xfrm>
+            <a:off x="2030727" y="9174343"/>
+            <a:ext cx="457290" cy="193336"/>
+          </a:xfrm>
+          <a:prstGeom prst="rect">
+            <a:avLst/>
+          </a:prstGeom>
+          <a:solidFill>
+            <a:srgbClr val="919292"/>
+          </a:solidFill>
+          <a:ln>
+            <a:noFill/>
+          </a:ln>
+        </p:spPr>
+        <p:style>
+          <a:lnRef idx="2">
+            <a:schemeClr val="accent1">
+              <a:shade val="15000"/>
+            </a:schemeClr>
+          </a:lnRef>
+          <a:fillRef idx="1">
+            <a:schemeClr val="accent1"/>
+          </a:fillRef>
+          <a:effectRef idx="0">
+            <a:schemeClr val="accent1"/>
+          </a:effectRef>
+          <a:fontRef idx="minor">
+            <a:schemeClr val="lt1"/>
+          </a:fontRef>
+        </p:style>
+        <p:txBody>
+          <a:bodyPr rtlCol="0" anchor="ctr"/>
+          <a:lstStyle/>
+          <a:p>
+            <a:pPr algn="ctr"/>
+            <a:endParaRPr lang="ja-JP" altLang="en-US" sz="7067"/>
+          </a:p>
+        </p:txBody>
+      </p:sp>
+      <p:pic>
+        <p:nvPicPr>
+          <p:cNvPr id="34" name="図 33">
+            <a:extLst>
+              <a:ext uri="{FF2B5EF4-FFF2-40B4-BE49-F238E27FC236}">
+                <a16:creationId xmlns:a16="http://schemas.microsoft.com/office/drawing/2014/main" id="{986FD705-F220-D759-E414-41963795FD37}"/>
+              </a:ext>
+            </a:extLst>
+          </p:cNvPr>
+          <p:cNvPicPr>
+            <a:picLocks noChangeAspect="1"/>
+          </p:cNvPicPr>
+          <p:nvPr/>
+        </p:nvPicPr>
         <p:blipFill>
-          <a:blip r:embed="rId7">
-            <a:alphaModFix/>
+          <a:blip r:embed="rId8"/>
+          <a:stretch>
+            <a:fillRect/>
+          </a:stretch>
+        </p:blipFill>
+        <p:spPr>
+          <a:xfrm>
+            <a:off x="7665481" y="9287594"/>
+            <a:ext cx="2258579" cy="1244811"/>
+          </a:xfrm>
+          <a:prstGeom prst="rect">
+            <a:avLst/>
+          </a:prstGeom>
+        </p:spPr>
+      </p:pic>
+      <p:sp>
+        <p:nvSpPr>
+          <p:cNvPr id="35" name="二等辺三角形 34">
+            <a:extLst>
+              <a:ext uri="{FF2B5EF4-FFF2-40B4-BE49-F238E27FC236}">
+                <a16:creationId xmlns:a16="http://schemas.microsoft.com/office/drawing/2014/main" id="{9C3506B8-68DB-AAB5-8B35-40856F9ABA6D}"/>
+              </a:ext>
+            </a:extLst>
+          </p:cNvPr>
+          <p:cNvSpPr/>
+          <p:nvPr/>
+        </p:nvSpPr>
+        <p:spPr>
+          <a:xfrm rot="5400000" flipH="1">
+            <a:off x="6894474" y="9540301"/>
+            <a:ext cx="610005" cy="365760"/>
+          </a:xfrm>
+          <a:prstGeom prst="triangle">
+            <a:avLst>
+              <a:gd name="adj" fmla="val 100000"/>
+            </a:avLst>
+          </a:prstGeom>
+          <a:solidFill>
+            <a:srgbClr val="919292"/>
+          </a:solidFill>
+          <a:ln>
+            <a:noFill/>
+          </a:ln>
+        </p:spPr>
+        <p:style>
+          <a:lnRef idx="2">
+            <a:schemeClr val="accent1">
+              <a:shade val="15000"/>
+            </a:schemeClr>
+          </a:lnRef>
+          <a:fillRef idx="1">
+            <a:schemeClr val="accent1"/>
+          </a:fillRef>
+          <a:effectRef idx="0">
+            <a:schemeClr val="accent1"/>
+          </a:effectRef>
+          <a:fontRef idx="minor">
+            <a:schemeClr val="lt1"/>
+          </a:fontRef>
+        </p:style>
+        <p:txBody>
+          <a:bodyPr rtlCol="0" anchor="ctr"/>
+          <a:lstStyle/>
+          <a:p>
+            <a:pPr algn="ctr"/>
+            <a:endParaRPr lang="ja-JP" altLang="en-US" sz="7067"/>
+          </a:p>
+        </p:txBody>
+      </p:sp>
+      <p:sp>
+        <p:nvSpPr>
+          <p:cNvPr id="36" name="正方形/長方形 35">
+            <a:extLst>
+              <a:ext uri="{FF2B5EF4-FFF2-40B4-BE49-F238E27FC236}">
+                <a16:creationId xmlns:a16="http://schemas.microsoft.com/office/drawing/2014/main" id="{7C05BFE5-DC01-323D-3DD7-EB138E97B078}"/>
+              </a:ext>
+            </a:extLst>
+          </p:cNvPr>
+          <p:cNvSpPr/>
+          <p:nvPr/>
+        </p:nvSpPr>
+        <p:spPr>
+          <a:xfrm>
+            <a:off x="7836480" y="9045867"/>
+            <a:ext cx="1834901" cy="874395"/>
+          </a:xfrm>
+          <a:prstGeom prst="rect">
+            <a:avLst/>
+          </a:prstGeom>
+          <a:solidFill>
+            <a:srgbClr val="919292"/>
+          </a:solidFill>
+          <a:ln>
+            <a:noFill/>
+          </a:ln>
+        </p:spPr>
+        <p:style>
+          <a:lnRef idx="2">
+            <a:schemeClr val="accent1">
+              <a:shade val="15000"/>
+            </a:schemeClr>
+          </a:lnRef>
+          <a:fillRef idx="1">
+            <a:schemeClr val="accent1"/>
+          </a:fillRef>
+          <a:effectRef idx="0">
+            <a:schemeClr val="accent1"/>
+          </a:effectRef>
+          <a:fontRef idx="minor">
+            <a:schemeClr val="lt1"/>
+          </a:fontRef>
+        </p:style>
+        <p:txBody>
+          <a:bodyPr rtlCol="0" anchor="ctr"/>
+          <a:lstStyle/>
+          <a:p>
+            <a:pPr algn="ctr"/>
+            <a:endParaRPr lang="ja-JP" altLang="en-US" sz="7067"/>
+          </a:p>
+        </p:txBody>
+      </p:sp>
+      <p:sp>
+        <p:nvSpPr>
+          <p:cNvPr id="37" name="二等辺三角形 36">
+            <a:extLst>
+              <a:ext uri="{FF2B5EF4-FFF2-40B4-BE49-F238E27FC236}">
+                <a16:creationId xmlns:a16="http://schemas.microsoft.com/office/drawing/2014/main" id="{A6923FA0-7041-202C-2F60-3CA96B1D6F64}"/>
+              </a:ext>
+            </a:extLst>
+          </p:cNvPr>
+          <p:cNvSpPr/>
+          <p:nvPr/>
+        </p:nvSpPr>
+        <p:spPr>
+          <a:xfrm rot="5400000">
+            <a:off x="7191396" y="9234298"/>
+            <a:ext cx="219539" cy="148223"/>
+          </a:xfrm>
+          <a:prstGeom prst="triangle">
+            <a:avLst>
+              <a:gd name="adj" fmla="val 100000"/>
+            </a:avLst>
+          </a:prstGeom>
+          <a:solidFill>
+            <a:srgbClr val="919292"/>
+          </a:solidFill>
+          <a:ln>
+            <a:noFill/>
+          </a:ln>
+        </p:spPr>
+        <p:style>
+          <a:lnRef idx="2">
+            <a:schemeClr val="accent1">
+              <a:shade val="15000"/>
+            </a:schemeClr>
+          </a:lnRef>
+          <a:fillRef idx="1">
+            <a:schemeClr val="accent1"/>
+          </a:fillRef>
+          <a:effectRef idx="0">
+            <a:schemeClr val="accent1"/>
+          </a:effectRef>
+          <a:fontRef idx="minor">
+            <a:schemeClr val="lt1"/>
+          </a:fontRef>
+        </p:style>
+        <p:txBody>
+          <a:bodyPr rtlCol="0" anchor="ctr"/>
+          <a:lstStyle/>
+          <a:p>
+            <a:pPr algn="ctr"/>
+            <a:endParaRPr lang="ja-JP" altLang="en-US" sz="7067"/>
+          </a:p>
+        </p:txBody>
+      </p:sp>
+      <p:sp>
+        <p:nvSpPr>
+          <p:cNvPr id="38" name="正方形/長方形 37">
+            <a:extLst>
+              <a:ext uri="{FF2B5EF4-FFF2-40B4-BE49-F238E27FC236}">
+                <a16:creationId xmlns:a16="http://schemas.microsoft.com/office/drawing/2014/main" id="{2F09C845-35C6-33E1-111A-6F26AD60942E}"/>
+              </a:ext>
+            </a:extLst>
+          </p:cNvPr>
+          <p:cNvSpPr/>
+          <p:nvPr/>
+        </p:nvSpPr>
+        <p:spPr>
+          <a:xfrm>
+            <a:off x="6875453" y="9198639"/>
+            <a:ext cx="351601" cy="305417"/>
+          </a:xfrm>
+          <a:prstGeom prst="rect">
+            <a:avLst/>
+          </a:prstGeom>
+          <a:solidFill>
+            <a:srgbClr val="919292"/>
+          </a:solidFill>
+          <a:ln>
+            <a:noFill/>
+          </a:ln>
+        </p:spPr>
+        <p:style>
+          <a:lnRef idx="2">
+            <a:schemeClr val="accent1">
+              <a:shade val="15000"/>
+            </a:schemeClr>
+          </a:lnRef>
+          <a:fillRef idx="1">
+            <a:schemeClr val="accent1"/>
+          </a:fillRef>
+          <a:effectRef idx="0">
+            <a:schemeClr val="accent1"/>
+          </a:effectRef>
+          <a:fontRef idx="minor">
+            <a:schemeClr val="lt1"/>
+          </a:fontRef>
+        </p:style>
+        <p:txBody>
+          <a:bodyPr rtlCol="0" anchor="ctr"/>
+          <a:lstStyle/>
+          <a:p>
+            <a:pPr algn="ctr"/>
+            <a:endParaRPr lang="ja-JP" altLang="en-US" sz="7067"/>
+          </a:p>
+        </p:txBody>
+      </p:sp>
+      <p:sp>
+        <p:nvSpPr>
+          <p:cNvPr id="39" name="正方形/長方形 38">
+            <a:extLst>
+              <a:ext uri="{FF2B5EF4-FFF2-40B4-BE49-F238E27FC236}">
+                <a16:creationId xmlns:a16="http://schemas.microsoft.com/office/drawing/2014/main" id="{3A3F15D9-C23F-68AC-A797-359361410AEA}"/>
+              </a:ext>
+            </a:extLst>
+          </p:cNvPr>
+          <p:cNvSpPr/>
+          <p:nvPr/>
+        </p:nvSpPr>
+        <p:spPr>
+          <a:xfrm>
+            <a:off x="5848197" y="9888031"/>
+            <a:ext cx="289560" cy="1823746"/>
+          </a:xfrm>
+          <a:prstGeom prst="rect">
+            <a:avLst/>
+          </a:prstGeom>
+          <a:solidFill>
+            <a:srgbClr val="282828"/>
+          </a:solidFill>
+          <a:ln>
+            <a:noFill/>
+          </a:ln>
+        </p:spPr>
+        <p:style>
+          <a:lnRef idx="2">
+            <a:schemeClr val="accent1">
+              <a:shade val="15000"/>
+            </a:schemeClr>
+          </a:lnRef>
+          <a:fillRef idx="1">
+            <a:schemeClr val="accent1"/>
+          </a:fillRef>
+          <a:effectRef idx="0">
+            <a:schemeClr val="accent1"/>
+          </a:effectRef>
+          <a:fontRef idx="minor">
+            <a:schemeClr val="lt1"/>
+          </a:fontRef>
+        </p:style>
+        <p:txBody>
+          <a:bodyPr rtlCol="0" anchor="ctr"/>
+          <a:lstStyle/>
+          <a:p>
+            <a:pPr algn="ctr"/>
+            <a:endParaRPr lang="ja-JP" altLang="en-US" sz="7067"/>
+          </a:p>
+        </p:txBody>
+      </p:sp>
+      <p:sp>
+        <p:nvSpPr>
+          <p:cNvPr id="40" name="二等辺三角形 39">
+            <a:extLst>
+              <a:ext uri="{FF2B5EF4-FFF2-40B4-BE49-F238E27FC236}">
+                <a16:creationId xmlns:a16="http://schemas.microsoft.com/office/drawing/2014/main" id="{144CF129-E5FF-8B9B-3A23-2A73120C7C37}"/>
+              </a:ext>
+            </a:extLst>
+          </p:cNvPr>
+          <p:cNvSpPr/>
+          <p:nvPr/>
+        </p:nvSpPr>
+        <p:spPr>
+          <a:xfrm rot="5400000">
+            <a:off x="6229757" y="10040185"/>
+            <a:ext cx="591672" cy="287367"/>
+          </a:xfrm>
+          <a:prstGeom prst="triangle">
+            <a:avLst>
+              <a:gd name="adj" fmla="val 100000"/>
+            </a:avLst>
+          </a:prstGeom>
+          <a:solidFill>
+            <a:srgbClr val="282828"/>
+          </a:solidFill>
+          <a:ln>
+            <a:noFill/>
+          </a:ln>
+        </p:spPr>
+        <p:style>
+          <a:lnRef idx="2">
+            <a:schemeClr val="accent1">
+              <a:shade val="15000"/>
+            </a:schemeClr>
+          </a:lnRef>
+          <a:fillRef idx="1">
+            <a:schemeClr val="accent1"/>
+          </a:fillRef>
+          <a:effectRef idx="0">
+            <a:schemeClr val="accent1"/>
+          </a:effectRef>
+          <a:fontRef idx="minor">
+            <a:schemeClr val="lt1"/>
+          </a:fontRef>
+        </p:style>
+        <p:txBody>
+          <a:bodyPr rtlCol="0" anchor="ctr"/>
+          <a:lstStyle/>
+          <a:p>
+            <a:pPr algn="ctr"/>
+            <a:endParaRPr kumimoji="1" lang="ja-JP" altLang="en-US"/>
+          </a:p>
+        </p:txBody>
+      </p:sp>
+      <p:sp>
+        <p:nvSpPr>
+          <p:cNvPr id="41" name="二等辺三角形 40">
+            <a:extLst>
+              <a:ext uri="{FF2B5EF4-FFF2-40B4-BE49-F238E27FC236}">
+                <a16:creationId xmlns:a16="http://schemas.microsoft.com/office/drawing/2014/main" id="{E899ED4D-48A8-3B2E-E8F5-877B07656F0D}"/>
+              </a:ext>
+            </a:extLst>
+          </p:cNvPr>
+          <p:cNvSpPr/>
+          <p:nvPr/>
+        </p:nvSpPr>
+        <p:spPr>
+          <a:xfrm rot="5400000" flipH="1">
+            <a:off x="5786654" y="10829156"/>
+            <a:ext cx="1233723" cy="531520"/>
+          </a:xfrm>
+          <a:prstGeom prst="triangle">
+            <a:avLst>
+              <a:gd name="adj" fmla="val 100000"/>
+            </a:avLst>
+          </a:prstGeom>
+          <a:solidFill>
+            <a:srgbClr val="282828"/>
+          </a:solidFill>
+          <a:ln>
+            <a:noFill/>
+          </a:ln>
+        </p:spPr>
+        <p:style>
+          <a:lnRef idx="2">
+            <a:schemeClr val="accent1">
+              <a:shade val="15000"/>
+            </a:schemeClr>
+          </a:lnRef>
+          <a:fillRef idx="1">
+            <a:schemeClr val="accent1"/>
+          </a:fillRef>
+          <a:effectRef idx="0">
+            <a:schemeClr val="accent1"/>
+          </a:effectRef>
+          <a:fontRef idx="minor">
+            <a:schemeClr val="lt1"/>
+          </a:fontRef>
+        </p:style>
+        <p:txBody>
+          <a:bodyPr rtlCol="0" anchor="ctr"/>
+          <a:lstStyle/>
+          <a:p>
+            <a:pPr algn="ctr"/>
+            <a:endParaRPr kumimoji="1" lang="ja-JP" altLang="en-US"/>
+          </a:p>
+        </p:txBody>
+      </p:sp>
+      <p:sp>
+        <p:nvSpPr>
+          <p:cNvPr id="42" name="正方形/長方形 41">
+            <a:extLst>
+              <a:ext uri="{FF2B5EF4-FFF2-40B4-BE49-F238E27FC236}">
+                <a16:creationId xmlns:a16="http://schemas.microsoft.com/office/drawing/2014/main" id="{301BD8D5-D0FC-1601-6036-CFB2FE568839}"/>
+              </a:ext>
+            </a:extLst>
+          </p:cNvPr>
+          <p:cNvSpPr/>
+          <p:nvPr/>
+        </p:nvSpPr>
+        <p:spPr>
+          <a:xfrm>
+            <a:off x="6084770" y="9889114"/>
+            <a:ext cx="297818" cy="604550"/>
+          </a:xfrm>
+          <a:prstGeom prst="rect">
+            <a:avLst/>
+          </a:prstGeom>
+          <a:solidFill>
+            <a:srgbClr val="282828"/>
+          </a:solidFill>
+          <a:ln>
+            <a:noFill/>
+          </a:ln>
+        </p:spPr>
+        <p:style>
+          <a:lnRef idx="2">
+            <a:schemeClr val="accent1">
+              <a:shade val="15000"/>
+            </a:schemeClr>
+          </a:lnRef>
+          <a:fillRef idx="1">
+            <a:schemeClr val="accent1"/>
+          </a:fillRef>
+          <a:effectRef idx="0">
+            <a:schemeClr val="accent1"/>
+          </a:effectRef>
+          <a:fontRef idx="minor">
+            <a:schemeClr val="lt1"/>
+          </a:fontRef>
+        </p:style>
+        <p:txBody>
+          <a:bodyPr rtlCol="0" anchor="ctr"/>
+          <a:lstStyle/>
+          <a:p>
+            <a:pPr algn="ctr"/>
+            <a:endParaRPr lang="ja-JP" altLang="en-US" sz="7067"/>
+          </a:p>
+        </p:txBody>
+      </p:sp>
+      <p:sp>
+        <p:nvSpPr>
+          <p:cNvPr id="43" name="正方形/長方形 42">
+            <a:extLst>
+              <a:ext uri="{FF2B5EF4-FFF2-40B4-BE49-F238E27FC236}">
+                <a16:creationId xmlns:a16="http://schemas.microsoft.com/office/drawing/2014/main" id="{57C1D38A-7A0A-31C3-ADAE-4925B6B34DD5}"/>
+              </a:ext>
+            </a:extLst>
+          </p:cNvPr>
+          <p:cNvSpPr/>
+          <p:nvPr/>
+        </p:nvSpPr>
+        <p:spPr>
+          <a:xfrm>
+            <a:off x="5851443" y="10052139"/>
+            <a:ext cx="193023" cy="1504951"/>
+          </a:xfrm>
+          <a:prstGeom prst="rect">
+            <a:avLst/>
+          </a:prstGeom>
+          <a:solidFill>
+            <a:srgbClr val="C7C7BD"/>
+          </a:solidFill>
+          <a:ln>
+            <a:noFill/>
+          </a:ln>
+        </p:spPr>
+        <p:style>
+          <a:lnRef idx="2">
+            <a:schemeClr val="accent1">
+              <a:shade val="15000"/>
+            </a:schemeClr>
+          </a:lnRef>
+          <a:fillRef idx="1">
+            <a:schemeClr val="accent1"/>
+          </a:fillRef>
+          <a:effectRef idx="0">
+            <a:schemeClr val="accent1"/>
+          </a:effectRef>
+          <a:fontRef idx="minor">
+            <a:schemeClr val="lt1"/>
+          </a:fontRef>
+        </p:style>
+        <p:txBody>
+          <a:bodyPr rtlCol="0" anchor="ctr"/>
+          <a:lstStyle/>
+          <a:p>
+            <a:pPr algn="ctr"/>
+            <a:endParaRPr lang="ja-JP" altLang="en-US" sz="7067"/>
+          </a:p>
+        </p:txBody>
+      </p:sp>
+      <p:sp>
+        <p:nvSpPr>
+          <p:cNvPr id="44" name="二等辺三角形 43">
+            <a:extLst>
+              <a:ext uri="{FF2B5EF4-FFF2-40B4-BE49-F238E27FC236}">
+                <a16:creationId xmlns:a16="http://schemas.microsoft.com/office/drawing/2014/main" id="{AFC8597E-3091-3C88-8176-F6DB73C736C2}"/>
+              </a:ext>
+            </a:extLst>
+          </p:cNvPr>
+          <p:cNvSpPr/>
+          <p:nvPr/>
+        </p:nvSpPr>
+        <p:spPr>
+          <a:xfrm rot="5400000" flipH="1">
+            <a:off x="5743155" y="10780662"/>
+            <a:ext cx="1077386" cy="475470"/>
+          </a:xfrm>
+          <a:prstGeom prst="triangle">
+            <a:avLst>
+              <a:gd name="adj" fmla="val 100000"/>
+            </a:avLst>
+          </a:prstGeom>
+          <a:solidFill>
+            <a:srgbClr val="C7C7BD"/>
+          </a:solidFill>
+          <a:ln>
+            <a:noFill/>
+          </a:ln>
+        </p:spPr>
+        <p:style>
+          <a:lnRef idx="2">
+            <a:schemeClr val="accent1">
+              <a:shade val="15000"/>
+            </a:schemeClr>
+          </a:lnRef>
+          <a:fillRef idx="1">
+            <a:schemeClr val="accent1"/>
+          </a:fillRef>
+          <a:effectRef idx="0">
+            <a:schemeClr val="accent1"/>
+          </a:effectRef>
+          <a:fontRef idx="minor">
+            <a:schemeClr val="lt1"/>
+          </a:fontRef>
+        </p:style>
+        <p:txBody>
+          <a:bodyPr rtlCol="0" anchor="ctr"/>
+          <a:lstStyle/>
+          <a:p>
+            <a:pPr algn="ctr"/>
+            <a:endParaRPr kumimoji="1" lang="ja-JP" altLang="en-US"/>
+          </a:p>
+        </p:txBody>
+      </p:sp>
+      <p:sp>
+        <p:nvSpPr>
+          <p:cNvPr id="45" name="二等辺三角形 44">
+            <a:extLst>
+              <a:ext uri="{FF2B5EF4-FFF2-40B4-BE49-F238E27FC236}">
+                <a16:creationId xmlns:a16="http://schemas.microsoft.com/office/drawing/2014/main" id="{AF693E98-AC4A-C08D-B49B-1DB932CE7EF3}"/>
+              </a:ext>
+            </a:extLst>
+          </p:cNvPr>
+          <p:cNvSpPr/>
+          <p:nvPr/>
+        </p:nvSpPr>
+        <p:spPr>
+          <a:xfrm rot="5400000">
+            <a:off x="6186814" y="10153915"/>
+            <a:ext cx="434544" cy="230993"/>
+          </a:xfrm>
+          <a:prstGeom prst="triangle">
+            <a:avLst>
+              <a:gd name="adj" fmla="val 100000"/>
+            </a:avLst>
+          </a:prstGeom>
+          <a:solidFill>
+            <a:srgbClr val="C7C7BD"/>
+          </a:solidFill>
+          <a:ln>
+            <a:noFill/>
+          </a:ln>
+        </p:spPr>
+        <p:style>
+          <a:lnRef idx="2">
+            <a:schemeClr val="accent1">
+              <a:shade val="15000"/>
+            </a:schemeClr>
+          </a:lnRef>
+          <a:fillRef idx="1">
+            <a:schemeClr val="accent1"/>
+          </a:fillRef>
+          <a:effectRef idx="0">
+            <a:schemeClr val="accent1"/>
+          </a:effectRef>
+          <a:fontRef idx="minor">
+            <a:schemeClr val="lt1"/>
+          </a:fontRef>
+        </p:style>
+        <p:txBody>
+          <a:bodyPr rtlCol="0" anchor="ctr"/>
+          <a:lstStyle/>
+          <a:p>
+            <a:pPr algn="ctr"/>
+            <a:endParaRPr kumimoji="1" lang="ja-JP" altLang="en-US"/>
+          </a:p>
+        </p:txBody>
+      </p:sp>
+      <p:sp>
+        <p:nvSpPr>
+          <p:cNvPr id="46" name="正方形/長方形 45">
+            <a:extLst>
+              <a:ext uri="{FF2B5EF4-FFF2-40B4-BE49-F238E27FC236}">
+                <a16:creationId xmlns:a16="http://schemas.microsoft.com/office/drawing/2014/main" id="{21B916BF-F7ED-C6F9-1CAC-3653FC8E5BD6}"/>
+              </a:ext>
+            </a:extLst>
+          </p:cNvPr>
+          <p:cNvSpPr/>
+          <p:nvPr/>
+        </p:nvSpPr>
+        <p:spPr>
+          <a:xfrm>
+            <a:off x="6001948" y="10052138"/>
+            <a:ext cx="287368" cy="469979"/>
+          </a:xfrm>
+          <a:prstGeom prst="rect">
+            <a:avLst/>
+          </a:prstGeom>
+          <a:solidFill>
+            <a:srgbClr val="C7C7BD"/>
+          </a:solidFill>
+          <a:ln>
+            <a:noFill/>
+          </a:ln>
+        </p:spPr>
+        <p:style>
+          <a:lnRef idx="2">
+            <a:schemeClr val="accent1">
+              <a:shade val="15000"/>
+            </a:schemeClr>
+          </a:lnRef>
+          <a:fillRef idx="1">
+            <a:schemeClr val="accent1"/>
+          </a:fillRef>
+          <a:effectRef idx="0">
+            <a:schemeClr val="accent1"/>
+          </a:effectRef>
+          <a:fontRef idx="minor">
+            <a:schemeClr val="lt1"/>
+          </a:fontRef>
+        </p:style>
+        <p:txBody>
+          <a:bodyPr rtlCol="0" anchor="ctr"/>
+          <a:lstStyle/>
+          <a:p>
+            <a:pPr algn="ctr"/>
+            <a:endParaRPr lang="ja-JP" altLang="en-US" sz="7067"/>
+          </a:p>
+        </p:txBody>
+      </p:sp>
+      <p:sp>
+        <p:nvSpPr>
+          <p:cNvPr id="48" name="二等辺三角形 47">
+            <a:extLst>
+              <a:ext uri="{FF2B5EF4-FFF2-40B4-BE49-F238E27FC236}">
+                <a16:creationId xmlns:a16="http://schemas.microsoft.com/office/drawing/2014/main" id="{2CFC5C92-9E7A-AB9E-32AA-A39D261DEDBE}"/>
+              </a:ext>
+            </a:extLst>
+          </p:cNvPr>
+          <p:cNvSpPr/>
+          <p:nvPr/>
+        </p:nvSpPr>
+        <p:spPr>
+          <a:xfrm rot="5400000">
+            <a:off x="6146211" y="10217236"/>
+            <a:ext cx="367123" cy="173938"/>
+          </a:xfrm>
+          <a:prstGeom prst="triangle">
+            <a:avLst>
+              <a:gd name="adj" fmla="val 100000"/>
+            </a:avLst>
+          </a:prstGeom>
+          <a:solidFill>
+            <a:srgbClr val="919292"/>
+          </a:solidFill>
+          <a:ln>
+            <a:noFill/>
+          </a:ln>
+        </p:spPr>
+        <p:style>
+          <a:lnRef idx="2">
+            <a:schemeClr val="accent1">
+              <a:shade val="15000"/>
+            </a:schemeClr>
+          </a:lnRef>
+          <a:fillRef idx="1">
+            <a:schemeClr val="accent1"/>
+          </a:fillRef>
+          <a:effectRef idx="0">
+            <a:schemeClr val="accent1"/>
+          </a:effectRef>
+          <a:fontRef idx="minor">
+            <a:schemeClr val="lt1"/>
+          </a:fontRef>
+        </p:style>
+        <p:txBody>
+          <a:bodyPr rtlCol="0" anchor="ctr"/>
+          <a:lstStyle/>
+          <a:p>
+            <a:pPr algn="ctr"/>
+            <a:endParaRPr kumimoji="1" lang="ja-JP" altLang="en-US"/>
+          </a:p>
+        </p:txBody>
+      </p:sp>
+      <p:sp>
+        <p:nvSpPr>
+          <p:cNvPr id="49" name="二等辺三角形 48">
+            <a:extLst>
+              <a:ext uri="{FF2B5EF4-FFF2-40B4-BE49-F238E27FC236}">
+                <a16:creationId xmlns:a16="http://schemas.microsoft.com/office/drawing/2014/main" id="{F4710DF0-3F57-9A04-9787-A1D70D3EB453}"/>
+              </a:ext>
+            </a:extLst>
+          </p:cNvPr>
+          <p:cNvSpPr/>
+          <p:nvPr/>
+        </p:nvSpPr>
+        <p:spPr>
+          <a:xfrm rot="5400000" flipH="1">
+            <a:off x="5764686" y="10750070"/>
+            <a:ext cx="915443" cy="388669"/>
+          </a:xfrm>
+          <a:prstGeom prst="triangle">
+            <a:avLst>
+              <a:gd name="adj" fmla="val 100000"/>
+            </a:avLst>
+          </a:prstGeom>
+          <a:solidFill>
+            <a:srgbClr val="919292"/>
+          </a:solidFill>
+          <a:ln>
+            <a:noFill/>
+          </a:ln>
+        </p:spPr>
+        <p:style>
+          <a:lnRef idx="2">
+            <a:schemeClr val="accent1">
+              <a:shade val="15000"/>
+            </a:schemeClr>
+          </a:lnRef>
+          <a:fillRef idx="1">
+            <a:schemeClr val="accent1"/>
+          </a:fillRef>
+          <a:effectRef idx="0">
+            <a:schemeClr val="accent1"/>
+          </a:effectRef>
+          <a:fontRef idx="minor">
+            <a:schemeClr val="lt1"/>
+          </a:fontRef>
+        </p:style>
+        <p:txBody>
+          <a:bodyPr rtlCol="0" anchor="ctr"/>
+          <a:lstStyle/>
+          <a:p>
+            <a:pPr algn="ctr"/>
+            <a:endParaRPr kumimoji="1" lang="ja-JP" altLang="en-US"/>
+          </a:p>
+        </p:txBody>
+      </p:sp>
+      <p:sp>
+        <p:nvSpPr>
+          <p:cNvPr id="50" name="正方形/長方形 49">
+            <a:extLst>
+              <a:ext uri="{FF2B5EF4-FFF2-40B4-BE49-F238E27FC236}">
+                <a16:creationId xmlns:a16="http://schemas.microsoft.com/office/drawing/2014/main" id="{109EF1DD-127C-37F1-C031-05E10E438CCC}"/>
+              </a:ext>
+            </a:extLst>
+          </p:cNvPr>
+          <p:cNvSpPr/>
+          <p:nvPr/>
+        </p:nvSpPr>
+        <p:spPr>
+          <a:xfrm>
+            <a:off x="6000692" y="10127139"/>
+            <a:ext cx="243436" cy="535550"/>
+          </a:xfrm>
+          <a:prstGeom prst="rect">
+            <a:avLst/>
+          </a:prstGeom>
+          <a:solidFill>
+            <a:srgbClr val="919292"/>
+          </a:solidFill>
+          <a:ln>
+            <a:noFill/>
+          </a:ln>
+        </p:spPr>
+        <p:style>
+          <a:lnRef idx="2">
+            <a:schemeClr val="accent1">
+              <a:shade val="15000"/>
+            </a:schemeClr>
+          </a:lnRef>
+          <a:fillRef idx="1">
+            <a:schemeClr val="accent1"/>
+          </a:fillRef>
+          <a:effectRef idx="0">
+            <a:schemeClr val="accent1"/>
+          </a:effectRef>
+          <a:fontRef idx="minor">
+            <a:schemeClr val="lt1"/>
+          </a:fontRef>
+        </p:style>
+        <p:txBody>
+          <a:bodyPr rtlCol="0" anchor="ctr"/>
+          <a:lstStyle/>
+          <a:p>
+            <a:pPr algn="ctr"/>
+            <a:endParaRPr lang="ja-JP" altLang="en-US" sz="7067"/>
+          </a:p>
+        </p:txBody>
+      </p:sp>
+      <p:pic>
+        <p:nvPicPr>
+          <p:cNvPr id="52" name="図 51">
+            <a:extLst>
+              <a:ext uri="{FF2B5EF4-FFF2-40B4-BE49-F238E27FC236}">
+                <a16:creationId xmlns:a16="http://schemas.microsoft.com/office/drawing/2014/main" id="{A584A099-0AAB-07A6-45C1-6B3E14B10897}"/>
+              </a:ext>
+            </a:extLst>
+          </p:cNvPr>
+          <p:cNvPicPr>
+            <a:picLocks noChangeAspect="1"/>
+          </p:cNvPicPr>
+          <p:nvPr/>
+        </p:nvPicPr>
+        <p:blipFill>
+          <a:blip r:embed="rId9"/>
+          <a:stretch>
+            <a:fillRect/>
+          </a:stretch>
+        </p:blipFill>
+        <p:spPr>
+          <a:xfrm flipH="1" flipV="1">
+            <a:off x="8907404" y="11060151"/>
+            <a:ext cx="248584" cy="282660"/>
+          </a:xfrm>
+          <a:prstGeom prst="rect">
+            <a:avLst/>
+          </a:prstGeom>
+        </p:spPr>
+      </p:pic>
+      <p:pic>
+        <p:nvPicPr>
+          <p:cNvPr id="8" name="図 7">
+            <a:extLst>
+              <a:ext uri="{FF2B5EF4-FFF2-40B4-BE49-F238E27FC236}">
+                <a16:creationId xmlns:a16="http://schemas.microsoft.com/office/drawing/2014/main" id="{320919A4-E457-D4CA-545A-56FD559C2E91}"/>
+              </a:ext>
+            </a:extLst>
+          </p:cNvPr>
+          <p:cNvPicPr>
+            <a:picLocks noChangeAspect="1"/>
+          </p:cNvPicPr>
+          <p:nvPr/>
+        </p:nvPicPr>
+        <p:blipFill rotWithShape="1">
+          <a:blip r:embed="rId10">
             <a:extLst>
               <a:ext uri="{BEBA8EAE-BF5A-486C-A8C5-ECC9F3942E4B}">
                 <a14:imgProps xmlns:a14="http://schemas.microsoft.com/office/drawing/2010/main">
-                  <a14:imgLayer r:embed="rId8">
+                  <a14:imgLayer r:embed="rId11">
+                    <a14:imgEffect>
+                      <a14:saturation sat="4000"/>
+                    </a14:imgEffect>
+                  </a14:imgLayer>
+                </a14:imgProps>
+              </a:ext>
+            </a:extLst>
+          </a:blip>
+          <a:srcRect l="23492" t="64867" r="54109" b="23794"/>
+          <a:stretch/>
+        </p:blipFill>
+        <p:spPr>
+          <a:xfrm>
+            <a:off x="6861833" y="8333406"/>
+            <a:ext cx="1461382" cy="510456"/>
+          </a:xfrm>
+          <a:prstGeom prst="rect">
+            <a:avLst/>
+          </a:prstGeom>
+        </p:spPr>
+      </p:pic>
+      <p:pic>
+        <p:nvPicPr>
+          <p:cNvPr id="53" name="図 52">
+            <a:extLst>
+              <a:ext uri="{FF2B5EF4-FFF2-40B4-BE49-F238E27FC236}">
+                <a16:creationId xmlns:a16="http://schemas.microsoft.com/office/drawing/2014/main" id="{3D09C480-FEB3-7574-B477-9B01D4D78E6C}"/>
+              </a:ext>
+            </a:extLst>
+          </p:cNvPr>
+          <p:cNvPicPr>
+            <a:picLocks noChangeAspect="1"/>
+          </p:cNvPicPr>
+          <p:nvPr/>
+        </p:nvPicPr>
+        <p:blipFill rotWithShape="1">
+          <a:blip r:embed="rId7"/>
+          <a:srcRect t="3510"/>
+          <a:stretch/>
+        </p:blipFill>
+        <p:spPr>
+          <a:xfrm>
+            <a:off x="7676128" y="10306057"/>
+            <a:ext cx="413533" cy="1836402"/>
+          </a:xfrm>
+          <a:prstGeom prst="rect">
+            <a:avLst/>
+          </a:prstGeom>
+        </p:spPr>
+      </p:pic>
+      <p:sp>
+        <p:nvSpPr>
+          <p:cNvPr id="47" name="正方形/長方形 46">
+            <a:extLst>
+              <a:ext uri="{FF2B5EF4-FFF2-40B4-BE49-F238E27FC236}">
+                <a16:creationId xmlns:a16="http://schemas.microsoft.com/office/drawing/2014/main" id="{7C46134B-252D-DBCC-D168-9B0EADC798CD}"/>
+              </a:ext>
+            </a:extLst>
+          </p:cNvPr>
+          <p:cNvSpPr/>
+          <p:nvPr/>
+        </p:nvSpPr>
+        <p:spPr>
+          <a:xfrm>
+            <a:off x="5844758" y="10127138"/>
+            <a:ext cx="185355" cy="1274989"/>
+          </a:xfrm>
+          <a:prstGeom prst="rect">
+            <a:avLst/>
+          </a:prstGeom>
+          <a:solidFill>
+            <a:srgbClr val="919292"/>
+          </a:solidFill>
+          <a:ln>
+            <a:noFill/>
+          </a:ln>
+        </p:spPr>
+        <p:style>
+          <a:lnRef idx="2">
+            <a:schemeClr val="accent1">
+              <a:shade val="15000"/>
+            </a:schemeClr>
+          </a:lnRef>
+          <a:fillRef idx="1">
+            <a:schemeClr val="accent1"/>
+          </a:fillRef>
+          <a:effectRef idx="0">
+            <a:schemeClr val="accent1"/>
+          </a:effectRef>
+          <a:fontRef idx="minor">
+            <a:schemeClr val="lt1"/>
+          </a:fontRef>
+        </p:style>
+        <p:txBody>
+          <a:bodyPr rtlCol="0" anchor="ctr"/>
+          <a:lstStyle/>
+          <a:p>
+            <a:pPr algn="ctr"/>
+            <a:endParaRPr lang="ja-JP" altLang="en-US" sz="7067"/>
+          </a:p>
+        </p:txBody>
+      </p:sp>
+      <p:pic>
+        <p:nvPicPr>
+          <p:cNvPr id="56" name="図 55">
+            <a:extLst>
+              <a:ext uri="{FF2B5EF4-FFF2-40B4-BE49-F238E27FC236}">
+                <a16:creationId xmlns:a16="http://schemas.microsoft.com/office/drawing/2014/main" id="{4937001E-0DCE-1720-C4CB-9D5CC933BD13}"/>
+              </a:ext>
+            </a:extLst>
+          </p:cNvPr>
+          <p:cNvPicPr>
+            <a:picLocks noChangeAspect="1"/>
+          </p:cNvPicPr>
+          <p:nvPr/>
+        </p:nvPicPr>
+        <p:blipFill>
+          <a:blip r:embed="rId12"/>
+          <a:stretch>
+            <a:fillRect/>
+          </a:stretch>
+        </p:blipFill>
+        <p:spPr>
+          <a:xfrm flipH="1" flipV="1">
+            <a:off x="6527047" y="11201481"/>
+            <a:ext cx="715824" cy="1400865"/>
+          </a:xfrm>
+          <a:prstGeom prst="rect">
+            <a:avLst/>
+          </a:prstGeom>
+        </p:spPr>
+      </p:pic>
+      <p:sp>
+        <p:nvSpPr>
+          <p:cNvPr id="58" name="正方形/長方形 57">
+            <a:extLst>
+              <a:ext uri="{FF2B5EF4-FFF2-40B4-BE49-F238E27FC236}">
+                <a16:creationId xmlns:a16="http://schemas.microsoft.com/office/drawing/2014/main" id="{F90FE6B8-C214-3B6F-AA12-F4D7A6FBFCB5}"/>
+              </a:ext>
+            </a:extLst>
+          </p:cNvPr>
+          <p:cNvSpPr/>
+          <p:nvPr/>
+        </p:nvSpPr>
+        <p:spPr>
+          <a:xfrm>
+            <a:off x="8553272" y="11780282"/>
+            <a:ext cx="1056765" cy="966077"/>
+          </a:xfrm>
+          <a:prstGeom prst="rect">
+            <a:avLst/>
+          </a:prstGeom>
+          <a:solidFill>
+            <a:srgbClr val="919292"/>
+          </a:solidFill>
+          <a:ln>
+            <a:noFill/>
+          </a:ln>
+        </p:spPr>
+        <p:style>
+          <a:lnRef idx="2">
+            <a:schemeClr val="accent1">
+              <a:shade val="15000"/>
+            </a:schemeClr>
+          </a:lnRef>
+          <a:fillRef idx="1">
+            <a:schemeClr val="accent1"/>
+          </a:fillRef>
+          <a:effectRef idx="0">
+            <a:schemeClr val="accent1"/>
+          </a:effectRef>
+          <a:fontRef idx="minor">
+            <a:schemeClr val="lt1"/>
+          </a:fontRef>
+        </p:style>
+        <p:txBody>
+          <a:bodyPr rtlCol="0" anchor="ctr"/>
+          <a:lstStyle/>
+          <a:p>
+            <a:pPr algn="ctr"/>
+            <a:endParaRPr lang="ja-JP" altLang="en-US" sz="7067"/>
+          </a:p>
+        </p:txBody>
+      </p:sp>
+      <p:sp>
+        <p:nvSpPr>
+          <p:cNvPr id="71" name="正方形/長方形 70">
+            <a:extLst>
+              <a:ext uri="{FF2B5EF4-FFF2-40B4-BE49-F238E27FC236}">
+                <a16:creationId xmlns:a16="http://schemas.microsoft.com/office/drawing/2014/main" id="{853C448A-591C-9E71-877A-8A4C4E4DE172}"/>
+              </a:ext>
+            </a:extLst>
+          </p:cNvPr>
+          <p:cNvSpPr/>
+          <p:nvPr/>
+        </p:nvSpPr>
+        <p:spPr>
+          <a:xfrm>
+            <a:off x="3874141" y="11090000"/>
+            <a:ext cx="1097142" cy="1438377"/>
+          </a:xfrm>
+          <a:prstGeom prst="rect">
+            <a:avLst/>
+          </a:prstGeom>
+          <a:solidFill>
+            <a:srgbClr val="282828"/>
+          </a:solidFill>
+          <a:ln>
+            <a:noFill/>
+          </a:ln>
+        </p:spPr>
+        <p:style>
+          <a:lnRef idx="2">
+            <a:schemeClr val="accent1">
+              <a:shade val="15000"/>
+            </a:schemeClr>
+          </a:lnRef>
+          <a:fillRef idx="1">
+            <a:schemeClr val="accent1"/>
+          </a:fillRef>
+          <a:effectRef idx="0">
+            <a:schemeClr val="accent1"/>
+          </a:effectRef>
+          <a:fontRef idx="minor">
+            <a:schemeClr val="lt1"/>
+          </a:fontRef>
+        </p:style>
+        <p:txBody>
+          <a:bodyPr rtlCol="0" anchor="ctr"/>
+          <a:lstStyle/>
+          <a:p>
+            <a:pPr algn="ctr"/>
+            <a:endParaRPr lang="ja-JP" altLang="en-US" sz="7067"/>
+          </a:p>
+        </p:txBody>
+      </p:sp>
+      <p:sp>
+        <p:nvSpPr>
+          <p:cNvPr id="72" name="二等辺三角形 71">
+            <a:extLst>
+              <a:ext uri="{FF2B5EF4-FFF2-40B4-BE49-F238E27FC236}">
+                <a16:creationId xmlns:a16="http://schemas.microsoft.com/office/drawing/2014/main" id="{5B700F99-F1D8-48C9-D06C-DD7C508E6429}"/>
+              </a:ext>
+            </a:extLst>
+          </p:cNvPr>
+          <p:cNvSpPr/>
+          <p:nvPr/>
+        </p:nvSpPr>
+        <p:spPr>
+          <a:xfrm rot="5400000" flipV="1">
+            <a:off x="3241694" y="11279414"/>
+            <a:ext cx="821861" cy="443033"/>
+          </a:xfrm>
+          <a:prstGeom prst="triangle">
+            <a:avLst>
+              <a:gd name="adj" fmla="val 100000"/>
+            </a:avLst>
+          </a:prstGeom>
+          <a:solidFill>
+            <a:srgbClr val="282828"/>
+          </a:solidFill>
+          <a:ln>
+            <a:noFill/>
+          </a:ln>
+        </p:spPr>
+        <p:style>
+          <a:lnRef idx="2">
+            <a:schemeClr val="accent1">
+              <a:shade val="15000"/>
+            </a:schemeClr>
+          </a:lnRef>
+          <a:fillRef idx="1">
+            <a:schemeClr val="accent1"/>
+          </a:fillRef>
+          <a:effectRef idx="0">
+            <a:schemeClr val="accent1"/>
+          </a:effectRef>
+          <a:fontRef idx="minor">
+            <a:schemeClr val="lt1"/>
+          </a:fontRef>
+        </p:style>
+        <p:txBody>
+          <a:bodyPr rtlCol="0" anchor="ctr"/>
+          <a:lstStyle/>
+          <a:p>
+            <a:pPr algn="ctr"/>
+            <a:endParaRPr kumimoji="1" lang="ja-JP" altLang="en-US"/>
+          </a:p>
+        </p:txBody>
+      </p:sp>
+      <p:sp>
+        <p:nvSpPr>
+          <p:cNvPr id="73" name="二等辺三角形 72">
+            <a:extLst>
+              <a:ext uri="{FF2B5EF4-FFF2-40B4-BE49-F238E27FC236}">
+                <a16:creationId xmlns:a16="http://schemas.microsoft.com/office/drawing/2014/main" id="{C686788B-F203-3BC8-7C7C-90CF42F02CCE}"/>
+              </a:ext>
+            </a:extLst>
+          </p:cNvPr>
+          <p:cNvSpPr/>
+          <p:nvPr/>
+        </p:nvSpPr>
+        <p:spPr>
+          <a:xfrm rot="5400000" flipH="1" flipV="1">
+            <a:off x="3244563" y="12094560"/>
+            <a:ext cx="618969" cy="253567"/>
+          </a:xfrm>
+          <a:prstGeom prst="triangle">
+            <a:avLst>
+              <a:gd name="adj" fmla="val 100000"/>
+            </a:avLst>
+          </a:prstGeom>
+          <a:solidFill>
+            <a:srgbClr val="282828"/>
+          </a:solidFill>
+          <a:ln>
+            <a:noFill/>
+          </a:ln>
+        </p:spPr>
+        <p:style>
+          <a:lnRef idx="2">
+            <a:schemeClr val="accent1">
+              <a:shade val="15000"/>
+            </a:schemeClr>
+          </a:lnRef>
+          <a:fillRef idx="1">
+            <a:schemeClr val="accent1"/>
+          </a:fillRef>
+          <a:effectRef idx="0">
+            <a:schemeClr val="accent1"/>
+          </a:effectRef>
+          <a:fontRef idx="minor">
+            <a:schemeClr val="lt1"/>
+          </a:fontRef>
+        </p:style>
+        <p:txBody>
+          <a:bodyPr rtlCol="0" anchor="ctr"/>
+          <a:lstStyle/>
+          <a:p>
+            <a:pPr algn="ctr"/>
+            <a:endParaRPr kumimoji="1" lang="ja-JP" altLang="en-US"/>
+          </a:p>
+        </p:txBody>
+      </p:sp>
+      <p:sp>
+        <p:nvSpPr>
+          <p:cNvPr id="74" name="正方形/長方形 73">
+            <a:extLst>
+              <a:ext uri="{FF2B5EF4-FFF2-40B4-BE49-F238E27FC236}">
+                <a16:creationId xmlns:a16="http://schemas.microsoft.com/office/drawing/2014/main" id="{D287B107-6C26-7394-0C67-C43B652486AB}"/>
+              </a:ext>
+            </a:extLst>
+          </p:cNvPr>
+          <p:cNvSpPr/>
+          <p:nvPr/>
+        </p:nvSpPr>
+        <p:spPr>
+          <a:xfrm>
+            <a:off x="3677927" y="11840516"/>
+            <a:ext cx="253567" cy="690316"/>
+          </a:xfrm>
+          <a:prstGeom prst="rect">
+            <a:avLst/>
+          </a:prstGeom>
+          <a:solidFill>
+            <a:srgbClr val="282828"/>
+          </a:solidFill>
+          <a:ln>
+            <a:noFill/>
+          </a:ln>
+        </p:spPr>
+        <p:style>
+          <a:lnRef idx="2">
+            <a:schemeClr val="accent1">
+              <a:shade val="15000"/>
+            </a:schemeClr>
+          </a:lnRef>
+          <a:fillRef idx="1">
+            <a:schemeClr val="accent1"/>
+          </a:fillRef>
+          <a:effectRef idx="0">
+            <a:schemeClr val="accent1"/>
+          </a:effectRef>
+          <a:fontRef idx="minor">
+            <a:schemeClr val="lt1"/>
+          </a:fontRef>
+        </p:style>
+        <p:txBody>
+          <a:bodyPr rtlCol="0" anchor="ctr"/>
+          <a:lstStyle/>
+          <a:p>
+            <a:pPr algn="ctr"/>
+            <a:endParaRPr lang="ja-JP" altLang="en-US" sz="7067"/>
+          </a:p>
+        </p:txBody>
+      </p:sp>
+      <p:pic>
+        <p:nvPicPr>
+          <p:cNvPr id="75" name="図 74">
+            <a:extLst>
+              <a:ext uri="{FF2B5EF4-FFF2-40B4-BE49-F238E27FC236}">
+                <a16:creationId xmlns:a16="http://schemas.microsoft.com/office/drawing/2014/main" id="{BA2785BC-7F21-0431-A42B-3D7AC2109345}"/>
+              </a:ext>
+            </a:extLst>
+          </p:cNvPr>
+          <p:cNvPicPr>
+            <a:picLocks noChangeAspect="1"/>
+          </p:cNvPicPr>
+          <p:nvPr/>
+        </p:nvPicPr>
+        <p:blipFill rotWithShape="1">
+          <a:blip r:embed="rId7"/>
+          <a:srcRect t="3510"/>
+          <a:stretch/>
+        </p:blipFill>
+        <p:spPr>
+          <a:xfrm>
+            <a:off x="6137691" y="11112139"/>
+            <a:ext cx="737762" cy="1469704"/>
+          </a:xfrm>
+          <a:prstGeom prst="rect">
+            <a:avLst/>
+          </a:prstGeom>
+        </p:spPr>
+      </p:pic>
+      <p:sp>
+        <p:nvSpPr>
+          <p:cNvPr id="76" name="正方形/長方形 75">
+            <a:extLst>
+              <a:ext uri="{FF2B5EF4-FFF2-40B4-BE49-F238E27FC236}">
+                <a16:creationId xmlns:a16="http://schemas.microsoft.com/office/drawing/2014/main" id="{F2858A41-8C99-7697-621F-0B428E7B7913}"/>
+              </a:ext>
+            </a:extLst>
+          </p:cNvPr>
+          <p:cNvSpPr/>
+          <p:nvPr/>
+        </p:nvSpPr>
+        <p:spPr>
+          <a:xfrm>
+            <a:off x="3932835" y="11201481"/>
+            <a:ext cx="1030611" cy="1224834"/>
+          </a:xfrm>
+          <a:prstGeom prst="rect">
+            <a:avLst/>
+          </a:prstGeom>
+          <a:solidFill>
+            <a:srgbClr val="C7C7BD"/>
+          </a:solidFill>
+          <a:ln>
+            <a:noFill/>
+          </a:ln>
+        </p:spPr>
+        <p:style>
+          <a:lnRef idx="2">
+            <a:schemeClr val="accent1">
+              <a:shade val="15000"/>
+            </a:schemeClr>
+          </a:lnRef>
+          <a:fillRef idx="1">
+            <a:schemeClr val="accent1"/>
+          </a:fillRef>
+          <a:effectRef idx="0">
+            <a:schemeClr val="accent1"/>
+          </a:effectRef>
+          <a:fontRef idx="minor">
+            <a:schemeClr val="lt1"/>
+          </a:fontRef>
+        </p:style>
+        <p:txBody>
+          <a:bodyPr rtlCol="0" anchor="ctr"/>
+          <a:lstStyle/>
+          <a:p>
+            <a:pPr algn="ctr"/>
+            <a:endParaRPr lang="ja-JP" altLang="en-US" sz="7067"/>
+          </a:p>
+        </p:txBody>
+      </p:sp>
+      <p:sp>
+        <p:nvSpPr>
+          <p:cNvPr id="33" name="二等辺三角形 32">
+            <a:extLst>
+              <a:ext uri="{FF2B5EF4-FFF2-40B4-BE49-F238E27FC236}">
+                <a16:creationId xmlns:a16="http://schemas.microsoft.com/office/drawing/2014/main" id="{5A6B66DD-0DD4-833D-D7DB-05E9500700CA}"/>
+              </a:ext>
+            </a:extLst>
+          </p:cNvPr>
+          <p:cNvSpPr/>
+          <p:nvPr/>
+        </p:nvSpPr>
+        <p:spPr>
+          <a:xfrm rot="16200000">
+            <a:off x="3401085" y="12082167"/>
+            <a:ext cx="501129" cy="187161"/>
+          </a:xfrm>
+          <a:prstGeom prst="triangle">
+            <a:avLst>
+              <a:gd name="adj" fmla="val 100000"/>
+            </a:avLst>
+          </a:prstGeom>
+          <a:solidFill>
+            <a:srgbClr val="C7C7BD"/>
+          </a:solidFill>
+          <a:ln>
+            <a:noFill/>
+          </a:ln>
+        </p:spPr>
+        <p:style>
+          <a:lnRef idx="2">
+            <a:schemeClr val="accent1">
+              <a:shade val="15000"/>
+            </a:schemeClr>
+          </a:lnRef>
+          <a:fillRef idx="1">
+            <a:schemeClr val="accent1"/>
+          </a:fillRef>
+          <a:effectRef idx="0">
+            <a:schemeClr val="accent1"/>
+          </a:effectRef>
+          <a:fontRef idx="minor">
+            <a:schemeClr val="lt1"/>
+          </a:fontRef>
+        </p:style>
+        <p:txBody>
+          <a:bodyPr rtlCol="0" anchor="ctr"/>
+          <a:lstStyle/>
+          <a:p>
+            <a:pPr algn="ctr"/>
+            <a:endParaRPr kumimoji="1" lang="ja-JP" altLang="en-US"/>
+          </a:p>
+        </p:txBody>
+      </p:sp>
+      <p:sp>
+        <p:nvSpPr>
+          <p:cNvPr id="51" name="正方形/長方形 50">
+            <a:extLst>
+              <a:ext uri="{FF2B5EF4-FFF2-40B4-BE49-F238E27FC236}">
+                <a16:creationId xmlns:a16="http://schemas.microsoft.com/office/drawing/2014/main" id="{422BA506-136A-B537-4807-061A96EA7A83}"/>
+              </a:ext>
+            </a:extLst>
+          </p:cNvPr>
+          <p:cNvSpPr/>
+          <p:nvPr/>
+        </p:nvSpPr>
+        <p:spPr>
+          <a:xfrm>
+            <a:off x="3744665" y="11840516"/>
+            <a:ext cx="322785" cy="583544"/>
+          </a:xfrm>
+          <a:prstGeom prst="rect">
+            <a:avLst/>
+          </a:prstGeom>
+          <a:solidFill>
+            <a:srgbClr val="C7C7BD"/>
+          </a:solidFill>
+          <a:ln>
+            <a:noFill/>
+          </a:ln>
+        </p:spPr>
+        <p:style>
+          <a:lnRef idx="2">
+            <a:schemeClr val="accent1">
+              <a:shade val="15000"/>
+            </a:schemeClr>
+          </a:lnRef>
+          <a:fillRef idx="1">
+            <a:schemeClr val="accent1"/>
+          </a:fillRef>
+          <a:effectRef idx="0">
+            <a:schemeClr val="accent1"/>
+          </a:effectRef>
+          <a:fontRef idx="minor">
+            <a:schemeClr val="lt1"/>
+          </a:fontRef>
+        </p:style>
+        <p:txBody>
+          <a:bodyPr rtlCol="0" anchor="ctr"/>
+          <a:lstStyle/>
+          <a:p>
+            <a:pPr algn="ctr"/>
+            <a:endParaRPr lang="ja-JP" altLang="en-US" sz="7067"/>
+          </a:p>
+        </p:txBody>
+      </p:sp>
+      <p:sp>
+        <p:nvSpPr>
+          <p:cNvPr id="54" name="二等辺三角形 53">
+            <a:extLst>
+              <a:ext uri="{FF2B5EF4-FFF2-40B4-BE49-F238E27FC236}">
+                <a16:creationId xmlns:a16="http://schemas.microsoft.com/office/drawing/2014/main" id="{23AA40A2-A1B7-C3AA-373A-DD504A0FC078}"/>
+              </a:ext>
+            </a:extLst>
+          </p:cNvPr>
+          <p:cNvSpPr/>
+          <p:nvPr/>
+        </p:nvSpPr>
+        <p:spPr>
+          <a:xfrm rot="5400000" flipV="1">
+            <a:off x="3380921" y="11374612"/>
+            <a:ext cx="723702" cy="377445"/>
+          </a:xfrm>
+          <a:prstGeom prst="triangle">
+            <a:avLst>
+              <a:gd name="adj" fmla="val 100000"/>
+            </a:avLst>
+          </a:prstGeom>
+          <a:solidFill>
+            <a:srgbClr val="C7C7BD"/>
+          </a:solidFill>
+          <a:ln>
+            <a:noFill/>
+          </a:ln>
+        </p:spPr>
+        <p:style>
+          <a:lnRef idx="2">
+            <a:schemeClr val="accent1">
+              <a:shade val="15000"/>
+            </a:schemeClr>
+          </a:lnRef>
+          <a:fillRef idx="1">
+            <a:schemeClr val="accent1"/>
+          </a:fillRef>
+          <a:effectRef idx="0">
+            <a:schemeClr val="accent1"/>
+          </a:effectRef>
+          <a:fontRef idx="minor">
+            <a:schemeClr val="lt1"/>
+          </a:fontRef>
+        </p:style>
+        <p:txBody>
+          <a:bodyPr rtlCol="0" anchor="ctr"/>
+          <a:lstStyle/>
+          <a:p>
+            <a:pPr algn="ctr"/>
+            <a:endParaRPr kumimoji="1" lang="ja-JP" altLang="en-US"/>
+          </a:p>
+        </p:txBody>
+      </p:sp>
+      <p:sp>
+        <p:nvSpPr>
+          <p:cNvPr id="57" name="正方形/長方形 56">
+            <a:extLst>
+              <a:ext uri="{FF2B5EF4-FFF2-40B4-BE49-F238E27FC236}">
+                <a16:creationId xmlns:a16="http://schemas.microsoft.com/office/drawing/2014/main" id="{C3C7ADA6-08C8-BD1F-8B76-BA535347196B}"/>
+              </a:ext>
+            </a:extLst>
+          </p:cNvPr>
+          <p:cNvSpPr/>
+          <p:nvPr/>
+        </p:nvSpPr>
+        <p:spPr>
+          <a:xfrm>
+            <a:off x="3984479" y="11296869"/>
+            <a:ext cx="976690" cy="1023733"/>
+          </a:xfrm>
+          <a:prstGeom prst="rect">
+            <a:avLst/>
+          </a:prstGeom>
+          <a:solidFill>
+            <a:srgbClr val="919292"/>
+          </a:solidFill>
+          <a:ln>
+            <a:noFill/>
+          </a:ln>
+        </p:spPr>
+        <p:style>
+          <a:lnRef idx="2">
+            <a:schemeClr val="accent1">
+              <a:shade val="15000"/>
+            </a:schemeClr>
+          </a:lnRef>
+          <a:fillRef idx="1">
+            <a:schemeClr val="accent1"/>
+          </a:fillRef>
+          <a:effectRef idx="0">
+            <a:schemeClr val="accent1"/>
+          </a:effectRef>
+          <a:fontRef idx="minor">
+            <a:schemeClr val="lt1"/>
+          </a:fontRef>
+        </p:style>
+        <p:txBody>
+          <a:bodyPr rtlCol="0" anchor="ctr"/>
+          <a:lstStyle/>
+          <a:p>
+            <a:pPr algn="ctr"/>
+            <a:endParaRPr lang="ja-JP" altLang="en-US" sz="7067"/>
+          </a:p>
+        </p:txBody>
+      </p:sp>
+      <p:sp>
+        <p:nvSpPr>
+          <p:cNvPr id="59" name="二等辺三角形 58">
+            <a:extLst>
+              <a:ext uri="{FF2B5EF4-FFF2-40B4-BE49-F238E27FC236}">
+                <a16:creationId xmlns:a16="http://schemas.microsoft.com/office/drawing/2014/main" id="{13916ECA-63CF-82CA-BBCF-712501E16D0C}"/>
+              </a:ext>
+            </a:extLst>
+          </p:cNvPr>
+          <p:cNvSpPr/>
+          <p:nvPr/>
+        </p:nvSpPr>
+        <p:spPr>
+          <a:xfrm rot="5400000" flipH="1" flipV="1">
+            <a:off x="3508784" y="12034625"/>
+            <a:ext cx="418689" cy="153264"/>
+          </a:xfrm>
+          <a:prstGeom prst="triangle">
+            <a:avLst>
+              <a:gd name="adj" fmla="val 100000"/>
+            </a:avLst>
+          </a:prstGeom>
+          <a:solidFill>
+            <a:srgbClr val="919292"/>
+          </a:solidFill>
+          <a:ln>
+            <a:noFill/>
+          </a:ln>
+        </p:spPr>
+        <p:style>
+          <a:lnRef idx="2">
+            <a:schemeClr val="accent1">
+              <a:shade val="15000"/>
+            </a:schemeClr>
+          </a:lnRef>
+          <a:fillRef idx="1">
+            <a:schemeClr val="accent1"/>
+          </a:fillRef>
+          <a:effectRef idx="0">
+            <a:schemeClr val="accent1"/>
+          </a:effectRef>
+          <a:fontRef idx="minor">
+            <a:schemeClr val="lt1"/>
+          </a:fontRef>
+        </p:style>
+        <p:txBody>
+          <a:bodyPr rtlCol="0" anchor="ctr"/>
+          <a:lstStyle/>
+          <a:p>
+            <a:pPr algn="ctr"/>
+            <a:endParaRPr kumimoji="1" lang="ja-JP" altLang="en-US"/>
+          </a:p>
+        </p:txBody>
+      </p:sp>
+      <p:sp>
+        <p:nvSpPr>
+          <p:cNvPr id="60" name="正方形/長方形 59">
+            <a:extLst>
+              <a:ext uri="{FF2B5EF4-FFF2-40B4-BE49-F238E27FC236}">
+                <a16:creationId xmlns:a16="http://schemas.microsoft.com/office/drawing/2014/main" id="{BFABCE08-CC61-37BF-7DE5-ACB52E966D0A}"/>
+              </a:ext>
+            </a:extLst>
+          </p:cNvPr>
+          <p:cNvSpPr/>
+          <p:nvPr/>
+        </p:nvSpPr>
+        <p:spPr>
+          <a:xfrm>
+            <a:off x="3793976" y="11875469"/>
+            <a:ext cx="223061" cy="444210"/>
+          </a:xfrm>
+          <a:prstGeom prst="rect">
+            <a:avLst/>
+          </a:prstGeom>
+          <a:solidFill>
+            <a:srgbClr val="919292"/>
+          </a:solidFill>
+          <a:ln>
+            <a:noFill/>
+          </a:ln>
+        </p:spPr>
+        <p:style>
+          <a:lnRef idx="2">
+            <a:schemeClr val="accent1">
+              <a:shade val="15000"/>
+            </a:schemeClr>
+          </a:lnRef>
+          <a:fillRef idx="1">
+            <a:schemeClr val="accent1"/>
+          </a:fillRef>
+          <a:effectRef idx="0">
+            <a:schemeClr val="accent1"/>
+          </a:effectRef>
+          <a:fontRef idx="minor">
+            <a:schemeClr val="lt1"/>
+          </a:fontRef>
+        </p:style>
+        <p:txBody>
+          <a:bodyPr rtlCol="0" anchor="ctr"/>
+          <a:lstStyle/>
+          <a:p>
+            <a:pPr algn="ctr"/>
+            <a:endParaRPr lang="ja-JP" altLang="en-US" sz="7067"/>
+          </a:p>
+        </p:txBody>
+      </p:sp>
+      <p:sp>
+        <p:nvSpPr>
+          <p:cNvPr id="61" name="二等辺三角形 60">
+            <a:extLst>
+              <a:ext uri="{FF2B5EF4-FFF2-40B4-BE49-F238E27FC236}">
+                <a16:creationId xmlns:a16="http://schemas.microsoft.com/office/drawing/2014/main" id="{B3BE47F9-D51A-CDD0-E8E8-A83DFAF7D79A}"/>
+              </a:ext>
+            </a:extLst>
+          </p:cNvPr>
+          <p:cNvSpPr/>
+          <p:nvPr/>
+        </p:nvSpPr>
+        <p:spPr>
+          <a:xfrm rot="5400000" flipV="1">
+            <a:off x="3507569" y="11430796"/>
+            <a:ext cx="610838" cy="342985"/>
+          </a:xfrm>
+          <a:prstGeom prst="triangle">
+            <a:avLst>
+              <a:gd name="adj" fmla="val 100000"/>
+            </a:avLst>
+          </a:prstGeom>
+          <a:solidFill>
+            <a:srgbClr val="919292"/>
+          </a:solidFill>
+          <a:ln>
+            <a:noFill/>
+          </a:ln>
+        </p:spPr>
+        <p:style>
+          <a:lnRef idx="2">
+            <a:schemeClr val="accent1">
+              <a:shade val="15000"/>
+            </a:schemeClr>
+          </a:lnRef>
+          <a:fillRef idx="1">
+            <a:schemeClr val="accent1"/>
+          </a:fillRef>
+          <a:effectRef idx="0">
+            <a:schemeClr val="accent1"/>
+          </a:effectRef>
+          <a:fontRef idx="minor">
+            <a:schemeClr val="lt1"/>
+          </a:fontRef>
+        </p:style>
+        <p:txBody>
+          <a:bodyPr rtlCol="0" anchor="ctr"/>
+          <a:lstStyle/>
+          <a:p>
+            <a:pPr algn="ctr"/>
+            <a:endParaRPr kumimoji="1" lang="ja-JP" altLang="en-US"/>
+          </a:p>
+        </p:txBody>
+      </p:sp>
+      <p:pic>
+        <p:nvPicPr>
+          <p:cNvPr id="65" name="図 64">
+            <a:extLst>
+              <a:ext uri="{FF2B5EF4-FFF2-40B4-BE49-F238E27FC236}">
+                <a16:creationId xmlns:a16="http://schemas.microsoft.com/office/drawing/2014/main" id="{844A20BA-AD34-BBA5-17D1-9CD1AA487AF1}"/>
+              </a:ext>
+            </a:extLst>
+          </p:cNvPr>
+          <p:cNvPicPr>
+            <a:picLocks noChangeAspect="1"/>
+          </p:cNvPicPr>
+          <p:nvPr/>
+        </p:nvPicPr>
+        <p:blipFill>
+          <a:blip r:embed="rId13"/>
+          <a:stretch>
+            <a:fillRect/>
+          </a:stretch>
+        </p:blipFill>
+        <p:spPr>
+          <a:xfrm>
+            <a:off x="1756747" y="7219784"/>
+            <a:ext cx="356831" cy="276347"/>
+          </a:xfrm>
+          <a:prstGeom prst="rect">
+            <a:avLst/>
+          </a:prstGeom>
+        </p:spPr>
+      </p:pic>
+      <p:pic>
+        <p:nvPicPr>
+          <p:cNvPr id="55" name="図 54">
+            <a:extLst>
+              <a:ext uri="{FF2B5EF4-FFF2-40B4-BE49-F238E27FC236}">
+                <a16:creationId xmlns:a16="http://schemas.microsoft.com/office/drawing/2014/main" id="{37C6FF51-3CB2-3EE9-E3FC-07D492F52E86}"/>
+              </a:ext>
+            </a:extLst>
+          </p:cNvPr>
+          <p:cNvPicPr>
+            <a:picLocks noChangeAspect="1"/>
+          </p:cNvPicPr>
+          <p:nvPr/>
+        </p:nvPicPr>
+        <p:blipFill>
+          <a:blip r:embed="rId12"/>
+          <a:stretch>
+            <a:fillRect/>
+          </a:stretch>
+        </p:blipFill>
+        <p:spPr>
+          <a:xfrm>
+            <a:off x="1574187" y="7293209"/>
+            <a:ext cx="182559" cy="343935"/>
+          </a:xfrm>
+          <a:prstGeom prst="rect">
+            <a:avLst/>
+          </a:prstGeom>
+        </p:spPr>
+      </p:pic>
+      <p:sp>
+        <p:nvSpPr>
+          <p:cNvPr id="77" name="四角形: 角を丸くする 76">
+            <a:extLst>
+              <a:ext uri="{FF2B5EF4-FFF2-40B4-BE49-F238E27FC236}">
+                <a16:creationId xmlns:a16="http://schemas.microsoft.com/office/drawing/2014/main" id="{35EB1AC3-1841-D0B7-C837-9C0647A68BFF}"/>
+              </a:ext>
+            </a:extLst>
+          </p:cNvPr>
+          <p:cNvSpPr/>
+          <p:nvPr/>
+        </p:nvSpPr>
+        <p:spPr>
+          <a:xfrm>
+            <a:off x="3714573" y="5764203"/>
+            <a:ext cx="413387" cy="154006"/>
+          </a:xfrm>
+          <a:prstGeom prst="roundRect">
+            <a:avLst>
+              <a:gd name="adj" fmla="val 15124"/>
+            </a:avLst>
+          </a:prstGeom>
+          <a:solidFill>
+            <a:srgbClr val="FF00FF"/>
+          </a:solidFill>
+          <a:ln w="38100">
+            <a:noFill/>
+          </a:ln>
+        </p:spPr>
+        <p:style>
+          <a:lnRef idx="2">
+            <a:schemeClr val="accent1">
+              <a:shade val="15000"/>
+            </a:schemeClr>
+          </a:lnRef>
+          <a:fillRef idx="1">
+            <a:schemeClr val="accent1"/>
+          </a:fillRef>
+          <a:effectRef idx="0">
+            <a:schemeClr val="accent1"/>
+          </a:effectRef>
+          <a:fontRef idx="minor">
+            <a:schemeClr val="lt1"/>
+          </a:fontRef>
+        </p:style>
+        <p:txBody>
+          <a:bodyPr rtlCol="0" anchor="ctr"/>
+          <a:lstStyle/>
+          <a:p>
+            <a:pPr algn="ctr"/>
+            <a:endParaRPr kumimoji="1" lang="ja-JP" altLang="en-US"/>
+          </a:p>
+        </p:txBody>
+      </p:sp>
+      <p:sp>
+        <p:nvSpPr>
+          <p:cNvPr id="78" name="正方形/長方形 77">
+            <a:extLst>
+              <a:ext uri="{FF2B5EF4-FFF2-40B4-BE49-F238E27FC236}">
+                <a16:creationId xmlns:a16="http://schemas.microsoft.com/office/drawing/2014/main" id="{31DF4DB6-684C-B818-328F-001E3B9F62D9}"/>
+              </a:ext>
+            </a:extLst>
+          </p:cNvPr>
+          <p:cNvSpPr/>
+          <p:nvPr/>
+        </p:nvSpPr>
+        <p:spPr>
+          <a:xfrm>
+            <a:off x="3062453" y="2029146"/>
+            <a:ext cx="1385687" cy="354390"/>
+          </a:xfrm>
+          <a:prstGeom prst="rect">
+            <a:avLst/>
+          </a:prstGeom>
+          <a:gradFill>
+            <a:gsLst>
+              <a:gs pos="100000">
+                <a:srgbClr val="787878"/>
+              </a:gs>
+              <a:gs pos="35500">
+                <a:srgbClr val="4C4C4C"/>
+              </a:gs>
+              <a:gs pos="33000">
+                <a:srgbClr val="2A2A2A"/>
+              </a:gs>
+              <a:gs pos="6000">
+                <a:srgbClr val="7D7D7D"/>
+              </a:gs>
+              <a:gs pos="75000">
+                <a:srgbClr val="565553"/>
+              </a:gs>
+              <a:gs pos="58000">
+                <a:srgbClr val="777674"/>
+              </a:gs>
+              <a:gs pos="68000">
+                <a:srgbClr val="2E2E2E"/>
+              </a:gs>
+              <a:gs pos="0">
+                <a:srgbClr val="434342"/>
+              </a:gs>
+            </a:gsLst>
+            <a:lin ang="0" scaled="0"/>
+          </a:gradFill>
+          <a:ln>
+            <a:noFill/>
+          </a:ln>
+        </p:spPr>
+        <p:style>
+          <a:lnRef idx="2">
+            <a:schemeClr val="accent1">
+              <a:shade val="15000"/>
+            </a:schemeClr>
+          </a:lnRef>
+          <a:fillRef idx="1">
+            <a:schemeClr val="accent1"/>
+          </a:fillRef>
+          <a:effectRef idx="0">
+            <a:schemeClr val="accent1"/>
+          </a:effectRef>
+          <a:fontRef idx="minor">
+            <a:schemeClr val="lt1"/>
+          </a:fontRef>
+        </p:style>
+        <p:txBody>
+          <a:bodyPr rtlCol="0" anchor="ctr"/>
+          <a:lstStyle/>
+          <a:p>
+            <a:pPr algn="ctr"/>
+            <a:endParaRPr kumimoji="1" lang="ja-JP" altLang="en-US"/>
+          </a:p>
+        </p:txBody>
+      </p:sp>
+      <p:sp>
+        <p:nvSpPr>
+          <p:cNvPr id="81" name="四角形: 角を丸くする 80">
+            <a:extLst>
+              <a:ext uri="{FF2B5EF4-FFF2-40B4-BE49-F238E27FC236}">
+                <a16:creationId xmlns:a16="http://schemas.microsoft.com/office/drawing/2014/main" id="{404E1767-8227-3986-DD76-A0EF716F9608}"/>
+              </a:ext>
+            </a:extLst>
+          </p:cNvPr>
+          <p:cNvSpPr/>
+          <p:nvPr/>
+        </p:nvSpPr>
+        <p:spPr>
+          <a:xfrm>
+            <a:off x="3201593" y="6101341"/>
+            <a:ext cx="1400537" cy="1029482"/>
+          </a:xfrm>
+          <a:prstGeom prst="roundRect">
+            <a:avLst>
+              <a:gd name="adj" fmla="val 4758"/>
+            </a:avLst>
+          </a:prstGeom>
+          <a:solidFill>
+            <a:srgbClr val="FF00FF"/>
+          </a:solidFill>
+          <a:ln w="38100">
+            <a:noFill/>
+          </a:ln>
+        </p:spPr>
+        <p:style>
+          <a:lnRef idx="2">
+            <a:schemeClr val="accent1">
+              <a:shade val="15000"/>
+            </a:schemeClr>
+          </a:lnRef>
+          <a:fillRef idx="1">
+            <a:schemeClr val="accent1"/>
+          </a:fillRef>
+          <a:effectRef idx="0">
+            <a:schemeClr val="accent1"/>
+          </a:effectRef>
+          <a:fontRef idx="minor">
+            <a:schemeClr val="lt1"/>
+          </a:fontRef>
+        </p:style>
+        <p:txBody>
+          <a:bodyPr rtlCol="0" anchor="ctr"/>
+          <a:lstStyle/>
+          <a:p>
+            <a:pPr algn="ctr"/>
+            <a:endParaRPr kumimoji="1" lang="ja-JP" altLang="en-US"/>
+          </a:p>
+        </p:txBody>
+      </p:sp>
+      <p:sp>
+        <p:nvSpPr>
+          <p:cNvPr id="79" name="四角形: 角を丸くする 78">
+            <a:extLst>
+              <a:ext uri="{FF2B5EF4-FFF2-40B4-BE49-F238E27FC236}">
+                <a16:creationId xmlns:a16="http://schemas.microsoft.com/office/drawing/2014/main" id="{EA3D1AEA-9872-F394-183C-4351E0F8434A}"/>
+              </a:ext>
+            </a:extLst>
+          </p:cNvPr>
+          <p:cNvSpPr/>
+          <p:nvPr/>
+        </p:nvSpPr>
+        <p:spPr>
+          <a:xfrm>
+            <a:off x="3218752" y="6105835"/>
+            <a:ext cx="1373505" cy="45719"/>
+          </a:xfrm>
+          <a:prstGeom prst="roundRect">
+            <a:avLst/>
+          </a:prstGeom>
+          <a:gradFill>
+            <a:gsLst>
+              <a:gs pos="100000">
+                <a:srgbClr val="787878"/>
+              </a:gs>
+              <a:gs pos="35500">
+                <a:srgbClr val="4C4C4C"/>
+              </a:gs>
+              <a:gs pos="33000">
+                <a:srgbClr val="2A2A2A"/>
+              </a:gs>
+              <a:gs pos="6000">
+                <a:srgbClr val="7D7D7D"/>
+              </a:gs>
+              <a:gs pos="75000">
+                <a:srgbClr val="565553"/>
+              </a:gs>
+              <a:gs pos="58000">
+                <a:srgbClr val="777674"/>
+              </a:gs>
+              <a:gs pos="68000">
+                <a:srgbClr val="2E2E2E"/>
+              </a:gs>
+              <a:gs pos="0">
+                <a:srgbClr val="434342"/>
+              </a:gs>
+            </a:gsLst>
+            <a:lin ang="0" scaled="0"/>
+          </a:gradFill>
+          <a:ln>
+            <a:noFill/>
+          </a:ln>
+        </p:spPr>
+        <p:style>
+          <a:lnRef idx="2">
+            <a:schemeClr val="accent1">
+              <a:shade val="15000"/>
+            </a:schemeClr>
+          </a:lnRef>
+          <a:fillRef idx="1">
+            <a:schemeClr val="accent1"/>
+          </a:fillRef>
+          <a:effectRef idx="0">
+            <a:schemeClr val="accent1"/>
+          </a:effectRef>
+          <a:fontRef idx="minor">
+            <a:schemeClr val="lt1"/>
+          </a:fontRef>
+        </p:style>
+        <p:txBody>
+          <a:bodyPr rtlCol="0" anchor="ctr"/>
+          <a:lstStyle/>
+          <a:p>
+            <a:pPr algn="ctr"/>
+            <a:endParaRPr kumimoji="1" lang="ja-JP" altLang="en-US"/>
+          </a:p>
+        </p:txBody>
+      </p:sp>
+      <p:sp>
+        <p:nvSpPr>
+          <p:cNvPr id="82" name="四角形: 角を丸くする 81">
+            <a:extLst>
+              <a:ext uri="{FF2B5EF4-FFF2-40B4-BE49-F238E27FC236}">
+                <a16:creationId xmlns:a16="http://schemas.microsoft.com/office/drawing/2014/main" id="{51263733-5D25-A360-B0BC-0DD9279EF713}"/>
+              </a:ext>
+            </a:extLst>
+          </p:cNvPr>
+          <p:cNvSpPr/>
+          <p:nvPr/>
+        </p:nvSpPr>
+        <p:spPr>
+          <a:xfrm>
+            <a:off x="6172003" y="6113094"/>
+            <a:ext cx="1400537" cy="1017981"/>
+          </a:xfrm>
+          <a:prstGeom prst="roundRect">
+            <a:avLst>
+              <a:gd name="adj" fmla="val 4758"/>
+            </a:avLst>
+          </a:prstGeom>
+          <a:solidFill>
+            <a:srgbClr val="FF00FF"/>
+          </a:solidFill>
+          <a:ln w="38100">
+            <a:noFill/>
+          </a:ln>
+        </p:spPr>
+        <p:style>
+          <a:lnRef idx="2">
+            <a:schemeClr val="accent1">
+              <a:shade val="15000"/>
+            </a:schemeClr>
+          </a:lnRef>
+          <a:fillRef idx="1">
+            <a:schemeClr val="accent1"/>
+          </a:fillRef>
+          <a:effectRef idx="0">
+            <a:schemeClr val="accent1"/>
+          </a:effectRef>
+          <a:fontRef idx="minor">
+            <a:schemeClr val="lt1"/>
+          </a:fontRef>
+        </p:style>
+        <p:txBody>
+          <a:bodyPr rtlCol="0" anchor="ctr"/>
+          <a:lstStyle/>
+          <a:p>
+            <a:pPr algn="ctr"/>
+            <a:endParaRPr kumimoji="1" lang="ja-JP" altLang="en-US"/>
+          </a:p>
+        </p:txBody>
+      </p:sp>
+      <p:sp>
+        <p:nvSpPr>
+          <p:cNvPr id="83" name="四角形: 角を丸くする 82">
+            <a:extLst>
+              <a:ext uri="{FF2B5EF4-FFF2-40B4-BE49-F238E27FC236}">
+                <a16:creationId xmlns:a16="http://schemas.microsoft.com/office/drawing/2014/main" id="{36DA2499-0F09-CC29-1B19-26D0247BF13B}"/>
+              </a:ext>
+            </a:extLst>
+          </p:cNvPr>
+          <p:cNvSpPr/>
+          <p:nvPr/>
+        </p:nvSpPr>
+        <p:spPr>
+          <a:xfrm>
+            <a:off x="6185518" y="6105834"/>
+            <a:ext cx="1373505" cy="45719"/>
+          </a:xfrm>
+          <a:prstGeom prst="roundRect">
+            <a:avLst/>
+          </a:prstGeom>
+          <a:gradFill>
+            <a:gsLst>
+              <a:gs pos="100000">
+                <a:srgbClr val="787878"/>
+              </a:gs>
+              <a:gs pos="35500">
+                <a:srgbClr val="4C4C4C"/>
+              </a:gs>
+              <a:gs pos="33000">
+                <a:srgbClr val="2A2A2A"/>
+              </a:gs>
+              <a:gs pos="6000">
+                <a:srgbClr val="7D7D7D"/>
+              </a:gs>
+              <a:gs pos="75000">
+                <a:srgbClr val="565553"/>
+              </a:gs>
+              <a:gs pos="58000">
+                <a:srgbClr val="777674"/>
+              </a:gs>
+              <a:gs pos="68000">
+                <a:srgbClr val="2E2E2E"/>
+              </a:gs>
+              <a:gs pos="0">
+                <a:srgbClr val="434342"/>
+              </a:gs>
+            </a:gsLst>
+            <a:lin ang="0" scaled="0"/>
+          </a:gradFill>
+          <a:ln>
+            <a:noFill/>
+          </a:ln>
+        </p:spPr>
+        <p:style>
+          <a:lnRef idx="2">
+            <a:schemeClr val="accent1">
+              <a:shade val="15000"/>
+            </a:schemeClr>
+          </a:lnRef>
+          <a:fillRef idx="1">
+            <a:schemeClr val="accent1"/>
+          </a:fillRef>
+          <a:effectRef idx="0">
+            <a:schemeClr val="accent1"/>
+          </a:effectRef>
+          <a:fontRef idx="minor">
+            <a:schemeClr val="lt1"/>
+          </a:fontRef>
+        </p:style>
+        <p:txBody>
+          <a:bodyPr rtlCol="0" anchor="ctr"/>
+          <a:lstStyle/>
+          <a:p>
+            <a:pPr algn="ctr"/>
+            <a:endParaRPr kumimoji="1" lang="ja-JP" altLang="en-US"/>
+          </a:p>
+        </p:txBody>
+      </p:sp>
+      <p:sp>
+        <p:nvSpPr>
+          <p:cNvPr id="85" name="四角形: 角を丸くする 84">
+            <a:extLst>
+              <a:ext uri="{FF2B5EF4-FFF2-40B4-BE49-F238E27FC236}">
+                <a16:creationId xmlns:a16="http://schemas.microsoft.com/office/drawing/2014/main" id="{9AC5AD79-DB1D-8524-41C2-8D396B7B6529}"/>
+              </a:ext>
+            </a:extLst>
+          </p:cNvPr>
+          <p:cNvSpPr/>
+          <p:nvPr/>
+        </p:nvSpPr>
+        <p:spPr>
+          <a:xfrm>
+            <a:off x="8944122" y="6095493"/>
+            <a:ext cx="511523" cy="1017981"/>
+          </a:xfrm>
+          <a:prstGeom prst="roundRect">
+            <a:avLst>
+              <a:gd name="adj" fmla="val 4758"/>
+            </a:avLst>
+          </a:prstGeom>
+          <a:solidFill>
+            <a:srgbClr val="FF00FF"/>
+          </a:solidFill>
+          <a:ln w="38100">
+            <a:noFill/>
+          </a:ln>
+        </p:spPr>
+        <p:style>
+          <a:lnRef idx="2">
+            <a:schemeClr val="accent1">
+              <a:shade val="15000"/>
+            </a:schemeClr>
+          </a:lnRef>
+          <a:fillRef idx="1">
+            <a:schemeClr val="accent1"/>
+          </a:fillRef>
+          <a:effectRef idx="0">
+            <a:schemeClr val="accent1"/>
+          </a:effectRef>
+          <a:fontRef idx="minor">
+            <a:schemeClr val="lt1"/>
+          </a:fontRef>
+        </p:style>
+        <p:txBody>
+          <a:bodyPr rtlCol="0" anchor="ctr"/>
+          <a:lstStyle/>
+          <a:p>
+            <a:pPr algn="ctr"/>
+            <a:endParaRPr kumimoji="1" lang="ja-JP" altLang="en-US"/>
+          </a:p>
+        </p:txBody>
+      </p:sp>
+      <p:sp>
+        <p:nvSpPr>
+          <p:cNvPr id="84" name="四角形: 角を丸くする 83">
+            <a:extLst>
+              <a:ext uri="{FF2B5EF4-FFF2-40B4-BE49-F238E27FC236}">
+                <a16:creationId xmlns:a16="http://schemas.microsoft.com/office/drawing/2014/main" id="{748F62F0-FC75-2460-5DBD-28521E67B5C7}"/>
+              </a:ext>
+            </a:extLst>
+          </p:cNvPr>
+          <p:cNvSpPr/>
+          <p:nvPr/>
+        </p:nvSpPr>
+        <p:spPr>
+          <a:xfrm>
+            <a:off x="8966935" y="6107833"/>
+            <a:ext cx="489874" cy="45719"/>
+          </a:xfrm>
+          <a:prstGeom prst="roundRect">
+            <a:avLst/>
+          </a:prstGeom>
+          <a:gradFill>
+            <a:gsLst>
+              <a:gs pos="100000">
+                <a:srgbClr val="787878"/>
+              </a:gs>
+              <a:gs pos="100000">
+                <a:srgbClr val="2A2A2A"/>
+              </a:gs>
+              <a:gs pos="100000">
+                <a:srgbClr val="7D7D7D"/>
+              </a:gs>
+              <a:gs pos="100000">
+                <a:srgbClr val="565553"/>
+              </a:gs>
+              <a:gs pos="100000">
+                <a:srgbClr val="777674"/>
+              </a:gs>
+              <a:gs pos="100000">
+                <a:srgbClr val="2E2E2E"/>
+              </a:gs>
+              <a:gs pos="0">
+                <a:srgbClr val="434342"/>
+              </a:gs>
+            </a:gsLst>
+            <a:lin ang="0" scaled="0"/>
+          </a:gradFill>
+          <a:ln>
+            <a:noFill/>
+          </a:ln>
+        </p:spPr>
+        <p:style>
+          <a:lnRef idx="2">
+            <a:schemeClr val="accent1">
+              <a:shade val="15000"/>
+            </a:schemeClr>
+          </a:lnRef>
+          <a:fillRef idx="1">
+            <a:schemeClr val="accent1"/>
+          </a:fillRef>
+          <a:effectRef idx="0">
+            <a:schemeClr val="accent1"/>
+          </a:effectRef>
+          <a:fontRef idx="minor">
+            <a:schemeClr val="lt1"/>
+          </a:fontRef>
+        </p:style>
+        <p:txBody>
+          <a:bodyPr rtlCol="0" anchor="ctr"/>
+          <a:lstStyle/>
+          <a:p>
+            <a:pPr algn="ctr"/>
+            <a:endParaRPr kumimoji="1" lang="ja-JP" altLang="en-US"/>
+          </a:p>
+        </p:txBody>
+      </p:sp>
+      <p:sp>
+        <p:nvSpPr>
+          <p:cNvPr id="88" name="四角形: 角を丸くする 87">
+            <a:extLst>
+              <a:ext uri="{FF2B5EF4-FFF2-40B4-BE49-F238E27FC236}">
+                <a16:creationId xmlns:a16="http://schemas.microsoft.com/office/drawing/2014/main" id="{C1787F71-F189-8959-EAA4-EC0BF8F40E88}"/>
+              </a:ext>
+            </a:extLst>
+          </p:cNvPr>
+          <p:cNvSpPr/>
+          <p:nvPr/>
+        </p:nvSpPr>
+        <p:spPr>
+          <a:xfrm>
+            <a:off x="8074530" y="6141389"/>
+            <a:ext cx="543147" cy="1017981"/>
+          </a:xfrm>
+          <a:prstGeom prst="roundRect">
+            <a:avLst>
+              <a:gd name="adj" fmla="val 4758"/>
+            </a:avLst>
+          </a:prstGeom>
+          <a:solidFill>
+            <a:srgbClr val="FF00FF"/>
+          </a:solidFill>
+          <a:ln w="38100">
+            <a:noFill/>
+          </a:ln>
+        </p:spPr>
+        <p:style>
+          <a:lnRef idx="2">
+            <a:schemeClr val="accent1">
+              <a:shade val="15000"/>
+            </a:schemeClr>
+          </a:lnRef>
+          <a:fillRef idx="1">
+            <a:schemeClr val="accent1"/>
+          </a:fillRef>
+          <a:effectRef idx="0">
+            <a:schemeClr val="accent1"/>
+          </a:effectRef>
+          <a:fontRef idx="minor">
+            <a:schemeClr val="lt1"/>
+          </a:fontRef>
+        </p:style>
+        <p:txBody>
+          <a:bodyPr rtlCol="0" anchor="ctr"/>
+          <a:lstStyle/>
+          <a:p>
+            <a:pPr algn="ctr"/>
+            <a:endParaRPr kumimoji="1" lang="ja-JP" altLang="en-US"/>
+          </a:p>
+        </p:txBody>
+      </p:sp>
+      <p:pic>
+        <p:nvPicPr>
+          <p:cNvPr id="67" name="図 66">
+            <a:extLst>
+              <a:ext uri="{FF2B5EF4-FFF2-40B4-BE49-F238E27FC236}">
+                <a16:creationId xmlns:a16="http://schemas.microsoft.com/office/drawing/2014/main" id="{1EAEAB67-6F10-CE30-C22E-A2DDD6F6326C}"/>
+              </a:ext>
+            </a:extLst>
+          </p:cNvPr>
+          <p:cNvPicPr>
+            <a:picLocks noChangeAspect="1"/>
+          </p:cNvPicPr>
+          <p:nvPr/>
+        </p:nvPicPr>
+        <p:blipFill>
+          <a:blip r:embed="rId14">
+            <a:alphaModFix/>
+            <a:extLst>
+              <a:ext uri="{BEBA8EAE-BF5A-486C-A8C5-ECC9F3942E4B}">
+                <a14:imgProps xmlns:a14="http://schemas.microsoft.com/office/drawing/2010/main">
+                  <a14:imgLayer r:embed="rId15">
                     <a14:imgEffect>
                       <a14:colorTemperature colorTemp="8594"/>
                     </a14:imgEffect>
@@ -3725,7 +6939,7 @@
                       <a14:saturation sat="0"/>
                     </a14:imgEffect>
                     <a14:imgEffect>
-                      <a14:brightnessContrast bright="4000" contrast="-4000"/>
+                      <a14:brightnessContrast contrast="-4000"/>
                     </a14:imgEffect>
                   </a14:imgLayer>
                 </a14:imgProps>
@@ -3738,7 +6952,7 @@
         </p:blipFill>
         <p:spPr>
           <a:xfrm>
-            <a:off x="2113579" y="6050177"/>
+            <a:off x="8020694" y="6050177"/>
             <a:ext cx="662785" cy="1901852"/>
           </a:xfrm>
           <a:prstGeom prst="rect">
@@ -3746,41 +6960,12 @@
           </a:prstGeom>
         </p:spPr>
       </p:pic>
-      <p:pic>
-        <p:nvPicPr>
-          <p:cNvPr id="12" name="図 11">
-            <a:extLst>
-              <a:ext uri="{FF2B5EF4-FFF2-40B4-BE49-F238E27FC236}">
-                <a16:creationId xmlns:a16="http://schemas.microsoft.com/office/drawing/2014/main" id="{CD48C9DB-D082-CEAA-1964-51C34CEACFF2}"/>
-              </a:ext>
-            </a:extLst>
-          </p:cNvPr>
-          <p:cNvPicPr>
-            <a:picLocks noChangeAspect="1"/>
-          </p:cNvPicPr>
-          <p:nvPr/>
-        </p:nvPicPr>
-        <p:blipFill rotWithShape="1">
-          <a:blip r:embed="rId4"/>
-          <a:srcRect l="1" t="65225" r="87121" b="17129"/>
-          <a:stretch/>
-        </p:blipFill>
-        <p:spPr>
-          <a:xfrm>
-            <a:off x="-815148" y="11080577"/>
-            <a:ext cx="5783919" cy="2321427"/>
-          </a:xfrm>
-          <a:prstGeom prst="rect">
-            <a:avLst/>
-          </a:prstGeom>
-        </p:spPr>
-      </p:pic>
-      <p:sp>
-        <p:nvSpPr>
-          <p:cNvPr id="15" name="正方形/長方形 14">
-            <a:extLst>
-              <a:ext uri="{FF2B5EF4-FFF2-40B4-BE49-F238E27FC236}">
-                <a16:creationId xmlns:a16="http://schemas.microsoft.com/office/drawing/2014/main" id="{5A669D53-4B45-2FC4-6E80-D45D320473B0}"/>
+      <p:sp>
+        <p:nvSpPr>
+          <p:cNvPr id="89" name="四角形: 角を丸くする 88">
+            <a:extLst>
+              <a:ext uri="{FF2B5EF4-FFF2-40B4-BE49-F238E27FC236}">
+                <a16:creationId xmlns:a16="http://schemas.microsoft.com/office/drawing/2014/main" id="{4EC1003A-5FA4-90A2-6E08-F3FF845E09B1}"/>
               </a:ext>
             </a:extLst>
           </p:cNvPr>
@@ -3789,16 +6974,18 @@
         </p:nvSpPr>
         <p:spPr>
           <a:xfrm>
-            <a:off x="2881890" y="8791995"/>
-            <a:ext cx="1809036" cy="290585"/>
-          </a:xfrm>
-          <a:prstGeom prst="rect">
-            <a:avLst/>
+            <a:off x="5143498" y="6151553"/>
+            <a:ext cx="543147" cy="1017981"/>
+          </a:xfrm>
+          <a:prstGeom prst="roundRect">
+            <a:avLst>
+              <a:gd name="adj" fmla="val 4758"/>
+            </a:avLst>
           </a:prstGeom>
           <a:solidFill>
-            <a:srgbClr val="282828"/>
+            <a:srgbClr val="FF00FF"/>
           </a:solidFill>
-          <a:ln>
+          <a:ln w="38100">
             <a:noFill/>
           </a:ln>
         </p:spPr>
@@ -3823,34 +7010,85 @@
           <a:lstStyle/>
           <a:p>
             <a:pPr algn="ctr"/>
-            <a:endParaRPr lang="ja-JP" altLang="en-US" sz="7067"/>
-          </a:p>
-        </p:txBody>
-      </p:sp>
-      <p:sp>
-        <p:nvSpPr>
-          <p:cNvPr id="18" name="正方形/長方形 17">
-            <a:extLst>
-              <a:ext uri="{FF2B5EF4-FFF2-40B4-BE49-F238E27FC236}">
-                <a16:creationId xmlns:a16="http://schemas.microsoft.com/office/drawing/2014/main" id="{0868429A-3C87-F212-1B71-E4A743B8802F}"/>
-              </a:ext>
-            </a:extLst>
-          </p:cNvPr>
-          <p:cNvSpPr/>
-          <p:nvPr/>
-        </p:nvSpPr>
-        <p:spPr>
-          <a:xfrm>
-            <a:off x="2881890" y="8821396"/>
-            <a:ext cx="1809036" cy="231784"/>
+            <a:endParaRPr kumimoji="1" lang="ja-JP" altLang="en-US"/>
+          </a:p>
+        </p:txBody>
+      </p:sp>
+      <p:pic>
+        <p:nvPicPr>
+          <p:cNvPr id="66" name="図 65">
+            <a:extLst>
+              <a:ext uri="{FF2B5EF4-FFF2-40B4-BE49-F238E27FC236}">
+                <a16:creationId xmlns:a16="http://schemas.microsoft.com/office/drawing/2014/main" id="{DED9F78F-1601-55CB-8465-B03FA7302B37}"/>
+              </a:ext>
+            </a:extLst>
+          </p:cNvPr>
+          <p:cNvPicPr>
+            <a:picLocks noChangeAspect="1"/>
+          </p:cNvPicPr>
+          <p:nvPr/>
+        </p:nvPicPr>
+        <p:blipFill>
+          <a:blip r:embed="rId14">
+            <a:alphaModFix/>
+            <a:extLst>
+              <a:ext uri="{BEBA8EAE-BF5A-486C-A8C5-ECC9F3942E4B}">
+                <a14:imgProps xmlns:a14="http://schemas.microsoft.com/office/drawing/2010/main">
+                  <a14:imgLayer r:embed="rId15">
+                    <a14:imgEffect>
+                      <a14:colorTemperature colorTemp="8594"/>
+                    </a14:imgEffect>
+                    <a14:imgEffect>
+                      <a14:saturation sat="0"/>
+                    </a14:imgEffect>
+                    <a14:imgEffect>
+                      <a14:brightnessContrast contrast="-4000"/>
+                    </a14:imgEffect>
+                  </a14:imgLayer>
+                </a14:imgProps>
+              </a:ext>
+            </a:extLst>
+          </a:blip>
+          <a:stretch>
+            <a:fillRect/>
+          </a:stretch>
+        </p:blipFill>
+        <p:spPr>
+          <a:xfrm>
+            <a:off x="5083990" y="6050177"/>
+            <a:ext cx="662785" cy="1901852"/>
           </a:xfrm>
           <a:prstGeom prst="rect">
             <a:avLst/>
           </a:prstGeom>
+        </p:spPr>
+      </p:pic>
+      <p:sp>
+        <p:nvSpPr>
+          <p:cNvPr id="90" name="四角形: 角を丸くする 89">
+            <a:extLst>
+              <a:ext uri="{FF2B5EF4-FFF2-40B4-BE49-F238E27FC236}">
+                <a16:creationId xmlns:a16="http://schemas.microsoft.com/office/drawing/2014/main" id="{32FC26C9-B934-D9C9-ED32-3D6F87C83C73}"/>
+              </a:ext>
+            </a:extLst>
+          </p:cNvPr>
+          <p:cNvSpPr/>
+          <p:nvPr/>
+        </p:nvSpPr>
+        <p:spPr>
+          <a:xfrm>
+            <a:off x="2162796" y="6151552"/>
+            <a:ext cx="543147" cy="1017981"/>
+          </a:xfrm>
+          <a:prstGeom prst="roundRect">
+            <a:avLst>
+              <a:gd name="adj" fmla="val 4758"/>
+            </a:avLst>
+          </a:prstGeom>
           <a:solidFill>
-            <a:srgbClr val="C7C7BD"/>
+            <a:srgbClr val="FF00FF"/>
           </a:solidFill>
-          <a:ln>
+          <a:ln w="38100">
             <a:noFill/>
           </a:ln>
         </p:spPr>
@@ -3875,32 +7113,81 @@
           <a:lstStyle/>
           <a:p>
             <a:pPr algn="ctr"/>
-            <a:endParaRPr lang="ja-JP" altLang="en-US" sz="7067"/>
-          </a:p>
-        </p:txBody>
-      </p:sp>
-      <p:sp>
-        <p:nvSpPr>
-          <p:cNvPr id="19" name="正方形/長方形 18">
-            <a:extLst>
-              <a:ext uri="{FF2B5EF4-FFF2-40B4-BE49-F238E27FC236}">
-                <a16:creationId xmlns:a16="http://schemas.microsoft.com/office/drawing/2014/main" id="{40876F07-C49B-A5FA-E9A5-8D6B453BF479}"/>
-              </a:ext>
-            </a:extLst>
-          </p:cNvPr>
-          <p:cNvSpPr/>
-          <p:nvPr/>
-        </p:nvSpPr>
-        <p:spPr>
-          <a:xfrm>
-            <a:off x="2881890" y="8840620"/>
-            <a:ext cx="1809036" cy="193336"/>
+            <a:endParaRPr kumimoji="1" lang="ja-JP" altLang="en-US"/>
+          </a:p>
+        </p:txBody>
+      </p:sp>
+      <p:pic>
+        <p:nvPicPr>
+          <p:cNvPr id="3" name="図 2">
+            <a:extLst>
+              <a:ext uri="{FF2B5EF4-FFF2-40B4-BE49-F238E27FC236}">
+                <a16:creationId xmlns:a16="http://schemas.microsoft.com/office/drawing/2014/main" id="{B56BD623-6ED5-D1C1-BBC1-7202C83662EE}"/>
+              </a:ext>
+            </a:extLst>
+          </p:cNvPr>
+          <p:cNvPicPr>
+            <a:picLocks noChangeAspect="1"/>
+          </p:cNvPicPr>
+          <p:nvPr/>
+        </p:nvPicPr>
+        <p:blipFill>
+          <a:blip r:embed="rId14">
+            <a:alphaModFix/>
+            <a:extLst>
+              <a:ext uri="{BEBA8EAE-BF5A-486C-A8C5-ECC9F3942E4B}">
+                <a14:imgProps xmlns:a14="http://schemas.microsoft.com/office/drawing/2010/main">
+                  <a14:imgLayer r:embed="rId15">
+                    <a14:imgEffect>
+                      <a14:colorTemperature colorTemp="8594"/>
+                    </a14:imgEffect>
+                    <a14:imgEffect>
+                      <a14:saturation sat="0"/>
+                    </a14:imgEffect>
+                    <a14:imgEffect>
+                      <a14:brightnessContrast contrast="-4000"/>
+                    </a14:imgEffect>
+                  </a14:imgLayer>
+                </a14:imgProps>
+              </a:ext>
+            </a:extLst>
+          </a:blip>
+          <a:stretch>
+            <a:fillRect/>
+          </a:stretch>
+        </p:blipFill>
+        <p:spPr>
+          <a:xfrm>
+            <a:off x="2113579" y="6050177"/>
+            <a:ext cx="662785" cy="1901852"/>
           </a:xfrm>
           <a:prstGeom prst="rect">
             <a:avLst/>
           </a:prstGeom>
+        </p:spPr>
+      </p:pic>
+      <p:sp>
+        <p:nvSpPr>
+          <p:cNvPr id="92" name="四角形: 角を丸くする 91">
+            <a:extLst>
+              <a:ext uri="{FF2B5EF4-FFF2-40B4-BE49-F238E27FC236}">
+                <a16:creationId xmlns:a16="http://schemas.microsoft.com/office/drawing/2014/main" id="{BD2EB175-594B-A741-ED7F-AF060E62CC70}"/>
+              </a:ext>
+            </a:extLst>
+          </p:cNvPr>
+          <p:cNvSpPr/>
+          <p:nvPr/>
+        </p:nvSpPr>
+        <p:spPr>
+          <a:xfrm>
+            <a:off x="6183000" y="7088845"/>
+            <a:ext cx="1381324" cy="45719"/>
+          </a:xfrm>
+          <a:prstGeom prst="roundRect">
+            <a:avLst/>
+          </a:prstGeom>
           <a:solidFill>
-            <a:srgbClr val="919292"/>
+            <a:srgbClr val="E6ECEC"/>
           </a:solidFill>
           <a:ln>
             <a:noFill/>
@@ -3927,45 +7214,16 @@
           <a:lstStyle/>
           <a:p>
             <a:pPr algn="ctr"/>
-            <a:endParaRPr lang="ja-JP" altLang="en-US" sz="7067"/>
-          </a:p>
-        </p:txBody>
-      </p:sp>
-      <p:pic>
-        <p:nvPicPr>
-          <p:cNvPr id="21" name="図 20">
-            <a:extLst>
-              <a:ext uri="{FF2B5EF4-FFF2-40B4-BE49-F238E27FC236}">
-                <a16:creationId xmlns:a16="http://schemas.microsoft.com/office/drawing/2014/main" id="{3A99653C-5CA4-EC67-5D34-04A872080967}"/>
-              </a:ext>
-            </a:extLst>
-          </p:cNvPr>
-          <p:cNvPicPr>
-            <a:picLocks noChangeAspect="1"/>
-          </p:cNvPicPr>
-          <p:nvPr/>
-        </p:nvPicPr>
-        <p:blipFill rotWithShape="1">
-          <a:blip r:embed="rId9"/>
-          <a:srcRect t="3510"/>
-          <a:stretch/>
-        </p:blipFill>
-        <p:spPr>
-          <a:xfrm>
-            <a:off x="2776362" y="7216627"/>
-            <a:ext cx="6895019" cy="282662"/>
-          </a:xfrm>
-          <a:prstGeom prst="rect">
-            <a:avLst/>
-          </a:prstGeom>
-        </p:spPr>
-      </p:pic>
-      <p:sp>
-        <p:nvSpPr>
-          <p:cNvPr id="23" name="正方形/長方形 22">
-            <a:extLst>
-              <a:ext uri="{FF2B5EF4-FFF2-40B4-BE49-F238E27FC236}">
-                <a16:creationId xmlns:a16="http://schemas.microsoft.com/office/drawing/2014/main" id="{E2C83E9B-1790-C8FA-67CF-5A54882B9C39}"/>
+            <a:endParaRPr kumimoji="1" lang="ja-JP" altLang="en-US"/>
+          </a:p>
+        </p:txBody>
+      </p:sp>
+      <p:sp>
+        <p:nvSpPr>
+          <p:cNvPr id="69" name="四角形: 角を丸くする 68">
+            <a:extLst>
+              <a:ext uri="{FF2B5EF4-FFF2-40B4-BE49-F238E27FC236}">
+                <a16:creationId xmlns:a16="http://schemas.microsoft.com/office/drawing/2014/main" id="{3A6EEC5E-7BF0-F7BD-716D-B4FD8E065CDE}"/>
               </a:ext>
             </a:extLst>
           </p:cNvPr>
@@ -3974,17 +7232,19 @@
         </p:nvSpPr>
         <p:spPr>
           <a:xfrm>
-            <a:off x="1223420" y="9082580"/>
-            <a:ext cx="457290" cy="290585"/>
-          </a:xfrm>
-          <a:prstGeom prst="rect">
-            <a:avLst/>
-          </a:prstGeom>
-          <a:solidFill>
-            <a:srgbClr val="282828"/>
-          </a:solidFill>
-          <a:ln>
-            <a:noFill/>
+            <a:off x="6172004" y="6098645"/>
+            <a:ext cx="1400537" cy="1029482"/>
+          </a:xfrm>
+          <a:prstGeom prst="roundRect">
+            <a:avLst>
+              <a:gd name="adj" fmla="val 4758"/>
+            </a:avLst>
+          </a:prstGeom>
+          <a:noFill/>
+          <a:ln w="38100">
+            <a:solidFill>
+              <a:srgbClr val="BCB8B0"/>
+            </a:solidFill>
           </a:ln>
         </p:spPr>
         <p:style>
@@ -4008,16 +7268,16 @@
           <a:lstStyle/>
           <a:p>
             <a:pPr algn="ctr"/>
-            <a:endParaRPr lang="ja-JP" altLang="en-US" sz="7067"/>
-          </a:p>
-        </p:txBody>
-      </p:sp>
-      <p:sp>
-        <p:nvSpPr>
-          <p:cNvPr id="24" name="正方形/長方形 23">
-            <a:extLst>
-              <a:ext uri="{FF2B5EF4-FFF2-40B4-BE49-F238E27FC236}">
-                <a16:creationId xmlns:a16="http://schemas.microsoft.com/office/drawing/2014/main" id="{ECE2E6B4-04C7-9435-F830-1B55FFE7ABFE}"/>
+            <a:endParaRPr kumimoji="1" lang="ja-JP" altLang="en-US" dirty="0"/>
+          </a:p>
+        </p:txBody>
+      </p:sp>
+      <p:sp>
+        <p:nvSpPr>
+          <p:cNvPr id="93" name="四角形: 角を丸くする 92">
+            <a:extLst>
+              <a:ext uri="{FF2B5EF4-FFF2-40B4-BE49-F238E27FC236}">
+                <a16:creationId xmlns:a16="http://schemas.microsoft.com/office/drawing/2014/main" id="{43799C1C-5742-5F4E-16F6-7BA292A20409}"/>
               </a:ext>
             </a:extLst>
           </p:cNvPr>
@@ -4026,14 +7286,14 @@
         </p:nvSpPr>
         <p:spPr>
           <a:xfrm>
-            <a:off x="1223420" y="9111981"/>
-            <a:ext cx="457290" cy="231784"/>
-          </a:xfrm>
-          <a:prstGeom prst="rect">
+            <a:off x="8953867" y="7084658"/>
+            <a:ext cx="510421" cy="45719"/>
+          </a:xfrm>
+          <a:prstGeom prst="roundRect">
             <a:avLst/>
           </a:prstGeom>
           <a:solidFill>
-            <a:srgbClr val="C7C7BD"/>
+            <a:srgbClr val="E6ECEC"/>
           </a:solidFill>
           <a:ln>
             <a:noFill/>
@@ -4060,16 +7320,16 @@
           <a:lstStyle/>
           <a:p>
             <a:pPr algn="ctr"/>
-            <a:endParaRPr lang="ja-JP" altLang="en-US" sz="7067"/>
-          </a:p>
-        </p:txBody>
-      </p:sp>
-      <p:sp>
-        <p:nvSpPr>
-          <p:cNvPr id="26" name="二等辺三角形 25">
-            <a:extLst>
-              <a:ext uri="{FF2B5EF4-FFF2-40B4-BE49-F238E27FC236}">
-                <a16:creationId xmlns:a16="http://schemas.microsoft.com/office/drawing/2014/main" id="{CE5F9C41-C31E-F105-CF9A-53084A8E624B}"/>
+            <a:endParaRPr kumimoji="1" lang="ja-JP" altLang="en-US"/>
+          </a:p>
+        </p:txBody>
+      </p:sp>
+      <p:sp>
+        <p:nvSpPr>
+          <p:cNvPr id="70" name="四角形: 角を丸くする 69">
+            <a:extLst>
+              <a:ext uri="{FF2B5EF4-FFF2-40B4-BE49-F238E27FC236}">
+                <a16:creationId xmlns:a16="http://schemas.microsoft.com/office/drawing/2014/main" id="{84BA5A72-30E6-CA31-4ECD-BA0B31C7D984}"/>
               </a:ext>
             </a:extLst>
           </p:cNvPr>
@@ -4077,20 +7337,20 @@
           <p:nvPr/>
         </p:nvSpPr>
         <p:spPr>
-          <a:xfrm rot="5400000">
-            <a:off x="1721858" y="9103582"/>
-            <a:ext cx="80903" cy="55245"/>
-          </a:xfrm>
-          <a:prstGeom prst="triangle">
+          <a:xfrm>
+            <a:off x="8952766" y="6098645"/>
+            <a:ext cx="511522" cy="1029482"/>
+          </a:xfrm>
+          <a:prstGeom prst="roundRect">
             <a:avLst>
-              <a:gd name="adj" fmla="val 100000"/>
+              <a:gd name="adj" fmla="val 4758"/>
             </a:avLst>
           </a:prstGeom>
-          <a:solidFill>
-            <a:srgbClr val="282828"/>
-          </a:solidFill>
-          <a:ln>
-            <a:noFill/>
+          <a:noFill/>
+          <a:ln w="38100">
+            <a:solidFill>
+              <a:srgbClr val="BCB8B0"/>
+            </a:solidFill>
           </a:ln>
         </p:spPr>
         <p:style>
@@ -4114,16 +7374,16 @@
           <a:lstStyle/>
           <a:p>
             <a:pPr algn="ctr"/>
-            <a:endParaRPr lang="ja-JP" altLang="en-US" sz="7067"/>
-          </a:p>
-        </p:txBody>
-      </p:sp>
-      <p:sp>
-        <p:nvSpPr>
-          <p:cNvPr id="27" name="二等辺三角形 26">
-            <a:extLst>
-              <a:ext uri="{FF2B5EF4-FFF2-40B4-BE49-F238E27FC236}">
-                <a16:creationId xmlns:a16="http://schemas.microsoft.com/office/drawing/2014/main" id="{643B83F3-98BA-ABD3-26AA-0EE78B7798B3}"/>
+            <a:endParaRPr kumimoji="1" lang="ja-JP" altLang="en-US"/>
+          </a:p>
+        </p:txBody>
+      </p:sp>
+      <p:sp>
+        <p:nvSpPr>
+          <p:cNvPr id="94" name="正方形/長方形 93">
+            <a:extLst>
+              <a:ext uri="{FF2B5EF4-FFF2-40B4-BE49-F238E27FC236}">
+                <a16:creationId xmlns:a16="http://schemas.microsoft.com/office/drawing/2014/main" id="{6B188C60-CE8A-B5BC-9E3F-8165C6C31237}"/>
               </a:ext>
             </a:extLst>
           </p:cNvPr>
@@ -4131,18 +7391,30 @@
           <p:nvPr/>
         </p:nvSpPr>
         <p:spPr>
-          <a:xfrm rot="16200000" flipV="1">
-            <a:off x="1633167" y="9216400"/>
-            <a:ext cx="204307" cy="109222"/>
-          </a:xfrm>
-          <a:prstGeom prst="triangle">
-            <a:avLst>
-              <a:gd name="adj" fmla="val 100000"/>
-            </a:avLst>
-          </a:prstGeom>
-          <a:solidFill>
-            <a:srgbClr val="282828"/>
-          </a:solidFill>
+          <a:xfrm>
+            <a:off x="5415071" y="1216752"/>
+            <a:ext cx="45719" cy="1011199"/>
+          </a:xfrm>
+          <a:prstGeom prst="rect">
+            <a:avLst/>
+          </a:prstGeom>
+          <a:gradFill>
+            <a:gsLst>
+              <a:gs pos="65000">
+                <a:srgbClr val="494949"/>
+              </a:gs>
+              <a:gs pos="24000">
+                <a:srgbClr val="4F4F4F"/>
+              </a:gs>
+              <a:gs pos="0">
+                <a:srgbClr val="464646"/>
+              </a:gs>
+              <a:gs pos="71000">
+                <a:srgbClr val="3A3939"/>
+              </a:gs>
+            </a:gsLst>
+            <a:lin ang="5400000" scaled="1"/>
+          </a:gradFill>
           <a:ln>
             <a:noFill/>
           </a:ln>
@@ -4168,16 +7440,16 @@
           <a:lstStyle/>
           <a:p>
             <a:pPr algn="ctr"/>
-            <a:endParaRPr lang="ja-JP" altLang="en-US" sz="7067"/>
-          </a:p>
-        </p:txBody>
-      </p:sp>
-      <p:sp>
-        <p:nvSpPr>
-          <p:cNvPr id="28" name="正方形/長方形 27">
-            <a:extLst>
-              <a:ext uri="{FF2B5EF4-FFF2-40B4-BE49-F238E27FC236}">
-                <a16:creationId xmlns:a16="http://schemas.microsoft.com/office/drawing/2014/main" id="{ABEF1BC2-63AD-C569-2A9F-F2EDE0885265}"/>
+            <a:endParaRPr kumimoji="1" lang="ja-JP" altLang="en-US"/>
+          </a:p>
+        </p:txBody>
+      </p:sp>
+      <p:sp>
+        <p:nvSpPr>
+          <p:cNvPr id="95" name="正方形/長方形 94">
+            <a:extLst>
+              <a:ext uri="{FF2B5EF4-FFF2-40B4-BE49-F238E27FC236}">
+                <a16:creationId xmlns:a16="http://schemas.microsoft.com/office/drawing/2014/main" id="{FDA317C3-5A29-9C6C-C829-F1A136992BAB}"/>
               </a:ext>
             </a:extLst>
           </p:cNvPr>
@@ -4186,15 +7458,29 @@
         </p:nvSpPr>
         <p:spPr>
           <a:xfrm>
-            <a:off x="1680524" y="9082579"/>
-            <a:ext cx="54162" cy="103331"/>
+            <a:off x="3639049" y="6121080"/>
+            <a:ext cx="25200" cy="967765"/>
           </a:xfrm>
           <a:prstGeom prst="rect">
             <a:avLst/>
           </a:prstGeom>
-          <a:solidFill>
-            <a:srgbClr val="282828"/>
-          </a:solidFill>
+          <a:gradFill>
+            <a:gsLst>
+              <a:gs pos="65000">
+                <a:srgbClr val="494949"/>
+              </a:gs>
+              <a:gs pos="24000">
+                <a:srgbClr val="4F4F4F"/>
+              </a:gs>
+              <a:gs pos="0">
+                <a:srgbClr val="464646"/>
+              </a:gs>
+              <a:gs pos="71000">
+                <a:srgbClr val="3A3939"/>
+              </a:gs>
+            </a:gsLst>
+            <a:lin ang="5400000" scaled="1"/>
+          </a:gradFill>
           <a:ln>
             <a:noFill/>
           </a:ln>
@@ -4220,16 +7506,16 @@
           <a:lstStyle/>
           <a:p>
             <a:pPr algn="ctr"/>
-            <a:endParaRPr lang="ja-JP" altLang="en-US" sz="7067"/>
-          </a:p>
-        </p:txBody>
-      </p:sp>
-      <p:sp>
-        <p:nvSpPr>
-          <p:cNvPr id="29" name="正方形/長方形 28">
-            <a:extLst>
-              <a:ext uri="{FF2B5EF4-FFF2-40B4-BE49-F238E27FC236}">
-                <a16:creationId xmlns:a16="http://schemas.microsoft.com/office/drawing/2014/main" id="{655596CE-DA2A-87F7-CE7B-8CA2E2122BFC}"/>
+            <a:endParaRPr kumimoji="1" lang="ja-JP" altLang="en-US"/>
+          </a:p>
+        </p:txBody>
+      </p:sp>
+      <p:sp>
+        <p:nvSpPr>
+          <p:cNvPr id="96" name="正方形/長方形 95">
+            <a:extLst>
+              <a:ext uri="{FF2B5EF4-FFF2-40B4-BE49-F238E27FC236}">
+                <a16:creationId xmlns:a16="http://schemas.microsoft.com/office/drawing/2014/main" id="{1CE40B28-3151-90F4-81EC-DADA0CC4AFCD}"/>
               </a:ext>
             </a:extLst>
           </p:cNvPr>
@@ -4238,15 +7524,29 @@
         </p:nvSpPr>
         <p:spPr>
           <a:xfrm>
-            <a:off x="1662613" y="9111981"/>
-            <a:ext cx="60957" cy="89076"/>
+            <a:off x="4142465" y="6123223"/>
+            <a:ext cx="25200" cy="967765"/>
           </a:xfrm>
           <a:prstGeom prst="rect">
             <a:avLst/>
           </a:prstGeom>
-          <a:solidFill>
-            <a:srgbClr val="C7C7BD"/>
-          </a:solidFill>
+          <a:gradFill>
+            <a:gsLst>
+              <a:gs pos="65000">
+                <a:srgbClr val="494949"/>
+              </a:gs>
+              <a:gs pos="24000">
+                <a:srgbClr val="4F4F4F"/>
+              </a:gs>
+              <a:gs pos="0">
+                <a:srgbClr val="464646"/>
+              </a:gs>
+              <a:gs pos="71000">
+                <a:srgbClr val="3A3939"/>
+              </a:gs>
+            </a:gsLst>
+            <a:lin ang="5400000" scaled="1"/>
+          </a:gradFill>
           <a:ln>
             <a:noFill/>
           </a:ln>
@@ -4272,16 +7572,16 @@
           <a:lstStyle/>
           <a:p>
             <a:pPr algn="ctr"/>
-            <a:endParaRPr lang="ja-JP" altLang="en-US" sz="7067"/>
-          </a:p>
-        </p:txBody>
-      </p:sp>
-      <p:sp>
-        <p:nvSpPr>
-          <p:cNvPr id="20" name="二等辺三角形 19">
-            <a:extLst>
-              <a:ext uri="{FF2B5EF4-FFF2-40B4-BE49-F238E27FC236}">
-                <a16:creationId xmlns:a16="http://schemas.microsoft.com/office/drawing/2014/main" id="{79C75449-0B1D-4828-A2D1-221DD0C1254D}"/>
+            <a:endParaRPr kumimoji="1" lang="ja-JP" altLang="en-US"/>
+          </a:p>
+        </p:txBody>
+      </p:sp>
+      <p:sp>
+        <p:nvSpPr>
+          <p:cNvPr id="91" name="四角形: 角を丸くする 90">
+            <a:extLst>
+              <a:ext uri="{FF2B5EF4-FFF2-40B4-BE49-F238E27FC236}">
+                <a16:creationId xmlns:a16="http://schemas.microsoft.com/office/drawing/2014/main" id="{DBA1DCF8-F35A-3660-E52E-E29C8F532512}"/>
               </a:ext>
             </a:extLst>
           </p:cNvPr>
@@ -4289,17 +7589,15 @@
           <p:nvPr/>
         </p:nvSpPr>
         <p:spPr>
-          <a:xfrm rot="5400000">
-            <a:off x="1717993" y="9117561"/>
-            <a:ext cx="56876" cy="45719"/>
-          </a:xfrm>
-          <a:prstGeom prst="triangle">
-            <a:avLst>
-              <a:gd name="adj" fmla="val 100000"/>
-            </a:avLst>
+          <a:xfrm>
+            <a:off x="3218753" y="7084659"/>
+            <a:ext cx="1381324" cy="45719"/>
+          </a:xfrm>
+          <a:prstGeom prst="roundRect">
+            <a:avLst/>
           </a:prstGeom>
           <a:solidFill>
-            <a:srgbClr val="C7C7BD"/>
+            <a:srgbClr val="E6ECEC"/>
           </a:solidFill>
           <a:ln>
             <a:noFill/>
@@ -4326,16 +7624,16 @@
           <a:lstStyle/>
           <a:p>
             <a:pPr algn="ctr"/>
-            <a:endParaRPr lang="ja-JP" altLang="en-US" sz="7067"/>
-          </a:p>
-        </p:txBody>
-      </p:sp>
-      <p:sp>
-        <p:nvSpPr>
-          <p:cNvPr id="22" name="二等辺三角形 21">
-            <a:extLst>
-              <a:ext uri="{FF2B5EF4-FFF2-40B4-BE49-F238E27FC236}">
-                <a16:creationId xmlns:a16="http://schemas.microsoft.com/office/drawing/2014/main" id="{04DD93EF-90BC-6182-A205-06F364C479DA}"/>
+            <a:endParaRPr kumimoji="1" lang="ja-JP" altLang="en-US"/>
+          </a:p>
+        </p:txBody>
+      </p:sp>
+      <p:sp>
+        <p:nvSpPr>
+          <p:cNvPr id="68" name="四角形: 角を丸くする 67">
+            <a:extLst>
+              <a:ext uri="{FF2B5EF4-FFF2-40B4-BE49-F238E27FC236}">
+                <a16:creationId xmlns:a16="http://schemas.microsoft.com/office/drawing/2014/main" id="{A65FEC23-3F75-19DB-2EC4-D5F5D73999C0}"/>
               </a:ext>
             </a:extLst>
           </p:cNvPr>
@@ -4343,20 +7641,20 @@
           <p:nvPr/>
         </p:nvSpPr>
         <p:spPr>
-          <a:xfrm rot="10800000">
-            <a:off x="1680523" y="9167067"/>
-            <a:ext cx="88767" cy="176698"/>
-          </a:xfrm>
-          <a:prstGeom prst="triangle">
+          <a:xfrm>
+            <a:off x="3205237" y="6098646"/>
+            <a:ext cx="1400537" cy="1029482"/>
+          </a:xfrm>
+          <a:prstGeom prst="roundRect">
             <a:avLst>
-              <a:gd name="adj" fmla="val 100000"/>
+              <a:gd name="adj" fmla="val 4758"/>
             </a:avLst>
           </a:prstGeom>
-          <a:solidFill>
-            <a:srgbClr val="C7C7BD"/>
-          </a:solidFill>
-          <a:ln>
-            <a:noFill/>
+          <a:noFill/>
+          <a:ln w="38100">
+            <a:solidFill>
+              <a:srgbClr val="BCB8B0"/>
+            </a:solidFill>
           </a:ln>
         </p:spPr>
         <p:style>
@@ -4380,16 +7678,16 @@
           <a:lstStyle/>
           <a:p>
             <a:pPr algn="ctr"/>
-            <a:endParaRPr lang="ja-JP" altLang="en-US" sz="7067"/>
-          </a:p>
-        </p:txBody>
-      </p:sp>
-      <p:sp>
-        <p:nvSpPr>
-          <p:cNvPr id="25" name="正方形/長方形 24">
-            <a:extLst>
-              <a:ext uri="{FF2B5EF4-FFF2-40B4-BE49-F238E27FC236}">
-                <a16:creationId xmlns:a16="http://schemas.microsoft.com/office/drawing/2014/main" id="{1C17F368-AC75-D98D-14FC-DCC7DC34393D}"/>
+            <a:endParaRPr kumimoji="1" lang="ja-JP" altLang="en-US"/>
+          </a:p>
+        </p:txBody>
+      </p:sp>
+      <p:sp>
+        <p:nvSpPr>
+          <p:cNvPr id="97" name="正方形/長方形 96">
+            <a:extLst>
+              <a:ext uri="{FF2B5EF4-FFF2-40B4-BE49-F238E27FC236}">
+                <a16:creationId xmlns:a16="http://schemas.microsoft.com/office/drawing/2014/main" id="{0026D64D-8AA5-2F86-7AAB-5DE3178F7B6D}"/>
               </a:ext>
             </a:extLst>
           </p:cNvPr>
@@ -4398,15 +7696,29 @@
         </p:nvSpPr>
         <p:spPr>
           <a:xfrm>
-            <a:off x="1223231" y="9131204"/>
-            <a:ext cx="457290" cy="193336"/>
+            <a:off x="6588556" y="6117087"/>
+            <a:ext cx="25200" cy="967765"/>
           </a:xfrm>
           <a:prstGeom prst="rect">
             <a:avLst/>
           </a:prstGeom>
-          <a:solidFill>
-            <a:srgbClr val="919292"/>
-          </a:solidFill>
+          <a:gradFill>
+            <a:gsLst>
+              <a:gs pos="65000">
+                <a:srgbClr val="494949"/>
+              </a:gs>
+              <a:gs pos="24000">
+                <a:srgbClr val="4F4F4F"/>
+              </a:gs>
+              <a:gs pos="0">
+                <a:srgbClr val="333333"/>
+              </a:gs>
+              <a:gs pos="71000">
+                <a:srgbClr val="3A3939"/>
+              </a:gs>
+            </a:gsLst>
+            <a:lin ang="5400000" scaled="1"/>
+          </a:gradFill>
           <a:ln>
             <a:noFill/>
           </a:ln>
@@ -4432,16 +7744,16 @@
           <a:lstStyle/>
           <a:p>
             <a:pPr algn="ctr"/>
-            <a:endParaRPr lang="ja-JP" altLang="en-US" sz="7067"/>
-          </a:p>
-        </p:txBody>
-      </p:sp>
-      <p:sp>
-        <p:nvSpPr>
-          <p:cNvPr id="30" name="二等辺三角形 29">
-            <a:extLst>
-              <a:ext uri="{FF2B5EF4-FFF2-40B4-BE49-F238E27FC236}">
-                <a16:creationId xmlns:a16="http://schemas.microsoft.com/office/drawing/2014/main" id="{8231E0AB-CB03-F4CE-B2CD-93761B4F5CA5}"/>
+            <a:endParaRPr kumimoji="1" lang="ja-JP" altLang="en-US"/>
+          </a:p>
+        </p:txBody>
+      </p:sp>
+      <p:sp>
+        <p:nvSpPr>
+          <p:cNvPr id="98" name="正方形/長方形 97">
+            <a:extLst>
+              <a:ext uri="{FF2B5EF4-FFF2-40B4-BE49-F238E27FC236}">
+                <a16:creationId xmlns:a16="http://schemas.microsoft.com/office/drawing/2014/main" id="{71886698-9674-5D25-FAE2-D7214E8F686A}"/>
               </a:ext>
             </a:extLst>
           </p:cNvPr>
@@ -4449,18 +7761,30 @@
           <p:nvPr/>
         </p:nvSpPr>
         <p:spPr>
-          <a:xfrm rot="5400000">
-            <a:off x="2978098" y="9219697"/>
-            <a:ext cx="45719" cy="45722"/>
-          </a:xfrm>
-          <a:prstGeom prst="triangle">
-            <a:avLst>
-              <a:gd name="adj" fmla="val 100000"/>
-            </a:avLst>
-          </a:prstGeom>
-          <a:solidFill>
-            <a:srgbClr val="919292"/>
-          </a:solidFill>
+          <a:xfrm>
+            <a:off x="7107346" y="6117087"/>
+            <a:ext cx="25200" cy="967765"/>
+          </a:xfrm>
+          <a:prstGeom prst="rect">
+            <a:avLst/>
+          </a:prstGeom>
+          <a:gradFill>
+            <a:gsLst>
+              <a:gs pos="65000">
+                <a:srgbClr val="494949"/>
+              </a:gs>
+              <a:gs pos="24000">
+                <a:srgbClr val="4F4F4F"/>
+              </a:gs>
+              <a:gs pos="0">
+                <a:srgbClr val="333333"/>
+              </a:gs>
+              <a:gs pos="71000">
+                <a:srgbClr val="3A3939"/>
+              </a:gs>
+            </a:gsLst>
+            <a:lin ang="5400000" scaled="1"/>
+          </a:gradFill>
           <a:ln>
             <a:noFill/>
           </a:ln>
@@ -4486,16 +7810,16 @@
           <a:lstStyle/>
           <a:p>
             <a:pPr algn="ctr"/>
-            <a:endParaRPr lang="ja-JP" altLang="en-US" sz="7067"/>
-          </a:p>
-        </p:txBody>
-      </p:sp>
-      <p:sp>
-        <p:nvSpPr>
-          <p:cNvPr id="31" name="二等辺三角形 30">
-            <a:extLst>
-              <a:ext uri="{FF2B5EF4-FFF2-40B4-BE49-F238E27FC236}">
-                <a16:creationId xmlns:a16="http://schemas.microsoft.com/office/drawing/2014/main" id="{165ECC8C-519A-F61A-F66D-1C2B95E27FCF}"/>
+            <a:endParaRPr kumimoji="1" lang="ja-JP" altLang="en-US"/>
+          </a:p>
+        </p:txBody>
+      </p:sp>
+      <p:sp>
+        <p:nvSpPr>
+          <p:cNvPr id="99" name="四角形: 角を丸くする 98">
+            <a:extLst>
+              <a:ext uri="{FF2B5EF4-FFF2-40B4-BE49-F238E27FC236}">
+                <a16:creationId xmlns:a16="http://schemas.microsoft.com/office/drawing/2014/main" id="{6F2BD9E2-3594-4065-0BFC-960F0F396DF1}"/>
               </a:ext>
             </a:extLst>
           </p:cNvPr>
@@ -4503,21 +7827,43 @@
           <p:nvPr/>
         </p:nvSpPr>
         <p:spPr>
-          <a:xfrm rot="5400000" flipH="1">
-            <a:off x="1645115" y="9202665"/>
-            <a:ext cx="149033" cy="78219"/>
-          </a:xfrm>
-          <a:prstGeom prst="triangle">
+          <a:xfrm>
+            <a:off x="1655220" y="5844403"/>
+            <a:ext cx="127319" cy="272684"/>
+          </a:xfrm>
+          <a:prstGeom prst="roundRect">
             <a:avLst>
-              <a:gd name="adj" fmla="val 100000"/>
+              <a:gd name="adj" fmla="val 15171"/>
             </a:avLst>
           </a:prstGeom>
-          <a:solidFill>
-            <a:srgbClr val="919292"/>
-          </a:solidFill>
+          <a:gradFill>
+            <a:gsLst>
+              <a:gs pos="43178">
+                <a:srgbClr val="27C0DB"/>
+              </a:gs>
+              <a:gs pos="83000">
+                <a:srgbClr val="28C0DD"/>
+              </a:gs>
+              <a:gs pos="100000">
+                <a:srgbClr val="26C9E4"/>
+              </a:gs>
+              <a:gs pos="11520">
+                <a:srgbClr val="3CBDD7"/>
+              </a:gs>
+              <a:gs pos="0">
+                <a:srgbClr val="3CBDD7"/>
+              </a:gs>
+            </a:gsLst>
+            <a:lin ang="0" scaled="0"/>
+          </a:gradFill>
           <a:ln>
             <a:noFill/>
           </a:ln>
+          <a:effectLst>
+            <a:glow rad="12700">
+              <a:srgbClr val="26C9E4"/>
+            </a:glow>
+          </a:effectLst>
         </p:spPr>
         <p:style>
           <a:lnRef idx="2">
@@ -4540,16 +7886,16 @@
           <a:lstStyle/>
           <a:p>
             <a:pPr algn="ctr"/>
-            <a:endParaRPr lang="ja-JP" altLang="en-US" sz="7067"/>
-          </a:p>
-        </p:txBody>
-      </p:sp>
-      <p:sp>
-        <p:nvSpPr>
-          <p:cNvPr id="32" name="正方形/長方形 31">
-            <a:extLst>
-              <a:ext uri="{FF2B5EF4-FFF2-40B4-BE49-F238E27FC236}">
-                <a16:creationId xmlns:a16="http://schemas.microsoft.com/office/drawing/2014/main" id="{CA38D44C-3CA2-8F5D-18CF-AFCB212BD48D}"/>
+            <a:endParaRPr kumimoji="1" lang="ja-JP" altLang="en-US"/>
+          </a:p>
+        </p:txBody>
+      </p:sp>
+      <p:sp>
+        <p:nvSpPr>
+          <p:cNvPr id="100" name="四角形: 角を丸くする 99">
+            <a:extLst>
+              <a:ext uri="{FF2B5EF4-FFF2-40B4-BE49-F238E27FC236}">
+                <a16:creationId xmlns:a16="http://schemas.microsoft.com/office/drawing/2014/main" id="{2906940A-B3B8-10E7-1191-7CC8B5E9CC16}"/>
               </a:ext>
             </a:extLst>
           </p:cNvPr>
@@ -4558,18 +7904,42 @@
         </p:nvSpPr>
         <p:spPr>
           <a:xfrm>
-            <a:off x="2030727" y="9174343"/>
-            <a:ext cx="457290" cy="193336"/>
-          </a:xfrm>
-          <a:prstGeom prst="rect">
-            <a:avLst/>
-          </a:prstGeom>
-          <a:solidFill>
-            <a:srgbClr val="919292"/>
-          </a:solidFill>
+            <a:off x="1792898" y="5844403"/>
+            <a:ext cx="127319" cy="272684"/>
+          </a:xfrm>
+          <a:prstGeom prst="roundRect">
+            <a:avLst>
+              <a:gd name="adj" fmla="val 13674"/>
+            </a:avLst>
+          </a:prstGeom>
+          <a:gradFill>
+            <a:gsLst>
+              <a:gs pos="43178">
+                <a:srgbClr val="154B83"/>
+              </a:gs>
+              <a:gs pos="83000">
+                <a:srgbClr val="155086"/>
+              </a:gs>
+              <a:gs pos="100000">
+                <a:srgbClr val="255288"/>
+              </a:gs>
+              <a:gs pos="11520">
+                <a:srgbClr val="134F86"/>
+              </a:gs>
+              <a:gs pos="0">
+                <a:srgbClr val="124681"/>
+              </a:gs>
+            </a:gsLst>
+            <a:lin ang="0" scaled="0"/>
+          </a:gradFill>
           <a:ln>
             <a:noFill/>
           </a:ln>
+          <a:effectLst>
+            <a:glow rad="12700">
+              <a:srgbClr val="134D88"/>
+            </a:glow>
+          </a:effectLst>
         </p:spPr>
         <p:style>
           <a:lnRef idx="2">
@@ -4592,1795 +7962,10 @@
           <a:lstStyle/>
           <a:p>
             <a:pPr algn="ctr"/>
-            <a:endParaRPr lang="ja-JP" altLang="en-US" sz="7067"/>
-          </a:p>
-        </p:txBody>
-      </p:sp>
-      <p:pic>
-        <p:nvPicPr>
-          <p:cNvPr id="34" name="図 33">
-            <a:extLst>
-              <a:ext uri="{FF2B5EF4-FFF2-40B4-BE49-F238E27FC236}">
-                <a16:creationId xmlns:a16="http://schemas.microsoft.com/office/drawing/2014/main" id="{986FD705-F220-D759-E414-41963795FD37}"/>
-              </a:ext>
-            </a:extLst>
-          </p:cNvPr>
-          <p:cNvPicPr>
-            <a:picLocks noChangeAspect="1"/>
-          </p:cNvPicPr>
-          <p:nvPr/>
-        </p:nvPicPr>
-        <p:blipFill>
-          <a:blip r:embed="rId10"/>
-          <a:stretch>
-            <a:fillRect/>
-          </a:stretch>
-        </p:blipFill>
-        <p:spPr>
-          <a:xfrm>
-            <a:off x="7665481" y="9287594"/>
-            <a:ext cx="2258579" cy="1244811"/>
-          </a:xfrm>
-          <a:prstGeom prst="rect">
-            <a:avLst/>
-          </a:prstGeom>
-        </p:spPr>
-      </p:pic>
-      <p:sp>
-        <p:nvSpPr>
-          <p:cNvPr id="35" name="二等辺三角形 34">
-            <a:extLst>
-              <a:ext uri="{FF2B5EF4-FFF2-40B4-BE49-F238E27FC236}">
-                <a16:creationId xmlns:a16="http://schemas.microsoft.com/office/drawing/2014/main" id="{9C3506B8-68DB-AAB5-8B35-40856F9ABA6D}"/>
-              </a:ext>
-            </a:extLst>
-          </p:cNvPr>
-          <p:cNvSpPr/>
-          <p:nvPr/>
-        </p:nvSpPr>
-        <p:spPr>
-          <a:xfrm rot="5400000" flipH="1">
-            <a:off x="6894474" y="9540301"/>
-            <a:ext cx="610005" cy="365760"/>
-          </a:xfrm>
-          <a:prstGeom prst="triangle">
-            <a:avLst>
-              <a:gd name="adj" fmla="val 100000"/>
-            </a:avLst>
-          </a:prstGeom>
-          <a:solidFill>
-            <a:srgbClr val="919292"/>
-          </a:solidFill>
-          <a:ln>
-            <a:noFill/>
-          </a:ln>
-        </p:spPr>
-        <p:style>
-          <a:lnRef idx="2">
-            <a:schemeClr val="accent1">
-              <a:shade val="15000"/>
-            </a:schemeClr>
-          </a:lnRef>
-          <a:fillRef idx="1">
-            <a:schemeClr val="accent1"/>
-          </a:fillRef>
-          <a:effectRef idx="0">
-            <a:schemeClr val="accent1"/>
-          </a:effectRef>
-          <a:fontRef idx="minor">
-            <a:schemeClr val="lt1"/>
-          </a:fontRef>
-        </p:style>
-        <p:txBody>
-          <a:bodyPr rtlCol="0" anchor="ctr"/>
-          <a:lstStyle/>
-          <a:p>
-            <a:pPr algn="ctr"/>
-            <a:endParaRPr lang="ja-JP" altLang="en-US" sz="7067"/>
-          </a:p>
-        </p:txBody>
-      </p:sp>
-      <p:sp>
-        <p:nvSpPr>
-          <p:cNvPr id="36" name="正方形/長方形 35">
-            <a:extLst>
-              <a:ext uri="{FF2B5EF4-FFF2-40B4-BE49-F238E27FC236}">
-                <a16:creationId xmlns:a16="http://schemas.microsoft.com/office/drawing/2014/main" id="{7C05BFE5-DC01-323D-3DD7-EB138E97B078}"/>
-              </a:ext>
-            </a:extLst>
-          </p:cNvPr>
-          <p:cNvSpPr/>
-          <p:nvPr/>
-        </p:nvSpPr>
-        <p:spPr>
-          <a:xfrm>
-            <a:off x="7836480" y="9045867"/>
-            <a:ext cx="1834901" cy="874395"/>
-          </a:xfrm>
-          <a:prstGeom prst="rect">
-            <a:avLst/>
-          </a:prstGeom>
-          <a:solidFill>
-            <a:srgbClr val="919292"/>
-          </a:solidFill>
-          <a:ln>
-            <a:noFill/>
-          </a:ln>
-        </p:spPr>
-        <p:style>
-          <a:lnRef idx="2">
-            <a:schemeClr val="accent1">
-              <a:shade val="15000"/>
-            </a:schemeClr>
-          </a:lnRef>
-          <a:fillRef idx="1">
-            <a:schemeClr val="accent1"/>
-          </a:fillRef>
-          <a:effectRef idx="0">
-            <a:schemeClr val="accent1"/>
-          </a:effectRef>
-          <a:fontRef idx="minor">
-            <a:schemeClr val="lt1"/>
-          </a:fontRef>
-        </p:style>
-        <p:txBody>
-          <a:bodyPr rtlCol="0" anchor="ctr"/>
-          <a:lstStyle/>
-          <a:p>
-            <a:pPr algn="ctr"/>
-            <a:endParaRPr lang="ja-JP" altLang="en-US" sz="7067"/>
-          </a:p>
-        </p:txBody>
-      </p:sp>
-      <p:sp>
-        <p:nvSpPr>
-          <p:cNvPr id="37" name="二等辺三角形 36">
-            <a:extLst>
-              <a:ext uri="{FF2B5EF4-FFF2-40B4-BE49-F238E27FC236}">
-                <a16:creationId xmlns:a16="http://schemas.microsoft.com/office/drawing/2014/main" id="{A6923FA0-7041-202C-2F60-3CA96B1D6F64}"/>
-              </a:ext>
-            </a:extLst>
-          </p:cNvPr>
-          <p:cNvSpPr/>
-          <p:nvPr/>
-        </p:nvSpPr>
-        <p:spPr>
-          <a:xfrm rot="5400000">
-            <a:off x="7191396" y="9234298"/>
-            <a:ext cx="219539" cy="148223"/>
-          </a:xfrm>
-          <a:prstGeom prst="triangle">
-            <a:avLst>
-              <a:gd name="adj" fmla="val 100000"/>
-            </a:avLst>
-          </a:prstGeom>
-          <a:solidFill>
-            <a:srgbClr val="919292"/>
-          </a:solidFill>
-          <a:ln>
-            <a:noFill/>
-          </a:ln>
-        </p:spPr>
-        <p:style>
-          <a:lnRef idx="2">
-            <a:schemeClr val="accent1">
-              <a:shade val="15000"/>
-            </a:schemeClr>
-          </a:lnRef>
-          <a:fillRef idx="1">
-            <a:schemeClr val="accent1"/>
-          </a:fillRef>
-          <a:effectRef idx="0">
-            <a:schemeClr val="accent1"/>
-          </a:effectRef>
-          <a:fontRef idx="minor">
-            <a:schemeClr val="lt1"/>
-          </a:fontRef>
-        </p:style>
-        <p:txBody>
-          <a:bodyPr rtlCol="0" anchor="ctr"/>
-          <a:lstStyle/>
-          <a:p>
-            <a:pPr algn="ctr"/>
-            <a:endParaRPr lang="ja-JP" altLang="en-US" sz="7067"/>
-          </a:p>
-        </p:txBody>
-      </p:sp>
-      <p:sp>
-        <p:nvSpPr>
-          <p:cNvPr id="38" name="正方形/長方形 37">
-            <a:extLst>
-              <a:ext uri="{FF2B5EF4-FFF2-40B4-BE49-F238E27FC236}">
-                <a16:creationId xmlns:a16="http://schemas.microsoft.com/office/drawing/2014/main" id="{2F09C845-35C6-33E1-111A-6F26AD60942E}"/>
-              </a:ext>
-            </a:extLst>
-          </p:cNvPr>
-          <p:cNvSpPr/>
-          <p:nvPr/>
-        </p:nvSpPr>
-        <p:spPr>
-          <a:xfrm>
-            <a:off x="6875453" y="9198639"/>
-            <a:ext cx="351601" cy="305417"/>
-          </a:xfrm>
-          <a:prstGeom prst="rect">
-            <a:avLst/>
-          </a:prstGeom>
-          <a:solidFill>
-            <a:srgbClr val="919292"/>
-          </a:solidFill>
-          <a:ln>
-            <a:noFill/>
-          </a:ln>
-        </p:spPr>
-        <p:style>
-          <a:lnRef idx="2">
-            <a:schemeClr val="accent1">
-              <a:shade val="15000"/>
-            </a:schemeClr>
-          </a:lnRef>
-          <a:fillRef idx="1">
-            <a:schemeClr val="accent1"/>
-          </a:fillRef>
-          <a:effectRef idx="0">
-            <a:schemeClr val="accent1"/>
-          </a:effectRef>
-          <a:fontRef idx="minor">
-            <a:schemeClr val="lt1"/>
-          </a:fontRef>
-        </p:style>
-        <p:txBody>
-          <a:bodyPr rtlCol="0" anchor="ctr"/>
-          <a:lstStyle/>
-          <a:p>
-            <a:pPr algn="ctr"/>
-            <a:endParaRPr lang="ja-JP" altLang="en-US" sz="7067"/>
-          </a:p>
-        </p:txBody>
-      </p:sp>
-      <p:sp>
-        <p:nvSpPr>
-          <p:cNvPr id="39" name="正方形/長方形 38">
-            <a:extLst>
-              <a:ext uri="{FF2B5EF4-FFF2-40B4-BE49-F238E27FC236}">
-                <a16:creationId xmlns:a16="http://schemas.microsoft.com/office/drawing/2014/main" id="{3A3F15D9-C23F-68AC-A797-359361410AEA}"/>
-              </a:ext>
-            </a:extLst>
-          </p:cNvPr>
-          <p:cNvSpPr/>
-          <p:nvPr/>
-        </p:nvSpPr>
-        <p:spPr>
-          <a:xfrm>
-            <a:off x="5848197" y="9888031"/>
-            <a:ext cx="289560" cy="1823746"/>
-          </a:xfrm>
-          <a:prstGeom prst="rect">
-            <a:avLst/>
-          </a:prstGeom>
-          <a:solidFill>
-            <a:srgbClr val="282828"/>
-          </a:solidFill>
-          <a:ln>
-            <a:noFill/>
-          </a:ln>
-        </p:spPr>
-        <p:style>
-          <a:lnRef idx="2">
-            <a:schemeClr val="accent1">
-              <a:shade val="15000"/>
-            </a:schemeClr>
-          </a:lnRef>
-          <a:fillRef idx="1">
-            <a:schemeClr val="accent1"/>
-          </a:fillRef>
-          <a:effectRef idx="0">
-            <a:schemeClr val="accent1"/>
-          </a:effectRef>
-          <a:fontRef idx="minor">
-            <a:schemeClr val="lt1"/>
-          </a:fontRef>
-        </p:style>
-        <p:txBody>
-          <a:bodyPr rtlCol="0" anchor="ctr"/>
-          <a:lstStyle/>
-          <a:p>
-            <a:pPr algn="ctr"/>
-            <a:endParaRPr lang="ja-JP" altLang="en-US" sz="7067"/>
-          </a:p>
-        </p:txBody>
-      </p:sp>
-      <p:sp>
-        <p:nvSpPr>
-          <p:cNvPr id="40" name="二等辺三角形 39">
-            <a:extLst>
-              <a:ext uri="{FF2B5EF4-FFF2-40B4-BE49-F238E27FC236}">
-                <a16:creationId xmlns:a16="http://schemas.microsoft.com/office/drawing/2014/main" id="{144CF129-E5FF-8B9B-3A23-2A73120C7C37}"/>
-              </a:ext>
-            </a:extLst>
-          </p:cNvPr>
-          <p:cNvSpPr/>
-          <p:nvPr/>
-        </p:nvSpPr>
-        <p:spPr>
-          <a:xfrm rot="5400000">
-            <a:off x="6229757" y="10040185"/>
-            <a:ext cx="591672" cy="287367"/>
-          </a:xfrm>
-          <a:prstGeom prst="triangle">
-            <a:avLst>
-              <a:gd name="adj" fmla="val 100000"/>
-            </a:avLst>
-          </a:prstGeom>
-          <a:solidFill>
-            <a:srgbClr val="282828"/>
-          </a:solidFill>
-          <a:ln>
-            <a:noFill/>
-          </a:ln>
-        </p:spPr>
-        <p:style>
-          <a:lnRef idx="2">
-            <a:schemeClr val="accent1">
-              <a:shade val="15000"/>
-            </a:schemeClr>
-          </a:lnRef>
-          <a:fillRef idx="1">
-            <a:schemeClr val="accent1"/>
-          </a:fillRef>
-          <a:effectRef idx="0">
-            <a:schemeClr val="accent1"/>
-          </a:effectRef>
-          <a:fontRef idx="minor">
-            <a:schemeClr val="lt1"/>
-          </a:fontRef>
-        </p:style>
-        <p:txBody>
-          <a:bodyPr rtlCol="0" anchor="ctr"/>
-          <a:lstStyle/>
-          <a:p>
-            <a:pPr algn="ctr"/>
             <a:endParaRPr kumimoji="1" lang="ja-JP" altLang="en-US"/>
           </a:p>
         </p:txBody>
       </p:sp>
-      <p:sp>
-        <p:nvSpPr>
-          <p:cNvPr id="41" name="二等辺三角形 40">
-            <a:extLst>
-              <a:ext uri="{FF2B5EF4-FFF2-40B4-BE49-F238E27FC236}">
-                <a16:creationId xmlns:a16="http://schemas.microsoft.com/office/drawing/2014/main" id="{E899ED4D-48A8-3B2E-E8F5-877B07656F0D}"/>
-              </a:ext>
-            </a:extLst>
-          </p:cNvPr>
-          <p:cNvSpPr/>
-          <p:nvPr/>
-        </p:nvSpPr>
-        <p:spPr>
-          <a:xfrm rot="5400000" flipH="1">
-            <a:off x="5786654" y="10829156"/>
-            <a:ext cx="1233723" cy="531520"/>
-          </a:xfrm>
-          <a:prstGeom prst="triangle">
-            <a:avLst>
-              <a:gd name="adj" fmla="val 100000"/>
-            </a:avLst>
-          </a:prstGeom>
-          <a:solidFill>
-            <a:srgbClr val="282828"/>
-          </a:solidFill>
-          <a:ln>
-            <a:noFill/>
-          </a:ln>
-        </p:spPr>
-        <p:style>
-          <a:lnRef idx="2">
-            <a:schemeClr val="accent1">
-              <a:shade val="15000"/>
-            </a:schemeClr>
-          </a:lnRef>
-          <a:fillRef idx="1">
-            <a:schemeClr val="accent1"/>
-          </a:fillRef>
-          <a:effectRef idx="0">
-            <a:schemeClr val="accent1"/>
-          </a:effectRef>
-          <a:fontRef idx="minor">
-            <a:schemeClr val="lt1"/>
-          </a:fontRef>
-        </p:style>
-        <p:txBody>
-          <a:bodyPr rtlCol="0" anchor="ctr"/>
-          <a:lstStyle/>
-          <a:p>
-            <a:pPr algn="ctr"/>
-            <a:endParaRPr kumimoji="1" lang="ja-JP" altLang="en-US"/>
-          </a:p>
-        </p:txBody>
-      </p:sp>
-      <p:sp>
-        <p:nvSpPr>
-          <p:cNvPr id="42" name="正方形/長方形 41">
-            <a:extLst>
-              <a:ext uri="{FF2B5EF4-FFF2-40B4-BE49-F238E27FC236}">
-                <a16:creationId xmlns:a16="http://schemas.microsoft.com/office/drawing/2014/main" id="{301BD8D5-D0FC-1601-6036-CFB2FE568839}"/>
-              </a:ext>
-            </a:extLst>
-          </p:cNvPr>
-          <p:cNvSpPr/>
-          <p:nvPr/>
-        </p:nvSpPr>
-        <p:spPr>
-          <a:xfrm>
-            <a:off x="6084770" y="9889114"/>
-            <a:ext cx="297818" cy="604550"/>
-          </a:xfrm>
-          <a:prstGeom prst="rect">
-            <a:avLst/>
-          </a:prstGeom>
-          <a:solidFill>
-            <a:srgbClr val="282828"/>
-          </a:solidFill>
-          <a:ln>
-            <a:noFill/>
-          </a:ln>
-        </p:spPr>
-        <p:style>
-          <a:lnRef idx="2">
-            <a:schemeClr val="accent1">
-              <a:shade val="15000"/>
-            </a:schemeClr>
-          </a:lnRef>
-          <a:fillRef idx="1">
-            <a:schemeClr val="accent1"/>
-          </a:fillRef>
-          <a:effectRef idx="0">
-            <a:schemeClr val="accent1"/>
-          </a:effectRef>
-          <a:fontRef idx="minor">
-            <a:schemeClr val="lt1"/>
-          </a:fontRef>
-        </p:style>
-        <p:txBody>
-          <a:bodyPr rtlCol="0" anchor="ctr"/>
-          <a:lstStyle/>
-          <a:p>
-            <a:pPr algn="ctr"/>
-            <a:endParaRPr lang="ja-JP" altLang="en-US" sz="7067"/>
-          </a:p>
-        </p:txBody>
-      </p:sp>
-      <p:sp>
-        <p:nvSpPr>
-          <p:cNvPr id="43" name="正方形/長方形 42">
-            <a:extLst>
-              <a:ext uri="{FF2B5EF4-FFF2-40B4-BE49-F238E27FC236}">
-                <a16:creationId xmlns:a16="http://schemas.microsoft.com/office/drawing/2014/main" id="{57C1D38A-7A0A-31C3-ADAE-4925B6B34DD5}"/>
-              </a:ext>
-            </a:extLst>
-          </p:cNvPr>
-          <p:cNvSpPr/>
-          <p:nvPr/>
-        </p:nvSpPr>
-        <p:spPr>
-          <a:xfrm>
-            <a:off x="5851443" y="10052139"/>
-            <a:ext cx="193023" cy="1504951"/>
-          </a:xfrm>
-          <a:prstGeom prst="rect">
-            <a:avLst/>
-          </a:prstGeom>
-          <a:solidFill>
-            <a:srgbClr val="C7C7BD"/>
-          </a:solidFill>
-          <a:ln>
-            <a:noFill/>
-          </a:ln>
-        </p:spPr>
-        <p:style>
-          <a:lnRef idx="2">
-            <a:schemeClr val="accent1">
-              <a:shade val="15000"/>
-            </a:schemeClr>
-          </a:lnRef>
-          <a:fillRef idx="1">
-            <a:schemeClr val="accent1"/>
-          </a:fillRef>
-          <a:effectRef idx="0">
-            <a:schemeClr val="accent1"/>
-          </a:effectRef>
-          <a:fontRef idx="minor">
-            <a:schemeClr val="lt1"/>
-          </a:fontRef>
-        </p:style>
-        <p:txBody>
-          <a:bodyPr rtlCol="0" anchor="ctr"/>
-          <a:lstStyle/>
-          <a:p>
-            <a:pPr algn="ctr"/>
-            <a:endParaRPr lang="ja-JP" altLang="en-US" sz="7067"/>
-          </a:p>
-        </p:txBody>
-      </p:sp>
-      <p:sp>
-        <p:nvSpPr>
-          <p:cNvPr id="44" name="二等辺三角形 43">
-            <a:extLst>
-              <a:ext uri="{FF2B5EF4-FFF2-40B4-BE49-F238E27FC236}">
-                <a16:creationId xmlns:a16="http://schemas.microsoft.com/office/drawing/2014/main" id="{AFC8597E-3091-3C88-8176-F6DB73C736C2}"/>
-              </a:ext>
-            </a:extLst>
-          </p:cNvPr>
-          <p:cNvSpPr/>
-          <p:nvPr/>
-        </p:nvSpPr>
-        <p:spPr>
-          <a:xfrm rot="5400000" flipH="1">
-            <a:off x="5743155" y="10780662"/>
-            <a:ext cx="1077386" cy="475470"/>
-          </a:xfrm>
-          <a:prstGeom prst="triangle">
-            <a:avLst>
-              <a:gd name="adj" fmla="val 100000"/>
-            </a:avLst>
-          </a:prstGeom>
-          <a:solidFill>
-            <a:srgbClr val="C7C7BD"/>
-          </a:solidFill>
-          <a:ln>
-            <a:noFill/>
-          </a:ln>
-        </p:spPr>
-        <p:style>
-          <a:lnRef idx="2">
-            <a:schemeClr val="accent1">
-              <a:shade val="15000"/>
-            </a:schemeClr>
-          </a:lnRef>
-          <a:fillRef idx="1">
-            <a:schemeClr val="accent1"/>
-          </a:fillRef>
-          <a:effectRef idx="0">
-            <a:schemeClr val="accent1"/>
-          </a:effectRef>
-          <a:fontRef idx="minor">
-            <a:schemeClr val="lt1"/>
-          </a:fontRef>
-        </p:style>
-        <p:txBody>
-          <a:bodyPr rtlCol="0" anchor="ctr"/>
-          <a:lstStyle/>
-          <a:p>
-            <a:pPr algn="ctr"/>
-            <a:endParaRPr kumimoji="1" lang="ja-JP" altLang="en-US"/>
-          </a:p>
-        </p:txBody>
-      </p:sp>
-      <p:sp>
-        <p:nvSpPr>
-          <p:cNvPr id="45" name="二等辺三角形 44">
-            <a:extLst>
-              <a:ext uri="{FF2B5EF4-FFF2-40B4-BE49-F238E27FC236}">
-                <a16:creationId xmlns:a16="http://schemas.microsoft.com/office/drawing/2014/main" id="{AF693E98-AC4A-C08D-B49B-1DB932CE7EF3}"/>
-              </a:ext>
-            </a:extLst>
-          </p:cNvPr>
-          <p:cNvSpPr/>
-          <p:nvPr/>
-        </p:nvSpPr>
-        <p:spPr>
-          <a:xfrm rot="5400000">
-            <a:off x="6186814" y="10153915"/>
-            <a:ext cx="434544" cy="230993"/>
-          </a:xfrm>
-          <a:prstGeom prst="triangle">
-            <a:avLst>
-              <a:gd name="adj" fmla="val 100000"/>
-            </a:avLst>
-          </a:prstGeom>
-          <a:solidFill>
-            <a:srgbClr val="C7C7BD"/>
-          </a:solidFill>
-          <a:ln>
-            <a:noFill/>
-          </a:ln>
-        </p:spPr>
-        <p:style>
-          <a:lnRef idx="2">
-            <a:schemeClr val="accent1">
-              <a:shade val="15000"/>
-            </a:schemeClr>
-          </a:lnRef>
-          <a:fillRef idx="1">
-            <a:schemeClr val="accent1"/>
-          </a:fillRef>
-          <a:effectRef idx="0">
-            <a:schemeClr val="accent1"/>
-          </a:effectRef>
-          <a:fontRef idx="minor">
-            <a:schemeClr val="lt1"/>
-          </a:fontRef>
-        </p:style>
-        <p:txBody>
-          <a:bodyPr rtlCol="0" anchor="ctr"/>
-          <a:lstStyle/>
-          <a:p>
-            <a:pPr algn="ctr"/>
-            <a:endParaRPr kumimoji="1" lang="ja-JP" altLang="en-US"/>
-          </a:p>
-        </p:txBody>
-      </p:sp>
-      <p:sp>
-        <p:nvSpPr>
-          <p:cNvPr id="46" name="正方形/長方形 45">
-            <a:extLst>
-              <a:ext uri="{FF2B5EF4-FFF2-40B4-BE49-F238E27FC236}">
-                <a16:creationId xmlns:a16="http://schemas.microsoft.com/office/drawing/2014/main" id="{21B916BF-F7ED-C6F9-1CAC-3653FC8E5BD6}"/>
-              </a:ext>
-            </a:extLst>
-          </p:cNvPr>
-          <p:cNvSpPr/>
-          <p:nvPr/>
-        </p:nvSpPr>
-        <p:spPr>
-          <a:xfrm>
-            <a:off x="6001948" y="10052138"/>
-            <a:ext cx="287368" cy="469979"/>
-          </a:xfrm>
-          <a:prstGeom prst="rect">
-            <a:avLst/>
-          </a:prstGeom>
-          <a:solidFill>
-            <a:srgbClr val="C7C7BD"/>
-          </a:solidFill>
-          <a:ln>
-            <a:noFill/>
-          </a:ln>
-        </p:spPr>
-        <p:style>
-          <a:lnRef idx="2">
-            <a:schemeClr val="accent1">
-              <a:shade val="15000"/>
-            </a:schemeClr>
-          </a:lnRef>
-          <a:fillRef idx="1">
-            <a:schemeClr val="accent1"/>
-          </a:fillRef>
-          <a:effectRef idx="0">
-            <a:schemeClr val="accent1"/>
-          </a:effectRef>
-          <a:fontRef idx="minor">
-            <a:schemeClr val="lt1"/>
-          </a:fontRef>
-        </p:style>
-        <p:txBody>
-          <a:bodyPr rtlCol="0" anchor="ctr"/>
-          <a:lstStyle/>
-          <a:p>
-            <a:pPr algn="ctr"/>
-            <a:endParaRPr lang="ja-JP" altLang="en-US" sz="7067"/>
-          </a:p>
-        </p:txBody>
-      </p:sp>
-      <p:sp>
-        <p:nvSpPr>
-          <p:cNvPr id="48" name="二等辺三角形 47">
-            <a:extLst>
-              <a:ext uri="{FF2B5EF4-FFF2-40B4-BE49-F238E27FC236}">
-                <a16:creationId xmlns:a16="http://schemas.microsoft.com/office/drawing/2014/main" id="{2CFC5C92-9E7A-AB9E-32AA-A39D261DEDBE}"/>
-              </a:ext>
-            </a:extLst>
-          </p:cNvPr>
-          <p:cNvSpPr/>
-          <p:nvPr/>
-        </p:nvSpPr>
-        <p:spPr>
-          <a:xfrm rot="5400000">
-            <a:off x="6146211" y="10217236"/>
-            <a:ext cx="367123" cy="173938"/>
-          </a:xfrm>
-          <a:prstGeom prst="triangle">
-            <a:avLst>
-              <a:gd name="adj" fmla="val 100000"/>
-            </a:avLst>
-          </a:prstGeom>
-          <a:solidFill>
-            <a:srgbClr val="919292"/>
-          </a:solidFill>
-          <a:ln>
-            <a:noFill/>
-          </a:ln>
-        </p:spPr>
-        <p:style>
-          <a:lnRef idx="2">
-            <a:schemeClr val="accent1">
-              <a:shade val="15000"/>
-            </a:schemeClr>
-          </a:lnRef>
-          <a:fillRef idx="1">
-            <a:schemeClr val="accent1"/>
-          </a:fillRef>
-          <a:effectRef idx="0">
-            <a:schemeClr val="accent1"/>
-          </a:effectRef>
-          <a:fontRef idx="minor">
-            <a:schemeClr val="lt1"/>
-          </a:fontRef>
-        </p:style>
-        <p:txBody>
-          <a:bodyPr rtlCol="0" anchor="ctr"/>
-          <a:lstStyle/>
-          <a:p>
-            <a:pPr algn="ctr"/>
-            <a:endParaRPr kumimoji="1" lang="ja-JP" altLang="en-US"/>
-          </a:p>
-        </p:txBody>
-      </p:sp>
-      <p:sp>
-        <p:nvSpPr>
-          <p:cNvPr id="49" name="二等辺三角形 48">
-            <a:extLst>
-              <a:ext uri="{FF2B5EF4-FFF2-40B4-BE49-F238E27FC236}">
-                <a16:creationId xmlns:a16="http://schemas.microsoft.com/office/drawing/2014/main" id="{F4710DF0-3F57-9A04-9787-A1D70D3EB453}"/>
-              </a:ext>
-            </a:extLst>
-          </p:cNvPr>
-          <p:cNvSpPr/>
-          <p:nvPr/>
-        </p:nvSpPr>
-        <p:spPr>
-          <a:xfrm rot="5400000" flipH="1">
-            <a:off x="5764686" y="10750070"/>
-            <a:ext cx="915443" cy="388669"/>
-          </a:xfrm>
-          <a:prstGeom prst="triangle">
-            <a:avLst>
-              <a:gd name="adj" fmla="val 100000"/>
-            </a:avLst>
-          </a:prstGeom>
-          <a:solidFill>
-            <a:srgbClr val="919292"/>
-          </a:solidFill>
-          <a:ln>
-            <a:noFill/>
-          </a:ln>
-        </p:spPr>
-        <p:style>
-          <a:lnRef idx="2">
-            <a:schemeClr val="accent1">
-              <a:shade val="15000"/>
-            </a:schemeClr>
-          </a:lnRef>
-          <a:fillRef idx="1">
-            <a:schemeClr val="accent1"/>
-          </a:fillRef>
-          <a:effectRef idx="0">
-            <a:schemeClr val="accent1"/>
-          </a:effectRef>
-          <a:fontRef idx="minor">
-            <a:schemeClr val="lt1"/>
-          </a:fontRef>
-        </p:style>
-        <p:txBody>
-          <a:bodyPr rtlCol="0" anchor="ctr"/>
-          <a:lstStyle/>
-          <a:p>
-            <a:pPr algn="ctr"/>
-            <a:endParaRPr kumimoji="1" lang="ja-JP" altLang="en-US"/>
-          </a:p>
-        </p:txBody>
-      </p:sp>
-      <p:sp>
-        <p:nvSpPr>
-          <p:cNvPr id="50" name="正方形/長方形 49">
-            <a:extLst>
-              <a:ext uri="{FF2B5EF4-FFF2-40B4-BE49-F238E27FC236}">
-                <a16:creationId xmlns:a16="http://schemas.microsoft.com/office/drawing/2014/main" id="{109EF1DD-127C-37F1-C031-05E10E438CCC}"/>
-              </a:ext>
-            </a:extLst>
-          </p:cNvPr>
-          <p:cNvSpPr/>
-          <p:nvPr/>
-        </p:nvSpPr>
-        <p:spPr>
-          <a:xfrm>
-            <a:off x="6000692" y="10127139"/>
-            <a:ext cx="243436" cy="535550"/>
-          </a:xfrm>
-          <a:prstGeom prst="rect">
-            <a:avLst/>
-          </a:prstGeom>
-          <a:solidFill>
-            <a:srgbClr val="919292"/>
-          </a:solidFill>
-          <a:ln>
-            <a:noFill/>
-          </a:ln>
-        </p:spPr>
-        <p:style>
-          <a:lnRef idx="2">
-            <a:schemeClr val="accent1">
-              <a:shade val="15000"/>
-            </a:schemeClr>
-          </a:lnRef>
-          <a:fillRef idx="1">
-            <a:schemeClr val="accent1"/>
-          </a:fillRef>
-          <a:effectRef idx="0">
-            <a:schemeClr val="accent1"/>
-          </a:effectRef>
-          <a:fontRef idx="minor">
-            <a:schemeClr val="lt1"/>
-          </a:fontRef>
-        </p:style>
-        <p:txBody>
-          <a:bodyPr rtlCol="0" anchor="ctr"/>
-          <a:lstStyle/>
-          <a:p>
-            <a:pPr algn="ctr"/>
-            <a:endParaRPr lang="ja-JP" altLang="en-US" sz="7067"/>
-          </a:p>
-        </p:txBody>
-      </p:sp>
-      <p:pic>
-        <p:nvPicPr>
-          <p:cNvPr id="52" name="図 51">
-            <a:extLst>
-              <a:ext uri="{FF2B5EF4-FFF2-40B4-BE49-F238E27FC236}">
-                <a16:creationId xmlns:a16="http://schemas.microsoft.com/office/drawing/2014/main" id="{A584A099-0AAB-07A6-45C1-6B3E14B10897}"/>
-              </a:ext>
-            </a:extLst>
-          </p:cNvPr>
-          <p:cNvPicPr>
-            <a:picLocks noChangeAspect="1"/>
-          </p:cNvPicPr>
-          <p:nvPr/>
-        </p:nvPicPr>
-        <p:blipFill>
-          <a:blip r:embed="rId11"/>
-          <a:stretch>
-            <a:fillRect/>
-          </a:stretch>
-        </p:blipFill>
-        <p:spPr>
-          <a:xfrm flipH="1" flipV="1">
-            <a:off x="8907404" y="11060151"/>
-            <a:ext cx="248584" cy="282660"/>
-          </a:xfrm>
-          <a:prstGeom prst="rect">
-            <a:avLst/>
-          </a:prstGeom>
-        </p:spPr>
-      </p:pic>
-      <p:pic>
-        <p:nvPicPr>
-          <p:cNvPr id="8" name="図 7">
-            <a:extLst>
-              <a:ext uri="{FF2B5EF4-FFF2-40B4-BE49-F238E27FC236}">
-                <a16:creationId xmlns:a16="http://schemas.microsoft.com/office/drawing/2014/main" id="{320919A4-E457-D4CA-545A-56FD559C2E91}"/>
-              </a:ext>
-            </a:extLst>
-          </p:cNvPr>
-          <p:cNvPicPr>
-            <a:picLocks noChangeAspect="1"/>
-          </p:cNvPicPr>
-          <p:nvPr/>
-        </p:nvPicPr>
-        <p:blipFill rotWithShape="1">
-          <a:blip r:embed="rId12">
-            <a:extLst>
-              <a:ext uri="{BEBA8EAE-BF5A-486C-A8C5-ECC9F3942E4B}">
-                <a14:imgProps xmlns:a14="http://schemas.microsoft.com/office/drawing/2010/main">
-                  <a14:imgLayer r:embed="rId13">
-                    <a14:imgEffect>
-                      <a14:saturation sat="4000"/>
-                    </a14:imgEffect>
-                  </a14:imgLayer>
-                </a14:imgProps>
-              </a:ext>
-            </a:extLst>
-          </a:blip>
-          <a:srcRect l="23492" t="64867" r="54109" b="23794"/>
-          <a:stretch/>
-        </p:blipFill>
-        <p:spPr>
-          <a:xfrm>
-            <a:off x="6861833" y="8333406"/>
-            <a:ext cx="1461382" cy="510456"/>
-          </a:xfrm>
-          <a:prstGeom prst="rect">
-            <a:avLst/>
-          </a:prstGeom>
-        </p:spPr>
-      </p:pic>
-      <p:pic>
-        <p:nvPicPr>
-          <p:cNvPr id="53" name="図 52">
-            <a:extLst>
-              <a:ext uri="{FF2B5EF4-FFF2-40B4-BE49-F238E27FC236}">
-                <a16:creationId xmlns:a16="http://schemas.microsoft.com/office/drawing/2014/main" id="{3D09C480-FEB3-7574-B477-9B01D4D78E6C}"/>
-              </a:ext>
-            </a:extLst>
-          </p:cNvPr>
-          <p:cNvPicPr>
-            <a:picLocks noChangeAspect="1"/>
-          </p:cNvPicPr>
-          <p:nvPr/>
-        </p:nvPicPr>
-        <p:blipFill rotWithShape="1">
-          <a:blip r:embed="rId9"/>
-          <a:srcRect t="3510"/>
-          <a:stretch/>
-        </p:blipFill>
-        <p:spPr>
-          <a:xfrm>
-            <a:off x="7676128" y="10306057"/>
-            <a:ext cx="413533" cy="1836402"/>
-          </a:xfrm>
-          <a:prstGeom prst="rect">
-            <a:avLst/>
-          </a:prstGeom>
-        </p:spPr>
-      </p:pic>
-      <p:sp>
-        <p:nvSpPr>
-          <p:cNvPr id="47" name="正方形/長方形 46">
-            <a:extLst>
-              <a:ext uri="{FF2B5EF4-FFF2-40B4-BE49-F238E27FC236}">
-                <a16:creationId xmlns:a16="http://schemas.microsoft.com/office/drawing/2014/main" id="{7C46134B-252D-DBCC-D168-9B0EADC798CD}"/>
-              </a:ext>
-            </a:extLst>
-          </p:cNvPr>
-          <p:cNvSpPr/>
-          <p:nvPr/>
-        </p:nvSpPr>
-        <p:spPr>
-          <a:xfrm>
-            <a:off x="5844758" y="10127138"/>
-            <a:ext cx="185355" cy="1274989"/>
-          </a:xfrm>
-          <a:prstGeom prst="rect">
-            <a:avLst/>
-          </a:prstGeom>
-          <a:solidFill>
-            <a:srgbClr val="919292"/>
-          </a:solidFill>
-          <a:ln>
-            <a:noFill/>
-          </a:ln>
-        </p:spPr>
-        <p:style>
-          <a:lnRef idx="2">
-            <a:schemeClr val="accent1">
-              <a:shade val="15000"/>
-            </a:schemeClr>
-          </a:lnRef>
-          <a:fillRef idx="1">
-            <a:schemeClr val="accent1"/>
-          </a:fillRef>
-          <a:effectRef idx="0">
-            <a:schemeClr val="accent1"/>
-          </a:effectRef>
-          <a:fontRef idx="minor">
-            <a:schemeClr val="lt1"/>
-          </a:fontRef>
-        </p:style>
-        <p:txBody>
-          <a:bodyPr rtlCol="0" anchor="ctr"/>
-          <a:lstStyle/>
-          <a:p>
-            <a:pPr algn="ctr"/>
-            <a:endParaRPr lang="ja-JP" altLang="en-US" sz="7067"/>
-          </a:p>
-        </p:txBody>
-      </p:sp>
-      <p:pic>
-        <p:nvPicPr>
-          <p:cNvPr id="56" name="図 55">
-            <a:extLst>
-              <a:ext uri="{FF2B5EF4-FFF2-40B4-BE49-F238E27FC236}">
-                <a16:creationId xmlns:a16="http://schemas.microsoft.com/office/drawing/2014/main" id="{4937001E-0DCE-1720-C4CB-9D5CC933BD13}"/>
-              </a:ext>
-            </a:extLst>
-          </p:cNvPr>
-          <p:cNvPicPr>
-            <a:picLocks noChangeAspect="1"/>
-          </p:cNvPicPr>
-          <p:nvPr/>
-        </p:nvPicPr>
-        <p:blipFill>
-          <a:blip r:embed="rId14"/>
-          <a:stretch>
-            <a:fillRect/>
-          </a:stretch>
-        </p:blipFill>
-        <p:spPr>
-          <a:xfrm flipH="1" flipV="1">
-            <a:off x="6527047" y="11201481"/>
-            <a:ext cx="715824" cy="1400865"/>
-          </a:xfrm>
-          <a:prstGeom prst="rect">
-            <a:avLst/>
-          </a:prstGeom>
-        </p:spPr>
-      </p:pic>
-      <p:sp>
-        <p:nvSpPr>
-          <p:cNvPr id="58" name="正方形/長方形 57">
-            <a:extLst>
-              <a:ext uri="{FF2B5EF4-FFF2-40B4-BE49-F238E27FC236}">
-                <a16:creationId xmlns:a16="http://schemas.microsoft.com/office/drawing/2014/main" id="{F90FE6B8-C214-3B6F-AA12-F4D7A6FBFCB5}"/>
-              </a:ext>
-            </a:extLst>
-          </p:cNvPr>
-          <p:cNvSpPr/>
-          <p:nvPr/>
-        </p:nvSpPr>
-        <p:spPr>
-          <a:xfrm>
-            <a:off x="8553272" y="11780282"/>
-            <a:ext cx="1056765" cy="966077"/>
-          </a:xfrm>
-          <a:prstGeom prst="rect">
-            <a:avLst/>
-          </a:prstGeom>
-          <a:solidFill>
-            <a:srgbClr val="919292"/>
-          </a:solidFill>
-          <a:ln>
-            <a:noFill/>
-          </a:ln>
-        </p:spPr>
-        <p:style>
-          <a:lnRef idx="2">
-            <a:schemeClr val="accent1">
-              <a:shade val="15000"/>
-            </a:schemeClr>
-          </a:lnRef>
-          <a:fillRef idx="1">
-            <a:schemeClr val="accent1"/>
-          </a:fillRef>
-          <a:effectRef idx="0">
-            <a:schemeClr val="accent1"/>
-          </a:effectRef>
-          <a:fontRef idx="minor">
-            <a:schemeClr val="lt1"/>
-          </a:fontRef>
-        </p:style>
-        <p:txBody>
-          <a:bodyPr rtlCol="0" anchor="ctr"/>
-          <a:lstStyle/>
-          <a:p>
-            <a:pPr algn="ctr"/>
-            <a:endParaRPr lang="ja-JP" altLang="en-US" sz="7067"/>
-          </a:p>
-        </p:txBody>
-      </p:sp>
-      <p:sp>
-        <p:nvSpPr>
-          <p:cNvPr id="71" name="正方形/長方形 70">
-            <a:extLst>
-              <a:ext uri="{FF2B5EF4-FFF2-40B4-BE49-F238E27FC236}">
-                <a16:creationId xmlns:a16="http://schemas.microsoft.com/office/drawing/2014/main" id="{853C448A-591C-9E71-877A-8A4C4E4DE172}"/>
-              </a:ext>
-            </a:extLst>
-          </p:cNvPr>
-          <p:cNvSpPr/>
-          <p:nvPr/>
-        </p:nvSpPr>
-        <p:spPr>
-          <a:xfrm>
-            <a:off x="3874141" y="11090000"/>
-            <a:ext cx="1097142" cy="1438377"/>
-          </a:xfrm>
-          <a:prstGeom prst="rect">
-            <a:avLst/>
-          </a:prstGeom>
-          <a:solidFill>
-            <a:srgbClr val="282828"/>
-          </a:solidFill>
-          <a:ln>
-            <a:noFill/>
-          </a:ln>
-        </p:spPr>
-        <p:style>
-          <a:lnRef idx="2">
-            <a:schemeClr val="accent1">
-              <a:shade val="15000"/>
-            </a:schemeClr>
-          </a:lnRef>
-          <a:fillRef idx="1">
-            <a:schemeClr val="accent1"/>
-          </a:fillRef>
-          <a:effectRef idx="0">
-            <a:schemeClr val="accent1"/>
-          </a:effectRef>
-          <a:fontRef idx="minor">
-            <a:schemeClr val="lt1"/>
-          </a:fontRef>
-        </p:style>
-        <p:txBody>
-          <a:bodyPr rtlCol="0" anchor="ctr"/>
-          <a:lstStyle/>
-          <a:p>
-            <a:pPr algn="ctr"/>
-            <a:endParaRPr lang="ja-JP" altLang="en-US" sz="7067"/>
-          </a:p>
-        </p:txBody>
-      </p:sp>
-      <p:sp>
-        <p:nvSpPr>
-          <p:cNvPr id="72" name="二等辺三角形 71">
-            <a:extLst>
-              <a:ext uri="{FF2B5EF4-FFF2-40B4-BE49-F238E27FC236}">
-                <a16:creationId xmlns:a16="http://schemas.microsoft.com/office/drawing/2014/main" id="{5B700F99-F1D8-48C9-D06C-DD7C508E6429}"/>
-              </a:ext>
-            </a:extLst>
-          </p:cNvPr>
-          <p:cNvSpPr/>
-          <p:nvPr/>
-        </p:nvSpPr>
-        <p:spPr>
-          <a:xfrm rot="5400000" flipV="1">
-            <a:off x="3241694" y="11279414"/>
-            <a:ext cx="821861" cy="443033"/>
-          </a:xfrm>
-          <a:prstGeom prst="triangle">
-            <a:avLst>
-              <a:gd name="adj" fmla="val 100000"/>
-            </a:avLst>
-          </a:prstGeom>
-          <a:solidFill>
-            <a:srgbClr val="282828"/>
-          </a:solidFill>
-          <a:ln>
-            <a:noFill/>
-          </a:ln>
-        </p:spPr>
-        <p:style>
-          <a:lnRef idx="2">
-            <a:schemeClr val="accent1">
-              <a:shade val="15000"/>
-            </a:schemeClr>
-          </a:lnRef>
-          <a:fillRef idx="1">
-            <a:schemeClr val="accent1"/>
-          </a:fillRef>
-          <a:effectRef idx="0">
-            <a:schemeClr val="accent1"/>
-          </a:effectRef>
-          <a:fontRef idx="minor">
-            <a:schemeClr val="lt1"/>
-          </a:fontRef>
-        </p:style>
-        <p:txBody>
-          <a:bodyPr rtlCol="0" anchor="ctr"/>
-          <a:lstStyle/>
-          <a:p>
-            <a:pPr algn="ctr"/>
-            <a:endParaRPr kumimoji="1" lang="ja-JP" altLang="en-US"/>
-          </a:p>
-        </p:txBody>
-      </p:sp>
-      <p:sp>
-        <p:nvSpPr>
-          <p:cNvPr id="73" name="二等辺三角形 72">
-            <a:extLst>
-              <a:ext uri="{FF2B5EF4-FFF2-40B4-BE49-F238E27FC236}">
-                <a16:creationId xmlns:a16="http://schemas.microsoft.com/office/drawing/2014/main" id="{C686788B-F203-3BC8-7C7C-90CF42F02CCE}"/>
-              </a:ext>
-            </a:extLst>
-          </p:cNvPr>
-          <p:cNvSpPr/>
-          <p:nvPr/>
-        </p:nvSpPr>
-        <p:spPr>
-          <a:xfrm rot="5400000" flipH="1" flipV="1">
-            <a:off x="3244563" y="12094560"/>
-            <a:ext cx="618969" cy="253567"/>
-          </a:xfrm>
-          <a:prstGeom prst="triangle">
-            <a:avLst>
-              <a:gd name="adj" fmla="val 100000"/>
-            </a:avLst>
-          </a:prstGeom>
-          <a:solidFill>
-            <a:srgbClr val="282828"/>
-          </a:solidFill>
-          <a:ln>
-            <a:noFill/>
-          </a:ln>
-        </p:spPr>
-        <p:style>
-          <a:lnRef idx="2">
-            <a:schemeClr val="accent1">
-              <a:shade val="15000"/>
-            </a:schemeClr>
-          </a:lnRef>
-          <a:fillRef idx="1">
-            <a:schemeClr val="accent1"/>
-          </a:fillRef>
-          <a:effectRef idx="0">
-            <a:schemeClr val="accent1"/>
-          </a:effectRef>
-          <a:fontRef idx="minor">
-            <a:schemeClr val="lt1"/>
-          </a:fontRef>
-        </p:style>
-        <p:txBody>
-          <a:bodyPr rtlCol="0" anchor="ctr"/>
-          <a:lstStyle/>
-          <a:p>
-            <a:pPr algn="ctr"/>
-            <a:endParaRPr kumimoji="1" lang="ja-JP" altLang="en-US"/>
-          </a:p>
-        </p:txBody>
-      </p:sp>
-      <p:sp>
-        <p:nvSpPr>
-          <p:cNvPr id="74" name="正方形/長方形 73">
-            <a:extLst>
-              <a:ext uri="{FF2B5EF4-FFF2-40B4-BE49-F238E27FC236}">
-                <a16:creationId xmlns:a16="http://schemas.microsoft.com/office/drawing/2014/main" id="{D287B107-6C26-7394-0C67-C43B652486AB}"/>
-              </a:ext>
-            </a:extLst>
-          </p:cNvPr>
-          <p:cNvSpPr/>
-          <p:nvPr/>
-        </p:nvSpPr>
-        <p:spPr>
-          <a:xfrm>
-            <a:off x="3677927" y="11840516"/>
-            <a:ext cx="253567" cy="690316"/>
-          </a:xfrm>
-          <a:prstGeom prst="rect">
-            <a:avLst/>
-          </a:prstGeom>
-          <a:solidFill>
-            <a:srgbClr val="282828"/>
-          </a:solidFill>
-          <a:ln>
-            <a:noFill/>
-          </a:ln>
-        </p:spPr>
-        <p:style>
-          <a:lnRef idx="2">
-            <a:schemeClr val="accent1">
-              <a:shade val="15000"/>
-            </a:schemeClr>
-          </a:lnRef>
-          <a:fillRef idx="1">
-            <a:schemeClr val="accent1"/>
-          </a:fillRef>
-          <a:effectRef idx="0">
-            <a:schemeClr val="accent1"/>
-          </a:effectRef>
-          <a:fontRef idx="minor">
-            <a:schemeClr val="lt1"/>
-          </a:fontRef>
-        </p:style>
-        <p:txBody>
-          <a:bodyPr rtlCol="0" anchor="ctr"/>
-          <a:lstStyle/>
-          <a:p>
-            <a:pPr algn="ctr"/>
-            <a:endParaRPr lang="ja-JP" altLang="en-US" sz="7067"/>
-          </a:p>
-        </p:txBody>
-      </p:sp>
-      <p:pic>
-        <p:nvPicPr>
-          <p:cNvPr id="75" name="図 74">
-            <a:extLst>
-              <a:ext uri="{FF2B5EF4-FFF2-40B4-BE49-F238E27FC236}">
-                <a16:creationId xmlns:a16="http://schemas.microsoft.com/office/drawing/2014/main" id="{BA2785BC-7F21-0431-A42B-3D7AC2109345}"/>
-              </a:ext>
-            </a:extLst>
-          </p:cNvPr>
-          <p:cNvPicPr>
-            <a:picLocks noChangeAspect="1"/>
-          </p:cNvPicPr>
-          <p:nvPr/>
-        </p:nvPicPr>
-        <p:blipFill rotWithShape="1">
-          <a:blip r:embed="rId9"/>
-          <a:srcRect t="3510"/>
-          <a:stretch/>
-        </p:blipFill>
-        <p:spPr>
-          <a:xfrm>
-            <a:off x="6137691" y="11112139"/>
-            <a:ext cx="737762" cy="1469704"/>
-          </a:xfrm>
-          <a:prstGeom prst="rect">
-            <a:avLst/>
-          </a:prstGeom>
-        </p:spPr>
-      </p:pic>
-      <p:sp>
-        <p:nvSpPr>
-          <p:cNvPr id="76" name="正方形/長方形 75">
-            <a:extLst>
-              <a:ext uri="{FF2B5EF4-FFF2-40B4-BE49-F238E27FC236}">
-                <a16:creationId xmlns:a16="http://schemas.microsoft.com/office/drawing/2014/main" id="{F2858A41-8C99-7697-621F-0B428E7B7913}"/>
-              </a:ext>
-            </a:extLst>
-          </p:cNvPr>
-          <p:cNvSpPr/>
-          <p:nvPr/>
-        </p:nvSpPr>
-        <p:spPr>
-          <a:xfrm>
-            <a:off x="3932835" y="11201481"/>
-            <a:ext cx="1030611" cy="1224834"/>
-          </a:xfrm>
-          <a:prstGeom prst="rect">
-            <a:avLst/>
-          </a:prstGeom>
-          <a:solidFill>
-            <a:srgbClr val="C7C7BD"/>
-          </a:solidFill>
-          <a:ln>
-            <a:noFill/>
-          </a:ln>
-        </p:spPr>
-        <p:style>
-          <a:lnRef idx="2">
-            <a:schemeClr val="accent1">
-              <a:shade val="15000"/>
-            </a:schemeClr>
-          </a:lnRef>
-          <a:fillRef idx="1">
-            <a:schemeClr val="accent1"/>
-          </a:fillRef>
-          <a:effectRef idx="0">
-            <a:schemeClr val="accent1"/>
-          </a:effectRef>
-          <a:fontRef idx="minor">
-            <a:schemeClr val="lt1"/>
-          </a:fontRef>
-        </p:style>
-        <p:txBody>
-          <a:bodyPr rtlCol="0" anchor="ctr"/>
-          <a:lstStyle/>
-          <a:p>
-            <a:pPr algn="ctr"/>
-            <a:endParaRPr lang="ja-JP" altLang="en-US" sz="7067"/>
-          </a:p>
-        </p:txBody>
-      </p:sp>
-      <p:sp>
-        <p:nvSpPr>
-          <p:cNvPr id="33" name="二等辺三角形 32">
-            <a:extLst>
-              <a:ext uri="{FF2B5EF4-FFF2-40B4-BE49-F238E27FC236}">
-                <a16:creationId xmlns:a16="http://schemas.microsoft.com/office/drawing/2014/main" id="{5A6B66DD-0DD4-833D-D7DB-05E9500700CA}"/>
-              </a:ext>
-            </a:extLst>
-          </p:cNvPr>
-          <p:cNvSpPr/>
-          <p:nvPr/>
-        </p:nvSpPr>
-        <p:spPr>
-          <a:xfrm rot="16200000">
-            <a:off x="3401085" y="12082167"/>
-            <a:ext cx="501129" cy="187161"/>
-          </a:xfrm>
-          <a:prstGeom prst="triangle">
-            <a:avLst>
-              <a:gd name="adj" fmla="val 100000"/>
-            </a:avLst>
-          </a:prstGeom>
-          <a:solidFill>
-            <a:srgbClr val="C7C7BD"/>
-          </a:solidFill>
-          <a:ln>
-            <a:noFill/>
-          </a:ln>
-        </p:spPr>
-        <p:style>
-          <a:lnRef idx="2">
-            <a:schemeClr val="accent1">
-              <a:shade val="15000"/>
-            </a:schemeClr>
-          </a:lnRef>
-          <a:fillRef idx="1">
-            <a:schemeClr val="accent1"/>
-          </a:fillRef>
-          <a:effectRef idx="0">
-            <a:schemeClr val="accent1"/>
-          </a:effectRef>
-          <a:fontRef idx="minor">
-            <a:schemeClr val="lt1"/>
-          </a:fontRef>
-        </p:style>
-        <p:txBody>
-          <a:bodyPr rtlCol="0" anchor="ctr"/>
-          <a:lstStyle/>
-          <a:p>
-            <a:pPr algn="ctr"/>
-            <a:endParaRPr kumimoji="1" lang="ja-JP" altLang="en-US"/>
-          </a:p>
-        </p:txBody>
-      </p:sp>
-      <p:sp>
-        <p:nvSpPr>
-          <p:cNvPr id="51" name="正方形/長方形 50">
-            <a:extLst>
-              <a:ext uri="{FF2B5EF4-FFF2-40B4-BE49-F238E27FC236}">
-                <a16:creationId xmlns:a16="http://schemas.microsoft.com/office/drawing/2014/main" id="{422BA506-136A-B537-4807-061A96EA7A83}"/>
-              </a:ext>
-            </a:extLst>
-          </p:cNvPr>
-          <p:cNvSpPr/>
-          <p:nvPr/>
-        </p:nvSpPr>
-        <p:spPr>
-          <a:xfrm>
-            <a:off x="3744665" y="11840516"/>
-            <a:ext cx="322785" cy="583544"/>
-          </a:xfrm>
-          <a:prstGeom prst="rect">
-            <a:avLst/>
-          </a:prstGeom>
-          <a:solidFill>
-            <a:srgbClr val="C7C7BD"/>
-          </a:solidFill>
-          <a:ln>
-            <a:noFill/>
-          </a:ln>
-        </p:spPr>
-        <p:style>
-          <a:lnRef idx="2">
-            <a:schemeClr val="accent1">
-              <a:shade val="15000"/>
-            </a:schemeClr>
-          </a:lnRef>
-          <a:fillRef idx="1">
-            <a:schemeClr val="accent1"/>
-          </a:fillRef>
-          <a:effectRef idx="0">
-            <a:schemeClr val="accent1"/>
-          </a:effectRef>
-          <a:fontRef idx="minor">
-            <a:schemeClr val="lt1"/>
-          </a:fontRef>
-        </p:style>
-        <p:txBody>
-          <a:bodyPr rtlCol="0" anchor="ctr"/>
-          <a:lstStyle/>
-          <a:p>
-            <a:pPr algn="ctr"/>
-            <a:endParaRPr lang="ja-JP" altLang="en-US" sz="7067"/>
-          </a:p>
-        </p:txBody>
-      </p:sp>
-      <p:sp>
-        <p:nvSpPr>
-          <p:cNvPr id="54" name="二等辺三角形 53">
-            <a:extLst>
-              <a:ext uri="{FF2B5EF4-FFF2-40B4-BE49-F238E27FC236}">
-                <a16:creationId xmlns:a16="http://schemas.microsoft.com/office/drawing/2014/main" id="{23AA40A2-A1B7-C3AA-373A-DD504A0FC078}"/>
-              </a:ext>
-            </a:extLst>
-          </p:cNvPr>
-          <p:cNvSpPr/>
-          <p:nvPr/>
-        </p:nvSpPr>
-        <p:spPr>
-          <a:xfrm rot="5400000" flipV="1">
-            <a:off x="3380921" y="11374612"/>
-            <a:ext cx="723702" cy="377445"/>
-          </a:xfrm>
-          <a:prstGeom prst="triangle">
-            <a:avLst>
-              <a:gd name="adj" fmla="val 100000"/>
-            </a:avLst>
-          </a:prstGeom>
-          <a:solidFill>
-            <a:srgbClr val="C7C7BD"/>
-          </a:solidFill>
-          <a:ln>
-            <a:noFill/>
-          </a:ln>
-        </p:spPr>
-        <p:style>
-          <a:lnRef idx="2">
-            <a:schemeClr val="accent1">
-              <a:shade val="15000"/>
-            </a:schemeClr>
-          </a:lnRef>
-          <a:fillRef idx="1">
-            <a:schemeClr val="accent1"/>
-          </a:fillRef>
-          <a:effectRef idx="0">
-            <a:schemeClr val="accent1"/>
-          </a:effectRef>
-          <a:fontRef idx="minor">
-            <a:schemeClr val="lt1"/>
-          </a:fontRef>
-        </p:style>
-        <p:txBody>
-          <a:bodyPr rtlCol="0" anchor="ctr"/>
-          <a:lstStyle/>
-          <a:p>
-            <a:pPr algn="ctr"/>
-            <a:endParaRPr kumimoji="1" lang="ja-JP" altLang="en-US"/>
-          </a:p>
-        </p:txBody>
-      </p:sp>
-      <p:sp>
-        <p:nvSpPr>
-          <p:cNvPr id="57" name="正方形/長方形 56">
-            <a:extLst>
-              <a:ext uri="{FF2B5EF4-FFF2-40B4-BE49-F238E27FC236}">
-                <a16:creationId xmlns:a16="http://schemas.microsoft.com/office/drawing/2014/main" id="{C3C7ADA6-08C8-BD1F-8B76-BA535347196B}"/>
-              </a:ext>
-            </a:extLst>
-          </p:cNvPr>
-          <p:cNvSpPr/>
-          <p:nvPr/>
-        </p:nvSpPr>
-        <p:spPr>
-          <a:xfrm>
-            <a:off x="3984479" y="11296869"/>
-            <a:ext cx="976690" cy="1023733"/>
-          </a:xfrm>
-          <a:prstGeom prst="rect">
-            <a:avLst/>
-          </a:prstGeom>
-          <a:solidFill>
-            <a:srgbClr val="919292"/>
-          </a:solidFill>
-          <a:ln>
-            <a:noFill/>
-          </a:ln>
-        </p:spPr>
-        <p:style>
-          <a:lnRef idx="2">
-            <a:schemeClr val="accent1">
-              <a:shade val="15000"/>
-            </a:schemeClr>
-          </a:lnRef>
-          <a:fillRef idx="1">
-            <a:schemeClr val="accent1"/>
-          </a:fillRef>
-          <a:effectRef idx="0">
-            <a:schemeClr val="accent1"/>
-          </a:effectRef>
-          <a:fontRef idx="minor">
-            <a:schemeClr val="lt1"/>
-          </a:fontRef>
-        </p:style>
-        <p:txBody>
-          <a:bodyPr rtlCol="0" anchor="ctr"/>
-          <a:lstStyle/>
-          <a:p>
-            <a:pPr algn="ctr"/>
-            <a:endParaRPr lang="ja-JP" altLang="en-US" sz="7067"/>
-          </a:p>
-        </p:txBody>
-      </p:sp>
-      <p:sp>
-        <p:nvSpPr>
-          <p:cNvPr id="59" name="二等辺三角形 58">
-            <a:extLst>
-              <a:ext uri="{FF2B5EF4-FFF2-40B4-BE49-F238E27FC236}">
-                <a16:creationId xmlns:a16="http://schemas.microsoft.com/office/drawing/2014/main" id="{13916ECA-63CF-82CA-BBCF-712501E16D0C}"/>
-              </a:ext>
-            </a:extLst>
-          </p:cNvPr>
-          <p:cNvSpPr/>
-          <p:nvPr/>
-        </p:nvSpPr>
-        <p:spPr>
-          <a:xfrm rot="5400000" flipH="1" flipV="1">
-            <a:off x="3508784" y="12034625"/>
-            <a:ext cx="418689" cy="153264"/>
-          </a:xfrm>
-          <a:prstGeom prst="triangle">
-            <a:avLst>
-              <a:gd name="adj" fmla="val 100000"/>
-            </a:avLst>
-          </a:prstGeom>
-          <a:solidFill>
-            <a:srgbClr val="919292"/>
-          </a:solidFill>
-          <a:ln>
-            <a:noFill/>
-          </a:ln>
-        </p:spPr>
-        <p:style>
-          <a:lnRef idx="2">
-            <a:schemeClr val="accent1">
-              <a:shade val="15000"/>
-            </a:schemeClr>
-          </a:lnRef>
-          <a:fillRef idx="1">
-            <a:schemeClr val="accent1"/>
-          </a:fillRef>
-          <a:effectRef idx="0">
-            <a:schemeClr val="accent1"/>
-          </a:effectRef>
-          <a:fontRef idx="minor">
-            <a:schemeClr val="lt1"/>
-          </a:fontRef>
-        </p:style>
-        <p:txBody>
-          <a:bodyPr rtlCol="0" anchor="ctr"/>
-          <a:lstStyle/>
-          <a:p>
-            <a:pPr algn="ctr"/>
-            <a:endParaRPr kumimoji="1" lang="ja-JP" altLang="en-US"/>
-          </a:p>
-        </p:txBody>
-      </p:sp>
-      <p:sp>
-        <p:nvSpPr>
-          <p:cNvPr id="60" name="正方形/長方形 59">
-            <a:extLst>
-              <a:ext uri="{FF2B5EF4-FFF2-40B4-BE49-F238E27FC236}">
-                <a16:creationId xmlns:a16="http://schemas.microsoft.com/office/drawing/2014/main" id="{BFABCE08-CC61-37BF-7DE5-ACB52E966D0A}"/>
-              </a:ext>
-            </a:extLst>
-          </p:cNvPr>
-          <p:cNvSpPr/>
-          <p:nvPr/>
-        </p:nvSpPr>
-        <p:spPr>
-          <a:xfrm>
-            <a:off x="3793976" y="11875469"/>
-            <a:ext cx="223061" cy="444210"/>
-          </a:xfrm>
-          <a:prstGeom prst="rect">
-            <a:avLst/>
-          </a:prstGeom>
-          <a:solidFill>
-            <a:srgbClr val="919292"/>
-          </a:solidFill>
-          <a:ln>
-            <a:noFill/>
-          </a:ln>
-        </p:spPr>
-        <p:style>
-          <a:lnRef idx="2">
-            <a:schemeClr val="accent1">
-              <a:shade val="15000"/>
-            </a:schemeClr>
-          </a:lnRef>
-          <a:fillRef idx="1">
-            <a:schemeClr val="accent1"/>
-          </a:fillRef>
-          <a:effectRef idx="0">
-            <a:schemeClr val="accent1"/>
-          </a:effectRef>
-          <a:fontRef idx="minor">
-            <a:schemeClr val="lt1"/>
-          </a:fontRef>
-        </p:style>
-        <p:txBody>
-          <a:bodyPr rtlCol="0" anchor="ctr"/>
-          <a:lstStyle/>
-          <a:p>
-            <a:pPr algn="ctr"/>
-            <a:endParaRPr lang="ja-JP" altLang="en-US" sz="7067"/>
-          </a:p>
-        </p:txBody>
-      </p:sp>
-      <p:sp>
-        <p:nvSpPr>
-          <p:cNvPr id="61" name="二等辺三角形 60">
-            <a:extLst>
-              <a:ext uri="{FF2B5EF4-FFF2-40B4-BE49-F238E27FC236}">
-                <a16:creationId xmlns:a16="http://schemas.microsoft.com/office/drawing/2014/main" id="{B3BE47F9-D51A-CDD0-E8E8-A83DFAF7D79A}"/>
-              </a:ext>
-            </a:extLst>
-          </p:cNvPr>
-          <p:cNvSpPr/>
-          <p:nvPr/>
-        </p:nvSpPr>
-        <p:spPr>
-          <a:xfrm rot="5400000" flipV="1">
-            <a:off x="3507569" y="11430796"/>
-            <a:ext cx="610838" cy="342985"/>
-          </a:xfrm>
-          <a:prstGeom prst="triangle">
-            <a:avLst>
-              <a:gd name="adj" fmla="val 100000"/>
-            </a:avLst>
-          </a:prstGeom>
-          <a:solidFill>
-            <a:srgbClr val="919292"/>
-          </a:solidFill>
-          <a:ln>
-            <a:noFill/>
-          </a:ln>
-        </p:spPr>
-        <p:style>
-          <a:lnRef idx="2">
-            <a:schemeClr val="accent1">
-              <a:shade val="15000"/>
-            </a:schemeClr>
-          </a:lnRef>
-          <a:fillRef idx="1">
-            <a:schemeClr val="accent1"/>
-          </a:fillRef>
-          <a:effectRef idx="0">
-            <a:schemeClr val="accent1"/>
-          </a:effectRef>
-          <a:fontRef idx="minor">
-            <a:schemeClr val="lt1"/>
-          </a:fontRef>
-        </p:style>
-        <p:txBody>
-          <a:bodyPr rtlCol="0" anchor="ctr"/>
-          <a:lstStyle/>
-          <a:p>
-            <a:pPr algn="ctr"/>
-            <a:endParaRPr kumimoji="1" lang="ja-JP" altLang="en-US"/>
-          </a:p>
-        </p:txBody>
-      </p:sp>
-      <p:pic>
-        <p:nvPicPr>
-          <p:cNvPr id="65" name="図 64">
-            <a:extLst>
-              <a:ext uri="{FF2B5EF4-FFF2-40B4-BE49-F238E27FC236}">
-                <a16:creationId xmlns:a16="http://schemas.microsoft.com/office/drawing/2014/main" id="{844A20BA-AD34-BBA5-17D1-9CD1AA487AF1}"/>
-              </a:ext>
-            </a:extLst>
-          </p:cNvPr>
-          <p:cNvPicPr>
-            <a:picLocks noChangeAspect="1"/>
-          </p:cNvPicPr>
-          <p:nvPr/>
-        </p:nvPicPr>
-        <p:blipFill>
-          <a:blip r:embed="rId15"/>
-          <a:stretch>
-            <a:fillRect/>
-          </a:stretch>
-        </p:blipFill>
-        <p:spPr>
-          <a:xfrm>
-            <a:off x="1756747" y="7219784"/>
-            <a:ext cx="356831" cy="276347"/>
-          </a:xfrm>
-          <a:prstGeom prst="rect">
-            <a:avLst/>
-          </a:prstGeom>
-        </p:spPr>
-      </p:pic>
-      <p:pic>
-        <p:nvPicPr>
-          <p:cNvPr id="55" name="図 54">
-            <a:extLst>
-              <a:ext uri="{FF2B5EF4-FFF2-40B4-BE49-F238E27FC236}">
-                <a16:creationId xmlns:a16="http://schemas.microsoft.com/office/drawing/2014/main" id="{37C6FF51-3CB2-3EE9-E3FC-07D492F52E86}"/>
-              </a:ext>
-            </a:extLst>
-          </p:cNvPr>
-          <p:cNvPicPr>
-            <a:picLocks noChangeAspect="1"/>
-          </p:cNvPicPr>
-          <p:nvPr/>
-        </p:nvPicPr>
-        <p:blipFill>
-          <a:blip r:embed="rId14"/>
-          <a:stretch>
-            <a:fillRect/>
-          </a:stretch>
-        </p:blipFill>
-        <p:spPr>
-          <a:xfrm>
-            <a:off x="1574187" y="7293209"/>
-            <a:ext cx="182559" cy="343935"/>
-          </a:xfrm>
-          <a:prstGeom prst="rect">
-            <a:avLst/>
-          </a:prstGeom>
-        </p:spPr>
-      </p:pic>
     </p:spTree>
     <p:extLst>
       <p:ext uri="{BB962C8B-B14F-4D97-AF65-F5344CB8AC3E}">

--- a/モデリング/車両/03/03.pptx
+++ b/モデリング/車両/03/03.pptx
@@ -243,7 +243,7 @@
           <a:p>
             <a:fld id="{4452E1B7-8995-CD47-BA2C-CAD4F0B61F9F}" type="datetimeFigureOut">
               <a:rPr kumimoji="1" lang="ja-JP" altLang="en-US" smtClean="0"/>
-              <a:t>2024/9/27</a:t>
+              <a:t>2024/10/3</a:t>
             </a:fld>
             <a:endParaRPr kumimoji="1" lang="ja-JP" altLang="en-US"/>
           </a:p>
@@ -445,7 +445,7 @@
           <a:p>
             <a:fld id="{4452E1B7-8995-CD47-BA2C-CAD4F0B61F9F}" type="datetimeFigureOut">
               <a:rPr kumimoji="1" lang="ja-JP" altLang="en-US" smtClean="0"/>
-              <a:t>2024/9/27</a:t>
+              <a:t>2024/10/3</a:t>
             </a:fld>
             <a:endParaRPr kumimoji="1" lang="ja-JP" altLang="en-US"/>
           </a:p>
@@ -657,7 +657,7 @@
           <a:p>
             <a:fld id="{4452E1B7-8995-CD47-BA2C-CAD4F0B61F9F}" type="datetimeFigureOut">
               <a:rPr kumimoji="1" lang="ja-JP" altLang="en-US" smtClean="0"/>
-              <a:t>2024/9/27</a:t>
+              <a:t>2024/10/3</a:t>
             </a:fld>
             <a:endParaRPr kumimoji="1" lang="ja-JP" altLang="en-US"/>
           </a:p>
@@ -859,7 +859,7 @@
           <a:p>
             <a:fld id="{4452E1B7-8995-CD47-BA2C-CAD4F0B61F9F}" type="datetimeFigureOut">
               <a:rPr kumimoji="1" lang="ja-JP" altLang="en-US" smtClean="0"/>
-              <a:t>2024/9/27</a:t>
+              <a:t>2024/10/3</a:t>
             </a:fld>
             <a:endParaRPr kumimoji="1" lang="ja-JP" altLang="en-US"/>
           </a:p>
@@ -1105,7 +1105,7 @@
           <a:p>
             <a:fld id="{4452E1B7-8995-CD47-BA2C-CAD4F0B61F9F}" type="datetimeFigureOut">
               <a:rPr kumimoji="1" lang="ja-JP" altLang="en-US" smtClean="0"/>
-              <a:t>2024/9/27</a:t>
+              <a:t>2024/10/3</a:t>
             </a:fld>
             <a:endParaRPr kumimoji="1" lang="ja-JP" altLang="en-US"/>
           </a:p>
@@ -1401,7 +1401,7 @@
           <a:p>
             <a:fld id="{4452E1B7-8995-CD47-BA2C-CAD4F0B61F9F}" type="datetimeFigureOut">
               <a:rPr kumimoji="1" lang="ja-JP" altLang="en-US" smtClean="0"/>
-              <a:t>2024/9/27</a:t>
+              <a:t>2024/10/3</a:t>
             </a:fld>
             <a:endParaRPr kumimoji="1" lang="ja-JP" altLang="en-US"/>
           </a:p>
@@ -1832,7 +1832,7 @@
           <a:p>
             <a:fld id="{4452E1B7-8995-CD47-BA2C-CAD4F0B61F9F}" type="datetimeFigureOut">
               <a:rPr kumimoji="1" lang="ja-JP" altLang="en-US" smtClean="0"/>
-              <a:t>2024/9/27</a:t>
+              <a:t>2024/10/3</a:t>
             </a:fld>
             <a:endParaRPr kumimoji="1" lang="ja-JP" altLang="en-US"/>
           </a:p>
@@ -1950,7 +1950,7 @@
           <a:p>
             <a:fld id="{4452E1B7-8995-CD47-BA2C-CAD4F0B61F9F}" type="datetimeFigureOut">
               <a:rPr kumimoji="1" lang="ja-JP" altLang="en-US" smtClean="0"/>
-              <a:t>2024/9/27</a:t>
+              <a:t>2024/10/3</a:t>
             </a:fld>
             <a:endParaRPr kumimoji="1" lang="ja-JP" altLang="en-US"/>
           </a:p>
@@ -2045,7 +2045,7 @@
           <a:p>
             <a:fld id="{4452E1B7-8995-CD47-BA2C-CAD4F0B61F9F}" type="datetimeFigureOut">
               <a:rPr kumimoji="1" lang="ja-JP" altLang="en-US" smtClean="0"/>
-              <a:t>2024/9/27</a:t>
+              <a:t>2024/10/3</a:t>
             </a:fld>
             <a:endParaRPr kumimoji="1" lang="ja-JP" altLang="en-US"/>
           </a:p>
@@ -2354,7 +2354,7 @@
           <a:p>
             <a:fld id="{4452E1B7-8995-CD47-BA2C-CAD4F0B61F9F}" type="datetimeFigureOut">
               <a:rPr kumimoji="1" lang="ja-JP" altLang="en-US" smtClean="0"/>
-              <a:t>2024/9/27</a:t>
+              <a:t>2024/10/3</a:t>
             </a:fld>
             <a:endParaRPr kumimoji="1" lang="ja-JP" altLang="en-US"/>
           </a:p>
@@ -2611,7 +2611,7 @@
           <a:p>
             <a:fld id="{4452E1B7-8995-CD47-BA2C-CAD4F0B61F9F}" type="datetimeFigureOut">
               <a:rPr kumimoji="1" lang="ja-JP" altLang="en-US" smtClean="0"/>
-              <a:t>2024/9/27</a:t>
+              <a:t>2024/10/3</a:t>
             </a:fld>
             <a:endParaRPr kumimoji="1" lang="ja-JP" altLang="en-US"/>
           </a:p>
@@ -2856,7 +2856,7 @@
           <a:p>
             <a:fld id="{4452E1B7-8995-CD47-BA2C-CAD4F0B61F9F}" type="datetimeFigureOut">
               <a:rPr kumimoji="1" lang="ja-JP" altLang="en-US" smtClean="0"/>
-              <a:t>2024/9/27</a:t>
+              <a:t>2024/10/3</a:t>
             </a:fld>
             <a:endParaRPr kumimoji="1" lang="ja-JP" altLang="en-US"/>
           </a:p>
@@ -3660,7 +3660,7 @@
         </p:blipFill>
         <p:spPr>
           <a:xfrm>
-            <a:off x="921912" y="2637454"/>
+            <a:off x="921913" y="2909992"/>
             <a:ext cx="8749469" cy="2562800"/>
           </a:xfrm>
           <a:prstGeom prst="rect">
@@ -3903,7 +3903,7 @@
         </p:blipFill>
         <p:spPr>
           <a:xfrm>
-            <a:off x="2776362" y="7216627"/>
+            <a:off x="2776362" y="7241679"/>
             <a:ext cx="6895019" cy="282662"/>
           </a:xfrm>
           <a:prstGeom prst="rect">
@@ -6294,7 +6294,7 @@
         </p:blipFill>
         <p:spPr>
           <a:xfrm>
-            <a:off x="1756747" y="7219784"/>
+            <a:off x="1756747" y="7244836"/>
             <a:ext cx="356831" cy="276347"/>
           </a:xfrm>
           <a:prstGeom prst="rect">
@@ -6324,7 +6324,7 @@
         </p:blipFill>
         <p:spPr>
           <a:xfrm>
-            <a:off x="1574187" y="7293209"/>
+            <a:off x="1574187" y="7297669"/>
             <a:ext cx="182559" cy="343935"/>
           </a:xfrm>
           <a:prstGeom prst="rect">
@@ -6346,7 +6346,7 @@
         </p:nvSpPr>
         <p:spPr>
           <a:xfrm>
-            <a:off x="3714573" y="5764203"/>
+            <a:off x="3677927" y="5770699"/>
             <a:ext cx="413387" cy="154006"/>
           </a:xfrm>
           <a:prstGeom prst="roundRect">
@@ -6952,7 +6952,7 @@
         </p:blipFill>
         <p:spPr>
           <a:xfrm>
-            <a:off x="8020694" y="6050177"/>
+            <a:off x="8020694" y="6075229"/>
             <a:ext cx="662785" cy="1901852"/>
           </a:xfrm>
           <a:prstGeom prst="rect">
@@ -7055,7 +7055,7 @@
         </p:blipFill>
         <p:spPr>
           <a:xfrm>
-            <a:off x="5083990" y="6050177"/>
+            <a:off x="5083990" y="6075229"/>
             <a:ext cx="662785" cy="1901852"/>
           </a:xfrm>
           <a:prstGeom prst="rect">
@@ -7158,7 +7158,7 @@
         </p:blipFill>
         <p:spPr>
           <a:xfrm>
-            <a:off x="2113579" y="6050177"/>
+            <a:off x="2113579" y="6075229"/>
             <a:ext cx="662785" cy="1901852"/>
           </a:xfrm>
           <a:prstGeom prst="rect">
@@ -7966,6 +7966,376 @@
           </a:p>
         </p:txBody>
       </p:sp>
+      <p:sp>
+        <p:nvSpPr>
+          <p:cNvPr id="62" name="四角形: 角を丸くする 98">
+            <a:extLst>
+              <a:ext uri="{FF2B5EF4-FFF2-40B4-BE49-F238E27FC236}">
+                <a16:creationId xmlns:a16="http://schemas.microsoft.com/office/drawing/2014/main" id="{D43194A3-983E-2A41-EBD4-9D8AFCF98F3D}"/>
+              </a:ext>
+            </a:extLst>
+          </p:cNvPr>
+          <p:cNvSpPr/>
+          <p:nvPr/>
+        </p:nvSpPr>
+        <p:spPr>
+          <a:xfrm>
+            <a:off x="6289423" y="5743908"/>
+            <a:ext cx="127319" cy="272684"/>
+          </a:xfrm>
+          <a:prstGeom prst="roundRect">
+            <a:avLst>
+              <a:gd name="adj" fmla="val 15171"/>
+            </a:avLst>
+          </a:prstGeom>
+          <a:gradFill>
+            <a:gsLst>
+              <a:gs pos="43178">
+                <a:srgbClr val="27C0DB"/>
+              </a:gs>
+              <a:gs pos="83000">
+                <a:srgbClr val="28C0DD"/>
+              </a:gs>
+              <a:gs pos="100000">
+                <a:srgbClr val="26C9E4"/>
+              </a:gs>
+              <a:gs pos="11520">
+                <a:srgbClr val="3CBDD7"/>
+              </a:gs>
+              <a:gs pos="0">
+                <a:srgbClr val="3CBDD7"/>
+              </a:gs>
+            </a:gsLst>
+            <a:lin ang="0" scaled="0"/>
+          </a:gradFill>
+          <a:ln>
+            <a:noFill/>
+          </a:ln>
+          <a:effectLst>
+            <a:glow rad="38100">
+              <a:schemeClr val="tx1">
+                <a:lumMod val="65000"/>
+                <a:lumOff val="35000"/>
+                <a:alpha val="50000"/>
+              </a:schemeClr>
+            </a:glow>
+          </a:effectLst>
+        </p:spPr>
+        <p:style>
+          <a:lnRef idx="2">
+            <a:schemeClr val="accent1">
+              <a:shade val="15000"/>
+            </a:schemeClr>
+          </a:lnRef>
+          <a:fillRef idx="1">
+            <a:schemeClr val="accent1"/>
+          </a:fillRef>
+          <a:effectRef idx="0">
+            <a:schemeClr val="accent1"/>
+          </a:effectRef>
+          <a:fontRef idx="minor">
+            <a:schemeClr val="lt1"/>
+          </a:fontRef>
+        </p:style>
+        <p:txBody>
+          <a:bodyPr rtlCol="0" anchor="ctr"/>
+          <a:lstStyle/>
+          <a:p>
+            <a:pPr algn="ctr"/>
+            <a:endParaRPr kumimoji="1" lang="ja-JP" altLang="en-US"/>
+          </a:p>
+        </p:txBody>
+      </p:sp>
+      <p:sp>
+        <p:nvSpPr>
+          <p:cNvPr id="63" name="角丸四角形 62">
+            <a:extLst>
+              <a:ext uri="{FF2B5EF4-FFF2-40B4-BE49-F238E27FC236}">
+                <a16:creationId xmlns:a16="http://schemas.microsoft.com/office/drawing/2014/main" id="{ACB44445-A66D-5328-3561-3B7B108DB0BC}"/>
+              </a:ext>
+            </a:extLst>
+          </p:cNvPr>
+          <p:cNvSpPr/>
+          <p:nvPr/>
+        </p:nvSpPr>
+        <p:spPr>
+          <a:xfrm>
+            <a:off x="6818967" y="5750710"/>
+            <a:ext cx="60972" cy="129843"/>
+          </a:xfrm>
+          <a:prstGeom prst="roundRect">
+            <a:avLst>
+              <a:gd name="adj" fmla="val 50000"/>
+            </a:avLst>
+          </a:prstGeom>
+          <a:solidFill>
+            <a:srgbClr val="23121C"/>
+          </a:solidFill>
+          <a:ln>
+            <a:noFill/>
+          </a:ln>
+          <a:effectLst>
+            <a:glow rad="25400">
+              <a:srgbClr val="23121C">
+                <a:alpha val="50000"/>
+              </a:srgbClr>
+            </a:glow>
+          </a:effectLst>
+        </p:spPr>
+        <p:style>
+          <a:lnRef idx="2">
+            <a:schemeClr val="accent1">
+              <a:shade val="15000"/>
+            </a:schemeClr>
+          </a:lnRef>
+          <a:fillRef idx="1">
+            <a:schemeClr val="accent1"/>
+          </a:fillRef>
+          <a:effectRef idx="0">
+            <a:schemeClr val="accent1"/>
+          </a:effectRef>
+          <a:fontRef idx="minor">
+            <a:schemeClr val="lt1"/>
+          </a:fontRef>
+        </p:style>
+        <p:txBody>
+          <a:bodyPr rtlCol="0" anchor="ctr"/>
+          <a:lstStyle/>
+          <a:p>
+            <a:pPr algn="ctr"/>
+            <a:endParaRPr kumimoji="1" lang="ja-JP" altLang="en-US"/>
+          </a:p>
+        </p:txBody>
+      </p:sp>
+      <p:sp>
+        <p:nvSpPr>
+          <p:cNvPr id="64" name="円/楕円 63">
+            <a:extLst>
+              <a:ext uri="{FF2B5EF4-FFF2-40B4-BE49-F238E27FC236}">
+                <a16:creationId xmlns:a16="http://schemas.microsoft.com/office/drawing/2014/main" id="{C2BBB716-E26A-BF5A-BADC-A69DB4F69A2E}"/>
+              </a:ext>
+            </a:extLst>
+          </p:cNvPr>
+          <p:cNvSpPr/>
+          <p:nvPr/>
+        </p:nvSpPr>
+        <p:spPr>
+          <a:xfrm>
+            <a:off x="6825683" y="5898658"/>
+            <a:ext cx="45719" cy="62133"/>
+          </a:xfrm>
+          <a:prstGeom prst="ellipse">
+            <a:avLst/>
+          </a:prstGeom>
+          <a:solidFill>
+            <a:srgbClr val="681F00"/>
+          </a:solidFill>
+          <a:ln>
+            <a:noFill/>
+          </a:ln>
+          <a:effectLst>
+            <a:glow rad="25400">
+              <a:srgbClr val="681F00">
+                <a:alpha val="50000"/>
+              </a:srgbClr>
+            </a:glow>
+          </a:effectLst>
+        </p:spPr>
+        <p:style>
+          <a:lnRef idx="2">
+            <a:schemeClr val="accent1">
+              <a:shade val="15000"/>
+            </a:schemeClr>
+          </a:lnRef>
+          <a:fillRef idx="1">
+            <a:schemeClr val="accent1"/>
+          </a:fillRef>
+          <a:effectRef idx="0">
+            <a:schemeClr val="accent1"/>
+          </a:effectRef>
+          <a:fontRef idx="minor">
+            <a:schemeClr val="lt1"/>
+          </a:fontRef>
+        </p:style>
+        <p:txBody>
+          <a:bodyPr rtlCol="0" anchor="ctr"/>
+          <a:lstStyle/>
+          <a:p>
+            <a:pPr algn="ctr"/>
+            <a:endParaRPr kumimoji="1" lang="ja-JP" altLang="en-US"/>
+          </a:p>
+        </p:txBody>
+      </p:sp>
+      <p:pic>
+        <p:nvPicPr>
+          <p:cNvPr id="1026" name="Picture 2" descr="東京メトロ03系03-105の側面写真｜RailFile.jp｜鉄道車両サイドビューの図鑑">
+            <a:extLst>
+              <a:ext uri="{FF2B5EF4-FFF2-40B4-BE49-F238E27FC236}">
+                <a16:creationId xmlns:a16="http://schemas.microsoft.com/office/drawing/2014/main" id="{458763EE-9E08-AEC3-6B8E-AACBE297D4C1}"/>
+              </a:ext>
+            </a:extLst>
+          </p:cNvPr>
+          <p:cNvPicPr>
+            <a:picLocks noChangeAspect="1" noChangeArrowheads="1"/>
+          </p:cNvPicPr>
+          <p:nvPr/>
+        </p:nvPicPr>
+        <p:blipFill rotWithShape="1">
+          <a:blip r:embed="rId16">
+            <a:extLst>
+              <a:ext uri="{BEBA8EAE-BF5A-486C-A8C5-ECC9F3942E4B}">
+                <a14:imgProps xmlns:a14="http://schemas.microsoft.com/office/drawing/2010/main">
+                  <a14:imgLayer r:embed="rId17">
+                    <a14:imgEffect>
+                      <a14:sharpenSoften amount="4000"/>
+                    </a14:imgEffect>
+                    <a14:imgEffect>
+                      <a14:colorTemperature colorTemp="7685"/>
+                    </a14:imgEffect>
+                    <a14:imgEffect>
+                      <a14:saturation sat="88000"/>
+                    </a14:imgEffect>
+                    <a14:imgEffect>
+                      <a14:brightnessContrast bright="-9000" contrast="-9000"/>
+                    </a14:imgEffect>
+                  </a14:imgLayer>
+                </a14:imgProps>
+              </a:ext>
+              <a:ext uri="{28A0092B-C50C-407E-A947-70E740481C1C}">
+                <a14:useLocalDpi xmlns:a14="http://schemas.microsoft.com/office/drawing/2010/main" val="0"/>
+              </a:ext>
+            </a:extLst>
+          </a:blip>
+          <a:srcRect l="66889" t="44969" r="23665" b="26015"/>
+          <a:stretch/>
+        </p:blipFill>
+        <p:spPr bwMode="auto">
+          <a:xfrm>
+            <a:off x="1329234" y="6114379"/>
+            <a:ext cx="249808" cy="1783692"/>
+          </a:xfrm>
+          <a:prstGeom prst="rect">
+            <a:avLst/>
+          </a:prstGeom>
+          <a:noFill/>
+          <a:extLst>
+            <a:ext uri="{909E8E84-426E-40DD-AFC4-6F175D3DCCD1}">
+              <a14:hiddenFill xmlns:a14="http://schemas.microsoft.com/office/drawing/2010/main">
+                <a:solidFill>
+                  <a:srgbClr val="FFFFFF"/>
+                </a:solidFill>
+              </a14:hiddenFill>
+            </a:ext>
+          </a:extLst>
+        </p:spPr>
+      </p:pic>
+      <p:sp>
+        <p:nvSpPr>
+          <p:cNvPr id="80" name="正方形/長方形 79">
+            <a:extLst>
+              <a:ext uri="{FF2B5EF4-FFF2-40B4-BE49-F238E27FC236}">
+                <a16:creationId xmlns:a16="http://schemas.microsoft.com/office/drawing/2014/main" id="{73FD25D2-F246-04A0-644E-8B286E9BB545}"/>
+              </a:ext>
+            </a:extLst>
+          </p:cNvPr>
+          <p:cNvSpPr/>
+          <p:nvPr/>
+        </p:nvSpPr>
+        <p:spPr>
+          <a:xfrm>
+            <a:off x="456565" y="7293209"/>
+            <a:ext cx="182559" cy="368066"/>
+          </a:xfrm>
+          <a:prstGeom prst="rect">
+            <a:avLst/>
+          </a:prstGeom>
+          <a:ln>
+            <a:noFill/>
+          </a:ln>
+        </p:spPr>
+        <p:style>
+          <a:lnRef idx="2">
+            <a:schemeClr val="accent1">
+              <a:shade val="15000"/>
+            </a:schemeClr>
+          </a:lnRef>
+          <a:fillRef idx="1">
+            <a:schemeClr val="accent1"/>
+          </a:fillRef>
+          <a:effectRef idx="0">
+            <a:schemeClr val="accent1"/>
+          </a:effectRef>
+          <a:fontRef idx="minor">
+            <a:schemeClr val="lt1"/>
+          </a:fontRef>
+        </p:style>
+        <p:txBody>
+          <a:bodyPr rtlCol="0" anchor="ctr"/>
+          <a:lstStyle/>
+          <a:p>
+            <a:pPr algn="ctr"/>
+            <a:endParaRPr kumimoji="1" lang="ja-JP" altLang="en-US"/>
+          </a:p>
+        </p:txBody>
+      </p:sp>
+      <p:pic>
+        <p:nvPicPr>
+          <p:cNvPr id="86" name="図 85">
+            <a:extLst>
+              <a:ext uri="{FF2B5EF4-FFF2-40B4-BE49-F238E27FC236}">
+                <a16:creationId xmlns:a16="http://schemas.microsoft.com/office/drawing/2014/main" id="{B98DC918-21D6-96A9-C75A-BE47F2187A55}"/>
+              </a:ext>
+            </a:extLst>
+          </p:cNvPr>
+          <p:cNvPicPr>
+            <a:picLocks noChangeAspect="1"/>
+          </p:cNvPicPr>
+          <p:nvPr/>
+        </p:nvPicPr>
+        <p:blipFill rotWithShape="1">
+          <a:blip r:embed="rId7"/>
+          <a:srcRect t="3510"/>
+          <a:stretch/>
+        </p:blipFill>
+        <p:spPr>
+          <a:xfrm>
+            <a:off x="1058846" y="7326543"/>
+            <a:ext cx="270151" cy="323981"/>
+          </a:xfrm>
+          <a:prstGeom prst="rect">
+            <a:avLst/>
+          </a:prstGeom>
+        </p:spPr>
+      </p:pic>
+      <p:pic>
+        <p:nvPicPr>
+          <p:cNvPr id="101" name="図 100">
+            <a:extLst>
+              <a:ext uri="{FF2B5EF4-FFF2-40B4-BE49-F238E27FC236}">
+                <a16:creationId xmlns:a16="http://schemas.microsoft.com/office/drawing/2014/main" id="{42276134-9CB3-5AF4-3D88-AE5384838166}"/>
+              </a:ext>
+            </a:extLst>
+          </p:cNvPr>
+          <p:cNvPicPr>
+            <a:picLocks noChangeAspect="1"/>
+          </p:cNvPicPr>
+          <p:nvPr/>
+        </p:nvPicPr>
+        <p:blipFill rotWithShape="1">
+          <a:blip r:embed="rId7"/>
+          <a:srcRect t="3510"/>
+          <a:stretch/>
+        </p:blipFill>
+        <p:spPr>
+          <a:xfrm>
+            <a:off x="277760" y="6763582"/>
+            <a:ext cx="246932" cy="343935"/>
+          </a:xfrm>
+          <a:prstGeom prst="rect">
+            <a:avLst/>
+          </a:prstGeom>
+        </p:spPr>
+      </p:pic>
     </p:spTree>
     <p:extLst>
       <p:ext uri="{BB962C8B-B14F-4D97-AF65-F5344CB8AC3E}">
